--- a/translations/spanish/data-transformation_es.pptx
+++ b/translations/spanish/data-transformation_es.pptx
@@ -2187,7 +2187,7 @@
           </a:ln>
           <a:extLst>
             <a:ext uri="{C572A759-6A51-4108-AA02-DFA0A04FC94B}">
-              <ma14:wrappingTextBoxFlag xmlns="" xmlns:m="http://schemas.openxmlformats.org/officeDocument/2006/math" xmlns:a14="http://schemas.microsoft.com/office/drawing/2010/main" xmlns:ma14="http://schemas.microsoft.com/office/mac/drawingml/2011/main" val="1"/>
+              <ma14:wrappingTextBoxFlag xmlns:ma14="http://schemas.microsoft.com/office/mac/drawingml/2011/main" xmlns:a14="http://schemas.microsoft.com/office/drawing/2010/main" xmlns:m="http://schemas.openxmlformats.org/officeDocument/2006/math" xmlns="" val="1"/>
             </a:ext>
           </a:extLst>
         </p:spPr>
@@ -2226,7 +2226,7 @@
           </a:ln>
           <a:extLst>
             <a:ext uri="{C572A759-6A51-4108-AA02-DFA0A04FC94B}">
-              <ma14:wrappingTextBoxFlag xmlns="" xmlns:m="http://schemas.openxmlformats.org/officeDocument/2006/math" xmlns:a14="http://schemas.microsoft.com/office/drawing/2010/main" xmlns:ma14="http://schemas.microsoft.com/office/mac/drawingml/2011/main" val="1"/>
+              <ma14:wrappingTextBoxFlag xmlns:ma14="http://schemas.microsoft.com/office/mac/drawingml/2011/main" xmlns:a14="http://schemas.microsoft.com/office/drawing/2010/main" xmlns:m="http://schemas.openxmlformats.org/officeDocument/2006/math" xmlns="" val="1"/>
             </a:ext>
           </a:extLst>
         </p:spPr>
@@ -3692,6 +3692,817 @@
           </a:graphicData>
         </a:graphic>
       </p:graphicFrame>
+      <p:grpSp>
+        <p:nvGrpSpPr>
+          <p:cNvPr id="138" name="Group"/>
+          <p:cNvGrpSpPr/>
+          <p:nvPr/>
+        </p:nvGrpSpPr>
+        <p:grpSpPr>
+          <a:xfrm>
+            <a:off x="8370786" y="-1013163"/>
+            <a:ext cx="6157900" cy="3553966"/>
+            <a:chOff x="0" y="51032"/>
+            <a:chExt cx="6157899" cy="3553965"/>
+          </a:xfrm>
+        </p:grpSpPr>
+        <p:grpSp>
+          <p:nvGrpSpPr>
+            <p:cNvPr id="136" name="Group"/>
+            <p:cNvGrpSpPr/>
+            <p:nvPr/>
+          </p:nvGrpSpPr>
+          <p:grpSpPr>
+            <a:xfrm>
+              <a:off x="23291" y="51032"/>
+              <a:ext cx="6134609" cy="2980100"/>
+              <a:chOff x="0" y="51032"/>
+              <a:chExt cx="6134607" cy="2980098"/>
+            </a:xfrm>
+          </p:grpSpPr>
+          <p:sp>
+            <p:nvSpPr>
+              <p:cNvPr id="121" name="Triangle"/>
+              <p:cNvSpPr/>
+              <p:nvPr/>
+            </p:nvSpPr>
+            <p:spPr>
+              <a:xfrm rot="1800000">
+                <a:off x="1177378" y="304285"/>
+                <a:ext cx="1319513" cy="1143865"/>
+              </a:xfrm>
+              <a:prstGeom prst="triangle">
+                <a:avLst/>
+              </a:prstGeom>
+              <a:solidFill>
+                <a:srgbClr val="F7DCA7"/>
+              </a:solidFill>
+              <a:ln w="3175" cap="flat">
+                <a:solidFill>
+                  <a:srgbClr val="F7DCA7"/>
+                </a:solidFill>
+                <a:prstDash val="solid"/>
+                <a:miter lim="400000"/>
+              </a:ln>
+              <a:effectLst/>
+            </p:spPr>
+            <p:txBody>
+              <a:bodyPr wrap="square" lIns="54568" tIns="54568" rIns="54568" bIns="54568" numCol="1" anchor="ctr">
+                <a:noAutofit/>
+              </a:bodyPr>
+              <a:lstStyle/>
+              <a:p>
+                <a:pPr>
+                  <a:lnSpc>
+                    <a:spcPct val="80000"/>
+                  </a:lnSpc>
+                  <a:spcBef>
+                    <a:spcPts val="0"/>
+                  </a:spcBef>
+                  <a:defRPr>
+                    <a:solidFill>
+                      <a:srgbClr val="000000"/>
+                    </a:solidFill>
+                  </a:defRPr>
+                </a:pPr>
+                <a:endParaRPr/>
+              </a:p>
+            </p:txBody>
+          </p:sp>
+          <p:sp>
+            <p:nvSpPr>
+              <p:cNvPr id="122" name="Circle"/>
+              <p:cNvSpPr/>
+              <p:nvPr/>
+            </p:nvSpPr>
+            <p:spPr>
+              <a:xfrm flipH="1">
+                <a:off x="1550782" y="838359"/>
+                <a:ext cx="422093" cy="422093"/>
+              </a:xfrm>
+              <a:prstGeom prst="ellipse">
+                <a:avLst/>
+              </a:prstGeom>
+              <a:solidFill>
+                <a:srgbClr val="FDF2CA"/>
+              </a:solidFill>
+              <a:ln w="12700" cap="flat">
+                <a:noFill/>
+                <a:miter lim="400000"/>
+              </a:ln>
+              <a:effectLst/>
+            </p:spPr>
+            <p:txBody>
+              <a:bodyPr wrap="square" lIns="54568" tIns="54568" rIns="54568" bIns="54568" numCol="1" anchor="ctr">
+                <a:noAutofit/>
+              </a:bodyPr>
+              <a:lstStyle/>
+              <a:p>
+                <a:pPr>
+                  <a:lnSpc>
+                    <a:spcPct val="80000"/>
+                  </a:lnSpc>
+                  <a:spcBef>
+                    <a:spcPts val="0"/>
+                  </a:spcBef>
+                  <a:defRPr>
+                    <a:solidFill>
+                      <a:srgbClr val="000000"/>
+                    </a:solidFill>
+                  </a:defRPr>
+                </a:pPr>
+                <a:endParaRPr/>
+              </a:p>
+            </p:txBody>
+          </p:sp>
+          <p:sp>
+            <p:nvSpPr>
+              <p:cNvPr id="123" name="Circle"/>
+              <p:cNvSpPr/>
+              <p:nvPr/>
+            </p:nvSpPr>
+            <p:spPr>
+              <a:xfrm flipH="1">
+                <a:off x="0" y="819780"/>
+                <a:ext cx="422090" cy="422093"/>
+              </a:xfrm>
+              <a:prstGeom prst="ellipse">
+                <a:avLst/>
+              </a:prstGeom>
+              <a:solidFill>
+                <a:srgbClr val="F7DCA7">
+                  <a:alpha val="50458"/>
+                </a:srgbClr>
+              </a:solidFill>
+              <a:ln w="12700" cap="flat">
+                <a:noFill/>
+                <a:miter lim="400000"/>
+              </a:ln>
+              <a:effectLst/>
+            </p:spPr>
+            <p:txBody>
+              <a:bodyPr wrap="square" lIns="54568" tIns="54568" rIns="54568" bIns="54568" numCol="1" anchor="ctr">
+                <a:noAutofit/>
+              </a:bodyPr>
+              <a:lstStyle/>
+              <a:p>
+                <a:pPr>
+                  <a:lnSpc>
+                    <a:spcPct val="80000"/>
+                  </a:lnSpc>
+                  <a:spcBef>
+                    <a:spcPts val="0"/>
+                  </a:spcBef>
+                  <a:defRPr>
+                    <a:solidFill>
+                      <a:srgbClr val="000000"/>
+                    </a:solidFill>
+                  </a:defRPr>
+                </a:pPr>
+                <a:endParaRPr/>
+              </a:p>
+            </p:txBody>
+          </p:sp>
+          <p:sp>
+            <p:nvSpPr>
+              <p:cNvPr id="124" name="Triangle"/>
+              <p:cNvSpPr/>
+              <p:nvPr/>
+            </p:nvSpPr>
+            <p:spPr>
+              <a:xfrm rot="19800000">
+                <a:off x="2896976" y="973391"/>
+                <a:ext cx="1319512" cy="1143864"/>
+              </a:xfrm>
+              <a:prstGeom prst="triangle">
+                <a:avLst/>
+              </a:prstGeom>
+              <a:solidFill>
+                <a:srgbClr val="FDF2CA"/>
+              </a:solidFill>
+              <a:ln w="6350" cap="flat">
+                <a:solidFill>
+                  <a:srgbClr val="FDF2CA"/>
+                </a:solidFill>
+                <a:prstDash val="solid"/>
+                <a:miter lim="400000"/>
+              </a:ln>
+              <a:effectLst/>
+            </p:spPr>
+            <p:txBody>
+              <a:bodyPr wrap="square" lIns="54568" tIns="54568" rIns="54568" bIns="54568" numCol="1" anchor="ctr">
+                <a:noAutofit/>
+              </a:bodyPr>
+              <a:lstStyle/>
+              <a:p>
+                <a:pPr>
+                  <a:lnSpc>
+                    <a:spcPct val="80000"/>
+                  </a:lnSpc>
+                  <a:spcBef>
+                    <a:spcPts val="0"/>
+                  </a:spcBef>
+                  <a:defRPr>
+                    <a:solidFill>
+                      <a:srgbClr val="000000"/>
+                    </a:solidFill>
+                  </a:defRPr>
+                </a:pPr>
+                <a:endParaRPr/>
+              </a:p>
+            </p:txBody>
+          </p:sp>
+          <p:sp>
+            <p:nvSpPr>
+              <p:cNvPr id="125" name="Triangle"/>
+              <p:cNvSpPr/>
+              <p:nvPr/>
+            </p:nvSpPr>
+            <p:spPr>
+              <a:xfrm rot="1800000">
+                <a:off x="3470362" y="1634012"/>
+                <a:ext cx="1319514" cy="1143866"/>
+              </a:xfrm>
+              <a:prstGeom prst="triangle">
+                <a:avLst/>
+              </a:prstGeom>
+              <a:solidFill>
+                <a:srgbClr val="F7DCA7"/>
+              </a:solidFill>
+              <a:ln w="6350" cap="flat">
+                <a:solidFill>
+                  <a:srgbClr val="F7DCA7"/>
+                </a:solidFill>
+                <a:prstDash val="solid"/>
+                <a:miter lim="400000"/>
+              </a:ln>
+              <a:effectLst/>
+            </p:spPr>
+            <p:txBody>
+              <a:bodyPr wrap="square" lIns="54568" tIns="54568" rIns="54568" bIns="54568" numCol="1" anchor="ctr">
+                <a:noAutofit/>
+              </a:bodyPr>
+              <a:lstStyle/>
+              <a:p>
+                <a:pPr>
+                  <a:lnSpc>
+                    <a:spcPct val="80000"/>
+                  </a:lnSpc>
+                  <a:spcBef>
+                    <a:spcPts val="0"/>
+                  </a:spcBef>
+                  <a:defRPr>
+                    <a:solidFill>
+                      <a:srgbClr val="000000"/>
+                    </a:solidFill>
+                  </a:defRPr>
+                </a:pPr>
+                <a:endParaRPr/>
+              </a:p>
+            </p:txBody>
+          </p:sp>
+          <p:sp>
+            <p:nvSpPr>
+              <p:cNvPr id="126" name="Circle"/>
+              <p:cNvSpPr/>
+              <p:nvPr/>
+            </p:nvSpPr>
+            <p:spPr>
+              <a:xfrm flipH="1">
+                <a:off x="3461025" y="1507464"/>
+                <a:ext cx="422091" cy="422093"/>
+              </a:xfrm>
+              <a:prstGeom prst="ellipse">
+                <a:avLst/>
+              </a:prstGeom>
+              <a:solidFill>
+                <a:srgbClr val="F7DCA7"/>
+              </a:solidFill>
+              <a:ln w="12700" cap="flat">
+                <a:noFill/>
+                <a:miter lim="400000"/>
+              </a:ln>
+              <a:effectLst/>
+            </p:spPr>
+            <p:txBody>
+              <a:bodyPr wrap="square" lIns="54568" tIns="54568" rIns="54568" bIns="54568" numCol="1" anchor="ctr">
+                <a:noAutofit/>
+              </a:bodyPr>
+              <a:lstStyle/>
+              <a:p>
+                <a:pPr>
+                  <a:lnSpc>
+                    <a:spcPct val="80000"/>
+                  </a:lnSpc>
+                  <a:spcBef>
+                    <a:spcPts val="0"/>
+                  </a:spcBef>
+                  <a:defRPr>
+                    <a:solidFill>
+                      <a:srgbClr val="000000"/>
+                    </a:solidFill>
+                  </a:defRPr>
+                </a:pPr>
+                <a:endParaRPr/>
+              </a:p>
+            </p:txBody>
+          </p:sp>
+          <p:sp>
+            <p:nvSpPr>
+              <p:cNvPr id="127" name="Circle"/>
+              <p:cNvSpPr/>
+              <p:nvPr/>
+            </p:nvSpPr>
+            <p:spPr>
+              <a:xfrm flipH="1">
+                <a:off x="3843766" y="2168086"/>
+                <a:ext cx="422093" cy="422093"/>
+              </a:xfrm>
+              <a:prstGeom prst="ellipse">
+                <a:avLst/>
+              </a:prstGeom>
+              <a:solidFill>
+                <a:srgbClr val="FDF2CA"/>
+              </a:solidFill>
+              <a:ln w="12700" cap="flat">
+                <a:noFill/>
+                <a:miter lim="400000"/>
+              </a:ln>
+              <a:effectLst/>
+            </p:spPr>
+            <p:txBody>
+              <a:bodyPr wrap="square" lIns="54568" tIns="54568" rIns="54568" bIns="54568" numCol="1" anchor="ctr">
+                <a:noAutofit/>
+              </a:bodyPr>
+              <a:lstStyle/>
+              <a:p>
+                <a:pPr>
+                  <a:lnSpc>
+                    <a:spcPct val="80000"/>
+                  </a:lnSpc>
+                  <a:spcBef>
+                    <a:spcPts val="0"/>
+                  </a:spcBef>
+                  <a:defRPr>
+                    <a:solidFill>
+                      <a:srgbClr val="000000"/>
+                    </a:solidFill>
+                  </a:defRPr>
+                </a:pPr>
+                <a:endParaRPr/>
+              </a:p>
+            </p:txBody>
+          </p:sp>
+          <p:sp>
+            <p:nvSpPr>
+              <p:cNvPr id="128" name="Triangle"/>
+              <p:cNvSpPr/>
+              <p:nvPr/>
+            </p:nvSpPr>
+            <p:spPr>
+              <a:xfrm rot="1800000">
+                <a:off x="3470362" y="312964"/>
+                <a:ext cx="1319514" cy="1143865"/>
+              </a:xfrm>
+              <a:prstGeom prst="triangle">
+                <a:avLst/>
+              </a:prstGeom>
+              <a:solidFill>
+                <a:srgbClr val="F7DCA7"/>
+              </a:solidFill>
+              <a:ln w="6350" cap="flat">
+                <a:solidFill>
+                  <a:srgbClr val="F7DCA7"/>
+                </a:solidFill>
+                <a:prstDash val="solid"/>
+                <a:miter lim="400000"/>
+              </a:ln>
+              <a:effectLst/>
+            </p:spPr>
+            <p:txBody>
+              <a:bodyPr wrap="square" lIns="54568" tIns="54568" rIns="54568" bIns="54568" numCol="1" anchor="ctr">
+                <a:noAutofit/>
+              </a:bodyPr>
+              <a:lstStyle/>
+              <a:p>
+                <a:pPr>
+                  <a:lnSpc>
+                    <a:spcPct val="80000"/>
+                  </a:lnSpc>
+                  <a:spcBef>
+                    <a:spcPts val="0"/>
+                  </a:spcBef>
+                  <a:defRPr>
+                    <a:solidFill>
+                      <a:srgbClr val="000000"/>
+                    </a:solidFill>
+                  </a:defRPr>
+                </a:pPr>
+                <a:endParaRPr/>
+              </a:p>
+            </p:txBody>
+          </p:sp>
+          <p:sp>
+            <p:nvSpPr>
+              <p:cNvPr id="129" name="Circle"/>
+              <p:cNvSpPr/>
+              <p:nvPr/>
+            </p:nvSpPr>
+            <p:spPr>
+              <a:xfrm flipH="1">
+                <a:off x="3843766" y="847038"/>
+                <a:ext cx="422093" cy="422093"/>
+              </a:xfrm>
+              <a:prstGeom prst="ellipse">
+                <a:avLst/>
+              </a:prstGeom>
+              <a:solidFill>
+                <a:srgbClr val="FDF2CA"/>
+              </a:solidFill>
+              <a:ln w="12700" cap="flat">
+                <a:noFill/>
+                <a:miter lim="400000"/>
+              </a:ln>
+              <a:effectLst/>
+            </p:spPr>
+            <p:txBody>
+              <a:bodyPr wrap="square" lIns="54568" tIns="54568" rIns="54568" bIns="54568" numCol="1" anchor="ctr">
+                <a:noAutofit/>
+              </a:bodyPr>
+              <a:lstStyle/>
+              <a:p>
+                <a:pPr>
+                  <a:lnSpc>
+                    <a:spcPct val="80000"/>
+                  </a:lnSpc>
+                  <a:spcBef>
+                    <a:spcPts val="0"/>
+                  </a:spcBef>
+                  <a:defRPr>
+                    <a:solidFill>
+                      <a:srgbClr val="000000"/>
+                    </a:solidFill>
+                  </a:defRPr>
+                </a:pPr>
+                <a:endParaRPr/>
+              </a:p>
+            </p:txBody>
+          </p:sp>
+          <p:sp>
+            <p:nvSpPr>
+              <p:cNvPr id="130" name="Triangle"/>
+              <p:cNvSpPr/>
+              <p:nvPr/>
+            </p:nvSpPr>
+            <p:spPr>
+              <a:xfrm rot="19800000">
+                <a:off x="4044133" y="318648"/>
+                <a:ext cx="1319514" cy="1143865"/>
+              </a:xfrm>
+              <a:prstGeom prst="triangle">
+                <a:avLst/>
+              </a:prstGeom>
+              <a:solidFill>
+                <a:srgbClr val="FDF2CA"/>
+              </a:solidFill>
+              <a:ln w="6350" cap="flat">
+                <a:solidFill>
+                  <a:srgbClr val="FDF2CA"/>
+                </a:solidFill>
+                <a:prstDash val="solid"/>
+                <a:miter lim="400000"/>
+              </a:ln>
+              <a:effectLst/>
+            </p:spPr>
+            <p:txBody>
+              <a:bodyPr wrap="square" lIns="54568" tIns="54568" rIns="54568" bIns="54568" numCol="1" anchor="ctr">
+                <a:noAutofit/>
+              </a:bodyPr>
+              <a:lstStyle/>
+              <a:p>
+                <a:pPr>
+                  <a:lnSpc>
+                    <a:spcPct val="80000"/>
+                  </a:lnSpc>
+                  <a:spcBef>
+                    <a:spcPts val="0"/>
+                  </a:spcBef>
+                  <a:defRPr>
+                    <a:solidFill>
+                      <a:srgbClr val="000000"/>
+                    </a:solidFill>
+                  </a:defRPr>
+                </a:pPr>
+                <a:endParaRPr/>
+              </a:p>
+            </p:txBody>
+          </p:sp>
+          <p:sp>
+            <p:nvSpPr>
+              <p:cNvPr id="131" name="Circle"/>
+              <p:cNvSpPr/>
+              <p:nvPr/>
+            </p:nvSpPr>
+            <p:spPr>
+              <a:xfrm flipH="1">
+                <a:off x="4608182" y="852722"/>
+                <a:ext cx="422093" cy="422091"/>
+              </a:xfrm>
+              <a:prstGeom prst="ellipse">
+                <a:avLst/>
+              </a:prstGeom>
+              <a:solidFill>
+                <a:srgbClr val="F7DCA7"/>
+              </a:solidFill>
+              <a:ln w="12700" cap="flat">
+                <a:noFill/>
+                <a:miter lim="400000"/>
+              </a:ln>
+              <a:effectLst/>
+            </p:spPr>
+            <p:txBody>
+              <a:bodyPr wrap="square" lIns="54568" tIns="54568" rIns="54568" bIns="54568" numCol="1" anchor="ctr">
+                <a:noAutofit/>
+              </a:bodyPr>
+              <a:lstStyle/>
+              <a:p>
+                <a:pPr>
+                  <a:lnSpc>
+                    <a:spcPct val="80000"/>
+                  </a:lnSpc>
+                  <a:spcBef>
+                    <a:spcPts val="0"/>
+                  </a:spcBef>
+                  <a:defRPr>
+                    <a:solidFill>
+                      <a:srgbClr val="000000"/>
+                    </a:solidFill>
+                  </a:defRPr>
+                </a:pPr>
+                <a:endParaRPr/>
+              </a:p>
+            </p:txBody>
+          </p:sp>
+          <p:sp>
+            <p:nvSpPr>
+              <p:cNvPr id="132" name="Triangle"/>
+              <p:cNvSpPr/>
+              <p:nvPr/>
+            </p:nvSpPr>
+            <p:spPr>
+              <a:xfrm rot="1800000">
+                <a:off x="4617519" y="979271"/>
+                <a:ext cx="1319514" cy="1143864"/>
+              </a:xfrm>
+              <a:prstGeom prst="triangle">
+                <a:avLst/>
+              </a:prstGeom>
+              <a:solidFill>
+                <a:srgbClr val="F7DCA7"/>
+              </a:solidFill>
+              <a:ln w="6350" cap="flat">
+                <a:solidFill>
+                  <a:srgbClr val="F7DCA7"/>
+                </a:solidFill>
+                <a:prstDash val="solid"/>
+                <a:miter lim="400000"/>
+              </a:ln>
+              <a:effectLst/>
+            </p:spPr>
+            <p:txBody>
+              <a:bodyPr wrap="square" lIns="54568" tIns="54568" rIns="54568" bIns="54568" numCol="1" anchor="ctr">
+                <a:noAutofit/>
+              </a:bodyPr>
+              <a:lstStyle/>
+              <a:p>
+                <a:pPr>
+                  <a:lnSpc>
+                    <a:spcPct val="80000"/>
+                  </a:lnSpc>
+                  <a:spcBef>
+                    <a:spcPts val="0"/>
+                  </a:spcBef>
+                  <a:defRPr>
+                    <a:solidFill>
+                      <a:srgbClr val="000000"/>
+                    </a:solidFill>
+                  </a:defRPr>
+                </a:pPr>
+                <a:endParaRPr/>
+              </a:p>
+            </p:txBody>
+          </p:sp>
+          <p:sp>
+            <p:nvSpPr>
+              <p:cNvPr id="133" name="Circle"/>
+              <p:cNvSpPr/>
+              <p:nvPr/>
+            </p:nvSpPr>
+            <p:spPr>
+              <a:xfrm flipH="1">
+                <a:off x="4990924" y="1513344"/>
+                <a:ext cx="422093" cy="422093"/>
+              </a:xfrm>
+              <a:prstGeom prst="ellipse">
+                <a:avLst/>
+              </a:prstGeom>
+              <a:solidFill>
+                <a:srgbClr val="FDF2CA"/>
+              </a:solidFill>
+              <a:ln w="12700" cap="flat">
+                <a:noFill/>
+                <a:miter lim="400000"/>
+              </a:ln>
+              <a:effectLst/>
+            </p:spPr>
+            <p:txBody>
+              <a:bodyPr wrap="square" lIns="54568" tIns="54568" rIns="54568" bIns="54568" numCol="1" anchor="ctr">
+                <a:noAutofit/>
+              </a:bodyPr>
+              <a:lstStyle/>
+              <a:p>
+                <a:pPr>
+                  <a:lnSpc>
+                    <a:spcPct val="80000"/>
+                  </a:lnSpc>
+                  <a:spcBef>
+                    <a:spcPts val="0"/>
+                  </a:spcBef>
+                  <a:defRPr>
+                    <a:solidFill>
+                      <a:srgbClr val="000000"/>
+                    </a:solidFill>
+                  </a:defRPr>
+                </a:pPr>
+                <a:endParaRPr/>
+              </a:p>
+            </p:txBody>
+          </p:sp>
+          <p:sp>
+            <p:nvSpPr>
+              <p:cNvPr id="134" name="Triangle"/>
+              <p:cNvSpPr/>
+              <p:nvPr/>
+            </p:nvSpPr>
+            <p:spPr>
+              <a:xfrm rot="19800000">
+                <a:off x="1751149" y="309970"/>
+                <a:ext cx="1319513" cy="1143864"/>
+              </a:xfrm>
+              <a:prstGeom prst="triangle">
+                <a:avLst/>
+              </a:prstGeom>
+              <a:solidFill>
+                <a:srgbClr val="FDF2CA"/>
+              </a:solidFill>
+              <a:ln w="6350" cap="flat">
+                <a:solidFill>
+                  <a:srgbClr val="FDF2CA"/>
+                </a:solidFill>
+                <a:prstDash val="solid"/>
+                <a:miter lim="400000"/>
+              </a:ln>
+              <a:effectLst/>
+            </p:spPr>
+            <p:txBody>
+              <a:bodyPr wrap="square" lIns="54568" tIns="54568" rIns="54568" bIns="54568" numCol="1" anchor="ctr">
+                <a:noAutofit/>
+              </a:bodyPr>
+              <a:lstStyle/>
+              <a:p>
+                <a:pPr>
+                  <a:lnSpc>
+                    <a:spcPct val="80000"/>
+                  </a:lnSpc>
+                  <a:spcBef>
+                    <a:spcPts val="0"/>
+                  </a:spcBef>
+                  <a:defRPr>
+                    <a:solidFill>
+                      <a:srgbClr val="000000"/>
+                    </a:solidFill>
+                  </a:defRPr>
+                </a:pPr>
+                <a:endParaRPr/>
+              </a:p>
+            </p:txBody>
+          </p:sp>
+          <p:sp>
+            <p:nvSpPr>
+              <p:cNvPr id="135" name="Circle"/>
+              <p:cNvSpPr/>
+              <p:nvPr/>
+            </p:nvSpPr>
+            <p:spPr>
+              <a:xfrm flipH="1">
+                <a:off x="2315198" y="844042"/>
+                <a:ext cx="422093" cy="422093"/>
+              </a:xfrm>
+              <a:prstGeom prst="ellipse">
+                <a:avLst/>
+              </a:prstGeom>
+              <a:solidFill>
+                <a:srgbClr val="F7DCA7"/>
+              </a:solidFill>
+              <a:ln w="12700" cap="flat">
+                <a:noFill/>
+                <a:miter lim="400000"/>
+              </a:ln>
+              <a:effectLst/>
+            </p:spPr>
+            <p:txBody>
+              <a:bodyPr wrap="square" lIns="54568" tIns="54568" rIns="54568" bIns="54568" numCol="1" anchor="ctr">
+                <a:noAutofit/>
+              </a:bodyPr>
+              <a:lstStyle/>
+              <a:p>
+                <a:pPr>
+                  <a:lnSpc>
+                    <a:spcPct val="80000"/>
+                  </a:lnSpc>
+                  <a:spcBef>
+                    <a:spcPts val="0"/>
+                  </a:spcBef>
+                  <a:defRPr>
+                    <a:solidFill>
+                      <a:srgbClr val="000000"/>
+                    </a:solidFill>
+                  </a:defRPr>
+                </a:pPr>
+                <a:endParaRPr/>
+              </a:p>
+            </p:txBody>
+          </p:sp>
+        </p:grpSp>
+        <p:sp>
+          <p:nvSpPr>
+            <p:cNvPr id="137" name="Rectangle"/>
+            <p:cNvSpPr/>
+            <p:nvPr/>
+          </p:nvSpPr>
+          <p:spPr>
+            <a:xfrm>
+              <a:off x="0" y="1038073"/>
+              <a:ext cx="5593308" cy="2566925"/>
+            </a:xfrm>
+            <a:prstGeom prst="rect">
+              <a:avLst/>
+            </a:prstGeom>
+            <a:gradFill flip="none" rotWithShape="1">
+              <a:gsLst>
+                <a:gs pos="0">
+                  <a:srgbClr val="FFFFFF">
+                    <a:alpha val="0"/>
+                  </a:srgbClr>
+                </a:gs>
+                <a:gs pos="20382">
+                  <a:srgbClr val="FFFFFF">
+                    <a:alpha val="45796"/>
+                  </a:srgbClr>
+                </a:gs>
+                <a:gs pos="35803">
+                  <a:srgbClr val="FFFFFF">
+                    <a:alpha val="72898"/>
+                  </a:srgbClr>
+                </a:gs>
+                <a:gs pos="55434">
+                  <a:srgbClr val="FFFFFF"/>
+                </a:gs>
+              </a:gsLst>
+              <a:path path="circle">
+                <a:fillToRect l="119636" t="37721" r="-19636" b="62278"/>
+              </a:path>
+            </a:gradFill>
+            <a:ln w="12700" cap="flat">
+              <a:noFill/>
+              <a:miter lim="400000"/>
+            </a:ln>
+            <a:effectLst/>
+          </p:spPr>
+          <p:txBody>
+            <a:bodyPr wrap="square" lIns="54568" tIns="54568" rIns="54568" bIns="54568" numCol="1" anchor="ctr">
+              <a:noAutofit/>
+            </a:bodyPr>
+            <a:lstStyle/>
+            <a:p>
+              <a:pPr>
+                <a:lnSpc>
+                  <a:spcPct val="80000"/>
+                </a:lnSpc>
+                <a:spcBef>
+                  <a:spcPts val="0"/>
+                </a:spcBef>
+                <a:defRPr>
+                  <a:solidFill>
+                    <a:srgbClr val="000000"/>
+                  </a:solidFill>
+                </a:defRPr>
+              </a:pPr>
+              <a:endParaRPr/>
+            </a:p>
+          </p:txBody>
+        </p:sp>
+      </p:grpSp>
       <p:sp>
         <p:nvSpPr>
           <p:cNvPr id="139" name="Rectangle"/>
@@ -3902,7 +4713,7 @@
           </a:ln>
           <a:extLst>
             <a:ext uri="{C572A759-6A51-4108-AA02-DFA0A04FC94B}">
-              <ma14:wrappingTextBoxFlag xmlns="" xmlns:m="http://schemas.openxmlformats.org/officeDocument/2006/math" xmlns:a14="http://schemas.microsoft.com/office/drawing/2010/main" xmlns:ma14="http://schemas.microsoft.com/office/mac/drawingml/2011/main" val="1"/>
+              <ma14:wrappingTextBoxFlag xmlns:ma14="http://schemas.microsoft.com/office/mac/drawingml/2011/main" xmlns:a14="http://schemas.microsoft.com/office/drawing/2010/main" xmlns:m="http://schemas.openxmlformats.org/officeDocument/2006/math" xmlns="" val="1"/>
             </a:ext>
           </a:extLst>
         </p:spPr>
@@ -3927,15 +4738,7 @@
             </a:pPr>
             <a:r>
               <a:rPr lang="es-ES" dirty="0"/>
-              <a:t>Resumir</a:t>
-            </a:r>
-            <a:r>
-              <a:rPr dirty="0"/>
-              <a:t> Cas</a:t>
-            </a:r>
-            <a:r>
-              <a:rPr lang="es-ES" dirty="0"/>
-              <a:t>os</a:t>
+              <a:t>Resumir Casos</a:t>
             </a:r>
             <a:endParaRPr dirty="0"/>
           </a:p>
@@ -3949,7 +4752,7 @@
         </p:nvSpPr>
         <p:spPr>
           <a:xfrm>
-            <a:off x="317500" y="7990813"/>
+            <a:off x="317500" y="7962238"/>
             <a:ext cx="4235928" cy="741806"/>
           </a:xfrm>
           <a:prstGeom prst="rect">
@@ -3960,7 +4763,7 @@
           </a:ln>
           <a:extLst>
             <a:ext uri="{C572A759-6A51-4108-AA02-DFA0A04FC94B}">
-              <ma14:wrappingTextBoxFlag xmlns="" xmlns:m="http://schemas.openxmlformats.org/officeDocument/2006/math" xmlns:a14="http://schemas.microsoft.com/office/drawing/2010/main" xmlns:ma14="http://schemas.microsoft.com/office/mac/drawingml/2011/main" val="1"/>
+              <ma14:wrappingTextBoxFlag xmlns:ma14="http://schemas.microsoft.com/office/mac/drawingml/2011/main" xmlns:a14="http://schemas.microsoft.com/office/drawing/2010/main" xmlns:m="http://schemas.openxmlformats.org/officeDocument/2006/math" xmlns="" val="1"/>
             </a:ext>
           </a:extLst>
         </p:spPr>
@@ -4005,7 +4808,7 @@
             </a:r>
             <a:r>
               <a:rPr lang="es-ES" dirty="0"/>
-              <a:t> para agrupar los datos en filas individuales. Las funciones de </a:t>
+              <a:t> para agrupar los datos en filas individuales. Las funciones </a:t>
             </a:r>
             <a:r>
               <a:rPr lang="es-ES" dirty="0" err="1"/>
@@ -4013,7 +4816,7 @@
             </a:r>
             <a:r>
               <a:rPr lang="es-ES" dirty="0"/>
-              <a:t> calcularán los resultados de cada fila. También aplica funciones a las columnas de listas. Consulte la hoja de referencia rápida de </a:t>
+              <a:t> calcularán los resultados de cada fila. También aplique funciones a las columnas de lista. Consulte la hoja de referencia rápida de </a:t>
             </a:r>
             <a:r>
               <a:rPr lang="es-ES" dirty="0" err="1"/>
@@ -4021,7 +4824,7 @@
             </a:r>
             <a:r>
               <a:rPr lang="es-ES" dirty="0"/>
-              <a:t> para el flujo de trabajo de columnas de listas.</a:t>
+              <a:t> para el flujo de trabajo de la lista de columnas.</a:t>
             </a:r>
             <a:endParaRPr dirty="0"/>
           </a:p>
@@ -4106,7 +4909,7 @@
           </a:ln>
           <a:extLst>
             <a:ext uri="{C572A759-6A51-4108-AA02-DFA0A04FC94B}">
-              <ma14:wrappingTextBoxFlag xmlns="" xmlns:m="http://schemas.openxmlformats.org/officeDocument/2006/math" xmlns:a14="http://schemas.microsoft.com/office/drawing/2010/main" xmlns:ma14="http://schemas.microsoft.com/office/mac/drawingml/2011/main" val="1"/>
+              <ma14:wrappingTextBoxFlag xmlns:ma14="http://schemas.microsoft.com/office/mac/drawingml/2011/main" xmlns:a14="http://schemas.microsoft.com/office/drawing/2010/main" xmlns:m="http://schemas.openxmlformats.org/officeDocument/2006/math" xmlns="" val="1"/>
             </a:ext>
           </a:extLst>
         </p:spPr>
@@ -4189,7 +4992,7 @@
         </p:nvSpPr>
         <p:spPr>
           <a:xfrm>
-            <a:off x="317499" y="3325909"/>
+            <a:off x="317499" y="3297334"/>
             <a:ext cx="4140394" cy="634376"/>
           </a:xfrm>
           <a:prstGeom prst="rect">
@@ -4200,7 +5003,7 @@
           </a:ln>
           <a:extLst>
             <a:ext uri="{C572A759-6A51-4108-AA02-DFA0A04FC94B}">
-              <ma14:wrappingTextBoxFlag xmlns="" xmlns:m="http://schemas.openxmlformats.org/officeDocument/2006/math" xmlns:a14="http://schemas.microsoft.com/office/drawing/2010/main" xmlns:ma14="http://schemas.microsoft.com/office/mac/drawingml/2011/main" val="1"/>
+              <ma14:wrappingTextBoxFlag xmlns:ma14="http://schemas.microsoft.com/office/mac/drawingml/2011/main" xmlns:a14="http://schemas.microsoft.com/office/drawing/2010/main" xmlns:m="http://schemas.openxmlformats.org/officeDocument/2006/math" xmlns="" val="1"/>
             </a:ext>
           </a:extLst>
         </p:spPr>
@@ -4318,7 +5121,7 @@
           </a:ln>
           <a:extLst>
             <a:ext uri="{C572A759-6A51-4108-AA02-DFA0A04FC94B}">
-              <ma14:wrappingTextBoxFlag xmlns="" xmlns:m="http://schemas.openxmlformats.org/officeDocument/2006/math" xmlns:a14="http://schemas.microsoft.com/office/drawing/2010/main" xmlns:ma14="http://schemas.microsoft.com/office/mac/drawingml/2011/main" val="1"/>
+              <ma14:wrappingTextBoxFlag xmlns:ma14="http://schemas.microsoft.com/office/mac/drawingml/2011/main" xmlns:a14="http://schemas.microsoft.com/office/drawing/2010/main" xmlns:m="http://schemas.openxmlformats.org/officeDocument/2006/math" xmlns="" val="1"/>
             </a:ext>
           </a:extLst>
         </p:spPr>
@@ -4366,53 +5169,51 @@
               <a:rPr dirty="0"/>
               <a:t>)</a:t>
             </a:r>
-            <a:endParaRPr lang="es-ES" dirty="0"/>
-          </a:p>
-          <a:p>
-            <a:pPr>
-              <a:lnSpc>
-                <a:spcPct val="80000"/>
-              </a:lnSpc>
-              <a:spcBef>
-                <a:spcPts val="0"/>
-              </a:spcBef>
-              <a:defRPr>
-                <a:solidFill>
-                  <a:srgbClr val="000000"/>
-                </a:solidFill>
-                <a:latin typeface="Source Sans Pro Bold"/>
-                <a:ea typeface="Source Sans Pro Bold"/>
-                <a:cs typeface="Source Sans Pro Bold"/>
-                <a:sym typeface="Source Sans Pro Bold"/>
-              </a:defRPr>
-            </a:pPr>
+            <a:br>
+              <a:rPr dirty="0"/>
+            </a:br>
             <a:r>
               <a:rPr lang="es-ES" dirty="0">
-                <a:solidFill>
-                  <a:srgbClr val="000000"/>
-                </a:solidFill>
                 <a:latin typeface="Source Sans Pro" panose="020B0503030403020204" pitchFamily="34" charset="0"/>
                 <a:ea typeface="Source Sans Pro" panose="020B0503030403020204" pitchFamily="34" charset="0"/>
               </a:rPr>
-              <a:t>Calcula la tabla de resúmenes. </a:t>
+              <a:t>Calcular tabla de resúmenes</a:t>
             </a:r>
             <a:r>
               <a:rPr dirty="0">
-                <a:solidFill>
-                  <a:srgbClr val="000000"/>
-                </a:solidFill>
-                <a:latin typeface="Source Sans Pro" panose="020B0503030403020204" pitchFamily="34" charset="0"/>
-                <a:ea typeface="Source Sans Pro" panose="020B0503030403020204" pitchFamily="34" charset="0"/>
-              </a:rPr>
-              <a:t> </a:t>
+                <a:latin typeface="+mj-lt"/>
+                <a:ea typeface="+mj-ea"/>
+                <a:cs typeface="+mj-cs"/>
+                <a:sym typeface="Source Sans Pro Regular"/>
+              </a:rPr>
+              <a:t>. </a:t>
             </a:r>
             <a:br>
               <a:rPr dirty="0">
-                <a:solidFill>
-                  <a:srgbClr val="000000"/>
-                </a:solidFill>
+                <a:latin typeface="+mj-lt"/>
+                <a:ea typeface="+mj-ea"/>
+                <a:cs typeface="+mj-cs"/>
+                <a:sym typeface="Source Sans Pro Regular"/>
               </a:rPr>
             </a:br>
+            <a:r>
+              <a:rPr lang="es-ES" dirty="0" err="1">
+                <a:latin typeface="Source Sans Pro ExtraLight"/>
+                <a:ea typeface="Source Sans Pro ExtraLight"/>
+                <a:cs typeface="Source Sans Pro ExtraLight"/>
+                <a:sym typeface="Source Sans Pro ExtraLight"/>
+              </a:rPr>
+              <a:t>mtcars</a:t>
+            </a:r>
+            <a:r>
+              <a:rPr lang="es-ES" dirty="0">
+                <a:latin typeface="Source Sans Pro ExtraLight"/>
+                <a:ea typeface="Source Sans Pro ExtraLight"/>
+                <a:cs typeface="Source Sans Pro ExtraLight"/>
+                <a:sym typeface="Source Sans Pro ExtraLight"/>
+              </a:rPr>
+              <a:t> |&gt; </a:t>
+            </a:r>
             <a:r>
               <a:rPr dirty="0" err="1">
                 <a:latin typeface="Source Sans Pro ExtraLight"/>
@@ -4429,25 +5230,7 @@
                 <a:cs typeface="Source Sans Pro ExtraLight"/>
                 <a:sym typeface="Source Sans Pro ExtraLight"/>
               </a:rPr>
-              <a:t>(</a:t>
-            </a:r>
-            <a:r>
-              <a:rPr dirty="0" err="1">
-                <a:latin typeface="Source Sans Pro ExtraLight"/>
-                <a:ea typeface="Source Sans Pro ExtraLight"/>
-                <a:cs typeface="Source Sans Pro ExtraLight"/>
-                <a:sym typeface="Source Sans Pro ExtraLight"/>
-              </a:rPr>
-              <a:t>mtcars</a:t>
-            </a:r>
-            <a:r>
-              <a:rPr dirty="0">
-                <a:latin typeface="Source Sans Pro ExtraLight"/>
-                <a:ea typeface="Source Sans Pro ExtraLight"/>
-                <a:cs typeface="Source Sans Pro ExtraLight"/>
-                <a:sym typeface="Source Sans Pro ExtraLight"/>
-              </a:rPr>
-              <a:t>, avg = mean(mpg))</a:t>
+              <a:t>(avg = mean(mpg))</a:t>
             </a:r>
           </a:p>
           <a:p>
@@ -4529,25 +5312,7 @@
                 <a:latin typeface="Source Sans Pro" panose="020B0503030403020204" pitchFamily="34" charset="0"/>
                 <a:ea typeface="Source Sans Pro" panose="020B0503030403020204" pitchFamily="34" charset="0"/>
               </a:rPr>
-              <a:t>Cuenta el número de filas de cada grupo definido por las variables en</a:t>
-            </a:r>
-            <a:r>
-              <a:rPr dirty="0">
-                <a:latin typeface="+mj-lt"/>
-                <a:ea typeface="+mj-ea"/>
-                <a:cs typeface="+mj-cs"/>
-                <a:sym typeface="Source Sans Pro Regular"/>
-              </a:rPr>
-              <a:t> … </a:t>
-            </a:r>
-            <a:r>
-              <a:rPr lang="es-ES" dirty="0">
-                <a:latin typeface="+mj-lt"/>
-                <a:ea typeface="+mj-ea"/>
-                <a:cs typeface="+mj-cs"/>
-                <a:sym typeface="Source Sans Pro Regular"/>
-              </a:rPr>
-              <a:t>También</a:t>
+              <a:t>Cuente el número de filas de cada grupo definido por las variables de ... Además</a:t>
             </a:r>
             <a:r>
               <a:rPr dirty="0">
@@ -4580,6 +5345,24 @@
               </a:rPr>
             </a:br>
             <a:r>
+              <a:rPr lang="es-ES" dirty="0" err="1">
+                <a:latin typeface="Source Sans Pro ExtraLight"/>
+                <a:ea typeface="Source Sans Pro ExtraLight"/>
+                <a:cs typeface="Source Sans Pro ExtraLight"/>
+                <a:sym typeface="Source Sans Pro ExtraLight"/>
+              </a:rPr>
+              <a:t>Mtcars</a:t>
+            </a:r>
+            <a:r>
+              <a:rPr lang="es-ES" dirty="0">
+                <a:latin typeface="Source Sans Pro ExtraLight"/>
+                <a:ea typeface="Source Sans Pro ExtraLight"/>
+                <a:cs typeface="Source Sans Pro ExtraLight"/>
+                <a:sym typeface="Source Sans Pro ExtraLight"/>
+              </a:rPr>
+              <a:t> |&gt; </a:t>
+            </a:r>
+            <a:r>
               <a:rPr dirty="0">
                 <a:latin typeface="Source Sans Pro ExtraLight"/>
                 <a:ea typeface="Source Sans Pro ExtraLight"/>
@@ -4589,13 +5372,22 @@
               <a:t>count(</a:t>
             </a:r>
             <a:r>
+              <a:rPr lang="en-US" dirty="0" err="1">
+                <a:latin typeface="Source Sans Pro ExtraLight"/>
+                <a:ea typeface="Source Sans Pro ExtraLight"/>
+                <a:cs typeface="Source Sans Pro ExtraLight"/>
+                <a:sym typeface="Source Sans Pro ExtraLight"/>
+              </a:rPr>
+              <a:t>c</a:t>
+            </a:r>
+            <a:r>
               <a:rPr dirty="0" err="1">
                 <a:latin typeface="Source Sans Pro ExtraLight"/>
                 <a:ea typeface="Source Sans Pro ExtraLight"/>
                 <a:cs typeface="Source Sans Pro ExtraLight"/>
                 <a:sym typeface="Source Sans Pro ExtraLight"/>
               </a:rPr>
-              <a:t>mtcars</a:t>
+              <a:t>yl</a:t>
             </a:r>
             <a:r>
               <a:rPr dirty="0">
@@ -4604,182 +5396,7 @@
                 <a:cs typeface="Source Sans Pro ExtraLight"/>
                 <a:sym typeface="Source Sans Pro ExtraLight"/>
               </a:rPr>
-              <a:t>, </a:t>
-            </a:r>
-            <a:r>
-              <a:rPr dirty="0" err="1">
-                <a:latin typeface="Source Sans Pro ExtraLight"/>
-                <a:ea typeface="Source Sans Pro ExtraLight"/>
-                <a:cs typeface="Source Sans Pro ExtraLight"/>
-                <a:sym typeface="Source Sans Pro ExtraLight"/>
-              </a:rPr>
-              <a:t>cyl</a:t>
-            </a:r>
-            <a:r>
-              <a:rPr dirty="0">
-                <a:latin typeface="Source Sans Pro ExtraLight"/>
-                <a:ea typeface="Source Sans Pro ExtraLight"/>
-                <a:cs typeface="Source Sans Pro ExtraLight"/>
-                <a:sym typeface="Source Sans Pro ExtraLight"/>
-              </a:rPr>
               <a:t>)</a:t>
-            </a:r>
-          </a:p>
-        </p:txBody>
-      </p:sp>
-      <p:sp>
-        <p:nvSpPr>
-          <p:cNvPr id="152" name="RStudio® is a trademark of RStudio, PBC  •  CC BY SA  RStudio  •  info@rstudio.com  •  844-448-1212  •  rstudio.com  •  Learn more at dplyr.tidyverse.org  •  dplyr  1.0.7  •  Updated:  2021-07"/>
-          <p:cNvSpPr txBox="1"/>
-          <p:nvPr/>
-        </p:nvSpPr>
-        <p:spPr>
-          <a:xfrm>
-            <a:off x="1870971" y="10347903"/>
-            <a:ext cx="11805268" cy="234851"/>
-          </a:xfrm>
-          <a:prstGeom prst="rect">
-            <a:avLst/>
-          </a:prstGeom>
-          <a:ln w="12700">
-            <a:miter lim="400000"/>
-          </a:ln>
-          <a:extLst>
-            <a:ext uri="{C572A759-6A51-4108-AA02-DFA0A04FC94B}">
-              <ma14:wrappingTextBoxFlag xmlns="" xmlns:m="http://schemas.openxmlformats.org/officeDocument/2006/math" xmlns:a14="http://schemas.microsoft.com/office/drawing/2010/main" xmlns:ma14="http://schemas.microsoft.com/office/mac/drawingml/2011/main" val="1"/>
-            </a:ext>
-          </a:extLst>
-        </p:spPr>
-        <p:txBody>
-          <a:bodyPr lIns="54568" tIns="54568" rIns="54568" bIns="54568" anchor="ctr">
-            <a:spAutoFit/>
-          </a:bodyPr>
-          <a:lstStyle/>
-          <a:p>
-            <a:pPr algn="r">
-              <a:lnSpc>
-                <a:spcPct val="90000"/>
-              </a:lnSpc>
-              <a:spcBef>
-                <a:spcPts val="0"/>
-              </a:spcBef>
-              <a:defRPr sz="900">
-                <a:solidFill>
-                  <a:srgbClr val="000000"/>
-                </a:solidFill>
-              </a:defRPr>
-            </a:pPr>
-            <a:r>
-              <a:rPr dirty="0"/>
-              <a:t>RStudio® </a:t>
-            </a:r>
-            <a:r>
-              <a:rPr lang="es-ES" dirty="0"/>
-              <a:t>es una marca comercial de</a:t>
-            </a:r>
-            <a:r>
-              <a:rPr dirty="0"/>
-              <a:t> RStudio, PBC  •  </a:t>
-            </a:r>
-            <a:r>
-              <a:rPr u="sng" dirty="0">
-                <a:solidFill>
-                  <a:srgbClr val="0000FF"/>
-                </a:solidFill>
-                <a:uFill>
-                  <a:solidFill>
-                    <a:srgbClr val="0000FF"/>
-                  </a:solidFill>
-                </a:uFill>
-                <a:hlinkClick r:id="rId2"/>
-              </a:rPr>
-              <a:t>CC BY SA</a:t>
-            </a:r>
-            <a:r>
-              <a:rPr dirty="0"/>
-              <a:t>  RStudio  •  </a:t>
-            </a:r>
-            <a:r>
-              <a:rPr u="sng" dirty="0">
-                <a:solidFill>
-                  <a:srgbClr val="0000FF"/>
-                </a:solidFill>
-                <a:uFill>
-                  <a:solidFill>
-                    <a:srgbClr val="0000FF"/>
-                  </a:solidFill>
-                </a:uFill>
-                <a:hlinkClick r:id="rId3"/>
-              </a:rPr>
-              <a:t>info@rstudio.com</a:t>
-            </a:r>
-            <a:r>
-              <a:rPr dirty="0"/>
-              <a:t>  •  844-448-1212  •  </a:t>
-            </a:r>
-            <a:r>
-              <a:rPr u="sng" dirty="0">
-                <a:solidFill>
-                  <a:srgbClr val="0000FF"/>
-                </a:solidFill>
-                <a:uFill>
-                  <a:solidFill>
-                    <a:srgbClr val="0000FF"/>
-                  </a:solidFill>
-                </a:uFill>
-                <a:hlinkClick r:id="rId4"/>
-              </a:rPr>
-              <a:t>rstudio.com</a:t>
-            </a:r>
-            <a:r>
-              <a:rPr dirty="0"/>
-              <a:t>  •  </a:t>
-            </a:r>
-            <a:r>
-              <a:rPr lang="es-ES" dirty="0"/>
-              <a:t>Más información en</a:t>
-            </a:r>
-            <a:r>
-              <a:rPr dirty="0"/>
-              <a:t> </a:t>
-            </a:r>
-            <a:r>
-              <a:rPr u="sng" dirty="0">
-                <a:solidFill>
-                  <a:srgbClr val="0000FF"/>
-                </a:solidFill>
-                <a:uFill>
-                  <a:solidFill>
-                    <a:srgbClr val="0000FF"/>
-                  </a:solidFill>
-                </a:uFill>
-                <a:latin typeface="Source Sans Pro Bold"/>
-                <a:ea typeface="Source Sans Pro Bold"/>
-                <a:cs typeface="Source Sans Pro Bold"/>
-                <a:sym typeface="Source Sans Pro Bold"/>
-                <a:hlinkClick r:id="rId5"/>
-              </a:rPr>
-              <a:t>dplyr.tidyverse.org</a:t>
-            </a:r>
-            <a:r>
-              <a:rPr dirty="0"/>
-              <a:t>  •  </a:t>
-            </a:r>
-            <a:r>
-              <a:rPr dirty="0" err="1"/>
-              <a:t>dplyr</a:t>
-            </a:r>
-            <a:r>
-              <a:rPr dirty="0"/>
-              <a:t>  1.0.7  •  </a:t>
-            </a:r>
-            <a:r>
-              <a:rPr lang="es-ES" dirty="0"/>
-              <a:t>Actualizado</a:t>
-            </a:r>
-            <a:r>
-              <a:rPr dirty="0"/>
-              <a:t>:  2021-07</a:t>
             </a:r>
           </a:p>
         </p:txBody>
@@ -4803,7 +5420,7 @@
           </a:ln>
           <a:extLst>
             <a:ext uri="{C572A759-6A51-4108-AA02-DFA0A04FC94B}">
-              <ma14:wrappingTextBoxFlag xmlns="" xmlns:m="http://schemas.openxmlformats.org/officeDocument/2006/math" xmlns:a14="http://schemas.microsoft.com/office/drawing/2010/main" xmlns:ma14="http://schemas.microsoft.com/office/mac/drawingml/2011/main" val="1"/>
+              <ma14:wrappingTextBoxFlag xmlns:ma14="http://schemas.microsoft.com/office/mac/drawingml/2011/main" xmlns:a14="http://schemas.microsoft.com/office/drawing/2010/main" xmlns:m="http://schemas.openxmlformats.org/officeDocument/2006/math" xmlns="" val="1"/>
             </a:ext>
           </a:extLst>
         </p:spPr>
@@ -4828,7 +5445,38 @@
             </a:pPr>
             <a:r>
               <a:rPr lang="es-ES" dirty="0"/>
-              <a:t>Cada </a:t>
+              <a:t>Cada</a:t>
+            </a:r>
+            <a:r>
+              <a:rPr dirty="0"/>
+              <a:t> </a:t>
+            </a:r>
+            <a:r>
+              <a:rPr dirty="0" err="1">
+                <a:latin typeface="Source Sans Pro Bold"/>
+                <a:ea typeface="Source Sans Pro Bold"/>
+                <a:cs typeface="Source Sans Pro Bold"/>
+                <a:sym typeface="Source Sans Pro Bold"/>
+              </a:rPr>
+              <a:t>observa</a:t>
+            </a:r>
+            <a:r>
+              <a:rPr lang="es-ES" dirty="0">
+                <a:latin typeface="Source Sans Pro Bold"/>
+                <a:ea typeface="Source Sans Pro Bold"/>
+                <a:cs typeface="Source Sans Pro Bold"/>
+                <a:sym typeface="Source Sans Pro Bold"/>
+              </a:rPr>
+              <a:t>c</a:t>
+            </a:r>
+            <a:r>
+              <a:rPr dirty="0" err="1">
+                <a:latin typeface="Source Sans Pro Bold"/>
+                <a:ea typeface="Source Sans Pro Bold"/>
+                <a:cs typeface="Source Sans Pro Bold"/>
+                <a:sym typeface="Source Sans Pro Bold"/>
+              </a:rPr>
+              <a:t>i</a:t>
             </a:r>
             <a:r>
               <a:rPr lang="es-ES" dirty="0" err="1">
@@ -4837,11 +5485,29 @@
                 <a:cs typeface="Source Sans Pro Bold"/>
                 <a:sym typeface="Source Sans Pro Bold"/>
               </a:rPr>
-              <a:t>observasión</a:t>
-            </a:r>
-            <a:r>
-              <a:rPr lang="es-ES" dirty="0"/>
+              <a:t>ó</a:t>
+            </a:r>
+            <a:r>
+              <a:rPr dirty="0">
+                <a:latin typeface="Source Sans Pro Bold"/>
+                <a:ea typeface="Source Sans Pro Bold"/>
+                <a:cs typeface="Source Sans Pro Bold"/>
+                <a:sym typeface="Source Sans Pro Bold"/>
+              </a:rPr>
+              <a:t>n</a:t>
+            </a:r>
+            <a:r>
+              <a:rPr dirty="0"/>
               <a:t>, o </a:t>
+            </a:r>
+            <a:r>
+              <a:rPr dirty="0" err="1">
+                <a:latin typeface="Source Sans Pro Bold"/>
+                <a:ea typeface="Source Sans Pro Bold"/>
+                <a:cs typeface="Source Sans Pro Bold"/>
+                <a:sym typeface="Source Sans Pro Bold"/>
+              </a:rPr>
+              <a:t>cas</a:t>
             </a:r>
             <a:r>
               <a:rPr lang="es-ES" dirty="0">
@@ -4850,11 +5516,19 @@
                 <a:cs typeface="Source Sans Pro Bold"/>
                 <a:sym typeface="Source Sans Pro Bold"/>
               </a:rPr>
-              <a:t>caso</a:t>
+              <a:t>o</a:t>
+            </a:r>
+            <a:r>
+              <a:rPr dirty="0"/>
+              <a:t>, </a:t>
             </a:r>
             <a:r>
               <a:rPr lang="es-ES" dirty="0"/>
-              <a:t>, en su propia </a:t>
+              <a:t>es una</a:t>
+            </a:r>
+            <a:r>
+              <a:rPr dirty="0"/>
+              <a:t> </a:t>
             </a:r>
             <a:r>
               <a:rPr lang="es-ES" dirty="0">
@@ -4874,817 +5548,6 @@
           </a:p>
         </p:txBody>
       </p:sp>
-      <p:grpSp>
-        <p:nvGrpSpPr>
-          <p:cNvPr id="138" name="Group"/>
-          <p:cNvGrpSpPr/>
-          <p:nvPr/>
-        </p:nvGrpSpPr>
-        <p:grpSpPr>
-          <a:xfrm>
-            <a:off x="8370786" y="-1013163"/>
-            <a:ext cx="6157900" cy="3553966"/>
-            <a:chOff x="0" y="51032"/>
-            <a:chExt cx="6157899" cy="3553965"/>
-          </a:xfrm>
-        </p:grpSpPr>
-        <p:grpSp>
-          <p:nvGrpSpPr>
-            <p:cNvPr id="136" name="Group"/>
-            <p:cNvGrpSpPr/>
-            <p:nvPr/>
-          </p:nvGrpSpPr>
-          <p:grpSpPr>
-            <a:xfrm>
-              <a:off x="23291" y="51032"/>
-              <a:ext cx="6134609" cy="2980100"/>
-              <a:chOff x="0" y="51032"/>
-              <a:chExt cx="6134607" cy="2980098"/>
-            </a:xfrm>
-          </p:grpSpPr>
-          <p:sp>
-            <p:nvSpPr>
-              <p:cNvPr id="121" name="Triangle"/>
-              <p:cNvSpPr/>
-              <p:nvPr/>
-            </p:nvSpPr>
-            <p:spPr>
-              <a:xfrm rot="1800000">
-                <a:off x="1177378" y="304285"/>
-                <a:ext cx="1319513" cy="1143865"/>
-              </a:xfrm>
-              <a:prstGeom prst="triangle">
-                <a:avLst/>
-              </a:prstGeom>
-              <a:solidFill>
-                <a:srgbClr val="F7DCA7"/>
-              </a:solidFill>
-              <a:ln w="3175" cap="flat">
-                <a:solidFill>
-                  <a:srgbClr val="F7DCA7"/>
-                </a:solidFill>
-                <a:prstDash val="solid"/>
-                <a:miter lim="400000"/>
-              </a:ln>
-              <a:effectLst/>
-            </p:spPr>
-            <p:txBody>
-              <a:bodyPr wrap="square" lIns="54568" tIns="54568" rIns="54568" bIns="54568" numCol="1" anchor="ctr">
-                <a:noAutofit/>
-              </a:bodyPr>
-              <a:lstStyle/>
-              <a:p>
-                <a:pPr>
-                  <a:lnSpc>
-                    <a:spcPct val="80000"/>
-                  </a:lnSpc>
-                  <a:spcBef>
-                    <a:spcPts val="0"/>
-                  </a:spcBef>
-                  <a:defRPr>
-                    <a:solidFill>
-                      <a:srgbClr val="000000"/>
-                    </a:solidFill>
-                  </a:defRPr>
-                </a:pPr>
-                <a:endParaRPr/>
-              </a:p>
-            </p:txBody>
-          </p:sp>
-          <p:sp>
-            <p:nvSpPr>
-              <p:cNvPr id="122" name="Circle"/>
-              <p:cNvSpPr/>
-              <p:nvPr/>
-            </p:nvSpPr>
-            <p:spPr>
-              <a:xfrm flipH="1">
-                <a:off x="1550782" y="838359"/>
-                <a:ext cx="422093" cy="422093"/>
-              </a:xfrm>
-              <a:prstGeom prst="ellipse">
-                <a:avLst/>
-              </a:prstGeom>
-              <a:solidFill>
-                <a:srgbClr val="FDF2CA"/>
-              </a:solidFill>
-              <a:ln w="12700" cap="flat">
-                <a:noFill/>
-                <a:miter lim="400000"/>
-              </a:ln>
-              <a:effectLst/>
-            </p:spPr>
-            <p:txBody>
-              <a:bodyPr wrap="square" lIns="54568" tIns="54568" rIns="54568" bIns="54568" numCol="1" anchor="ctr">
-                <a:noAutofit/>
-              </a:bodyPr>
-              <a:lstStyle/>
-              <a:p>
-                <a:pPr>
-                  <a:lnSpc>
-                    <a:spcPct val="80000"/>
-                  </a:lnSpc>
-                  <a:spcBef>
-                    <a:spcPts val="0"/>
-                  </a:spcBef>
-                  <a:defRPr>
-                    <a:solidFill>
-                      <a:srgbClr val="000000"/>
-                    </a:solidFill>
-                  </a:defRPr>
-                </a:pPr>
-                <a:endParaRPr/>
-              </a:p>
-            </p:txBody>
-          </p:sp>
-          <p:sp>
-            <p:nvSpPr>
-              <p:cNvPr id="123" name="Circle"/>
-              <p:cNvSpPr/>
-              <p:nvPr/>
-            </p:nvSpPr>
-            <p:spPr>
-              <a:xfrm flipH="1">
-                <a:off x="0" y="819780"/>
-                <a:ext cx="422090" cy="422093"/>
-              </a:xfrm>
-              <a:prstGeom prst="ellipse">
-                <a:avLst/>
-              </a:prstGeom>
-              <a:solidFill>
-                <a:srgbClr val="F7DCA7">
-                  <a:alpha val="50458"/>
-                </a:srgbClr>
-              </a:solidFill>
-              <a:ln w="12700" cap="flat">
-                <a:noFill/>
-                <a:miter lim="400000"/>
-              </a:ln>
-              <a:effectLst/>
-            </p:spPr>
-            <p:txBody>
-              <a:bodyPr wrap="square" lIns="54568" tIns="54568" rIns="54568" bIns="54568" numCol="1" anchor="ctr">
-                <a:noAutofit/>
-              </a:bodyPr>
-              <a:lstStyle/>
-              <a:p>
-                <a:pPr>
-                  <a:lnSpc>
-                    <a:spcPct val="80000"/>
-                  </a:lnSpc>
-                  <a:spcBef>
-                    <a:spcPts val="0"/>
-                  </a:spcBef>
-                  <a:defRPr>
-                    <a:solidFill>
-                      <a:srgbClr val="000000"/>
-                    </a:solidFill>
-                  </a:defRPr>
-                </a:pPr>
-                <a:endParaRPr/>
-              </a:p>
-            </p:txBody>
-          </p:sp>
-          <p:sp>
-            <p:nvSpPr>
-              <p:cNvPr id="124" name="Triangle"/>
-              <p:cNvSpPr/>
-              <p:nvPr/>
-            </p:nvSpPr>
-            <p:spPr>
-              <a:xfrm rot="19800000">
-                <a:off x="2896976" y="973391"/>
-                <a:ext cx="1319512" cy="1143864"/>
-              </a:xfrm>
-              <a:prstGeom prst="triangle">
-                <a:avLst/>
-              </a:prstGeom>
-              <a:solidFill>
-                <a:srgbClr val="FDF2CA"/>
-              </a:solidFill>
-              <a:ln w="6350" cap="flat">
-                <a:solidFill>
-                  <a:srgbClr val="FDF2CA"/>
-                </a:solidFill>
-                <a:prstDash val="solid"/>
-                <a:miter lim="400000"/>
-              </a:ln>
-              <a:effectLst/>
-            </p:spPr>
-            <p:txBody>
-              <a:bodyPr wrap="square" lIns="54568" tIns="54568" rIns="54568" bIns="54568" numCol="1" anchor="ctr">
-                <a:noAutofit/>
-              </a:bodyPr>
-              <a:lstStyle/>
-              <a:p>
-                <a:pPr>
-                  <a:lnSpc>
-                    <a:spcPct val="80000"/>
-                  </a:lnSpc>
-                  <a:spcBef>
-                    <a:spcPts val="0"/>
-                  </a:spcBef>
-                  <a:defRPr>
-                    <a:solidFill>
-                      <a:srgbClr val="000000"/>
-                    </a:solidFill>
-                  </a:defRPr>
-                </a:pPr>
-                <a:endParaRPr/>
-              </a:p>
-            </p:txBody>
-          </p:sp>
-          <p:sp>
-            <p:nvSpPr>
-              <p:cNvPr id="125" name="Triangle"/>
-              <p:cNvSpPr/>
-              <p:nvPr/>
-            </p:nvSpPr>
-            <p:spPr>
-              <a:xfrm rot="1800000">
-                <a:off x="3470362" y="1634012"/>
-                <a:ext cx="1319514" cy="1143866"/>
-              </a:xfrm>
-              <a:prstGeom prst="triangle">
-                <a:avLst/>
-              </a:prstGeom>
-              <a:solidFill>
-                <a:srgbClr val="F7DCA7"/>
-              </a:solidFill>
-              <a:ln w="6350" cap="flat">
-                <a:solidFill>
-                  <a:srgbClr val="F7DCA7"/>
-                </a:solidFill>
-                <a:prstDash val="solid"/>
-                <a:miter lim="400000"/>
-              </a:ln>
-              <a:effectLst/>
-            </p:spPr>
-            <p:txBody>
-              <a:bodyPr wrap="square" lIns="54568" tIns="54568" rIns="54568" bIns="54568" numCol="1" anchor="ctr">
-                <a:noAutofit/>
-              </a:bodyPr>
-              <a:lstStyle/>
-              <a:p>
-                <a:pPr>
-                  <a:lnSpc>
-                    <a:spcPct val="80000"/>
-                  </a:lnSpc>
-                  <a:spcBef>
-                    <a:spcPts val="0"/>
-                  </a:spcBef>
-                  <a:defRPr>
-                    <a:solidFill>
-                      <a:srgbClr val="000000"/>
-                    </a:solidFill>
-                  </a:defRPr>
-                </a:pPr>
-                <a:endParaRPr/>
-              </a:p>
-            </p:txBody>
-          </p:sp>
-          <p:sp>
-            <p:nvSpPr>
-              <p:cNvPr id="126" name="Circle"/>
-              <p:cNvSpPr/>
-              <p:nvPr/>
-            </p:nvSpPr>
-            <p:spPr>
-              <a:xfrm flipH="1">
-                <a:off x="3461025" y="1507464"/>
-                <a:ext cx="422091" cy="422093"/>
-              </a:xfrm>
-              <a:prstGeom prst="ellipse">
-                <a:avLst/>
-              </a:prstGeom>
-              <a:solidFill>
-                <a:srgbClr val="F7DCA7"/>
-              </a:solidFill>
-              <a:ln w="12700" cap="flat">
-                <a:noFill/>
-                <a:miter lim="400000"/>
-              </a:ln>
-              <a:effectLst/>
-            </p:spPr>
-            <p:txBody>
-              <a:bodyPr wrap="square" lIns="54568" tIns="54568" rIns="54568" bIns="54568" numCol="1" anchor="ctr">
-                <a:noAutofit/>
-              </a:bodyPr>
-              <a:lstStyle/>
-              <a:p>
-                <a:pPr>
-                  <a:lnSpc>
-                    <a:spcPct val="80000"/>
-                  </a:lnSpc>
-                  <a:spcBef>
-                    <a:spcPts val="0"/>
-                  </a:spcBef>
-                  <a:defRPr>
-                    <a:solidFill>
-                      <a:srgbClr val="000000"/>
-                    </a:solidFill>
-                  </a:defRPr>
-                </a:pPr>
-                <a:endParaRPr/>
-              </a:p>
-            </p:txBody>
-          </p:sp>
-          <p:sp>
-            <p:nvSpPr>
-              <p:cNvPr id="127" name="Circle"/>
-              <p:cNvSpPr/>
-              <p:nvPr/>
-            </p:nvSpPr>
-            <p:spPr>
-              <a:xfrm flipH="1">
-                <a:off x="3843766" y="2168086"/>
-                <a:ext cx="422093" cy="422093"/>
-              </a:xfrm>
-              <a:prstGeom prst="ellipse">
-                <a:avLst/>
-              </a:prstGeom>
-              <a:solidFill>
-                <a:srgbClr val="FDF2CA"/>
-              </a:solidFill>
-              <a:ln w="12700" cap="flat">
-                <a:noFill/>
-                <a:miter lim="400000"/>
-              </a:ln>
-              <a:effectLst/>
-            </p:spPr>
-            <p:txBody>
-              <a:bodyPr wrap="square" lIns="54568" tIns="54568" rIns="54568" bIns="54568" numCol="1" anchor="ctr">
-                <a:noAutofit/>
-              </a:bodyPr>
-              <a:lstStyle/>
-              <a:p>
-                <a:pPr>
-                  <a:lnSpc>
-                    <a:spcPct val="80000"/>
-                  </a:lnSpc>
-                  <a:spcBef>
-                    <a:spcPts val="0"/>
-                  </a:spcBef>
-                  <a:defRPr>
-                    <a:solidFill>
-                      <a:srgbClr val="000000"/>
-                    </a:solidFill>
-                  </a:defRPr>
-                </a:pPr>
-                <a:endParaRPr/>
-              </a:p>
-            </p:txBody>
-          </p:sp>
-          <p:sp>
-            <p:nvSpPr>
-              <p:cNvPr id="128" name="Triangle"/>
-              <p:cNvSpPr/>
-              <p:nvPr/>
-            </p:nvSpPr>
-            <p:spPr>
-              <a:xfrm rot="1800000">
-                <a:off x="3470362" y="312964"/>
-                <a:ext cx="1319514" cy="1143865"/>
-              </a:xfrm>
-              <a:prstGeom prst="triangle">
-                <a:avLst/>
-              </a:prstGeom>
-              <a:solidFill>
-                <a:srgbClr val="F7DCA7"/>
-              </a:solidFill>
-              <a:ln w="6350" cap="flat">
-                <a:solidFill>
-                  <a:srgbClr val="F7DCA7"/>
-                </a:solidFill>
-                <a:prstDash val="solid"/>
-                <a:miter lim="400000"/>
-              </a:ln>
-              <a:effectLst/>
-            </p:spPr>
-            <p:txBody>
-              <a:bodyPr wrap="square" lIns="54568" tIns="54568" rIns="54568" bIns="54568" numCol="1" anchor="ctr">
-                <a:noAutofit/>
-              </a:bodyPr>
-              <a:lstStyle/>
-              <a:p>
-                <a:pPr>
-                  <a:lnSpc>
-                    <a:spcPct val="80000"/>
-                  </a:lnSpc>
-                  <a:spcBef>
-                    <a:spcPts val="0"/>
-                  </a:spcBef>
-                  <a:defRPr>
-                    <a:solidFill>
-                      <a:srgbClr val="000000"/>
-                    </a:solidFill>
-                  </a:defRPr>
-                </a:pPr>
-                <a:endParaRPr/>
-              </a:p>
-            </p:txBody>
-          </p:sp>
-          <p:sp>
-            <p:nvSpPr>
-              <p:cNvPr id="129" name="Circle"/>
-              <p:cNvSpPr/>
-              <p:nvPr/>
-            </p:nvSpPr>
-            <p:spPr>
-              <a:xfrm flipH="1">
-                <a:off x="3843766" y="847038"/>
-                <a:ext cx="422093" cy="422093"/>
-              </a:xfrm>
-              <a:prstGeom prst="ellipse">
-                <a:avLst/>
-              </a:prstGeom>
-              <a:solidFill>
-                <a:srgbClr val="FDF2CA"/>
-              </a:solidFill>
-              <a:ln w="12700" cap="flat">
-                <a:noFill/>
-                <a:miter lim="400000"/>
-              </a:ln>
-              <a:effectLst/>
-            </p:spPr>
-            <p:txBody>
-              <a:bodyPr wrap="square" lIns="54568" tIns="54568" rIns="54568" bIns="54568" numCol="1" anchor="ctr">
-                <a:noAutofit/>
-              </a:bodyPr>
-              <a:lstStyle/>
-              <a:p>
-                <a:pPr>
-                  <a:lnSpc>
-                    <a:spcPct val="80000"/>
-                  </a:lnSpc>
-                  <a:spcBef>
-                    <a:spcPts val="0"/>
-                  </a:spcBef>
-                  <a:defRPr>
-                    <a:solidFill>
-                      <a:srgbClr val="000000"/>
-                    </a:solidFill>
-                  </a:defRPr>
-                </a:pPr>
-                <a:endParaRPr/>
-              </a:p>
-            </p:txBody>
-          </p:sp>
-          <p:sp>
-            <p:nvSpPr>
-              <p:cNvPr id="130" name="Triangle"/>
-              <p:cNvSpPr/>
-              <p:nvPr/>
-            </p:nvSpPr>
-            <p:spPr>
-              <a:xfrm rot="19800000">
-                <a:off x="4044133" y="318648"/>
-                <a:ext cx="1319514" cy="1143865"/>
-              </a:xfrm>
-              <a:prstGeom prst="triangle">
-                <a:avLst/>
-              </a:prstGeom>
-              <a:solidFill>
-                <a:srgbClr val="FDF2CA"/>
-              </a:solidFill>
-              <a:ln w="6350" cap="flat">
-                <a:solidFill>
-                  <a:srgbClr val="FDF2CA"/>
-                </a:solidFill>
-                <a:prstDash val="solid"/>
-                <a:miter lim="400000"/>
-              </a:ln>
-              <a:effectLst/>
-            </p:spPr>
-            <p:txBody>
-              <a:bodyPr wrap="square" lIns="54568" tIns="54568" rIns="54568" bIns="54568" numCol="1" anchor="ctr">
-                <a:noAutofit/>
-              </a:bodyPr>
-              <a:lstStyle/>
-              <a:p>
-                <a:pPr>
-                  <a:lnSpc>
-                    <a:spcPct val="80000"/>
-                  </a:lnSpc>
-                  <a:spcBef>
-                    <a:spcPts val="0"/>
-                  </a:spcBef>
-                  <a:defRPr>
-                    <a:solidFill>
-                      <a:srgbClr val="000000"/>
-                    </a:solidFill>
-                  </a:defRPr>
-                </a:pPr>
-                <a:endParaRPr/>
-              </a:p>
-            </p:txBody>
-          </p:sp>
-          <p:sp>
-            <p:nvSpPr>
-              <p:cNvPr id="131" name="Circle"/>
-              <p:cNvSpPr/>
-              <p:nvPr/>
-            </p:nvSpPr>
-            <p:spPr>
-              <a:xfrm flipH="1">
-                <a:off x="4608182" y="852722"/>
-                <a:ext cx="422093" cy="422091"/>
-              </a:xfrm>
-              <a:prstGeom prst="ellipse">
-                <a:avLst/>
-              </a:prstGeom>
-              <a:solidFill>
-                <a:srgbClr val="F7DCA7"/>
-              </a:solidFill>
-              <a:ln w="12700" cap="flat">
-                <a:noFill/>
-                <a:miter lim="400000"/>
-              </a:ln>
-              <a:effectLst/>
-            </p:spPr>
-            <p:txBody>
-              <a:bodyPr wrap="square" lIns="54568" tIns="54568" rIns="54568" bIns="54568" numCol="1" anchor="ctr">
-                <a:noAutofit/>
-              </a:bodyPr>
-              <a:lstStyle/>
-              <a:p>
-                <a:pPr>
-                  <a:lnSpc>
-                    <a:spcPct val="80000"/>
-                  </a:lnSpc>
-                  <a:spcBef>
-                    <a:spcPts val="0"/>
-                  </a:spcBef>
-                  <a:defRPr>
-                    <a:solidFill>
-                      <a:srgbClr val="000000"/>
-                    </a:solidFill>
-                  </a:defRPr>
-                </a:pPr>
-                <a:endParaRPr/>
-              </a:p>
-            </p:txBody>
-          </p:sp>
-          <p:sp>
-            <p:nvSpPr>
-              <p:cNvPr id="132" name="Triangle"/>
-              <p:cNvSpPr/>
-              <p:nvPr/>
-            </p:nvSpPr>
-            <p:spPr>
-              <a:xfrm rot="1800000">
-                <a:off x="4617519" y="979271"/>
-                <a:ext cx="1319514" cy="1143864"/>
-              </a:xfrm>
-              <a:prstGeom prst="triangle">
-                <a:avLst/>
-              </a:prstGeom>
-              <a:solidFill>
-                <a:srgbClr val="F7DCA7"/>
-              </a:solidFill>
-              <a:ln w="6350" cap="flat">
-                <a:solidFill>
-                  <a:srgbClr val="F7DCA7"/>
-                </a:solidFill>
-                <a:prstDash val="solid"/>
-                <a:miter lim="400000"/>
-              </a:ln>
-              <a:effectLst/>
-            </p:spPr>
-            <p:txBody>
-              <a:bodyPr wrap="square" lIns="54568" tIns="54568" rIns="54568" bIns="54568" numCol="1" anchor="ctr">
-                <a:noAutofit/>
-              </a:bodyPr>
-              <a:lstStyle/>
-              <a:p>
-                <a:pPr>
-                  <a:lnSpc>
-                    <a:spcPct val="80000"/>
-                  </a:lnSpc>
-                  <a:spcBef>
-                    <a:spcPts val="0"/>
-                  </a:spcBef>
-                  <a:defRPr>
-                    <a:solidFill>
-                      <a:srgbClr val="000000"/>
-                    </a:solidFill>
-                  </a:defRPr>
-                </a:pPr>
-                <a:endParaRPr/>
-              </a:p>
-            </p:txBody>
-          </p:sp>
-          <p:sp>
-            <p:nvSpPr>
-              <p:cNvPr id="133" name="Circle"/>
-              <p:cNvSpPr/>
-              <p:nvPr/>
-            </p:nvSpPr>
-            <p:spPr>
-              <a:xfrm flipH="1">
-                <a:off x="4990924" y="1513344"/>
-                <a:ext cx="422093" cy="422093"/>
-              </a:xfrm>
-              <a:prstGeom prst="ellipse">
-                <a:avLst/>
-              </a:prstGeom>
-              <a:solidFill>
-                <a:srgbClr val="FDF2CA"/>
-              </a:solidFill>
-              <a:ln w="12700" cap="flat">
-                <a:noFill/>
-                <a:miter lim="400000"/>
-              </a:ln>
-              <a:effectLst/>
-            </p:spPr>
-            <p:txBody>
-              <a:bodyPr wrap="square" lIns="54568" tIns="54568" rIns="54568" bIns="54568" numCol="1" anchor="ctr">
-                <a:noAutofit/>
-              </a:bodyPr>
-              <a:lstStyle/>
-              <a:p>
-                <a:pPr>
-                  <a:lnSpc>
-                    <a:spcPct val="80000"/>
-                  </a:lnSpc>
-                  <a:spcBef>
-                    <a:spcPts val="0"/>
-                  </a:spcBef>
-                  <a:defRPr>
-                    <a:solidFill>
-                      <a:srgbClr val="000000"/>
-                    </a:solidFill>
-                  </a:defRPr>
-                </a:pPr>
-                <a:endParaRPr/>
-              </a:p>
-            </p:txBody>
-          </p:sp>
-          <p:sp>
-            <p:nvSpPr>
-              <p:cNvPr id="134" name="Triangle"/>
-              <p:cNvSpPr/>
-              <p:nvPr/>
-            </p:nvSpPr>
-            <p:spPr>
-              <a:xfrm rot="19800000">
-                <a:off x="1751149" y="309970"/>
-                <a:ext cx="1319513" cy="1143864"/>
-              </a:xfrm>
-              <a:prstGeom prst="triangle">
-                <a:avLst/>
-              </a:prstGeom>
-              <a:solidFill>
-                <a:srgbClr val="FDF2CA"/>
-              </a:solidFill>
-              <a:ln w="6350" cap="flat">
-                <a:solidFill>
-                  <a:srgbClr val="FDF2CA"/>
-                </a:solidFill>
-                <a:prstDash val="solid"/>
-                <a:miter lim="400000"/>
-              </a:ln>
-              <a:effectLst/>
-            </p:spPr>
-            <p:txBody>
-              <a:bodyPr wrap="square" lIns="54568" tIns="54568" rIns="54568" bIns="54568" numCol="1" anchor="ctr">
-                <a:noAutofit/>
-              </a:bodyPr>
-              <a:lstStyle/>
-              <a:p>
-                <a:pPr>
-                  <a:lnSpc>
-                    <a:spcPct val="80000"/>
-                  </a:lnSpc>
-                  <a:spcBef>
-                    <a:spcPts val="0"/>
-                  </a:spcBef>
-                  <a:defRPr>
-                    <a:solidFill>
-                      <a:srgbClr val="000000"/>
-                    </a:solidFill>
-                  </a:defRPr>
-                </a:pPr>
-                <a:endParaRPr/>
-              </a:p>
-            </p:txBody>
-          </p:sp>
-          <p:sp>
-            <p:nvSpPr>
-              <p:cNvPr id="135" name="Circle"/>
-              <p:cNvSpPr/>
-              <p:nvPr/>
-            </p:nvSpPr>
-            <p:spPr>
-              <a:xfrm flipH="1">
-                <a:off x="2315198" y="844042"/>
-                <a:ext cx="422093" cy="422093"/>
-              </a:xfrm>
-              <a:prstGeom prst="ellipse">
-                <a:avLst/>
-              </a:prstGeom>
-              <a:solidFill>
-                <a:srgbClr val="F7DCA7"/>
-              </a:solidFill>
-              <a:ln w="12700" cap="flat">
-                <a:noFill/>
-                <a:miter lim="400000"/>
-              </a:ln>
-              <a:effectLst/>
-            </p:spPr>
-            <p:txBody>
-              <a:bodyPr wrap="square" lIns="54568" tIns="54568" rIns="54568" bIns="54568" numCol="1" anchor="ctr">
-                <a:noAutofit/>
-              </a:bodyPr>
-              <a:lstStyle/>
-              <a:p>
-                <a:pPr>
-                  <a:lnSpc>
-                    <a:spcPct val="80000"/>
-                  </a:lnSpc>
-                  <a:spcBef>
-                    <a:spcPts val="0"/>
-                  </a:spcBef>
-                  <a:defRPr>
-                    <a:solidFill>
-                      <a:srgbClr val="000000"/>
-                    </a:solidFill>
-                  </a:defRPr>
-                </a:pPr>
-                <a:endParaRPr/>
-              </a:p>
-            </p:txBody>
-          </p:sp>
-        </p:grpSp>
-        <p:sp>
-          <p:nvSpPr>
-            <p:cNvPr id="137" name="Rectangle"/>
-            <p:cNvSpPr/>
-            <p:nvPr/>
-          </p:nvSpPr>
-          <p:spPr>
-            <a:xfrm>
-              <a:off x="0" y="1038073"/>
-              <a:ext cx="5593308" cy="2566925"/>
-            </a:xfrm>
-            <a:prstGeom prst="rect">
-              <a:avLst/>
-            </a:prstGeom>
-            <a:gradFill flip="none" rotWithShape="1">
-              <a:gsLst>
-                <a:gs pos="0">
-                  <a:srgbClr val="FFFFFF">
-                    <a:alpha val="0"/>
-                  </a:srgbClr>
-                </a:gs>
-                <a:gs pos="20382">
-                  <a:srgbClr val="FFFFFF">
-                    <a:alpha val="45796"/>
-                  </a:srgbClr>
-                </a:gs>
-                <a:gs pos="35803">
-                  <a:srgbClr val="FFFFFF">
-                    <a:alpha val="72898"/>
-                  </a:srgbClr>
-                </a:gs>
-                <a:gs pos="55434">
-                  <a:srgbClr val="FFFFFF"/>
-                </a:gs>
-              </a:gsLst>
-              <a:path path="circle">
-                <a:fillToRect l="119636" t="37721" r="-19636" b="62278"/>
-              </a:path>
-            </a:gradFill>
-            <a:ln w="12700" cap="flat">
-              <a:noFill/>
-              <a:miter lim="400000"/>
-            </a:ln>
-            <a:effectLst/>
-          </p:spPr>
-          <p:txBody>
-            <a:bodyPr wrap="square" lIns="54568" tIns="54568" rIns="54568" bIns="54568" numCol="1" anchor="ctr">
-              <a:noAutofit/>
-            </a:bodyPr>
-            <a:lstStyle/>
-            <a:p>
-              <a:pPr>
-                <a:lnSpc>
-                  <a:spcPct val="80000"/>
-                </a:lnSpc>
-                <a:spcBef>
-                  <a:spcPts val="0"/>
-                </a:spcBef>
-                <a:defRPr>
-                  <a:solidFill>
-                    <a:srgbClr val="000000"/>
-                  </a:solidFill>
-                </a:defRPr>
-              </a:pPr>
-              <a:endParaRPr/>
-            </a:p>
-          </p:txBody>
-        </p:sp>
-      </p:grpSp>
       <p:sp>
         <p:nvSpPr>
           <p:cNvPr id="154" name="Each variable is in its own column"/>
@@ -5704,7 +5567,7 @@
           </a:ln>
           <a:extLst>
             <a:ext uri="{C572A759-6A51-4108-AA02-DFA0A04FC94B}">
-              <ma14:wrappingTextBoxFlag xmlns="" xmlns:m="http://schemas.openxmlformats.org/officeDocument/2006/math" xmlns:a14="http://schemas.microsoft.com/office/drawing/2010/main" xmlns:ma14="http://schemas.microsoft.com/office/mac/drawingml/2011/main" val="1"/>
+              <ma14:wrappingTextBoxFlag xmlns:ma14="http://schemas.microsoft.com/office/mac/drawingml/2011/main" xmlns:a14="http://schemas.microsoft.com/office/drawing/2010/main" xmlns:m="http://schemas.openxmlformats.org/officeDocument/2006/math" xmlns="" val="1"/>
             </a:ext>
           </a:extLst>
         </p:spPr>
@@ -5729,34 +5592,50 @@
             </a:pPr>
             <a:r>
               <a:rPr lang="es-ES" dirty="0"/>
-              <a:t>Cada </a:t>
-            </a:r>
-            <a:r>
-              <a:rPr lang="es-ES" b="1" dirty="0"/>
+              <a:t>Cada</a:t>
+            </a:r>
+            <a:r>
+              <a:rPr dirty="0"/>
+              <a:t> </a:t>
+            </a:r>
+            <a:r>
+              <a:rPr dirty="0">
+                <a:latin typeface="Source Sans Pro Bold"/>
+                <a:ea typeface="Source Sans Pro Bold"/>
+                <a:cs typeface="Source Sans Pro Bold"/>
+                <a:sym typeface="Source Sans Pro Bold"/>
+              </a:rPr>
               <a:t>variable</a:t>
             </a:r>
             <a:r>
+              <a:rPr dirty="0"/>
+              <a:t> </a:t>
+            </a:r>
+            <a:r>
               <a:rPr lang="es-ES" dirty="0"/>
-              <a:t> en </a:t>
-            </a:r>
-          </a:p>
-          <a:p>
-            <a:pPr>
-              <a:lnSpc>
-                <a:spcPct val="80000"/>
-              </a:lnSpc>
-              <a:spcBef>
-                <a:spcPts val="0"/>
-              </a:spcBef>
-              <a:defRPr>
-                <a:solidFill>
-                  <a:srgbClr val="000000"/>
-                </a:solidFill>
-              </a:defRPr>
-            </a:pPr>
-            <a:r>
-              <a:rPr lang="es-ES" dirty="0"/>
-              <a:t>su propia columna</a:t>
+              <a:t>es su propia</a:t>
+            </a:r>
+            <a:r>
+              <a:rPr dirty="0"/>
+              <a:t> </a:t>
+            </a:r>
+            <a:r>
+              <a:rPr dirty="0">
+                <a:latin typeface="Source Sans Pro Bold"/>
+                <a:ea typeface="Source Sans Pro Bold"/>
+                <a:cs typeface="Source Sans Pro Bold"/>
+                <a:sym typeface="Source Sans Pro Bold"/>
+              </a:rPr>
+              <a:t>column</a:t>
+            </a:r>
+            <a:r>
+              <a:rPr lang="es-ES" dirty="0">
+                <a:latin typeface="Source Sans Pro Bold"/>
+                <a:ea typeface="Source Sans Pro Bold"/>
+                <a:cs typeface="Source Sans Pro Bold"/>
+                <a:sym typeface="Source Sans Pro Bold"/>
+              </a:rPr>
+              <a:t>a</a:t>
             </a:r>
             <a:endParaRPr dirty="0">
               <a:latin typeface="Source Sans Pro Bold"/>
@@ -5786,7 +5665,7 @@
           </a:ln>
           <a:extLst>
             <a:ext uri="{C572A759-6A51-4108-AA02-DFA0A04FC94B}">
-              <ma14:wrappingTextBoxFlag xmlns="" xmlns:m="http://schemas.openxmlformats.org/officeDocument/2006/math" xmlns:a14="http://schemas.microsoft.com/office/drawing/2010/main" xmlns:ma14="http://schemas.microsoft.com/office/mac/drawingml/2011/main" val="1"/>
+              <ma14:wrappingTextBoxFlag xmlns:ma14="http://schemas.microsoft.com/office/mac/drawingml/2011/main" xmlns:a14="http://schemas.microsoft.com/office/drawing/2010/main" xmlns:m="http://schemas.openxmlformats.org/officeDocument/2006/math" xmlns="" val="1"/>
             </a:ext>
           </a:extLst>
         </p:spPr>
@@ -5822,8 +5701,8 @@
         </p:nvSpPr>
         <p:spPr>
           <a:xfrm>
-            <a:off x="317500" y="1409516"/>
-            <a:ext cx="4264736" cy="339896"/>
+            <a:off x="317500" y="1514475"/>
+            <a:ext cx="4264736" cy="298261"/>
           </a:xfrm>
           <a:prstGeom prst="rect">
             <a:avLst/>
@@ -5833,7 +5712,7 @@
           </a:ln>
           <a:extLst>
             <a:ext uri="{C572A759-6A51-4108-AA02-DFA0A04FC94B}">
-              <ma14:wrappingTextBoxFlag xmlns="" xmlns:m="http://schemas.openxmlformats.org/officeDocument/2006/math" xmlns:a14="http://schemas.microsoft.com/office/drawing/2010/main" xmlns:ma14="http://schemas.microsoft.com/office/mac/drawingml/2011/main" val="1"/>
+              <ma14:wrappingTextBoxFlag xmlns:ma14="http://schemas.microsoft.com/office/mac/drawingml/2011/main" xmlns:a14="http://schemas.microsoft.com/office/drawing/2010/main" xmlns:m="http://schemas.openxmlformats.org/officeDocument/2006/math" xmlns="" val="1"/>
             </a:ext>
           </a:extLst>
         </p:spPr>
@@ -5861,8 +5740,31 @@
               </a:defRPr>
             </a:pPr>
             <a:r>
-              <a:rPr dirty="0" err="1"/>
-              <a:t>dplyr</a:t>
+              <a:rPr lang="es-ES" dirty="0">
+                <a:latin typeface="+mj-lt"/>
+                <a:ea typeface="+mj-ea"/>
+                <a:cs typeface="+mj-cs"/>
+                <a:sym typeface="Source Sans Pro Regular"/>
+              </a:rPr>
+              <a:t>Las f</a:t>
+            </a:r>
+            <a:r>
+              <a:rPr dirty="0" err="1">
+                <a:latin typeface="+mj-lt"/>
+                <a:ea typeface="+mj-ea"/>
+                <a:cs typeface="+mj-cs"/>
+                <a:sym typeface="Source Sans Pro Regular"/>
+              </a:rPr>
+              <a:t>uncion</a:t>
+            </a:r>
+            <a:r>
+              <a:rPr lang="es-ES" dirty="0">
+                <a:latin typeface="+mj-lt"/>
+                <a:ea typeface="+mj-ea"/>
+                <a:cs typeface="+mj-cs"/>
+                <a:sym typeface="Source Sans Pro Regular"/>
+              </a:rPr>
+              <a:t>e</a:t>
             </a:r>
             <a:r>
               <a:rPr dirty="0">
@@ -5871,7 +5773,7 @@
                 <a:cs typeface="+mj-cs"/>
                 <a:sym typeface="Source Sans Pro Regular"/>
               </a:rPr>
-              <a:t> </a:t>
+              <a:t>s </a:t>
             </a:r>
             <a:r>
               <a:rPr lang="es-ES" dirty="0">
@@ -5880,16 +5782,11 @@
                 <a:cs typeface="+mj-cs"/>
                 <a:sym typeface="Source Sans Pro Regular"/>
               </a:rPr>
-              <a:t>r funciona con canalizaciones y requiere </a:t>
-            </a:r>
-            <a:r>
-              <a:rPr lang="es-ES" b="1" dirty="0">
-                <a:latin typeface="+mj-lt"/>
-                <a:ea typeface="+mj-ea"/>
-                <a:cs typeface="+mj-cs"/>
-                <a:sym typeface="Source Sans Pro Regular"/>
-              </a:rPr>
-              <a:t>datos ordenados</a:t>
+              <a:t>de </a:t>
+            </a:r>
+            <a:r>
+              <a:rPr lang="es-ES" dirty="0" err="1"/>
+              <a:t>dplyr</a:t>
             </a:r>
             <a:r>
               <a:rPr lang="es-ES" dirty="0">
@@ -5898,27 +5795,17 @@
                 <a:cs typeface="+mj-cs"/>
                 <a:sym typeface="Source Sans Pro Regular"/>
               </a:rPr>
-              <a:t>. </a:t>
-            </a:r>
-          </a:p>
-          <a:p>
-            <a:pPr>
-              <a:lnSpc>
-                <a:spcPct val="80000"/>
-              </a:lnSpc>
-              <a:spcBef>
-                <a:spcPts val="0"/>
-              </a:spcBef>
-              <a:defRPr>
-                <a:solidFill>
-                  <a:srgbClr val="000000"/>
-                </a:solidFill>
-                <a:latin typeface="Source Sans Pro Bold"/>
-                <a:ea typeface="Source Sans Pro Bold"/>
-                <a:cs typeface="Source Sans Pro Bold"/>
-                <a:sym typeface="Source Sans Pro Bold"/>
-              </a:defRPr>
-            </a:pPr>
+              <a:t> se usan</a:t>
+            </a:r>
+            <a:r>
+              <a:rPr dirty="0">
+                <a:latin typeface="+mj-lt"/>
+                <a:ea typeface="+mj-ea"/>
+                <a:cs typeface="+mj-cs"/>
+                <a:sym typeface="Source Sans Pro Regular"/>
+              </a:rPr>
+              <a:t> </a:t>
+            </a:r>
             <a:r>
               <a:rPr lang="es-ES" dirty="0">
                 <a:latin typeface="+mj-lt"/>
@@ -5926,14 +5813,74 @@
                 <a:cs typeface="+mj-cs"/>
                 <a:sym typeface="Source Sans Pro Regular"/>
               </a:rPr>
-              <a:t>En datos ordenados:</a:t>
-            </a:r>
-            <a:endParaRPr dirty="0">
-              <a:latin typeface="+mj-lt"/>
-              <a:ea typeface="+mj-ea"/>
-              <a:cs typeface="+mj-cs"/>
-              <a:sym typeface="Source Sans Pro Regular"/>
-            </a:endParaRPr>
+              <a:t>con canalizaciones </a:t>
+            </a:r>
+            <a:r>
+              <a:rPr lang="en-US" dirty="0">
+                <a:latin typeface="+mj-lt"/>
+                <a:ea typeface="+mj-ea"/>
+                <a:cs typeface="+mj-cs"/>
+                <a:sym typeface="Source Sans Pro Regular"/>
+              </a:rPr>
+              <a:t>(pipe)</a:t>
+            </a:r>
+            <a:r>
+              <a:rPr lang="es-ES" dirty="0">
+                <a:latin typeface="+mj-lt"/>
+                <a:ea typeface="+mj-ea"/>
+                <a:cs typeface="+mj-cs"/>
+                <a:sym typeface="Source Sans Pro Regular"/>
+              </a:rPr>
+              <a:t> y </a:t>
+            </a:r>
+            <a:r>
+              <a:rPr dirty="0">
+                <a:latin typeface="+mj-lt"/>
+                <a:ea typeface="+mj-ea"/>
+                <a:cs typeface="+mj-cs"/>
+                <a:sym typeface="Source Sans Pro Regular"/>
+              </a:rPr>
+              <a:t> </a:t>
+            </a:r>
+            <a:r>
+              <a:rPr lang="es-ES" dirty="0"/>
+              <a:t>datos</a:t>
+            </a:r>
+            <a:r>
+              <a:rPr dirty="0"/>
+              <a:t> </a:t>
+            </a:r>
+            <a:r>
+              <a:rPr lang="es-ES" dirty="0"/>
+              <a:t>ordenados</a:t>
+            </a:r>
+            <a:r>
+              <a:rPr dirty="0">
+                <a:latin typeface="+mj-lt"/>
+                <a:ea typeface="+mj-ea"/>
+                <a:cs typeface="+mj-cs"/>
+                <a:sym typeface="Source Sans Pro Regular"/>
+              </a:rPr>
+              <a:t>. </a:t>
+            </a:r>
+            <a:r>
+              <a:rPr lang="es-ES" dirty="0">
+                <a:latin typeface="+mj-lt"/>
+                <a:ea typeface="+mj-ea"/>
+                <a:cs typeface="+mj-cs"/>
+                <a:sym typeface="Source Sans Pro Regular"/>
+              </a:rPr>
+              <a:t>Datos ordenados</a:t>
+            </a:r>
+            <a:r>
+              <a:rPr dirty="0">
+                <a:latin typeface="+mj-lt"/>
+                <a:ea typeface="+mj-ea"/>
+                <a:cs typeface="+mj-cs"/>
+                <a:sym typeface="Source Sans Pro Regular"/>
+              </a:rPr>
+              <a:t>:</a:t>
+            </a:r>
           </a:p>
         </p:txBody>
       </p:sp>
@@ -5945,8 +5892,8 @@
         </p:nvSpPr>
         <p:spPr>
           <a:xfrm>
-            <a:off x="3927295" y="2030546"/>
-            <a:ext cx="486892" cy="215901"/>
+            <a:off x="3907312" y="2049049"/>
+            <a:ext cx="412412" cy="299441"/>
           </a:xfrm>
           <a:prstGeom prst="rect">
             <a:avLst/>
@@ -5956,12 +5903,12 @@
           </a:ln>
           <a:extLst>
             <a:ext uri="{C572A759-6A51-4108-AA02-DFA0A04FC94B}">
-              <ma14:wrappingTextBoxFlag xmlns="" xmlns:m="http://schemas.openxmlformats.org/officeDocument/2006/math" xmlns:a14="http://schemas.microsoft.com/office/drawing/2010/main" xmlns:ma14="http://schemas.microsoft.com/office/mac/drawingml/2011/main" val="1"/>
+              <ma14:wrappingTextBoxFlag xmlns:ma14="http://schemas.microsoft.com/office/mac/drawingml/2011/main" xmlns:a14="http://schemas.microsoft.com/office/drawing/2010/main" xmlns:m="http://schemas.openxmlformats.org/officeDocument/2006/math" xmlns="" val="1"/>
             </a:ext>
           </a:extLst>
         </p:spPr>
         <p:txBody>
-          <a:bodyPr lIns="12700" tIns="12700" rIns="12700" bIns="12700">
+          <a:bodyPr wrap="square" lIns="12700" tIns="12700" rIns="12700" bIns="12700">
             <a:spAutoFit/>
           </a:bodyPr>
           <a:lstStyle>
@@ -5985,8 +5932,17 @@
           </a:lstStyle>
           <a:p>
             <a:r>
-              <a:t>pipes</a:t>
-            </a:r>
+              <a:rPr lang="es-ES" sz="1100" dirty="0"/>
+              <a:t>p</a:t>
+            </a:r>
+            <a:r>
+              <a:rPr sz="1100" dirty="0" err="1"/>
+              <a:t>ipe</a:t>
+            </a:r>
+            <a:endParaRPr lang="es-ES" sz="1100" dirty="0"/>
+          </a:p>
+          <a:p>
+            <a:endParaRPr sz="1100" dirty="0"/>
           </a:p>
         </p:txBody>
       </p:sp>
@@ -5999,7 +5955,7 @@
         <p:spPr>
           <a:xfrm>
             <a:off x="3325200" y="2402350"/>
-            <a:ext cx="1257036" cy="298608"/>
+            <a:ext cx="1195269" cy="298608"/>
           </a:xfrm>
           <a:prstGeom prst="rect">
             <a:avLst/>
@@ -6009,12 +5965,12 @@
           </a:ln>
           <a:extLst>
             <a:ext uri="{C572A759-6A51-4108-AA02-DFA0A04FC94B}">
-              <ma14:wrappingTextBoxFlag xmlns="" xmlns:m="http://schemas.openxmlformats.org/officeDocument/2006/math" xmlns:a14="http://schemas.microsoft.com/office/drawing/2010/main" xmlns:ma14="http://schemas.microsoft.com/office/mac/drawingml/2011/main" val="1"/>
+              <ma14:wrappingTextBoxFlag xmlns:ma14="http://schemas.microsoft.com/office/mac/drawingml/2011/main" xmlns:a14="http://schemas.microsoft.com/office/drawing/2010/main" xmlns:m="http://schemas.openxmlformats.org/officeDocument/2006/math" xmlns="" val="1"/>
             </a:ext>
           </a:extLst>
         </p:spPr>
         <p:txBody>
-          <a:bodyPr wrap="square" lIns="0" tIns="0" rIns="0" bIns="0">
+          <a:bodyPr lIns="0" tIns="0" rIns="0" bIns="0">
             <a:spAutoFit/>
           </a:bodyPr>
           <a:lstStyle/>
@@ -6038,25 +5994,41 @@
             </a:pPr>
             <a:r>
               <a:rPr dirty="0"/>
-              <a:t>x %&gt;% f(y) </a:t>
-            </a:r>
+              <a:t>x </a:t>
+            </a:r>
+            <a:r>
+              <a:rPr lang="en-US" dirty="0"/>
+              <a:t>|&gt;</a:t>
+            </a:r>
+            <a:r>
+              <a:rPr dirty="0"/>
+              <a:t> f(y) </a:t>
+            </a:r>
+          </a:p>
+          <a:p>
+            <a:pPr>
+              <a:lnSpc>
+                <a:spcPct val="80000"/>
+              </a:lnSpc>
+              <a:spcBef>
+                <a:spcPts val="0"/>
+              </a:spcBef>
+              <a:defRPr>
+                <a:solidFill>
+                  <a:srgbClr val="000000"/>
+                </a:solidFill>
+              </a:defRPr>
+            </a:pPr>
             <a:r>
               <a:rPr lang="es-ES" dirty="0"/>
-              <a:t> </a:t>
-            </a:r>
-            <a:r>
-              <a:rPr lang="es-ES" dirty="0">
-                <a:latin typeface="Source Sans Pro" panose="020B0503030403020204" pitchFamily="34" charset="0"/>
-                <a:ea typeface="Source Sans Pro" panose="020B0503030403020204" pitchFamily="34" charset="0"/>
-              </a:rPr>
-              <a:t>se convierte en</a:t>
-            </a:r>
-            <a:r>
-              <a:rPr lang="es-ES" dirty="0"/>
+              <a:t>es</a:t>
+            </a:r>
+            <a:r>
+              <a:rPr dirty="0"/>
               <a:t>  </a:t>
             </a:r>
             <a:r>
-              <a:rPr lang="es-ES" dirty="0">
+              <a:rPr dirty="0">
                 <a:latin typeface="Source Sans Pro Bold"/>
                 <a:ea typeface="Source Sans Pro Bold"/>
                 <a:cs typeface="Source Sans Pro Bold"/>
@@ -6076,7 +6048,7 @@
           <p:nvPr/>
         </p:nvPicPr>
         <p:blipFill>
-          <a:blip r:embed="rId6"/>
+          <a:blip r:embed="rId2"/>
           <a:stretch>
             <a:fillRect/>
           </a:stretch>
@@ -6142,7 +6114,7 @@
           </a:ln>
           <a:extLst>
             <a:ext uri="{C572A759-6A51-4108-AA02-DFA0A04FC94B}">
-              <ma14:wrappingTextBoxFlag xmlns="" xmlns:m="http://schemas.openxmlformats.org/officeDocument/2006/math" xmlns:a14="http://schemas.microsoft.com/office/drawing/2010/main" xmlns:ma14="http://schemas.microsoft.com/office/mac/drawingml/2011/main" val="1"/>
+              <ma14:wrappingTextBoxFlag xmlns:ma14="http://schemas.microsoft.com/office/mac/drawingml/2011/main" xmlns:a14="http://schemas.microsoft.com/office/drawing/2010/main" xmlns:m="http://schemas.openxmlformats.org/officeDocument/2006/math" xmlns="" val="1"/>
             </a:ext>
           </a:extLst>
         </p:spPr>
@@ -6200,11 +6172,7 @@
                 <a:latin typeface="Source Sans Pro" panose="020B0503030403020204" pitchFamily="34" charset="0"/>
                 <a:ea typeface="Source Sans Pro" panose="020B0503030403020204" pitchFamily="34" charset="0"/>
               </a:rPr>
-              <a:t>Extrae filas que cumplan criterios lógicos</a:t>
-            </a:r>
-            <a:r>
-              <a:rPr lang="es-ES" dirty="0"/>
-              <a:t>.</a:t>
+              <a:t>Extraer filas que cumplan criterios lógicos</a:t>
             </a:r>
             <a:r>
               <a:rPr dirty="0">
@@ -6213,7 +6181,7 @@
                 <a:cs typeface="+mj-cs"/>
                 <a:sym typeface="Source Sans Pro Regular"/>
               </a:rPr>
-              <a:t> </a:t>
+              <a:t>. </a:t>
             </a:r>
           </a:p>
           <a:p>
@@ -6235,16 +6203,16 @@
               </a:defRPr>
             </a:pPr>
             <a:r>
+              <a:rPr lang="es-ES" dirty="0" err="1"/>
+              <a:t>mtcars</a:t>
+            </a:r>
+            <a:r>
+              <a:rPr lang="es-ES" dirty="0"/>
+              <a:t> |&gt; </a:t>
+            </a:r>
+            <a:r>
               <a:rPr dirty="0"/>
-              <a:t>filter(</a:t>
-            </a:r>
-            <a:r>
-              <a:rPr dirty="0" err="1"/>
-              <a:t>mtcars</a:t>
-            </a:r>
-            <a:r>
-              <a:rPr dirty="0"/>
-              <a:t>, mpg &gt; 20)</a:t>
+              <a:t>filter(mpg &gt; 20)</a:t>
             </a:r>
           </a:p>
           <a:p>
@@ -6330,7 +6298,7 @@
                 <a:latin typeface="Source Sans Pro" panose="020B0503030403020204" pitchFamily="34" charset="0"/>
                 <a:ea typeface="Source Sans Pro" panose="020B0503030403020204" pitchFamily="34" charset="0"/>
               </a:rPr>
-              <a:t>Elimina las filas con valores duplicados.</a:t>
+              <a:t>Eliminar filas con valores duplicados</a:t>
             </a:r>
             <a:r>
               <a:rPr dirty="0">
@@ -6339,7 +6307,7 @@
                 <a:cs typeface="+mj-cs"/>
                 <a:sym typeface="Source Sans Pro Regular"/>
               </a:rPr>
-              <a:t> </a:t>
+              <a:t>. </a:t>
             </a:r>
             <a:br>
               <a:rPr dirty="0">
@@ -6350,31 +6318,38 @@
               </a:rPr>
             </a:br>
             <a:r>
+              <a:rPr lang="es-ES" dirty="0" err="1">
+                <a:latin typeface="Source Sans Pro ExtraLight"/>
+                <a:ea typeface="Source Sans Pro ExtraLight"/>
+                <a:sym typeface="Source Sans Pro ExtraLight"/>
+              </a:rPr>
+              <a:t>mtcars</a:t>
+            </a:r>
+            <a:r>
+              <a:rPr lang="es-ES" dirty="0">
+                <a:latin typeface="Source Sans Pro ExtraLight"/>
+                <a:ea typeface="Source Sans Pro ExtraLight"/>
+                <a:sym typeface="Source Sans Pro ExtraLight"/>
+              </a:rPr>
+              <a:t> |&gt; d</a:t>
+            </a:r>
+            <a:r>
+              <a:rPr dirty="0" err="1">
+                <a:latin typeface="Source Sans Pro ExtraLight"/>
+                <a:ea typeface="Source Sans Pro ExtraLight"/>
+                <a:cs typeface="Source Sans Pro ExtraLight"/>
+                <a:sym typeface="Source Sans Pro ExtraLight"/>
+              </a:rPr>
+              <a:t>istinct</a:t>
+            </a:r>
+            <a:r>
               <a:rPr dirty="0">
                 <a:latin typeface="Source Sans Pro ExtraLight"/>
                 <a:ea typeface="Source Sans Pro ExtraLight"/>
                 <a:cs typeface="Source Sans Pro ExtraLight"/>
                 <a:sym typeface="Source Sans Pro ExtraLight"/>
               </a:rPr>
-              <a:t>distinct(</a:t>
-            </a:r>
-            <a:r>
-              <a:rPr dirty="0" err="1">
-                <a:latin typeface="Source Sans Pro ExtraLight"/>
-                <a:ea typeface="Source Sans Pro ExtraLight"/>
-                <a:cs typeface="Source Sans Pro ExtraLight"/>
-                <a:sym typeface="Source Sans Pro ExtraLight"/>
-              </a:rPr>
-              <a:t>mtcars</a:t>
-            </a:r>
-            <a:r>
-              <a:rPr dirty="0">
-                <a:latin typeface="Source Sans Pro ExtraLight"/>
-                <a:ea typeface="Source Sans Pro ExtraLight"/>
-                <a:cs typeface="Source Sans Pro ExtraLight"/>
-                <a:sym typeface="Source Sans Pro ExtraLight"/>
-              </a:rPr>
-              <a:t>, gear)</a:t>
+              <a:t>(gear)</a:t>
             </a:r>
             <a:endParaRPr i="1" dirty="0"/>
           </a:p>
@@ -6443,7 +6418,7 @@
                 <a:latin typeface="Source Sans Pro" panose="020B0503030403020204" pitchFamily="34" charset="0"/>
                 <a:ea typeface="Source Sans Pro" panose="020B0503030403020204" pitchFamily="34" charset="0"/>
               </a:rPr>
-              <a:t>Selecciona las filas por posición.</a:t>
+              <a:t>Seleccionar filas por posición</a:t>
             </a:r>
             <a:r>
               <a:rPr dirty="0">
@@ -6452,7 +6427,7 @@
                 <a:cs typeface="+mj-cs"/>
                 <a:sym typeface="Source Sans Pro Regular"/>
               </a:rPr>
-              <a:t> </a:t>
+              <a:t>. </a:t>
             </a:r>
           </a:p>
           <a:p>
@@ -6474,16 +6449,24 @@
               </a:defRPr>
             </a:pPr>
             <a:r>
+              <a:rPr lang="es-ES" dirty="0" err="1">
+                <a:latin typeface="Source Sans Pro ExtraLight"/>
+                <a:ea typeface="Source Sans Pro ExtraLight"/>
+                <a:sym typeface="Source Sans Pro ExtraLight"/>
+              </a:rPr>
+              <a:t>mtcars</a:t>
+            </a:r>
+            <a:r>
+              <a:rPr lang="es-ES" dirty="0">
+                <a:latin typeface="Source Sans Pro ExtraLight"/>
+                <a:ea typeface="Source Sans Pro ExtraLight"/>
+                <a:sym typeface="Source Sans Pro ExtraLight"/>
+              </a:rPr>
+              <a:t> |&gt; </a:t>
+            </a:r>
+            <a:r>
               <a:rPr dirty="0"/>
-              <a:t>slice(</a:t>
-            </a:r>
-            <a:r>
-              <a:rPr dirty="0" err="1"/>
-              <a:t>mtcars</a:t>
-            </a:r>
-            <a:r>
-              <a:rPr dirty="0"/>
-              <a:t>, 10:15)</a:t>
+              <a:t>slice(10:15)</a:t>
             </a:r>
             <a:endParaRPr i="1" dirty="0">
               <a:latin typeface="+mj-lt"/>
@@ -6575,7 +6558,7 @@
                 <a:latin typeface="Source Sans Pro" panose="020B0503030403020204" pitchFamily="34" charset="0"/>
                 <a:ea typeface="Source Sans Pro" panose="020B0503030403020204" pitchFamily="34" charset="0"/>
               </a:rPr>
-              <a:t>Selecciona filas al azar. Usa n para seleccionar un número de filas y </a:t>
+              <a:t>Seleccione filas al azar. Use n para seleccionar un número de filas y </a:t>
             </a:r>
             <a:r>
               <a:rPr lang="es-ES" dirty="0" err="1">
@@ -6620,20 +6603,28 @@
               </a:defRPr>
             </a:pPr>
             <a:r>
+              <a:rPr lang="es-ES" dirty="0" err="1">
+                <a:latin typeface="Source Sans Pro ExtraLight"/>
+                <a:ea typeface="Source Sans Pro ExtraLight"/>
+                <a:sym typeface="Source Sans Pro ExtraLight"/>
+              </a:rPr>
+              <a:t>mtcars</a:t>
+            </a:r>
+            <a:r>
+              <a:rPr lang="es-ES" dirty="0">
+                <a:latin typeface="Source Sans Pro ExtraLight"/>
+                <a:ea typeface="Source Sans Pro ExtraLight"/>
+                <a:sym typeface="Source Sans Pro ExtraLight"/>
+              </a:rPr>
+              <a:t> |&gt; </a:t>
+            </a:r>
+            <a:r>
               <a:rPr dirty="0" err="1"/>
               <a:t>slice_sample</a:t>
             </a:r>
             <a:r>
               <a:rPr dirty="0"/>
-              <a:t>(</a:t>
-            </a:r>
-            <a:r>
-              <a:rPr dirty="0" err="1"/>
-              <a:t>mtcars</a:t>
-            </a:r>
-            <a:r>
-              <a:rPr dirty="0"/>
-              <a:t>, n = 5, replace = TRUE)</a:t>
+              <a:t>(n = 5, replace = TRUE)</a:t>
             </a:r>
             <a:endParaRPr i="1" dirty="0">
               <a:latin typeface="+mj-lt"/>
@@ -6769,13 +6760,17 @@
                 <a:latin typeface="Source Sans Pro" panose="020B0503030403020204" pitchFamily="34" charset="0"/>
                 <a:ea typeface="Source Sans Pro" panose="020B0503030403020204" pitchFamily="34" charset="0"/>
               </a:rPr>
-              <a:t>Seleccionan las filas con los valores más bajos y más altos.</a:t>
-            </a:r>
-            <a:endParaRPr dirty="0">
-              <a:latin typeface="Source Sans Pro" panose="020B0503030403020204" pitchFamily="34" charset="0"/>
-              <a:ea typeface="Source Sans Pro" panose="020B0503030403020204" pitchFamily="34" charset="0"/>
-              <a:sym typeface="Source Sans Pro Regular"/>
-            </a:endParaRPr>
+              <a:t>Seleccione las filas con los valores más bajos y más altos</a:t>
+            </a:r>
+            <a:r>
+              <a:rPr dirty="0">
+                <a:latin typeface="+mj-lt"/>
+                <a:ea typeface="+mj-ea"/>
+                <a:cs typeface="+mj-cs"/>
+                <a:sym typeface="Source Sans Pro Regular"/>
+              </a:rPr>
+              <a:t>.</a:t>
+            </a:r>
           </a:p>
           <a:p>
             <a:pPr>
@@ -6796,20 +6791,28 @@
               </a:defRPr>
             </a:pPr>
             <a:r>
+              <a:rPr lang="es-ES" dirty="0" err="1">
+                <a:latin typeface="Source Sans Pro ExtraLight"/>
+                <a:ea typeface="Source Sans Pro ExtraLight"/>
+                <a:sym typeface="Source Sans Pro ExtraLight"/>
+              </a:rPr>
+              <a:t>mtcars</a:t>
+            </a:r>
+            <a:r>
+              <a:rPr lang="es-ES" dirty="0">
+                <a:latin typeface="Source Sans Pro ExtraLight"/>
+                <a:ea typeface="Source Sans Pro ExtraLight"/>
+                <a:sym typeface="Source Sans Pro ExtraLight"/>
+              </a:rPr>
+              <a:t> |&gt; </a:t>
+            </a:r>
+            <a:r>
               <a:rPr dirty="0" err="1"/>
               <a:t>slice_min</a:t>
             </a:r>
             <a:r>
               <a:rPr dirty="0"/>
-              <a:t>(</a:t>
-            </a:r>
-            <a:r>
-              <a:rPr dirty="0" err="1"/>
-              <a:t>mtcars</a:t>
-            </a:r>
-            <a:r>
-              <a:rPr dirty="0"/>
-              <a:t>, mpg, prop = 0.25)</a:t>
+              <a:t>(mpg, prop = 0.25)</a:t>
             </a:r>
           </a:p>
           <a:p>
@@ -6916,13 +6919,17 @@
                 <a:latin typeface="Source Sans Pro" panose="020B0503030403020204" pitchFamily="34" charset="0"/>
                 <a:ea typeface="Source Sans Pro" panose="020B0503030403020204" pitchFamily="34" charset="0"/>
               </a:rPr>
-              <a:t>Seleccionan las primeras o las últimas filas.</a:t>
-            </a:r>
-            <a:endParaRPr dirty="0">
-              <a:latin typeface="Source Sans Pro" panose="020B0503030403020204" pitchFamily="34" charset="0"/>
-              <a:ea typeface="Source Sans Pro" panose="020B0503030403020204" pitchFamily="34" charset="0"/>
-              <a:sym typeface="Source Sans Pro Regular"/>
-            </a:endParaRPr>
+              <a:t>Seleccione la primera o la última fila</a:t>
+            </a:r>
+            <a:r>
+              <a:rPr dirty="0">
+                <a:latin typeface="+mj-lt"/>
+                <a:ea typeface="+mj-ea"/>
+                <a:cs typeface="+mj-cs"/>
+                <a:sym typeface="Source Sans Pro Regular"/>
+              </a:rPr>
+              <a:t>.</a:t>
+            </a:r>
           </a:p>
           <a:p>
             <a:pPr>
@@ -6943,20 +6950,28 @@
               </a:defRPr>
             </a:pPr>
             <a:r>
+              <a:rPr lang="es-ES" dirty="0" err="1">
+                <a:latin typeface="Source Sans Pro ExtraLight"/>
+                <a:ea typeface="Source Sans Pro ExtraLight"/>
+                <a:sym typeface="Source Sans Pro ExtraLight"/>
+              </a:rPr>
+              <a:t>mtcars</a:t>
+            </a:r>
+            <a:r>
+              <a:rPr lang="es-ES" dirty="0">
+                <a:latin typeface="Source Sans Pro ExtraLight"/>
+                <a:ea typeface="Source Sans Pro ExtraLight"/>
+                <a:sym typeface="Source Sans Pro ExtraLight"/>
+              </a:rPr>
+              <a:t> |&gt; </a:t>
+            </a:r>
+            <a:r>
               <a:rPr dirty="0" err="1"/>
               <a:t>slice_head</a:t>
             </a:r>
             <a:r>
               <a:rPr dirty="0"/>
-              <a:t>(</a:t>
-            </a:r>
-            <a:r>
-              <a:rPr dirty="0" err="1"/>
-              <a:t>mtcars</a:t>
-            </a:r>
-            <a:r>
-              <a:rPr dirty="0"/>
-              <a:t>, n = 5)</a:t>
+              <a:t>(n = 5)</a:t>
             </a:r>
           </a:p>
         </p:txBody>
@@ -6969,8 +6984,8 @@
         </p:nvSpPr>
         <p:spPr>
           <a:xfrm>
-            <a:off x="4791188" y="2266231"/>
-            <a:ext cx="4140392" cy="275896"/>
+            <a:off x="4791188" y="2242847"/>
+            <a:ext cx="4140392" cy="308805"/>
           </a:xfrm>
           <a:prstGeom prst="rect">
             <a:avLst/>
@@ -6980,13 +6995,13 @@
           </a:ln>
           <a:extLst>
             <a:ext uri="{C572A759-6A51-4108-AA02-DFA0A04FC94B}">
-              <ma14:wrappingTextBoxFlag xmlns="" xmlns:m="http://schemas.openxmlformats.org/officeDocument/2006/math" xmlns:a14="http://schemas.microsoft.com/office/drawing/2010/main" xmlns:ma14="http://schemas.microsoft.com/office/mac/drawingml/2011/main" val="1"/>
+              <ma14:wrappingTextBoxFlag xmlns:ma14="http://schemas.microsoft.com/office/mac/drawingml/2011/main" xmlns:a14="http://schemas.microsoft.com/office/drawing/2010/main" xmlns:m="http://schemas.openxmlformats.org/officeDocument/2006/math" xmlns="" val="1"/>
             </a:ext>
           </a:extLst>
         </p:spPr>
         <p:txBody>
           <a:bodyPr lIns="0" tIns="0" rIns="0" bIns="0">
-            <a:normAutofit lnSpcReduction="10000"/>
+            <a:normAutofit/>
           </a:bodyPr>
           <a:lstStyle>
             <a:lvl1pPr>
@@ -7006,9 +7021,12 @@
           <a:p>
             <a:r>
               <a:rPr lang="es-ES" dirty="0"/>
-              <a:t>Las funciones de fila devuelven un subconjunto de filas como una nueva tabla.</a:t>
-            </a:r>
-            <a:endParaRPr dirty="0"/>
+              <a:t>Las funciones de fila devuelven un subconjunto de filas como una nueva tabla</a:t>
+            </a:r>
+            <a:r>
+              <a:rPr dirty="0"/>
+              <a:t>.</a:t>
+            </a:r>
           </a:p>
         </p:txBody>
       </p:sp>
@@ -7020,8 +7038,8 @@
         </p:nvSpPr>
         <p:spPr>
           <a:xfrm>
-            <a:off x="4940358" y="7449031"/>
-            <a:ext cx="3213042" cy="248841"/>
+            <a:off x="4940356" y="7449031"/>
+            <a:ext cx="3289243" cy="248841"/>
           </a:xfrm>
           <a:prstGeom prst="rect">
             <a:avLst/>
@@ -7031,7 +7049,7 @@
           </a:ln>
           <a:extLst>
             <a:ext uri="{C572A759-6A51-4108-AA02-DFA0A04FC94B}">
-              <ma14:wrappingTextBoxFlag xmlns="" xmlns:m="http://schemas.openxmlformats.org/officeDocument/2006/math" xmlns:a14="http://schemas.microsoft.com/office/drawing/2010/main" xmlns:ma14="http://schemas.microsoft.com/office/mac/drawingml/2011/main" val="1"/>
+              <ma14:wrappingTextBoxFlag xmlns:ma14="http://schemas.microsoft.com/office/mac/drawingml/2011/main" xmlns:a14="http://schemas.microsoft.com/office/drawing/2010/main" xmlns:m="http://schemas.openxmlformats.org/officeDocument/2006/math" xmlns="" val="1"/>
             </a:ext>
           </a:extLst>
         </p:spPr>
@@ -7055,52 +7073,62 @@
               </a:defRPr>
             </a:pPr>
             <a:r>
-              <a:rPr lang="es-ES"/>
+              <a:rPr lang="en-US" dirty="0" err="1"/>
               <a:t>Vea</a:t>
             </a:r>
             <a:r>
-              <a:rPr lang="es-ES">
+              <a:rPr dirty="0">
                 <a:latin typeface="Source Sans Pro Bold"/>
                 <a:ea typeface="Source Sans Pro Bold"/>
                 <a:cs typeface="Source Sans Pro Bold"/>
                 <a:sym typeface="Source Sans Pro Bold"/>
               </a:rPr>
-              <a:t> ?base::</a:t>
-            </a:r>
-            <a:r>
-              <a:rPr lang="es-ES" dirty="0" err="1">
+              <a:t> ?base::Logic</a:t>
+            </a:r>
+            <a:r>
+              <a:rPr dirty="0"/>
+              <a:t> </a:t>
+            </a:r>
+            <a:r>
+              <a:rPr lang="en-US" dirty="0"/>
+              <a:t>y</a:t>
+            </a:r>
+            <a:r>
+              <a:rPr dirty="0"/>
+              <a:t> </a:t>
+            </a:r>
+            <a:r>
+              <a:rPr dirty="0">
                 <a:latin typeface="Source Sans Pro Bold"/>
                 <a:ea typeface="Source Sans Pro Bold"/>
                 <a:cs typeface="Source Sans Pro Bold"/>
                 <a:sym typeface="Source Sans Pro Bold"/>
               </a:rPr>
-              <a:t>Logic</a:t>
-            </a:r>
-            <a:r>
-              <a:rPr lang="es-ES" dirty="0"/>
-              <a:t> y </a:t>
-            </a:r>
-            <a:r>
-              <a:rPr lang="es-ES" dirty="0">
-                <a:latin typeface="Source Sans Pro Bold"/>
-                <a:ea typeface="Source Sans Pro Bold"/>
-                <a:cs typeface="Source Sans Pro Bold"/>
-                <a:sym typeface="Source Sans Pro Bold"/>
-              </a:rPr>
-              <a:t>?</a:t>
-            </a:r>
-            <a:r>
-              <a:rPr lang="es-ES" dirty="0" err="1">
-                <a:latin typeface="Source Sans Pro Bold"/>
-                <a:ea typeface="Source Sans Pro Bold"/>
-                <a:cs typeface="Source Sans Pro Bold"/>
-                <a:sym typeface="Source Sans Pro Bold"/>
-              </a:rPr>
-              <a:t>Comparison</a:t>
-            </a:r>
-            <a:r>
-              <a:rPr lang="es-ES" dirty="0"/>
-              <a:t> para obtener ayuda.</a:t>
+              <a:t>?Comparison</a:t>
+            </a:r>
+            <a:r>
+              <a:rPr dirty="0"/>
+              <a:t> </a:t>
+            </a:r>
+            <a:r>
+              <a:rPr lang="en-US" dirty="0"/>
+              <a:t>para </a:t>
+            </a:r>
+            <a:r>
+              <a:rPr lang="en-US" dirty="0" err="1"/>
+              <a:t>obtener</a:t>
+            </a:r>
+            <a:r>
+              <a:rPr lang="en-US" dirty="0"/>
+              <a:t> </a:t>
+            </a:r>
+            <a:r>
+              <a:rPr lang="en-US" dirty="0" err="1"/>
+              <a:t>ayuda</a:t>
+            </a:r>
+            <a:r>
+              <a:rPr dirty="0"/>
+              <a:t>.</a:t>
             </a:r>
           </a:p>
         </p:txBody>
@@ -7124,7 +7152,7 @@
           </a:ln>
           <a:extLst>
             <a:ext uri="{C572A759-6A51-4108-AA02-DFA0A04FC94B}">
-              <ma14:wrappingTextBoxFlag xmlns="" xmlns:m="http://schemas.openxmlformats.org/officeDocument/2006/math" xmlns:a14="http://schemas.microsoft.com/office/drawing/2010/main" xmlns:ma14="http://schemas.microsoft.com/office/mac/drawingml/2011/main" val="1"/>
+              <ma14:wrappingTextBoxFlag xmlns:ma14="http://schemas.microsoft.com/office/mac/drawingml/2011/main" xmlns:a14="http://schemas.microsoft.com/office/drawing/2010/main" xmlns:m="http://schemas.openxmlformats.org/officeDocument/2006/math" xmlns="" val="1"/>
             </a:ext>
           </a:extLst>
         </p:spPr>
@@ -7191,21 +7219,28 @@
                 <a:latin typeface="Source Sans Pro" panose="020B0503030403020204" pitchFamily="34" charset="0"/>
                 <a:ea typeface="Source Sans Pro" panose="020B0503030403020204" pitchFamily="34" charset="0"/>
               </a:rPr>
-              <a:t>Ordena las filas por valores de una columna o columnas (de menor a mayor), utilice con </a:t>
-            </a:r>
-            <a:r>
-              <a:rPr lang="es-ES" dirty="0" err="1">
+              <a:t>Ordene las filas por valores de una columna o columnas (de menor a mayor), utilícela con </a:t>
+            </a:r>
+            <a:r>
+              <a:rPr lang="es-ES" b="1" dirty="0" err="1">
                 <a:latin typeface="Source Sans Pro" panose="020B0503030403020204" pitchFamily="34" charset="0"/>
                 <a:ea typeface="Source Sans Pro" panose="020B0503030403020204" pitchFamily="34" charset="0"/>
               </a:rPr>
               <a:t>desc</a:t>
+            </a:r>
+            <a:r>
+              <a:rPr lang="es-ES" b="1" dirty="0">
+                <a:latin typeface="Source Sans Pro" panose="020B0503030403020204" pitchFamily="34" charset="0"/>
+                <a:ea typeface="Source Sans Pro" panose="020B0503030403020204" pitchFamily="34" charset="0"/>
+              </a:rPr>
+              <a:t>()</a:t>
             </a:r>
             <a:r>
               <a:rPr lang="es-ES" dirty="0">
                 <a:latin typeface="Source Sans Pro" panose="020B0503030403020204" pitchFamily="34" charset="0"/>
                 <a:ea typeface="Source Sans Pro" panose="020B0503030403020204" pitchFamily="34" charset="0"/>
               </a:rPr>
-              <a:t>() para ordenar de mayor a menor</a:t>
+              <a:t> para ordenar de mayor a menor</a:t>
             </a:r>
             <a:r>
               <a:rPr dirty="0">
@@ -7236,16 +7271,16 @@
               </a:defRPr>
             </a:pPr>
             <a:r>
+              <a:rPr lang="es-ES" dirty="0" err="1"/>
+              <a:t>mtcars</a:t>
+            </a:r>
+            <a:r>
+              <a:rPr lang="es-ES" dirty="0"/>
+              <a:t> |&gt; </a:t>
+            </a:r>
+            <a:r>
               <a:rPr dirty="0"/>
-              <a:t>arrange(</a:t>
-            </a:r>
-            <a:r>
-              <a:rPr dirty="0" err="1"/>
-              <a:t>mtcars</a:t>
-            </a:r>
-            <a:r>
-              <a:rPr dirty="0"/>
-              <a:t>, mpg)</a:t>
+              <a:t>arrange(mpg)</a:t>
             </a:r>
           </a:p>
           <a:p>
@@ -7267,16 +7302,16 @@
               </a:defRPr>
             </a:pPr>
             <a:r>
+              <a:rPr lang="es-ES" dirty="0" err="1"/>
+              <a:t>mtcars</a:t>
+            </a:r>
+            <a:r>
+              <a:rPr lang="es-ES" dirty="0"/>
+              <a:t> |&gt; </a:t>
+            </a:r>
+            <a:r>
               <a:rPr dirty="0"/>
-              <a:t>arrange(</a:t>
-            </a:r>
-            <a:r>
-              <a:rPr dirty="0" err="1"/>
-              <a:t>mtcars</a:t>
-            </a:r>
-            <a:r>
-              <a:rPr dirty="0"/>
-              <a:t>, desc(mpg))</a:t>
+              <a:t>arrange(desc(mpg))</a:t>
             </a:r>
           </a:p>
         </p:txBody>
@@ -7300,7 +7335,7 @@
           </a:ln>
           <a:extLst>
             <a:ext uri="{C572A759-6A51-4108-AA02-DFA0A04FC94B}">
-              <ma14:wrappingTextBoxFlag xmlns="" xmlns:m="http://schemas.openxmlformats.org/officeDocument/2006/math" xmlns:a14="http://schemas.microsoft.com/office/drawing/2010/main" xmlns:ma14="http://schemas.microsoft.com/office/mac/drawingml/2011/main" val="1"/>
+              <ma14:wrappingTextBoxFlag xmlns:ma14="http://schemas.microsoft.com/office/mac/drawingml/2011/main" xmlns:a14="http://schemas.microsoft.com/office/drawing/2010/main" xmlns:m="http://schemas.openxmlformats.org/officeDocument/2006/math" xmlns="" val="1"/>
             </a:ext>
           </a:extLst>
         </p:spPr>
@@ -7353,13 +7388,17 @@
                 <a:latin typeface="Source Sans Pro" panose="020B0503030403020204" pitchFamily="34" charset="0"/>
                 <a:ea typeface="Source Sans Pro" panose="020B0503030403020204" pitchFamily="34" charset="0"/>
               </a:rPr>
-              <a:t>Agrega una o más filas a una tabla.</a:t>
-            </a:r>
-            <a:endParaRPr dirty="0">
-              <a:latin typeface="Source Sans Pro" panose="020B0503030403020204" pitchFamily="34" charset="0"/>
-              <a:ea typeface="Source Sans Pro" panose="020B0503030403020204" pitchFamily="34" charset="0"/>
-              <a:sym typeface="Source Sans Pro Regular"/>
-            </a:endParaRPr>
+              <a:t>Agregar una o más filas a una tabla</a:t>
+            </a:r>
+            <a:r>
+              <a:rPr dirty="0">
+                <a:latin typeface="+mj-lt"/>
+                <a:ea typeface="+mj-ea"/>
+                <a:cs typeface="+mj-cs"/>
+                <a:sym typeface="Source Sans Pro Regular"/>
+              </a:rPr>
+              <a:t>.</a:t>
+            </a:r>
           </a:p>
           <a:p>
             <a:pPr>
@@ -7380,12 +7419,16 @@
               </a:defRPr>
             </a:pPr>
             <a:r>
+              <a:rPr lang="es-ES" dirty="0"/>
+              <a:t>cars |&gt; </a:t>
+            </a:r>
+            <a:r>
               <a:rPr dirty="0" err="1"/>
               <a:t>add_row</a:t>
             </a:r>
             <a:r>
               <a:rPr dirty="0"/>
-              <a:t>(cars, speed = 1, </a:t>
+              <a:t>(speed = 1, </a:t>
             </a:r>
             <a:r>
               <a:rPr dirty="0" err="1"/>
@@ -7407,7 +7450,7 @@
         <p:spPr>
           <a:xfrm>
             <a:off x="317498" y="5786261"/>
-            <a:ext cx="1923604" cy="314381"/>
+            <a:ext cx="1909177" cy="314381"/>
           </a:xfrm>
           <a:prstGeom prst="rect">
             <a:avLst/>
@@ -7417,7 +7460,7 @@
           </a:ln>
           <a:extLst>
             <a:ext uri="{C572A759-6A51-4108-AA02-DFA0A04FC94B}">
-              <ma14:wrappingTextBoxFlag xmlns="" xmlns:m="http://schemas.openxmlformats.org/officeDocument/2006/math" xmlns:a14="http://schemas.microsoft.com/office/drawing/2010/main" xmlns:ma14="http://schemas.microsoft.com/office/mac/drawingml/2011/main" val="1"/>
+              <ma14:wrappingTextBoxFlag xmlns:ma14="http://schemas.microsoft.com/office/mac/drawingml/2011/main" xmlns:a14="http://schemas.microsoft.com/office/drawing/2010/main" xmlns:m="http://schemas.openxmlformats.org/officeDocument/2006/math" xmlns="" val="1"/>
             </a:ext>
           </a:extLst>
         </p:spPr>
@@ -7441,10 +7484,21 @@
               </a:defRPr>
             </a:pPr>
             <a:r>
-              <a:rPr lang="es-ES" dirty="0"/>
-              <a:t>Agrupar Casos</a:t>
-            </a:r>
-            <a:endParaRPr dirty="0"/>
+              <a:rPr lang="en-US" dirty="0" err="1"/>
+              <a:t>Agrupar</a:t>
+            </a:r>
+            <a:r>
+              <a:rPr dirty="0"/>
+              <a:t> Cas</a:t>
+            </a:r>
+            <a:r>
+              <a:rPr lang="en-US" dirty="0"/>
+              <a:t>o</a:t>
+            </a:r>
+            <a:r>
+              <a:rPr dirty="0"/>
+              <a:t>s</a:t>
+            </a:r>
           </a:p>
         </p:txBody>
       </p:sp>
@@ -7467,7 +7521,7 @@
           </a:ln>
           <a:extLst>
             <a:ext uri="{C572A759-6A51-4108-AA02-DFA0A04FC94B}">
-              <ma14:wrappingTextBoxFlag xmlns="" xmlns:m="http://schemas.openxmlformats.org/officeDocument/2006/math" xmlns:a14="http://schemas.microsoft.com/office/drawing/2010/main" xmlns:ma14="http://schemas.microsoft.com/office/mac/drawingml/2011/main" val="1"/>
+              <ma14:wrappingTextBoxFlag xmlns:ma14="http://schemas.microsoft.com/office/mac/drawingml/2011/main" xmlns:a14="http://schemas.microsoft.com/office/drawing/2010/main" xmlns:m="http://schemas.openxmlformats.org/officeDocument/2006/math" xmlns="" val="1"/>
             </a:ext>
           </a:extLst>
         </p:spPr>
@@ -7506,7 +7560,7 @@
         </p:nvSpPr>
         <p:spPr>
           <a:xfrm>
-            <a:off x="9426688" y="2043068"/>
+            <a:off x="9426688" y="2062118"/>
             <a:ext cx="1394613" cy="184666"/>
           </a:xfrm>
           <a:prstGeom prst="rect">
@@ -7517,7 +7571,7 @@
           </a:ln>
           <a:extLst>
             <a:ext uri="{C572A759-6A51-4108-AA02-DFA0A04FC94B}">
-              <ma14:wrappingTextBoxFlag xmlns="" xmlns:m="http://schemas.openxmlformats.org/officeDocument/2006/math" xmlns:a14="http://schemas.microsoft.com/office/drawing/2010/main" xmlns:ma14="http://schemas.microsoft.com/office/mac/drawingml/2011/main" val="1"/>
+              <ma14:wrappingTextBoxFlag xmlns:ma14="http://schemas.microsoft.com/office/mac/drawingml/2011/main" xmlns:a14="http://schemas.microsoft.com/office/drawing/2010/main" xmlns:m="http://schemas.openxmlformats.org/officeDocument/2006/math" xmlns="" val="1"/>
             </a:ext>
           </a:extLst>
         </p:spPr>
@@ -7562,7 +7616,7 @@
           </a:ln>
           <a:extLst>
             <a:ext uri="{C572A759-6A51-4108-AA02-DFA0A04FC94B}">
-              <ma14:wrappingTextBoxFlag xmlns="" xmlns:m="http://schemas.openxmlformats.org/officeDocument/2006/math" xmlns:a14="http://schemas.microsoft.com/office/drawing/2010/main" xmlns:ma14="http://schemas.microsoft.com/office/mac/drawingml/2011/main" val="1"/>
+              <ma14:wrappingTextBoxFlag xmlns:ma14="http://schemas.microsoft.com/office/mac/drawingml/2011/main" xmlns:a14="http://schemas.microsoft.com/office/drawing/2010/main" xmlns:m="http://schemas.openxmlformats.org/officeDocument/2006/math" xmlns="" val="1"/>
             </a:ext>
           </a:extLst>
         </p:spPr>
@@ -7587,25 +7641,10 @@
               </a:defRPr>
             </a:pPr>
             <a:r>
-              <a:rPr dirty="0"/>
-              <a:t>A</a:t>
-            </a:r>
-            <a:r>
               <a:rPr lang="es-ES" dirty="0"/>
-              <a:t>ÑADIR</a:t>
-            </a:r>
-            <a:r>
-              <a:rPr dirty="0"/>
-              <a:t> CAS</a:t>
-            </a:r>
-            <a:r>
-              <a:rPr lang="es-ES" dirty="0"/>
-              <a:t>O</a:t>
-            </a:r>
-            <a:r>
-              <a:rPr dirty="0"/>
-              <a:t>S</a:t>
-            </a:r>
+              <a:t>AÑADIR CASOS</a:t>
+            </a:r>
+            <a:endParaRPr dirty="0"/>
           </a:p>
         </p:txBody>
       </p:sp>
@@ -7618,7 +7657,7 @@
         <p:spPr>
           <a:xfrm>
             <a:off x="4803888" y="7823831"/>
-            <a:ext cx="1152560" cy="184666"/>
+            <a:ext cx="1285608" cy="184666"/>
           </a:xfrm>
           <a:prstGeom prst="rect">
             <a:avLst/>
@@ -7628,7 +7667,7 @@
           </a:ln>
           <a:extLst>
             <a:ext uri="{C572A759-6A51-4108-AA02-DFA0A04FC94B}">
-              <ma14:wrappingTextBoxFlag xmlns="" xmlns:m="http://schemas.openxmlformats.org/officeDocument/2006/math" xmlns:a14="http://schemas.microsoft.com/office/drawing/2010/main" xmlns:ma14="http://schemas.microsoft.com/office/mac/drawingml/2011/main" val="1"/>
+              <ma14:wrappingTextBoxFlag xmlns:ma14="http://schemas.microsoft.com/office/mac/drawingml/2011/main" xmlns:a14="http://schemas.microsoft.com/office/drawing/2010/main" xmlns:m="http://schemas.openxmlformats.org/officeDocument/2006/math" xmlns="" val="1"/>
             </a:ext>
           </a:extLst>
         </p:spPr>
@@ -7647,21 +7686,10 @@
               </a:defRPr>
             </a:pPr>
             <a:r>
-              <a:rPr lang="en-US" dirty="0"/>
-              <a:t>ORDENAR</a:t>
-            </a:r>
-            <a:r>
-              <a:rPr dirty="0"/>
-              <a:t> CAS</a:t>
-            </a:r>
-            <a:r>
-              <a:rPr lang="en-US" dirty="0"/>
-              <a:t>O</a:t>
-            </a:r>
-            <a:r>
-              <a:rPr dirty="0"/>
-              <a:t>S</a:t>
-            </a:r>
+              <a:rPr lang="es-ES" dirty="0"/>
+              <a:t>ORGANIZAR CASOS</a:t>
+            </a:r>
+            <a:endParaRPr dirty="0"/>
           </a:p>
         </p:txBody>
       </p:sp>
@@ -7673,8 +7701,8 @@
         </p:nvSpPr>
         <p:spPr>
           <a:xfrm>
-            <a:off x="4920206" y="6772252"/>
-            <a:ext cx="3685304" cy="176523"/>
+            <a:off x="4920206" y="6791302"/>
+            <a:ext cx="4270400" cy="176523"/>
           </a:xfrm>
           <a:prstGeom prst="rect">
             <a:avLst/>
@@ -7684,7 +7712,7 @@
           </a:ln>
           <a:extLst>
             <a:ext uri="{C572A759-6A51-4108-AA02-DFA0A04FC94B}">
-              <ma14:wrappingTextBoxFlag xmlns="" xmlns:m="http://schemas.openxmlformats.org/officeDocument/2006/math" xmlns:a14="http://schemas.microsoft.com/office/drawing/2010/main" xmlns:ma14="http://schemas.microsoft.com/office/mac/drawingml/2011/main" val="1"/>
+              <ma14:wrappingTextBoxFlag xmlns:ma14="http://schemas.microsoft.com/office/mac/drawingml/2011/main" xmlns:a14="http://schemas.microsoft.com/office/drawing/2010/main" xmlns:m="http://schemas.openxmlformats.org/officeDocument/2006/math" xmlns="" val="1"/>
             </a:ext>
           </a:extLst>
         </p:spPr>
@@ -7713,11 +7741,11 @@
             </a:pPr>
             <a:r>
               <a:rPr lang="es-ES" dirty="0"/>
-              <a:t>Operadores lógicos y booleanos para usar con </a:t>
+              <a:t>Operadores lógicos y booleanos que se pueden usar con</a:t>
             </a:r>
             <a:r>
               <a:rPr dirty="0"/>
-              <a:t>filter()</a:t>
+              <a:t> filter()</a:t>
             </a:r>
           </a:p>
         </p:txBody>
@@ -7792,8 +7820,8 @@
         </p:nvSpPr>
         <p:spPr>
           <a:xfrm>
-            <a:off x="9426688" y="2256468"/>
-            <a:ext cx="4248621" cy="285659"/>
+            <a:off x="9426688" y="2254404"/>
+            <a:ext cx="4248621" cy="295343"/>
           </a:xfrm>
           <a:prstGeom prst="rect">
             <a:avLst/>
@@ -7803,7 +7831,7 @@
           </a:ln>
           <a:extLst>
             <a:ext uri="{C572A759-6A51-4108-AA02-DFA0A04FC94B}">
-              <ma14:wrappingTextBoxFlag xmlns="" xmlns:m="http://schemas.openxmlformats.org/officeDocument/2006/math" xmlns:a14="http://schemas.microsoft.com/office/drawing/2010/main" xmlns:ma14="http://schemas.microsoft.com/office/mac/drawingml/2011/main" val="1"/>
+              <ma14:wrappingTextBoxFlag xmlns:ma14="http://schemas.microsoft.com/office/mac/drawingml/2011/main" xmlns:a14="http://schemas.microsoft.com/office/drawing/2010/main" xmlns:m="http://schemas.openxmlformats.org/officeDocument/2006/math" xmlns="" val="1"/>
             </a:ext>
           </a:extLst>
         </p:spPr>
@@ -7857,7 +7885,7 @@
           </a:ln>
           <a:extLst>
             <a:ext uri="{C572A759-6A51-4108-AA02-DFA0A04FC94B}">
-              <ma14:wrappingTextBoxFlag xmlns="" xmlns:m="http://schemas.openxmlformats.org/officeDocument/2006/math" xmlns:a14="http://schemas.microsoft.com/office/drawing/2010/main" xmlns:ma14="http://schemas.microsoft.com/office/mac/drawingml/2011/main" val="1"/>
+              <ma14:wrappingTextBoxFlag xmlns:ma14="http://schemas.microsoft.com/office/mac/drawingml/2011/main" xmlns:a14="http://schemas.microsoft.com/office/drawing/2010/main" xmlns:m="http://schemas.openxmlformats.org/officeDocument/2006/math" xmlns="" val="1"/>
             </a:ext>
           </a:extLst>
         </p:spPr>
@@ -7971,7 +7999,7 @@
           </a:ln>
           <a:extLst>
             <a:ext uri="{C572A759-6A51-4108-AA02-DFA0A04FC94B}">
-              <ma14:wrappingTextBoxFlag xmlns="" xmlns:m="http://schemas.openxmlformats.org/officeDocument/2006/math" xmlns:a14="http://schemas.microsoft.com/office/drawing/2010/main" xmlns:ma14="http://schemas.microsoft.com/office/mac/drawingml/2011/main" val="1"/>
+              <ma14:wrappingTextBoxFlag xmlns:ma14="http://schemas.microsoft.com/office/mac/drawingml/2011/main" xmlns:a14="http://schemas.microsoft.com/office/drawing/2010/main" xmlns:m="http://schemas.openxmlformats.org/officeDocument/2006/math" xmlns="" val="1"/>
             </a:ext>
           </a:extLst>
         </p:spPr>
@@ -8085,7 +8113,7 @@
           </a:ln>
           <a:extLst>
             <a:ext uri="{C572A759-6A51-4108-AA02-DFA0A04FC94B}">
-              <ma14:wrappingTextBoxFlag xmlns="" xmlns:m="http://schemas.openxmlformats.org/officeDocument/2006/math" xmlns:a14="http://schemas.microsoft.com/office/drawing/2010/main" xmlns:ma14="http://schemas.microsoft.com/office/mac/drawingml/2011/main" val="1"/>
+              <ma14:wrappingTextBoxFlag xmlns:ma14="http://schemas.microsoft.com/office/mac/drawingml/2011/main" xmlns:a14="http://schemas.microsoft.com/office/drawing/2010/main" xmlns:m="http://schemas.openxmlformats.org/officeDocument/2006/math" xmlns="" val="1"/>
             </a:ext>
           </a:extLst>
         </p:spPr>
@@ -8211,7 +8239,7 @@
           </a:ln>
           <a:extLst>
             <a:ext uri="{C572A759-6A51-4108-AA02-DFA0A04FC94B}">
-              <ma14:wrappingTextBoxFlag xmlns="" xmlns:m="http://schemas.openxmlformats.org/officeDocument/2006/math" xmlns:a14="http://schemas.microsoft.com/office/drawing/2010/main" xmlns:ma14="http://schemas.microsoft.com/office/mac/drawingml/2011/main" val="1"/>
+              <ma14:wrappingTextBoxFlag xmlns:ma14="http://schemas.microsoft.com/office/mac/drawingml/2011/main" xmlns:a14="http://schemas.microsoft.com/office/drawing/2010/main" xmlns:m="http://schemas.openxmlformats.org/officeDocument/2006/math" xmlns="" val="1"/>
             </a:ext>
           </a:extLst>
         </p:spPr>
@@ -8260,7 +8288,7 @@
                 <a:latin typeface="Source Sans Pro" panose="020B0503030403020204" pitchFamily="34" charset="0"/>
                 <a:ea typeface="Source Sans Pro" panose="020B0503030403020204" pitchFamily="34" charset="0"/>
               </a:rPr>
-              <a:t>Extrae valores de columna como un vector, por nombre o índice</a:t>
+              <a:t>Extraer valores de columna como un vector, por nombre o índice</a:t>
             </a:r>
             <a:r>
               <a:rPr dirty="0">
@@ -8280,6 +8308,22 @@
               </a:rPr>
             </a:br>
             <a:r>
+              <a:rPr lang="es-ES" dirty="0" err="1">
+                <a:latin typeface="Source Sans Pro ExtraLight"/>
+                <a:ea typeface="Source Sans Pro ExtraLight"/>
+                <a:sym typeface="Source Sans Pro ExtraLight"/>
+              </a:rPr>
+              <a:t>mtcars</a:t>
+            </a:r>
+            <a:r>
+              <a:rPr lang="es-ES" dirty="0">
+                <a:latin typeface="Source Sans Pro ExtraLight"/>
+                <a:ea typeface="Source Sans Pro ExtraLight"/>
+                <a:sym typeface="Source Sans Pro ExtraLight"/>
+              </a:rPr>
+              <a:t> |&gt; </a:t>
+            </a:r>
+            <a:r>
               <a:rPr dirty="0">
                 <a:latin typeface="Source Sans Pro ExtraLight"/>
                 <a:ea typeface="Source Sans Pro ExtraLight"/>
@@ -8287,24 +8331,6 @@
                 <a:sym typeface="Source Sans Pro ExtraLight"/>
               </a:rPr>
               <a:t>pull(</a:t>
-            </a:r>
-            <a:r>
-              <a:rPr dirty="0" err="1">
-                <a:latin typeface="Source Sans Pro ExtraLight"/>
-                <a:ea typeface="Source Sans Pro ExtraLight"/>
-                <a:cs typeface="Source Sans Pro ExtraLight"/>
-                <a:sym typeface="Source Sans Pro ExtraLight"/>
-              </a:rPr>
-              <a:t>mtcars</a:t>
-            </a:r>
-            <a:r>
-              <a:rPr dirty="0">
-                <a:latin typeface="Source Sans Pro ExtraLight"/>
-                <a:ea typeface="Source Sans Pro ExtraLight"/>
-                <a:cs typeface="Source Sans Pro ExtraLight"/>
-                <a:sym typeface="Source Sans Pro ExtraLight"/>
-              </a:rPr>
-              <a:t>, </a:t>
             </a:r>
             <a:r>
               <a:rPr dirty="0" err="1">
@@ -8366,11 +8392,40 @@
                 <a:latin typeface="Source Sans Pro" panose="020B0503030403020204" pitchFamily="34" charset="0"/>
                 <a:ea typeface="Source Sans Pro" panose="020B0503030403020204" pitchFamily="34" charset="0"/>
               </a:rPr>
-              <a:t>Extrae columnas como una tabla.</a:t>
+              <a:t>Extraer columnas como una tabla</a:t>
+            </a:r>
+            <a:r>
+              <a:rPr dirty="0">
+                <a:latin typeface="+mj-lt"/>
+                <a:ea typeface="+mj-ea"/>
+                <a:cs typeface="+mj-cs"/>
+                <a:sym typeface="Source Sans Pro Regular"/>
+              </a:rPr>
+              <a:t>.</a:t>
+            </a:r>
+            <a:r>
+              <a:rPr dirty="0"/>
+              <a:t> </a:t>
             </a:r>
             <a:br>
               <a:rPr dirty="0"/>
             </a:br>
+            <a:r>
+              <a:rPr lang="es-ES" dirty="0" err="1">
+                <a:latin typeface="Source Sans Pro ExtraLight"/>
+                <a:ea typeface="Source Sans Pro ExtraLight"/>
+                <a:sym typeface="Source Sans Pro ExtraLight"/>
+              </a:rPr>
+              <a:t>mtcars</a:t>
+            </a:r>
+            <a:r>
+              <a:rPr lang="es-ES" dirty="0">
+                <a:latin typeface="Source Sans Pro ExtraLight"/>
+                <a:ea typeface="Source Sans Pro ExtraLight"/>
+                <a:sym typeface="Source Sans Pro ExtraLight"/>
+              </a:rPr>
+              <a:t> |&gt; </a:t>
+            </a:r>
             <a:r>
               <a:rPr dirty="0">
                 <a:latin typeface="Source Sans Pro ExtraLight"/>
@@ -8378,25 +8433,7 @@
                 <a:cs typeface="Source Sans Pro ExtraLight"/>
                 <a:sym typeface="Source Sans Pro ExtraLight"/>
               </a:rPr>
-              <a:t>select(</a:t>
-            </a:r>
-            <a:r>
-              <a:rPr dirty="0" err="1">
-                <a:latin typeface="Source Sans Pro ExtraLight"/>
-                <a:ea typeface="Source Sans Pro ExtraLight"/>
-                <a:cs typeface="Source Sans Pro ExtraLight"/>
-                <a:sym typeface="Source Sans Pro ExtraLight"/>
-              </a:rPr>
-              <a:t>mtcars</a:t>
-            </a:r>
-            <a:r>
-              <a:rPr dirty="0">
-                <a:latin typeface="Source Sans Pro ExtraLight"/>
-                <a:ea typeface="Source Sans Pro ExtraLight"/>
-                <a:cs typeface="Source Sans Pro ExtraLight"/>
-                <a:sym typeface="Source Sans Pro ExtraLight"/>
-              </a:rPr>
-              <a:t>, mpg, </a:t>
+              <a:t>select(mpg, </a:t>
             </a:r>
             <a:r>
               <a:rPr dirty="0" err="1">
@@ -8458,7 +8495,16 @@
                 <a:latin typeface="Source Sans Pro" panose="020B0503030403020204" pitchFamily="34" charset="0"/>
                 <a:ea typeface="Source Sans Pro" panose="020B0503030403020204" pitchFamily="34" charset="0"/>
               </a:rPr>
-              <a:t>Mueva las columnas a una nueva posición.</a:t>
+              <a:t>Mover columnas a una nueva posición</a:t>
+            </a:r>
+            <a:r>
+              <a:rPr dirty="0">
+                <a:latin typeface="+mj-lt"/>
+                <a:ea typeface="+mj-ea"/>
+                <a:cs typeface="+mj-cs"/>
+                <a:sym typeface="Source Sans Pro Regular"/>
+              </a:rPr>
+              <a:t>.</a:t>
             </a:r>
             <a:br>
               <a:rPr dirty="0">
@@ -8469,31 +8515,29 @@
               </a:rPr>
             </a:br>
             <a:r>
+              <a:rPr lang="es-ES" dirty="0" err="1">
+                <a:latin typeface="Source Sans Pro ExtraLight"/>
+                <a:ea typeface="Source Sans Pro ExtraLight"/>
+                <a:sym typeface="Source Sans Pro ExtraLight"/>
+              </a:rPr>
+              <a:t>mtcars</a:t>
+            </a:r>
+            <a:r>
+              <a:rPr lang="es-ES" dirty="0">
+                <a:latin typeface="Source Sans Pro ExtraLight"/>
+                <a:ea typeface="Source Sans Pro ExtraLight"/>
+                <a:sym typeface="Source Sans Pro ExtraLight"/>
+              </a:rPr>
+              <a:t> |&gt; </a:t>
+            </a:r>
+            <a:r>
               <a:rPr dirty="0">
                 <a:latin typeface="Source Sans Pro ExtraLight"/>
                 <a:ea typeface="Source Sans Pro ExtraLight"/>
                 <a:cs typeface="Source Sans Pro ExtraLight"/>
                 <a:sym typeface="Source Sans Pro ExtraLight"/>
               </a:rPr>
-              <a:t>relocate(</a:t>
-            </a:r>
-            <a:r>
-              <a:rPr dirty="0" err="1">
-                <a:latin typeface="Source Sans Pro ExtraLight"/>
-                <a:ea typeface="Source Sans Pro ExtraLight"/>
-                <a:cs typeface="Source Sans Pro ExtraLight"/>
-                <a:sym typeface="Source Sans Pro ExtraLight"/>
-              </a:rPr>
-              <a:t>mtcars</a:t>
-            </a:r>
-            <a:r>
-              <a:rPr dirty="0">
-                <a:latin typeface="Source Sans Pro ExtraLight"/>
-                <a:ea typeface="Source Sans Pro ExtraLight"/>
-                <a:cs typeface="Source Sans Pro ExtraLight"/>
-                <a:sym typeface="Source Sans Pro ExtraLight"/>
-              </a:rPr>
-              <a:t>, mpg, </a:t>
+              <a:t>relocate(mpg, </a:t>
             </a:r>
             <a:r>
               <a:rPr dirty="0" err="1">
@@ -8553,7 +8597,7 @@
           </a:ln>
           <a:extLst>
             <a:ext uri="{C572A759-6A51-4108-AA02-DFA0A04FC94B}">
-              <ma14:wrappingTextBoxFlag xmlns="" xmlns:m="http://schemas.openxmlformats.org/officeDocument/2006/math" xmlns:a14="http://schemas.microsoft.com/office/drawing/2010/main" xmlns:ma14="http://schemas.microsoft.com/office/mac/drawingml/2011/main" val="1"/>
+              <ma14:wrappingTextBoxFlag xmlns:ma14="http://schemas.microsoft.com/office/mac/drawingml/2011/main" xmlns:a14="http://schemas.microsoft.com/office/drawing/2010/main" xmlns:m="http://schemas.openxmlformats.org/officeDocument/2006/math" xmlns="" val="1"/>
             </a:ext>
           </a:extLst>
         </p:spPr>
@@ -8578,7 +8622,7 @@
             </a:pPr>
             <a:r>
               <a:rPr lang="es-ES" dirty="0"/>
-              <a:t>Manipular Variables</a:t>
+              <a:t>Manipular variables</a:t>
             </a:r>
             <a:endParaRPr dirty="0"/>
           </a:p>
@@ -8592,7 +8636,7 @@
         </p:nvSpPr>
         <p:spPr>
           <a:xfrm>
-            <a:off x="9501030" y="4566586"/>
+            <a:off x="9501030" y="4566587"/>
             <a:ext cx="3106620" cy="324256"/>
           </a:xfrm>
           <a:prstGeom prst="rect">
@@ -8603,7 +8647,7 @@
           </a:ln>
           <a:extLst>
             <a:ext uri="{C572A759-6A51-4108-AA02-DFA0A04FC94B}">
-              <ma14:wrappingTextBoxFlag xmlns="" xmlns:m="http://schemas.openxmlformats.org/officeDocument/2006/math" xmlns:a14="http://schemas.microsoft.com/office/drawing/2010/main" xmlns:ma14="http://schemas.microsoft.com/office/mac/drawingml/2011/main" val="1"/>
+              <ma14:wrappingTextBoxFlag xmlns:ma14="http://schemas.microsoft.com/office/mac/drawingml/2011/main" xmlns:a14="http://schemas.microsoft.com/office/drawing/2010/main" xmlns:m="http://schemas.openxmlformats.org/officeDocument/2006/math" xmlns="" val="1"/>
             </a:ext>
           </a:extLst>
         </p:spPr>
@@ -8632,19 +8676,23 @@
             </a:pPr>
             <a:r>
               <a:rPr lang="es-ES" dirty="0"/>
-              <a:t>Utilice estos ayudantes con</a:t>
-            </a:r>
-            <a:r>
-              <a:rPr dirty="0"/>
-              <a:t> select() </a:t>
+              <a:t>Utilice estos ayudantes con </a:t>
+            </a:r>
+            <a:r>
+              <a:rPr lang="es-ES" dirty="0" err="1"/>
+              <a:t>select</a:t>
             </a:r>
             <a:r>
               <a:rPr lang="es-ES" dirty="0"/>
-              <a:t>y</a:t>
-            </a:r>
-            <a:r>
-              <a:rPr dirty="0"/>
-              <a:t> across()</a:t>
+              <a:t>() y </a:t>
+            </a:r>
+            <a:r>
+              <a:rPr lang="es-ES" dirty="0" err="1"/>
+              <a:t>across</a:t>
+            </a:r>
+            <a:r>
+              <a:rPr lang="es-ES" dirty="0"/>
+              <a:t>()</a:t>
             </a:r>
           </a:p>
           <a:p>
@@ -8659,15 +8707,23 @@
                 <a:solidFill>
                   <a:srgbClr val="000000"/>
                 </a:solidFill>
-                <a:latin typeface="Source Sans Pro ExtraLight"/>
-                <a:ea typeface="Source Sans Pro ExtraLight"/>
-                <a:cs typeface="Source Sans Pro ExtraLight"/>
-                <a:sym typeface="Source Sans Pro ExtraLight"/>
+                <a:latin typeface="Source Sans Pro Bold"/>
+                <a:ea typeface="Source Sans Pro Bold"/>
+                <a:cs typeface="Source Sans Pro Bold"/>
+                <a:sym typeface="Source Sans Pro Bold"/>
               </a:defRPr>
             </a:pPr>
             <a:r>
+              <a:rPr dirty="0" err="1"/>
+              <a:t>e.</a:t>
+            </a:r>
+            <a:r>
+              <a:rPr lang="en-US" dirty="0" err="1"/>
+              <a:t>j</a:t>
+            </a:r>
+            <a:r>
               <a:rPr dirty="0"/>
-              <a:t>e.g. select(</a:t>
+              <a:t>. select(</a:t>
             </a:r>
             <a:r>
               <a:rPr dirty="0" err="1"/>
@@ -8696,7 +8752,7 @@
         </p:nvSpPr>
         <p:spPr>
           <a:xfrm>
-            <a:off x="9426688" y="7530655"/>
+            <a:off x="9426688" y="7921180"/>
             <a:ext cx="4268448" cy="634375"/>
           </a:xfrm>
           <a:prstGeom prst="rect">
@@ -8707,7 +8763,7 @@
           </a:ln>
           <a:extLst>
             <a:ext uri="{C572A759-6A51-4108-AA02-DFA0A04FC94B}">
-              <ma14:wrappingTextBoxFlag xmlns="" xmlns:m="http://schemas.openxmlformats.org/officeDocument/2006/math" xmlns:a14="http://schemas.microsoft.com/office/drawing/2010/main" xmlns:ma14="http://schemas.microsoft.com/office/mac/drawingml/2011/main" val="1"/>
+              <ma14:wrappingTextBoxFlag xmlns:ma14="http://schemas.microsoft.com/office/mac/drawingml/2011/main" xmlns:a14="http://schemas.microsoft.com/office/drawing/2010/main" xmlns:m="http://schemas.openxmlformats.org/officeDocument/2006/math" xmlns="" val="1"/>
             </a:ext>
           </a:extLst>
         </p:spPr>
@@ -8731,36 +8787,19 @@
               </a:defRPr>
             </a:pPr>
             <a:r>
-              <a:rPr lang="es-ES" dirty="0"/>
-              <a:t>Aplicación de </a:t>
-            </a:r>
-            <a:r>
-              <a:rPr lang="es-ES" b="1" dirty="0"/>
-              <a:t>funciones vectorizadas</a:t>
-            </a:r>
-            <a:r>
-              <a:rPr lang="es-ES" dirty="0"/>
-              <a:t> a columnas</a:t>
-            </a:r>
-            <a:r>
-              <a:rPr dirty="0"/>
-              <a:t>. </a:t>
-            </a:r>
-            <a:r>
-              <a:rPr lang="es-ES" dirty="0"/>
-              <a:t> Las funciones vectorizadas toman vectores como entrada y devuelven vectores de la misma longitud como salida </a:t>
-            </a:r>
-            <a:r>
-              <a:rPr dirty="0"/>
-              <a:t>(</a:t>
-            </a:r>
-            <a:r>
-              <a:rPr lang="es-ES" dirty="0"/>
-              <a:t>Ver atrás</a:t>
-            </a:r>
-            <a:r>
-              <a:rPr dirty="0"/>
-              <a:t>).</a:t>
+              <a:t>Apply </a:t>
+            </a:r>
+            <a:r>
+              <a:rPr>
+                <a:latin typeface="Source Sans Pro Bold"/>
+                <a:ea typeface="Source Sans Pro Bold"/>
+                <a:cs typeface="Source Sans Pro Bold"/>
+                <a:sym typeface="Source Sans Pro Bold"/>
+              </a:rPr>
+              <a:t>vectorized functions</a:t>
+            </a:r>
+            <a:r>
+              <a:t> to columns. Vectorized functions take vectors as input and return vectors of the same length as output (see back).</a:t>
             </a:r>
           </a:p>
         </p:txBody>
@@ -8773,8 +8812,8 @@
         </p:nvSpPr>
         <p:spPr>
           <a:xfrm>
-            <a:off x="10569043" y="8286091"/>
-            <a:ext cx="3254430" cy="2003630"/>
+            <a:off x="10569043" y="8735799"/>
+            <a:ext cx="3254430" cy="1478486"/>
           </a:xfrm>
           <a:prstGeom prst="rect">
             <a:avLst/>
@@ -8784,7 +8823,7 @@
           </a:ln>
           <a:extLst>
             <a:ext uri="{C572A759-6A51-4108-AA02-DFA0A04FC94B}">
-              <ma14:wrappingTextBoxFlag xmlns="" xmlns:m="http://schemas.openxmlformats.org/officeDocument/2006/math" xmlns:a14="http://schemas.microsoft.com/office/drawing/2010/main" xmlns:ma14="http://schemas.microsoft.com/office/mac/drawingml/2011/main" val="1"/>
+              <ma14:wrappingTextBoxFlag xmlns:ma14="http://schemas.microsoft.com/office/mac/drawingml/2011/main" xmlns:a14="http://schemas.microsoft.com/office/drawing/2010/main" xmlns:m="http://schemas.openxmlformats.org/officeDocument/2006/math" xmlns="" val="1"/>
             </a:ext>
           </a:extLst>
         </p:spPr>
@@ -8855,25 +8894,13 @@
               <a:t> </a:t>
             </a:r>
             <a:r>
-              <a:rPr lang="es-ES" dirty="0">
-                <a:latin typeface="Source Sans Pro" panose="020B0503030403020204" pitchFamily="34" charset="0"/>
-                <a:ea typeface="Source Sans Pro" panose="020B0503030403020204" pitchFamily="34" charset="0"/>
-              </a:rPr>
-              <a:t>Calcula nueva</a:t>
-            </a:r>
-            <a:r>
               <a:rPr lang="en-US" dirty="0">
-                <a:latin typeface="Source Sans Pro" panose="020B0503030403020204" pitchFamily="34" charset="0"/>
-                <a:ea typeface="Source Sans Pro" panose="020B0503030403020204" pitchFamily="34" charset="0"/>
-              </a:rPr>
-              <a:t>(</a:t>
-            </a:r>
-            <a:r>
-              <a:rPr lang="es-ES" dirty="0">
-                <a:latin typeface="Source Sans Pro" panose="020B0503030403020204" pitchFamily="34" charset="0"/>
-                <a:ea typeface="Source Sans Pro" panose="020B0503030403020204" pitchFamily="34" charset="0"/>
-              </a:rPr>
-              <a:t>s) columna(s)</a:t>
+                <a:latin typeface="+mj-lt"/>
+                <a:ea typeface="+mj-ea"/>
+                <a:cs typeface="+mj-cs"/>
+                <a:sym typeface="Source Sans Pro Regular"/>
+              </a:rPr>
+              <a:t>c</a:t>
             </a:r>
             <a:r>
               <a:rPr dirty="0">
@@ -8882,70 +8909,11 @@
                 <a:cs typeface="+mj-cs"/>
                 <a:sym typeface="Source Sans Pro Regular"/>
               </a:rPr>
-              <a:t>. </a:t>
-            </a:r>
-            <a:r>
-              <a:rPr lang="en-US" dirty="0" err="1">
-                <a:latin typeface="+mj-lt"/>
-                <a:ea typeface="+mj-ea"/>
-                <a:cs typeface="+mj-cs"/>
-                <a:sym typeface="Source Sans Pro Regular"/>
-              </a:rPr>
-              <a:t>Tambi</a:t>
-            </a:r>
-            <a:r>
-              <a:rPr lang="es-ES" dirty="0" err="1">
-                <a:latin typeface="Source Sans Pro" panose="020B0503030403020204" pitchFamily="34" charset="0"/>
-                <a:ea typeface="Source Sans Pro" panose="020B0503030403020204" pitchFamily="34" charset="0"/>
-              </a:rPr>
-              <a:t>én</a:t>
-            </a:r>
-            <a:r>
-              <a:rPr dirty="0">
-                <a:latin typeface="+mj-lt"/>
-                <a:ea typeface="+mj-ea"/>
-                <a:cs typeface="+mj-cs"/>
-                <a:sym typeface="Source Sans Pro Regular"/>
-              </a:rPr>
-              <a:t> </a:t>
+              <a:t>ompute new column(s). Also </a:t>
             </a:r>
             <a:r>
               <a:rPr dirty="0" err="1"/>
               <a:t>add_column</a:t>
-            </a:r>
-            <a:r>
-              <a:rPr dirty="0"/>
-              <a:t>(), </a:t>
-            </a:r>
-            <a:r>
-              <a:rPr dirty="0" err="1"/>
-              <a:t>add_count</a:t>
-            </a:r>
-            <a:r>
-              <a:rPr dirty="0"/>
-              <a:t>(), </a:t>
-            </a:r>
-            <a:r>
-              <a:rPr lang="es-ES" dirty="0">
-                <a:latin typeface="+mj-lt"/>
-                <a:ea typeface="+mj-ea"/>
-                <a:cs typeface="+mj-cs"/>
-                <a:sym typeface="Source Sans Pro Regular"/>
-              </a:rPr>
-              <a:t>y</a:t>
-            </a:r>
-            <a:r>
-              <a:rPr dirty="0">
-                <a:latin typeface="+mj-lt"/>
-                <a:ea typeface="+mj-ea"/>
-                <a:cs typeface="+mj-cs"/>
-                <a:sym typeface="Source Sans Pro Regular"/>
-              </a:rPr>
-              <a:t> </a:t>
-            </a:r>
-            <a:r>
-              <a:rPr dirty="0" err="1"/>
-              <a:t>add_tally</a:t>
             </a:r>
             <a:r>
               <a:rPr dirty="0"/>
@@ -8971,125 +8939,50 @@
               </a:defRPr>
             </a:pPr>
             <a:r>
+              <a:rPr lang="es-ES" dirty="0" err="1">
+                <a:latin typeface="Source Sans Pro ExtraLight"/>
+                <a:ea typeface="Source Sans Pro ExtraLight"/>
+                <a:sym typeface="Source Sans Pro ExtraLight"/>
+              </a:rPr>
+              <a:t>mtcars</a:t>
+            </a:r>
+            <a:r>
+              <a:rPr lang="es-ES" dirty="0">
+                <a:latin typeface="Source Sans Pro ExtraLight"/>
+                <a:ea typeface="Source Sans Pro ExtraLight"/>
+                <a:sym typeface="Source Sans Pro ExtraLight"/>
+              </a:rPr>
+              <a:t> |&gt; </a:t>
+            </a:r>
+            <a:r>
               <a:rPr dirty="0"/>
               <a:t>mutate(</a:t>
             </a:r>
             <a:r>
               <a:rPr dirty="0" err="1"/>
-              <a:t>mtcars</a:t>
+              <a:t>gpm</a:t>
             </a:r>
             <a:r>
               <a:rPr dirty="0"/>
-              <a:t>, </a:t>
-            </a:r>
-            <a:r>
-              <a:rPr dirty="0" err="1"/>
-              <a:t>gpm</a:t>
+              <a:t> = 1</a:t>
+            </a:r>
+            <a:r>
+              <a:rPr lang="en-US" dirty="0"/>
+              <a:t> </a:t>
             </a:r>
             <a:r>
               <a:rPr dirty="0"/>
-              <a:t> = 1 / mpg)</a:t>
-            </a:r>
-          </a:p>
-          <a:p>
-            <a:pPr>
-              <a:lnSpc>
-                <a:spcPct val="80000"/>
-              </a:lnSpc>
-              <a:spcBef>
-                <a:spcPts val="0"/>
-              </a:spcBef>
-              <a:defRPr>
-                <a:solidFill>
-                  <a:srgbClr val="000000"/>
-                </a:solidFill>
-              </a:defRPr>
-            </a:pPr>
-            <a:endParaRPr dirty="0"/>
-          </a:p>
-          <a:p>
-            <a:pPr>
-              <a:lnSpc>
-                <a:spcPct val="80000"/>
-              </a:lnSpc>
-              <a:spcBef>
-                <a:spcPts val="0"/>
-              </a:spcBef>
-              <a:defRPr>
-                <a:solidFill>
-                  <a:srgbClr val="000000"/>
-                </a:solidFill>
-                <a:latin typeface="Source Sans Pro Bold"/>
-                <a:ea typeface="Source Sans Pro Bold"/>
-                <a:cs typeface="Source Sans Pro Bold"/>
-                <a:sym typeface="Source Sans Pro Bold"/>
-              </a:defRPr>
-            </a:pPr>
+              <a:t>/</a:t>
+            </a:r>
+            <a:r>
+              <a:rPr lang="en-US" dirty="0"/>
+              <a:t> </a:t>
+            </a:r>
             <a:r>
               <a:rPr dirty="0"/>
-              <a:t>transmute(</a:t>
-            </a:r>
-            <a:r>
-              <a:rPr dirty="0">
-                <a:latin typeface="+mj-lt"/>
-                <a:ea typeface="+mj-ea"/>
-                <a:cs typeface="+mj-cs"/>
-                <a:sym typeface="Source Sans Pro Regular"/>
-              </a:rPr>
-              <a:t>.data, …</a:t>
-            </a:r>
-            <a:r>
-              <a:rPr dirty="0"/>
-              <a:t>) </a:t>
-            </a:r>
-            <a:r>
-              <a:rPr lang="es-ES" dirty="0">
-                <a:latin typeface="Source Sans Pro" panose="020B0503030403020204" pitchFamily="34" charset="0"/>
-                <a:ea typeface="Source Sans Pro" panose="020B0503030403020204" pitchFamily="34" charset="0"/>
-              </a:rPr>
-              <a:t>Calcula nueva</a:t>
-            </a:r>
-            <a:r>
-              <a:rPr lang="en-US" dirty="0">
-                <a:latin typeface="Source Sans Pro" panose="020B0503030403020204" pitchFamily="34" charset="0"/>
-                <a:ea typeface="Source Sans Pro" panose="020B0503030403020204" pitchFamily="34" charset="0"/>
-              </a:rPr>
-              <a:t>(</a:t>
-            </a:r>
-            <a:r>
-              <a:rPr lang="es-ES" dirty="0">
-                <a:latin typeface="Source Sans Pro" panose="020B0503030403020204" pitchFamily="34" charset="0"/>
-                <a:ea typeface="Source Sans Pro" panose="020B0503030403020204" pitchFamily="34" charset="0"/>
-              </a:rPr>
-              <a:t>s) columna(s)</a:t>
-            </a:r>
-            <a:r>
-              <a:rPr dirty="0">
-                <a:latin typeface="+mj-lt"/>
-                <a:ea typeface="+mj-ea"/>
-                <a:cs typeface="+mj-cs"/>
-                <a:sym typeface="Source Sans Pro Regular"/>
-              </a:rPr>
-              <a:t>, </a:t>
-            </a:r>
-            <a:r>
-              <a:rPr lang="es-ES" dirty="0">
-                <a:latin typeface="+mj-lt"/>
-                <a:ea typeface="+mj-ea"/>
-                <a:cs typeface="+mj-cs"/>
-                <a:sym typeface="Source Sans Pro Regular"/>
-              </a:rPr>
-              <a:t>elimina otras</a:t>
-            </a:r>
-            <a:r>
-              <a:rPr dirty="0">
-                <a:latin typeface="+mj-lt"/>
-                <a:ea typeface="+mj-ea"/>
-                <a:cs typeface="+mj-cs"/>
-                <a:sym typeface="Source Sans Pro Regular"/>
-              </a:rPr>
-              <a:t>. </a:t>
-            </a:r>
+              <a:t>mpg)</a:t>
+            </a:r>
+            <a:endParaRPr lang="en-US" dirty="0"/>
           </a:p>
           <a:p>
             <a:pPr>
@@ -9110,31 +9003,38 @@
               </a:defRPr>
             </a:pPr>
             <a:r>
-              <a:rPr dirty="0"/>
-              <a:t>transmute(</a:t>
-            </a:r>
-            <a:r>
-              <a:rPr dirty="0" err="1"/>
+              <a:rPr lang="en-US" dirty="0" err="1"/>
               <a:t>mtcars</a:t>
             </a:r>
             <a:r>
-              <a:rPr dirty="0"/>
-              <a:t>, </a:t>
-            </a:r>
-            <a:r>
-              <a:rPr dirty="0" err="1"/>
+              <a:rPr lang="en-US" dirty="0"/>
+              <a:t> |&gt; mutate(</a:t>
+            </a:r>
+            <a:r>
+              <a:rPr lang="en-US" dirty="0" err="1"/>
               <a:t>gpm</a:t>
             </a:r>
             <a:r>
-              <a:rPr dirty="0"/>
-              <a:t> = 1 / mpg)</a:t>
-            </a:r>
-            <a:endParaRPr i="1" dirty="0">
-              <a:latin typeface="+mj-lt"/>
-              <a:ea typeface="+mj-ea"/>
-              <a:cs typeface="+mj-cs"/>
-              <a:sym typeface="Source Sans Pro Regular"/>
-            </a:endParaRPr>
+              <a:rPr lang="en-US" dirty="0"/>
+              <a:t> = 1 / mpg, keep = “none”)</a:t>
+            </a:r>
+            <a:endParaRPr dirty="0"/>
+          </a:p>
+          <a:p>
+            <a:pPr>
+              <a:lnSpc>
+                <a:spcPct val="80000"/>
+              </a:lnSpc>
+              <a:spcBef>
+                <a:spcPts val="0"/>
+              </a:spcBef>
+              <a:defRPr>
+                <a:solidFill>
+                  <a:srgbClr val="000000"/>
+                </a:solidFill>
+              </a:defRPr>
+            </a:pPr>
+            <a:endParaRPr dirty="0"/>
           </a:p>
           <a:p>
             <a:pPr>
@@ -9199,16 +9099,15 @@
                 <a:cs typeface="+mj-cs"/>
                 <a:sym typeface="Source Sans Pro Regular"/>
               </a:rPr>
-              <a:t> Ren</a:t>
-            </a:r>
-            <a:r>
-              <a:rPr lang="es-ES" dirty="0" err="1">
-                <a:latin typeface="+mj-lt"/>
-                <a:ea typeface="+mj-ea"/>
-                <a:cs typeface="+mj-cs"/>
-                <a:sym typeface="Source Sans Pro Regular"/>
-              </a:rPr>
-              <a:t>ombra</a:t>
+              <a:t> Rename columns. Use </a:t>
+            </a:r>
+            <a:r>
+              <a:rPr dirty="0" err="1"/>
+              <a:t>rename_with</a:t>
+            </a:r>
+            <a:r>
+              <a:rPr dirty="0"/>
+              <a:t>() </a:t>
             </a:r>
             <a:r>
               <a:rPr dirty="0">
@@ -9217,150 +9116,7 @@
                 <a:cs typeface="+mj-cs"/>
                 <a:sym typeface="Source Sans Pro Regular"/>
               </a:rPr>
-              <a:t> column</a:t>
-            </a:r>
-            <a:r>
-              <a:rPr lang="es-ES" dirty="0">
-                <a:latin typeface="+mj-lt"/>
-                <a:ea typeface="+mj-ea"/>
-                <a:cs typeface="+mj-cs"/>
-                <a:sym typeface="Source Sans Pro Regular"/>
-              </a:rPr>
-              <a:t>a</a:t>
-            </a:r>
-            <a:r>
-              <a:rPr dirty="0">
-                <a:latin typeface="+mj-lt"/>
-                <a:ea typeface="+mj-ea"/>
-                <a:cs typeface="+mj-cs"/>
-                <a:sym typeface="Source Sans Pro Regular"/>
-              </a:rPr>
-              <a:t>s. Use </a:t>
-            </a:r>
-            <a:r>
-              <a:rPr dirty="0" err="1"/>
-              <a:t>rename_with</a:t>
-            </a:r>
-            <a:r>
-              <a:rPr dirty="0"/>
-              <a:t>() </a:t>
-            </a:r>
-            <a:r>
-              <a:rPr lang="es-ES" dirty="0">
-                <a:latin typeface="+mj-lt"/>
-                <a:ea typeface="+mj-ea"/>
-                <a:cs typeface="+mj-cs"/>
-                <a:sym typeface="Source Sans Pro Regular"/>
-              </a:rPr>
-              <a:t>para</a:t>
-            </a:r>
-            <a:r>
-              <a:rPr dirty="0">
-                <a:latin typeface="+mj-lt"/>
-                <a:ea typeface="+mj-ea"/>
-                <a:cs typeface="+mj-cs"/>
-                <a:sym typeface="Source Sans Pro Regular"/>
-              </a:rPr>
-              <a:t> ren</a:t>
-            </a:r>
-            <a:r>
-              <a:rPr lang="es-ES" dirty="0">
-                <a:latin typeface="+mj-lt"/>
-                <a:ea typeface="+mj-ea"/>
-                <a:cs typeface="+mj-cs"/>
-                <a:sym typeface="Source Sans Pro Regular"/>
-              </a:rPr>
-              <a:t>o</a:t>
-            </a:r>
-            <a:r>
-              <a:rPr dirty="0">
-                <a:latin typeface="+mj-lt"/>
-                <a:ea typeface="+mj-ea"/>
-                <a:cs typeface="+mj-cs"/>
-                <a:sym typeface="Source Sans Pro Regular"/>
-              </a:rPr>
-              <a:t>m</a:t>
-            </a:r>
-            <a:r>
-              <a:rPr lang="es-ES" dirty="0" err="1">
-                <a:latin typeface="+mj-lt"/>
-                <a:ea typeface="+mj-ea"/>
-                <a:cs typeface="+mj-cs"/>
-                <a:sym typeface="Source Sans Pro Regular"/>
-              </a:rPr>
-              <a:t>brar</a:t>
-            </a:r>
-            <a:r>
-              <a:rPr dirty="0">
-                <a:latin typeface="+mj-lt"/>
-                <a:ea typeface="+mj-ea"/>
-                <a:cs typeface="+mj-cs"/>
-                <a:sym typeface="Source Sans Pro Regular"/>
-              </a:rPr>
-              <a:t> </a:t>
-            </a:r>
-            <a:r>
-              <a:rPr lang="es-ES" dirty="0">
-                <a:latin typeface="+mj-lt"/>
-                <a:ea typeface="+mj-ea"/>
-                <a:cs typeface="+mj-cs"/>
-                <a:sym typeface="Source Sans Pro Regular"/>
-              </a:rPr>
-              <a:t>con</a:t>
-            </a:r>
-            <a:r>
-              <a:rPr dirty="0">
-                <a:latin typeface="+mj-lt"/>
-                <a:ea typeface="+mj-ea"/>
-                <a:cs typeface="+mj-cs"/>
-                <a:sym typeface="Source Sans Pro Regular"/>
-              </a:rPr>
-              <a:t> </a:t>
-            </a:r>
-            <a:r>
-              <a:rPr lang="es-ES" dirty="0">
-                <a:latin typeface="+mj-lt"/>
-                <a:ea typeface="+mj-ea"/>
-                <a:cs typeface="+mj-cs"/>
-                <a:sym typeface="Source Sans Pro Regular"/>
-              </a:rPr>
-              <a:t>una</a:t>
-            </a:r>
-            <a:r>
-              <a:rPr dirty="0">
-                <a:latin typeface="+mj-lt"/>
-                <a:ea typeface="+mj-ea"/>
-                <a:cs typeface="+mj-cs"/>
-                <a:sym typeface="Source Sans Pro Regular"/>
-              </a:rPr>
-              <a:t> </a:t>
-            </a:r>
-            <a:r>
-              <a:rPr dirty="0" err="1">
-                <a:latin typeface="+mj-lt"/>
-                <a:ea typeface="+mj-ea"/>
-                <a:cs typeface="+mj-cs"/>
-                <a:sym typeface="Source Sans Pro Regular"/>
-              </a:rPr>
-              <a:t>funci</a:t>
-            </a:r>
-            <a:r>
-              <a:rPr lang="es-ES" dirty="0" err="1">
-                <a:latin typeface="+mj-lt"/>
-                <a:ea typeface="+mj-ea"/>
-                <a:cs typeface="+mj-cs"/>
-                <a:sym typeface="Source Sans Pro Regular"/>
-              </a:rPr>
-              <a:t>ó</a:t>
-            </a:r>
-            <a:r>
-              <a:rPr dirty="0">
-                <a:latin typeface="+mj-lt"/>
-                <a:ea typeface="+mj-ea"/>
-                <a:cs typeface="+mj-cs"/>
-                <a:sym typeface="Source Sans Pro Regular"/>
-              </a:rPr>
-              <a:t>n.</a:t>
+              <a:t>to rename with a function.</a:t>
             </a:r>
             <a:br>
               <a:rPr dirty="0">
@@ -9371,22 +9127,47 @@
               </a:rPr>
             </a:br>
             <a:r>
+              <a:rPr lang="es-ES" dirty="0" err="1">
+                <a:latin typeface="Source Sans Pro ExtraLight"/>
+                <a:ea typeface="Source Sans Pro ExtraLight"/>
+                <a:sym typeface="Source Sans Pro ExtraLight"/>
+              </a:rPr>
+              <a:t>mtcars</a:t>
+            </a:r>
+            <a:r>
+              <a:rPr lang="es-ES" dirty="0">
+                <a:latin typeface="Source Sans Pro ExtraLight"/>
+                <a:ea typeface="Source Sans Pro ExtraLight"/>
+                <a:sym typeface="Source Sans Pro ExtraLight"/>
+              </a:rPr>
+              <a:t> |&gt; </a:t>
+            </a:r>
+            <a:r>
               <a:rPr dirty="0">
                 <a:latin typeface="Source Sans Pro ExtraLight"/>
                 <a:ea typeface="Source Sans Pro ExtraLight"/>
                 <a:cs typeface="Source Sans Pro ExtraLight"/>
                 <a:sym typeface="Source Sans Pro ExtraLight"/>
               </a:rPr>
-              <a:t>rename(cars, distance = </a:t>
-            </a:r>
-            <a:r>
-              <a:rPr dirty="0" err="1">
+              <a:t>rename(</a:t>
+            </a:r>
+            <a:r>
+              <a:rPr lang="en-US" dirty="0" err="1">
                 <a:latin typeface="Source Sans Pro ExtraLight"/>
                 <a:ea typeface="Source Sans Pro ExtraLight"/>
                 <a:cs typeface="Source Sans Pro ExtraLight"/>
                 <a:sym typeface="Source Sans Pro ExtraLight"/>
               </a:rPr>
-              <a:t>dist</a:t>
+              <a:t>miles_per_gallon</a:t>
+            </a:r>
+            <a:r>
+              <a:rPr lang="en-US" dirty="0">
+                <a:latin typeface="Source Sans Pro ExtraLight"/>
+                <a:ea typeface="Source Sans Pro ExtraLight"/>
+                <a:cs typeface="Source Sans Pro ExtraLight"/>
+                <a:sym typeface="Source Sans Pro ExtraLight"/>
+              </a:rPr>
+              <a:t> = mpg</a:t>
             </a:r>
             <a:r>
               <a:rPr dirty="0">
@@ -9408,8 +9189,8 @@
         </p:nvSpPr>
         <p:spPr>
           <a:xfrm>
-            <a:off x="9426688" y="7274549"/>
-            <a:ext cx="1806585" cy="184666"/>
+            <a:off x="9426688" y="7662157"/>
+            <a:ext cx="1498296" cy="190501"/>
           </a:xfrm>
           <a:prstGeom prst="rect">
             <a:avLst/>
@@ -9419,7 +9200,7 @@
           </a:ln>
           <a:extLst>
             <a:ext uri="{C572A759-6A51-4108-AA02-DFA0A04FC94B}">
-              <ma14:wrappingTextBoxFlag xmlns="" xmlns:m="http://schemas.openxmlformats.org/officeDocument/2006/math" xmlns:a14="http://schemas.microsoft.com/office/drawing/2010/main" xmlns:ma14="http://schemas.microsoft.com/office/mac/drawingml/2011/main" val="1"/>
+              <ma14:wrappingTextBoxFlag xmlns:ma14="http://schemas.microsoft.com/office/mac/drawingml/2011/main" xmlns:a14="http://schemas.microsoft.com/office/drawing/2010/main" xmlns:m="http://schemas.openxmlformats.org/officeDocument/2006/math" xmlns="" val="1"/>
             </a:ext>
           </a:extLst>
         </p:spPr>
@@ -9438,10 +9219,8 @@
               </a:defRPr>
             </a:pPr>
             <a:r>
-              <a:rPr lang="es-ES" dirty="0"/>
-              <a:t>CREAR NUEVAS VARIABLES</a:t>
-            </a:r>
-            <a:endParaRPr dirty="0"/>
+              <a:t>MAKE NEW VARIABLES</a:t>
+            </a:r>
           </a:p>
         </p:txBody>
       </p:sp>
@@ -9453,7 +9232,7 @@
         </p:nvSpPr>
         <p:spPr>
           <a:xfrm>
-            <a:off x="4803888" y="2033543"/>
+            <a:off x="4803888" y="2062118"/>
             <a:ext cx="1102866" cy="184666"/>
           </a:xfrm>
           <a:prstGeom prst="rect">
@@ -9464,7 +9243,7 @@
           </a:ln>
           <a:extLst>
             <a:ext uri="{C572A759-6A51-4108-AA02-DFA0A04FC94B}">
-              <ma14:wrappingTextBoxFlag xmlns="" xmlns:m="http://schemas.openxmlformats.org/officeDocument/2006/math" xmlns:a14="http://schemas.microsoft.com/office/drawing/2010/main" xmlns:ma14="http://schemas.microsoft.com/office/mac/drawingml/2011/main" val="1"/>
+              <ma14:wrappingTextBoxFlag xmlns:ma14="http://schemas.microsoft.com/office/mac/drawingml/2011/main" xmlns:a14="http://schemas.microsoft.com/office/drawing/2010/main" xmlns:m="http://schemas.openxmlformats.org/officeDocument/2006/math" xmlns="" val="1"/>
             </a:ext>
           </a:extLst>
         </p:spPr>
@@ -9739,37 +9518,7 @@
         </p:nvSpPr>
         <p:spPr>
           <a:xfrm>
-            <a:off x="9837425" y="8527870"/>
-            <a:ext cx="139607" cy="3"/>
-          </a:xfrm>
-          <a:prstGeom prst="line">
-            <a:avLst/>
-          </a:prstGeom>
-          <a:ln w="12700">
-            <a:solidFill>
-              <a:srgbClr val="53585F"/>
-            </a:solidFill>
-            <a:miter lim="400000"/>
-            <a:tailEnd type="triangle"/>
-          </a:ln>
-        </p:spPr>
-        <p:txBody>
-          <a:bodyPr lIns="45718" tIns="45718" rIns="45718" bIns="45718"/>
-          <a:lstStyle/>
-          <a:p>
-            <a:endParaRPr/>
-          </a:p>
-        </p:txBody>
-      </p:sp>
-      <p:sp>
-        <p:nvSpPr>
-          <p:cNvPr id="194" name="Line"/>
-          <p:cNvSpPr/>
-          <p:nvPr/>
-        </p:nvSpPr>
-        <p:spPr>
-          <a:xfrm>
-            <a:off x="9837425" y="9239456"/>
+            <a:off x="9837425" y="8975545"/>
             <a:ext cx="139607" cy="3"/>
           </a:xfrm>
           <a:prstGeom prst="line">
@@ -9887,7 +9636,7 @@
           <p:nvPr/>
         </p:nvPicPr>
         <p:blipFill>
-          <a:blip r:embed="rId7"/>
+          <a:blip r:embed="rId3"/>
           <a:stretch>
             <a:fillRect/>
           </a:stretch>
@@ -9914,7 +9663,7 @@
         <p:spPr>
           <a:xfrm>
             <a:off x="1769801" y="3938951"/>
-            <a:ext cx="1343316" cy="150875"/>
+            <a:ext cx="1247445" cy="190501"/>
           </a:xfrm>
           <a:prstGeom prst="rect">
             <a:avLst/>
@@ -9924,7 +9673,7 @@
           </a:ln>
           <a:extLst>
             <a:ext uri="{C572A759-6A51-4108-AA02-DFA0A04FC94B}">
-              <ma14:wrappingTextBoxFlag xmlns="" xmlns:m="http://schemas.openxmlformats.org/officeDocument/2006/math" xmlns:a14="http://schemas.microsoft.com/office/drawing/2010/main" xmlns:ma14="http://schemas.microsoft.com/office/mac/drawingml/2011/main" val="1"/>
+              <ma14:wrappingTextBoxFlag xmlns:ma14="http://schemas.microsoft.com/office/mac/drawingml/2011/main" xmlns:a14="http://schemas.microsoft.com/office/drawing/2010/main" xmlns:m="http://schemas.openxmlformats.org/officeDocument/2006/math" xmlns="" val="1"/>
             </a:ext>
           </a:extLst>
         </p:spPr>
@@ -9953,10 +9702,8 @@
           </a:lstStyle>
           <a:p>
             <a:r>
-              <a:rPr lang="es-ES" dirty="0"/>
-              <a:t>función de resumen</a:t>
-            </a:r>
-            <a:endParaRPr dirty="0"/>
+              <a:t>summary function</a:t>
+            </a:r>
           </a:p>
         </p:txBody>
       </p:sp>
@@ -9969,14 +9716,14 @@
           <p:nvPr/>
         </p:nvPicPr>
         <p:blipFill>
-          <a:blip r:embed="rId8"/>
+          <a:blip r:embed="rId4"/>
           <a:stretch>
             <a:fillRect/>
           </a:stretch>
         </p:blipFill>
         <p:spPr>
           <a:xfrm>
-            <a:off x="11087961" y="7921773"/>
+            <a:off x="11087961" y="8312298"/>
             <a:ext cx="2483946" cy="276233"/>
           </a:xfrm>
           <a:prstGeom prst="rect">
@@ -9995,8 +9742,8 @@
         </p:nvSpPr>
         <p:spPr>
           <a:xfrm>
-            <a:off x="11214923" y="7951937"/>
-            <a:ext cx="1375377" cy="150875"/>
+            <a:off x="11214923" y="8342462"/>
+            <a:ext cx="1315568" cy="190501"/>
           </a:xfrm>
           <a:prstGeom prst="rect">
             <a:avLst/>
@@ -10006,7 +9753,7 @@
           </a:ln>
           <a:extLst>
             <a:ext uri="{C572A759-6A51-4108-AA02-DFA0A04FC94B}">
-              <ma14:wrappingTextBoxFlag xmlns="" xmlns:m="http://schemas.openxmlformats.org/officeDocument/2006/math" xmlns:a14="http://schemas.microsoft.com/office/drawing/2010/main" xmlns:ma14="http://schemas.microsoft.com/office/mac/drawingml/2011/main" val="1"/>
+              <ma14:wrappingTextBoxFlag xmlns:ma14="http://schemas.microsoft.com/office/mac/drawingml/2011/main" xmlns:a14="http://schemas.microsoft.com/office/drawing/2010/main" xmlns:m="http://schemas.openxmlformats.org/officeDocument/2006/math" xmlns="" val="1"/>
             </a:ext>
           </a:extLst>
         </p:spPr>
@@ -10035,18 +9782,9 @@
           </a:lstStyle>
           <a:p>
             <a:r>
-              <a:rPr lang="es-ES" dirty="0"/>
-              <a:t>función </a:t>
-            </a:r>
-            <a:r>
-              <a:rPr dirty="0" err="1"/>
-              <a:t>vectoriz</a:t>
-            </a:r>
-            <a:r>
-              <a:rPr lang="es-ES" dirty="0" err="1"/>
-              <a:t>ada</a:t>
-            </a:r>
-            <a:endParaRPr dirty="0"/>
+              <a:rPr dirty="0"/>
+              <a:t>vectorized function</a:t>
+            </a:r>
           </a:p>
         </p:txBody>
       </p:sp>
@@ -10063,7 +9801,7 @@
         <p:spPr>
           <a:xfrm>
             <a:off x="275720" y="361177"/>
-            <a:ext cx="11094776" cy="803348"/>
+            <a:ext cx="10898131" cy="803348"/>
           </a:xfrm>
           <a:prstGeom prst="rect">
             <a:avLst/>
@@ -10088,31 +9826,7 @@
             </a:pPr>
             <a:r>
               <a:rPr lang="es-ES" dirty="0"/>
-              <a:t>T</a:t>
-            </a:r>
-            <a:r>
-              <a:rPr dirty="0" err="1"/>
-              <a:t>ransforma</a:t>
-            </a:r>
-            <a:r>
-              <a:rPr lang="es-ES" dirty="0"/>
-              <a:t>c</a:t>
-            </a:r>
-            <a:r>
-              <a:rPr dirty="0" err="1"/>
-              <a:t>i</a:t>
-            </a:r>
-            <a:r>
-              <a:rPr lang="es-ES" dirty="0" err="1"/>
-              <a:t>ó</a:t>
-            </a:r>
-            <a:r>
-              <a:rPr dirty="0"/>
-              <a:t>n </a:t>
-            </a:r>
-            <a:r>
-              <a:rPr lang="es-ES" dirty="0"/>
-              <a:t>de datos</a:t>
+              <a:t>Transformación de datos con</a:t>
             </a:r>
             <a:r>
               <a:rPr dirty="0"/>
@@ -10136,23 +9850,29 @@
               <a:t> </a:t>
             </a:r>
             <a:r>
+              <a:rPr lang="en-US" sz="3300" dirty="0">
+                <a:latin typeface="Source Sans Pro Bold"/>
+                <a:ea typeface="Source Sans Pro Bold"/>
+                <a:cs typeface="Source Sans Pro Bold"/>
+                <a:sym typeface="Source Sans Pro Bold"/>
+              </a:rPr>
+              <a:t>GU</a:t>
+            </a:r>
+            <a:r>
               <a:rPr lang="es-ES" sz="3300" dirty="0">
                 <a:latin typeface="Source Sans Pro Bold"/>
                 <a:ea typeface="Source Sans Pro Bold"/>
                 <a:cs typeface="Source Sans Pro Bold"/>
                 <a:sym typeface="Source Sans Pro Bold"/>
               </a:rPr>
-              <a:t>HOJA DE REFERENCIA</a:t>
-            </a:r>
-            <a:r>
-              <a:rPr dirty="0">
-                <a:latin typeface="+mj-lt"/>
-                <a:ea typeface="+mj-ea"/>
-                <a:cs typeface="+mj-cs"/>
-                <a:sym typeface="Source Sans Pro Regular"/>
-              </a:rPr>
-              <a:t> </a:t>
-            </a:r>
+              <a:t>ÍA RÁPIDA</a:t>
+            </a:r>
+            <a:endParaRPr dirty="0">
+              <a:latin typeface="+mj-lt"/>
+              <a:ea typeface="+mj-ea"/>
+              <a:cs typeface="+mj-cs"/>
+              <a:sym typeface="Source Sans Pro Regular"/>
+            </a:endParaRPr>
           </a:p>
         </p:txBody>
       </p:sp>
@@ -10462,33 +10182,6 @@
           </a:p>
         </p:txBody>
       </p:sp>
-      <p:pic>
-        <p:nvPicPr>
-          <p:cNvPr id="213" name="Image" descr="Image"/>
-          <p:cNvPicPr>
-            <a:picLocks noChangeAspect="1"/>
-          </p:cNvPicPr>
-          <p:nvPr/>
-        </p:nvPicPr>
-        <p:blipFill>
-          <a:blip r:embed="rId9"/>
-          <a:stretch>
-            <a:fillRect/>
-          </a:stretch>
-        </p:blipFill>
-        <p:spPr>
-          <a:xfrm>
-            <a:off x="302322" y="10117480"/>
-            <a:ext cx="1358903" cy="477473"/>
-          </a:xfrm>
-          <a:prstGeom prst="rect">
-            <a:avLst/>
-          </a:prstGeom>
-          <a:ln w="12700">
-            <a:miter lim="400000"/>
-          </a:ln>
-        </p:spPr>
-      </p:pic>
       <p:sp>
         <p:nvSpPr>
           <p:cNvPr id="214" name="MANIPULATE MULTIPLE VARIABLES AT ONCE"/>
@@ -10497,7 +10190,7 @@
         </p:nvSpPr>
         <p:spPr>
           <a:xfrm>
-            <a:off x="9426688" y="5749665"/>
+            <a:off x="9426688" y="5521065"/>
             <a:ext cx="2705869" cy="184666"/>
           </a:xfrm>
           <a:prstGeom prst="rect">
@@ -10508,7 +10201,7 @@
           </a:ln>
           <a:extLst>
             <a:ext uri="{C572A759-6A51-4108-AA02-DFA0A04FC94B}">
-              <ma14:wrappingTextBoxFlag xmlns="" xmlns:m="http://schemas.openxmlformats.org/officeDocument/2006/math" xmlns:a14="http://schemas.microsoft.com/office/drawing/2010/main" xmlns:ma14="http://schemas.microsoft.com/office/mac/drawingml/2011/main" val="1"/>
+              <ma14:wrappingTextBoxFlag xmlns:ma14="http://schemas.microsoft.com/office/mac/drawingml/2011/main" xmlns:a14="http://schemas.microsoft.com/office/drawing/2010/main" xmlns:m="http://schemas.openxmlformats.org/officeDocument/2006/math" xmlns="" val="1"/>
             </a:ext>
           </a:extLst>
         </p:spPr>
@@ -10543,7 +10236,7 @@
         <p:spPr>
           <a:xfrm>
             <a:off x="10447755" y="5994400"/>
-            <a:ext cx="3319208" cy="1062920"/>
+            <a:ext cx="3319208" cy="1358385"/>
           </a:xfrm>
           <a:prstGeom prst="rect">
             <a:avLst/>
@@ -10553,7 +10246,7 @@
           </a:ln>
           <a:extLst>
             <a:ext uri="{C572A759-6A51-4108-AA02-DFA0A04FC94B}">
-              <ma14:wrappingTextBoxFlag xmlns="" xmlns:m="http://schemas.openxmlformats.org/officeDocument/2006/math" xmlns:a14="http://schemas.microsoft.com/office/drawing/2010/main" xmlns:ma14="http://schemas.microsoft.com/office/mac/drawingml/2011/main" val="1"/>
+              <ma14:wrappingTextBoxFlag xmlns:ma14="http://schemas.microsoft.com/office/mac/drawingml/2011/main" xmlns:a14="http://schemas.microsoft.com/office/drawing/2010/main" xmlns:m="http://schemas.openxmlformats.org/officeDocument/2006/math" xmlns="" val="1"/>
             </a:ext>
           </a:extLst>
         </p:spPr>
@@ -10611,7 +10304,7 @@
                 <a:latin typeface="Source Sans Pro" panose="020B0503030403020204" pitchFamily="34" charset="0"/>
                 <a:ea typeface="Source Sans Pro" panose="020B0503030403020204" pitchFamily="34" charset="0"/>
               </a:rPr>
-              <a:t>Resume o muta varias columnas de la misma manera.</a:t>
+              <a:t>Resumir o mutar varias columnas de la misma manera</a:t>
             </a:r>
             <a:r>
               <a:rPr dirty="0">
@@ -10620,7 +10313,7 @@
                 <a:cs typeface="+mj-cs"/>
                 <a:sym typeface="Source Sans Pro Regular"/>
               </a:rPr>
-              <a:t> </a:t>
+              <a:t>. </a:t>
             </a:r>
           </a:p>
           <a:p>
@@ -10642,20 +10335,28 @@
               </a:defRPr>
             </a:pPr>
             <a:r>
+              <a:rPr lang="es-ES" dirty="0" err="1">
+                <a:latin typeface="Source Sans Pro ExtraLight"/>
+                <a:ea typeface="Source Sans Pro ExtraLight"/>
+                <a:sym typeface="Source Sans Pro ExtraLight"/>
+              </a:rPr>
+              <a:t>df</a:t>
+            </a:r>
+            <a:r>
+              <a:rPr lang="es-ES" dirty="0">
+                <a:latin typeface="Source Sans Pro ExtraLight"/>
+                <a:ea typeface="Source Sans Pro ExtraLight"/>
+                <a:sym typeface="Source Sans Pro ExtraLight"/>
+              </a:rPr>
+              <a:t> |&gt; </a:t>
+            </a:r>
+            <a:r>
               <a:rPr dirty="0" err="1"/>
               <a:t>summarise</a:t>
             </a:r>
             <a:r>
               <a:rPr dirty="0"/>
-              <a:t>(</a:t>
-            </a:r>
-            <a:r>
-              <a:rPr dirty="0" err="1"/>
-              <a:t>mtcars</a:t>
-            </a:r>
-            <a:r>
-              <a:rPr dirty="0"/>
-              <a:t>, across(everything(), mean))</a:t>
+              <a:t>(across(everything(), mean))</a:t>
             </a:r>
           </a:p>
           <a:p>
@@ -10727,13 +10428,13 @@
                 <a:latin typeface="Source Sans Pro" panose="020B0503030403020204" pitchFamily="34" charset="0"/>
                 <a:ea typeface="Source Sans Pro" panose="020B0503030403020204" pitchFamily="34" charset="0"/>
               </a:rPr>
-              <a:t>Calcula a través de columnas en 
-datos por filas.</a:t>
-            </a:r>
-            <a:endParaRPr dirty="0">
-              <a:latin typeface="Source Sans Pro" panose="020B0503030403020204" pitchFamily="34" charset="0"/>
-              <a:ea typeface="Source Sans Pro" panose="020B0503030403020204" pitchFamily="34" charset="0"/>
-            </a:endParaRPr>
+              <a:t>Calcule a través de columnas en 
+datos agrupados por filas</a:t>
+            </a:r>
+            <a:r>
+              <a:rPr dirty="0"/>
+              <a:t>.</a:t>
+            </a:r>
           </a:p>
           <a:p>
             <a:pPr>
@@ -10754,8 +10455,44 @@
               </a:defRPr>
             </a:pPr>
             <a:r>
-              <a:rPr dirty="0"/>
-              <a:t>transmute(</a:t>
+              <a:rPr lang="es-ES" dirty="0" err="1">
+                <a:latin typeface="Source Sans Pro ExtraLight"/>
+                <a:ea typeface="Source Sans Pro ExtraLight"/>
+                <a:sym typeface="Source Sans Pro ExtraLight"/>
+              </a:rPr>
+              <a:t>df</a:t>
+            </a:r>
+            <a:r>
+              <a:rPr lang="es-ES" dirty="0">
+                <a:latin typeface="Source Sans Pro ExtraLight"/>
+                <a:ea typeface="Source Sans Pro ExtraLight"/>
+                <a:sym typeface="Source Sans Pro ExtraLight"/>
+              </a:rPr>
+              <a:t> |&gt; </a:t>
+            </a:r>
+            <a:endParaRPr lang="en-US" dirty="0"/>
+          </a:p>
+          <a:p>
+            <a:pPr>
+              <a:lnSpc>
+                <a:spcPct val="80000"/>
+              </a:lnSpc>
+              <a:spcBef>
+                <a:spcPts val="0"/>
+              </a:spcBef>
+              <a:defRPr>
+                <a:solidFill>
+                  <a:srgbClr val="000000"/>
+                </a:solidFill>
+                <a:latin typeface="Source Sans Pro ExtraLight"/>
+                <a:ea typeface="Source Sans Pro ExtraLight"/>
+                <a:cs typeface="Source Sans Pro ExtraLight"/>
+                <a:sym typeface="Source Sans Pro ExtraLight"/>
+              </a:defRPr>
+            </a:pPr>
+            <a:r>
+              <a:rPr lang="es-ES" dirty="0"/>
+              <a:t>  </a:t>
             </a:r>
             <a:r>
               <a:rPr dirty="0" err="1"/>
@@ -10763,24 +10500,52 @@
             </a:r>
             <a:r>
               <a:rPr dirty="0"/>
-              <a:t>(</a:t>
-            </a:r>
-            <a:r>
-              <a:rPr dirty="0" err="1"/>
-              <a:t>UKgas</a:t>
-            </a:r>
-            <a:r>
-              <a:rPr dirty="0"/>
-              <a:t>), total = sum(</a:t>
-            </a:r>
-            <a:r>
-              <a:rPr dirty="0" err="1"/>
+              <a:t>()</a:t>
+            </a:r>
+            <a:r>
+              <a:rPr lang="en-US" dirty="0"/>
+              <a:t> |&gt; </a:t>
+            </a:r>
+          </a:p>
+          <a:p>
+            <a:pPr>
+              <a:lnSpc>
+                <a:spcPct val="80000"/>
+              </a:lnSpc>
+              <a:spcBef>
+                <a:spcPts val="0"/>
+              </a:spcBef>
+              <a:defRPr>
+                <a:solidFill>
+                  <a:srgbClr val="000000"/>
+                </a:solidFill>
+                <a:latin typeface="Source Sans Pro ExtraLight"/>
+                <a:ea typeface="Source Sans Pro ExtraLight"/>
+                <a:cs typeface="Source Sans Pro ExtraLight"/>
+                <a:sym typeface="Source Sans Pro ExtraLight"/>
+              </a:defRPr>
+            </a:pPr>
+            <a:r>
+              <a:rPr lang="en-US" dirty="0"/>
+              <a:t>  mutate(</a:t>
+            </a:r>
+            <a:r>
+              <a:rPr lang="en-US" dirty="0" err="1"/>
+              <a:t>x_total</a:t>
+            </a:r>
+            <a:r>
+              <a:rPr lang="en-US" dirty="0"/>
+              <a:t> = sum(</a:t>
+            </a:r>
+            <a:r>
+              <a:rPr lang="en-US" dirty="0" err="1"/>
               <a:t>c_across</a:t>
             </a:r>
             <a:r>
-              <a:rPr dirty="0"/>
+              <a:rPr lang="en-US" dirty="0"/>
               <a:t>(1:2)))</a:t>
             </a:r>
+            <a:endParaRPr dirty="0"/>
           </a:p>
         </p:txBody>
       </p:sp>
@@ -10822,7 +10587,7 @@
         </p:nvSpPr>
         <p:spPr>
           <a:xfrm>
-            <a:off x="9435668" y="7239000"/>
+            <a:off x="9435668" y="7629525"/>
             <a:ext cx="4234076" cy="0"/>
           </a:xfrm>
           <a:prstGeom prst="line">
@@ -10853,8 +10618,8 @@
         </p:nvSpPr>
         <p:spPr>
           <a:xfrm>
-            <a:off x="317500" y="9563100"/>
-            <a:ext cx="4235928" cy="298608"/>
+            <a:off x="317500" y="9534525"/>
+            <a:ext cx="4235928" cy="446341"/>
           </a:xfrm>
           <a:prstGeom prst="rect">
             <a:avLst/>
@@ -10864,7 +10629,7 @@
           </a:ln>
           <a:extLst>
             <a:ext uri="{C572A759-6A51-4108-AA02-DFA0A04FC94B}">
-              <ma14:wrappingTextBoxFlag xmlns="" xmlns:m="http://schemas.openxmlformats.org/officeDocument/2006/math" xmlns:a14="http://schemas.microsoft.com/office/drawing/2010/main" xmlns:ma14="http://schemas.microsoft.com/office/mac/drawingml/2011/main" val="1"/>
+              <ma14:wrappingTextBoxFlag xmlns:ma14="http://schemas.microsoft.com/office/mac/drawingml/2011/main" xmlns:a14="http://schemas.microsoft.com/office/drawing/2010/main" xmlns:m="http://schemas.openxmlformats.org/officeDocument/2006/math" xmlns="" val="1"/>
             </a:ext>
           </a:extLst>
         </p:spPr>
@@ -10922,13 +10687,17 @@
                 <a:latin typeface="Source Sans Pro" panose="020B0503030403020204" pitchFamily="34" charset="0"/>
                 <a:ea typeface="Source Sans Pro" panose="020B0503030403020204" pitchFamily="34" charset="0"/>
               </a:rPr>
-              <a:t>Devuelve una copia desagrupada de la tabla.</a:t>
-            </a:r>
-            <a:endParaRPr dirty="0">
-              <a:latin typeface="Source Sans Pro" panose="020B0503030403020204" pitchFamily="34" charset="0"/>
-              <a:ea typeface="Source Sans Pro" panose="020B0503030403020204" pitchFamily="34" charset="0"/>
-              <a:sym typeface="Source Sans Pro Regular"/>
-            </a:endParaRPr>
+              <a:t>Devuelve una copia desagrupada de la tabla</a:t>
+            </a:r>
+            <a:r>
+              <a:rPr dirty="0">
+                <a:latin typeface="+mj-lt"/>
+                <a:ea typeface="+mj-ea"/>
+                <a:cs typeface="+mj-cs"/>
+                <a:sym typeface="Source Sans Pro Regular"/>
+              </a:rPr>
+              <a:t>. </a:t>
+            </a:r>
           </a:p>
           <a:p>
             <a:pPr>
@@ -10949,6 +10718,58 @@
               </a:defRPr>
             </a:pPr>
             <a:r>
+              <a:rPr lang="es-ES" dirty="0" err="1"/>
+              <a:t>g_mtcars</a:t>
+            </a:r>
+            <a:r>
+              <a:rPr lang="es-ES" dirty="0"/>
+              <a:t> &lt;- </a:t>
+            </a:r>
+            <a:r>
+              <a:rPr lang="es-ES" dirty="0" err="1"/>
+              <a:t>mtcars</a:t>
+            </a:r>
+            <a:r>
+              <a:rPr lang="es-ES" dirty="0"/>
+              <a:t> |&gt; </a:t>
+            </a:r>
+            <a:r>
+              <a:rPr lang="es-ES" dirty="0" err="1"/>
+              <a:t>group_by</a:t>
+            </a:r>
+            <a:r>
+              <a:rPr lang="es-ES" dirty="0"/>
+              <a:t>(</a:t>
+            </a:r>
+            <a:r>
+              <a:rPr lang="es-ES" dirty="0" err="1"/>
+              <a:t>cyl</a:t>
+            </a:r>
+            <a:r>
+              <a:rPr lang="es-ES" dirty="0"/>
+              <a:t>)</a:t>
+            </a:r>
+            <a:endParaRPr lang="en-US" dirty="0"/>
+          </a:p>
+          <a:p>
+            <a:pPr>
+              <a:lnSpc>
+                <a:spcPct val="80000"/>
+              </a:lnSpc>
+              <a:spcBef>
+                <a:spcPts val="0"/>
+              </a:spcBef>
+              <a:defRPr>
+                <a:solidFill>
+                  <a:srgbClr val="000000"/>
+                </a:solidFill>
+                <a:latin typeface="Source Sans Pro ExtraLight"/>
+                <a:ea typeface="Source Sans Pro ExtraLight"/>
+                <a:cs typeface="Source Sans Pro ExtraLight"/>
+                <a:sym typeface="Source Sans Pro ExtraLight"/>
+              </a:defRPr>
+            </a:pPr>
+            <a:r>
               <a:rPr dirty="0"/>
               <a:t>ungroup(</a:t>
             </a:r>
@@ -10971,7 +10792,7 @@
         </p:nvSpPr>
         <p:spPr>
           <a:xfrm>
-            <a:off x="722242" y="9080500"/>
+            <a:off x="722242" y="9051925"/>
             <a:ext cx="139607" cy="0"/>
           </a:xfrm>
           <a:prstGeom prst="line">
@@ -11001,7 +10822,7 @@
         </p:nvSpPr>
         <p:spPr>
           <a:xfrm>
-            <a:off x="1318825" y="9093200"/>
+            <a:off x="1318825" y="9064625"/>
             <a:ext cx="139608" cy="0"/>
           </a:xfrm>
           <a:prstGeom prst="line">
@@ -11092,7 +10913,7 @@
         </p:nvSpPr>
         <p:spPr>
           <a:xfrm>
-            <a:off x="9435668" y="5704590"/>
+            <a:off x="9435668" y="5475990"/>
             <a:ext cx="4228094" cy="2"/>
           </a:xfrm>
           <a:prstGeom prst="line">
@@ -11134,7 +10955,7 @@
           </a:ln>
           <a:extLst>
             <a:ext uri="{C572A759-6A51-4108-AA02-DFA0A04FC94B}">
-              <ma14:wrappingTextBoxFlag xmlns="" xmlns:m="http://schemas.openxmlformats.org/officeDocument/2006/math" xmlns:a14="http://schemas.microsoft.com/office/drawing/2010/main" xmlns:ma14="http://schemas.microsoft.com/office/mac/drawingml/2011/main" val="1"/>
+              <ma14:wrappingTextBoxFlag xmlns:ma14="http://schemas.microsoft.com/office/mac/drawingml/2011/main" xmlns:a14="http://schemas.microsoft.com/office/drawing/2010/main" xmlns:m="http://schemas.openxmlformats.org/officeDocument/2006/math" xmlns="" val="1"/>
             </a:ext>
           </a:extLst>
         </p:spPr>
@@ -11167,8 +10988,13 @@
             </a:r>
             <a:r>
               <a:rPr dirty="0"/>
-              <a:t>  %&gt;%</a:t>
-            </a:r>
+              <a:t>  </a:t>
+            </a:r>
+            <a:r>
+              <a:rPr lang="en-US" dirty="0"/>
+              <a:t>|&gt;</a:t>
+            </a:r>
+            <a:endParaRPr dirty="0"/>
           </a:p>
           <a:p>
             <a:pPr>
@@ -11206,8 +11032,13 @@
             </a:r>
             <a:r>
               <a:rPr dirty="0"/>
-              <a:t>) %&gt;%</a:t>
-            </a:r>
+              <a:t>) </a:t>
+            </a:r>
+            <a:r>
+              <a:rPr lang="en-US" dirty="0"/>
+              <a:t>|&gt;</a:t>
+            </a:r>
+            <a:endParaRPr dirty="0"/>
           </a:p>
           <a:p>
             <a:pPr>
@@ -11250,7 +11081,7 @@
         </p:nvSpPr>
         <p:spPr>
           <a:xfrm>
-            <a:off x="2146306" y="8798065"/>
+            <a:off x="2146306" y="8769490"/>
             <a:ext cx="2397678" cy="590272"/>
           </a:xfrm>
           <a:prstGeom prst="rect">
@@ -11261,7 +11092,7 @@
           </a:ln>
           <a:extLst>
             <a:ext uri="{C572A759-6A51-4108-AA02-DFA0A04FC94B}">
-              <ma14:wrappingTextBoxFlag xmlns="" xmlns:m="http://schemas.openxmlformats.org/officeDocument/2006/math" xmlns:a14="http://schemas.microsoft.com/office/drawing/2010/main" xmlns:ma14="http://schemas.microsoft.com/office/mac/drawingml/2011/main" val="1"/>
+              <ma14:wrappingTextBoxFlag xmlns:ma14="http://schemas.microsoft.com/office/mac/drawingml/2011/main" xmlns:a14="http://schemas.microsoft.com/office/drawing/2010/main" xmlns:m="http://schemas.openxmlformats.org/officeDocument/2006/math" xmlns="" val="1"/>
             </a:ext>
           </a:extLst>
         </p:spPr>
@@ -11289,8 +11120,18 @@
               </a:defRPr>
             </a:pPr>
             <a:r>
-              <a:t>starwars %&gt;%</a:t>
-            </a:r>
+              <a:rPr dirty="0" err="1"/>
+              <a:t>starwars</a:t>
+            </a:r>
+            <a:r>
+              <a:rPr dirty="0"/>
+              <a:t> </a:t>
+            </a:r>
+            <a:r>
+              <a:rPr lang="en-US" dirty="0"/>
+              <a:t>|&gt;</a:t>
+            </a:r>
+            <a:endParaRPr dirty="0"/>
           </a:p>
           <a:p>
             <a:pPr>
@@ -11311,8 +11152,22 @@
               </a:defRPr>
             </a:pPr>
             <a:r>
-              <a:t>   rowwise() %&gt;%</a:t>
-            </a:r>
+              <a:rPr dirty="0"/>
+              <a:t>   </a:t>
+            </a:r>
+            <a:r>
+              <a:rPr dirty="0" err="1"/>
+              <a:t>rowwise</a:t>
+            </a:r>
+            <a:r>
+              <a:rPr dirty="0"/>
+              <a:t>() </a:t>
+            </a:r>
+            <a:r>
+              <a:rPr lang="en-US" dirty="0"/>
+              <a:t>|&gt;</a:t>
+            </a:r>
+            <a:endParaRPr dirty="0"/>
           </a:p>
           <a:p>
             <a:pPr>
@@ -11333,7 +11188,16 @@
               </a:defRPr>
             </a:pPr>
             <a:r>
-              <a:t>   mutate(film_count = length(films))</a:t>
+              <a:rPr dirty="0"/>
+              <a:t>   mutate(</a:t>
+            </a:r>
+            <a:r>
+              <a:rPr dirty="0" err="1"/>
+              <a:t>film_count</a:t>
+            </a:r>
+            <a:r>
+              <a:rPr dirty="0"/>
+              <a:t> = length(films))</a:t>
             </a:r>
           </a:p>
         </p:txBody>
@@ -11377,7 +11241,7 @@
           <p:nvPr/>
         </p:nvPicPr>
         <p:blipFill>
-          <a:blip r:embed="rId10"/>
+          <a:blip r:embed="rId5"/>
           <a:stretch>
             <a:fillRect/>
           </a:stretch>
@@ -11717,7 +11581,7 @@
                     <a:p>
                       <a:pPr algn="l" defTabSz="914400"/>
                       <a:r>
-                        <a:rPr sz="1200" dirty="0">
+                        <a:rPr sz="1200">
                           <a:sym typeface="Source Sans Pro Regular"/>
                         </a:rPr>
                         <a:t>&gt;</a:t>
@@ -14024,13 +13888,13 @@
           <p:nvPr>
             <p:extLst>
               <p:ext uri="{D42A27DB-BD31-4B8C-83A1-F6EECF244321}">
-                <p14:modId xmlns:p14="http://schemas.microsoft.com/office/powerpoint/2010/main" val="3573401646"/>
+                <p14:modId xmlns:p14="http://schemas.microsoft.com/office/powerpoint/2010/main" val="3064271517"/>
               </p:ext>
             </p:extLst>
           </p:nvPr>
         </p:nvGraphicFramePr>
         <p:xfrm>
-          <a:off x="341005" y="8843197"/>
+          <a:off x="341005" y="8814622"/>
           <a:ext cx="342900" cy="457200"/>
         </p:xfrm>
         <a:graphic>
@@ -14338,13 +14202,13 @@
           <p:nvPr>
             <p:extLst>
               <p:ext uri="{D42A27DB-BD31-4B8C-83A1-F6EECF244321}">
-                <p14:modId xmlns:p14="http://schemas.microsoft.com/office/powerpoint/2010/main" val="3279523927"/>
+                <p14:modId xmlns:p14="http://schemas.microsoft.com/office/powerpoint/2010/main" val="20595361"/>
               </p:ext>
             </p:extLst>
           </p:nvPr>
         </p:nvGraphicFramePr>
         <p:xfrm>
-          <a:off x="1546921" y="8826499"/>
+          <a:off x="1546921" y="8797924"/>
           <a:ext cx="457200" cy="457200"/>
         </p:xfrm>
         <a:graphic>
@@ -14712,7 +14576,7 @@
                           <a:sym typeface="Source Sans Pro Regular"/>
                         </a:defRPr>
                       </a:pPr>
-                      <a:endParaRPr dirty="0"/>
+                      <a:endParaRPr/>
                     </a:p>
                   </a:txBody>
                   <a:tcPr marL="0" marR="0" marT="0" marB="0" anchor="ctr" horzOverflow="overflow">
@@ -14738,13 +14602,13 @@
           <p:nvPr>
             <p:extLst>
               <p:ext uri="{D42A27DB-BD31-4B8C-83A1-F6EECF244321}">
-                <p14:modId xmlns:p14="http://schemas.microsoft.com/office/powerpoint/2010/main" val="973482460"/>
+                <p14:modId xmlns:p14="http://schemas.microsoft.com/office/powerpoint/2010/main" val="1395855244"/>
               </p:ext>
             </p:extLst>
           </p:nvPr>
         </p:nvGraphicFramePr>
         <p:xfrm>
-          <a:off x="905939" y="8755333"/>
+          <a:off x="905939" y="8726758"/>
           <a:ext cx="342900" cy="228600"/>
         </p:xfrm>
         <a:graphic>
@@ -14924,13 +14788,13 @@
           <p:nvPr>
             <p:extLst>
               <p:ext uri="{D42A27DB-BD31-4B8C-83A1-F6EECF244321}">
-                <p14:modId xmlns:p14="http://schemas.microsoft.com/office/powerpoint/2010/main" val="512355841"/>
+                <p14:modId xmlns:p14="http://schemas.microsoft.com/office/powerpoint/2010/main" val="1967594650"/>
               </p:ext>
             </p:extLst>
           </p:nvPr>
         </p:nvGraphicFramePr>
         <p:xfrm>
-          <a:off x="905939" y="9095220"/>
+          <a:off x="905939" y="9066645"/>
           <a:ext cx="342900" cy="114300"/>
         </p:xfrm>
         <a:graphic>
@@ -15037,13 +14901,13 @@
           <p:nvPr>
             <p:extLst>
               <p:ext uri="{D42A27DB-BD31-4B8C-83A1-F6EECF244321}">
-                <p14:modId xmlns:p14="http://schemas.microsoft.com/office/powerpoint/2010/main" val="1691824279"/>
+                <p14:modId xmlns:p14="http://schemas.microsoft.com/office/powerpoint/2010/main" val="1818461159"/>
               </p:ext>
             </p:extLst>
           </p:nvPr>
         </p:nvGraphicFramePr>
         <p:xfrm>
-          <a:off x="905939" y="9309104"/>
+          <a:off x="905939" y="9280529"/>
           <a:ext cx="342900" cy="114300"/>
         </p:xfrm>
         <a:graphic>
@@ -20274,318 +20138,16 @@
         <p:nvGraphicFramePr>
           <p:cNvPr id="261" name="Table"/>
           <p:cNvGraphicFramePr/>
-          <p:nvPr/>
+          <p:nvPr>
+            <p:extLst>
+              <p:ext uri="{D42A27DB-BD31-4B8C-83A1-F6EECF244321}">
+                <p14:modId xmlns:p14="http://schemas.microsoft.com/office/powerpoint/2010/main" val="761971814"/>
+              </p:ext>
+            </p:extLst>
+          </p:nvPr>
         </p:nvGraphicFramePr>
         <p:xfrm>
-          <a:off x="9451820" y="8322816"/>
-          <a:ext cx="342900" cy="457200"/>
-        </p:xfrm>
-        <a:graphic>
-          <a:graphicData uri="http://schemas.openxmlformats.org/drawingml/2006/table">
-            <a:tbl>
-              <a:tblPr firstRow="1">
-                <a:tableStyleId>{4C3C2611-4C71-4FC5-86AE-919BDF0F9419}</a:tableStyleId>
-              </a:tblPr>
-              <a:tblGrid>
-                <a:gridCol w="114300">
-                  <a:extLst>
-                    <a:ext uri="{9D8B030D-6E8A-4147-A177-3AD203B41FA5}">
-                      <a16:colId xmlns:a16="http://schemas.microsoft.com/office/drawing/2014/main" val="20000"/>
-                    </a:ext>
-                  </a:extLst>
-                </a:gridCol>
-                <a:gridCol w="114300">
-                  <a:extLst>
-                    <a:ext uri="{9D8B030D-6E8A-4147-A177-3AD203B41FA5}">
-                      <a16:colId xmlns:a16="http://schemas.microsoft.com/office/drawing/2014/main" val="20001"/>
-                    </a:ext>
-                  </a:extLst>
-                </a:gridCol>
-                <a:gridCol w="114300">
-                  <a:extLst>
-                    <a:ext uri="{9D8B030D-6E8A-4147-A177-3AD203B41FA5}">
-                      <a16:colId xmlns:a16="http://schemas.microsoft.com/office/drawing/2014/main" val="20002"/>
-                    </a:ext>
-                  </a:extLst>
-                </a:gridCol>
-              </a:tblGrid>
-              <a:tr h="114300">
-                <a:tc>
-                  <a:txBody>
-                    <a:bodyPr/>
-                    <a:lstStyle/>
-                    <a:p>
-                      <a:pPr defTabSz="914400">
-                        <a:defRPr sz="700" b="0">
-                          <a:latin typeface="+mj-lt"/>
-                          <a:ea typeface="+mj-ea"/>
-                          <a:cs typeface="+mj-cs"/>
-                          <a:sym typeface="Source Sans Pro Regular"/>
-                        </a:defRPr>
-                      </a:pPr>
-                      <a:endParaRPr/>
-                    </a:p>
-                  </a:txBody>
-                  <a:tcPr marL="0" marR="0" marT="0" marB="0" anchor="ctr" horzOverflow="overflow">
-                    <a:solidFill>
-                      <a:srgbClr val="C1C1C0"/>
-                    </a:solidFill>
-                  </a:tcPr>
-                </a:tc>
-                <a:tc>
-                  <a:txBody>
-                    <a:bodyPr/>
-                    <a:lstStyle/>
-                    <a:p>
-                      <a:pPr defTabSz="914400">
-                        <a:defRPr sz="700" b="0">
-                          <a:latin typeface="+mj-lt"/>
-                          <a:ea typeface="+mj-ea"/>
-                          <a:cs typeface="+mj-cs"/>
-                          <a:sym typeface="Source Sans Pro Regular"/>
-                        </a:defRPr>
-                      </a:pPr>
-                      <a:endParaRPr/>
-                    </a:p>
-                  </a:txBody>
-                  <a:tcPr marL="0" marR="0" marT="0" marB="0" anchor="ctr" horzOverflow="overflow">
-                    <a:solidFill>
-                      <a:srgbClr val="C1C1C0"/>
-                    </a:solidFill>
-                  </a:tcPr>
-                </a:tc>
-                <a:tc>
-                  <a:txBody>
-                    <a:bodyPr/>
-                    <a:lstStyle/>
-                    <a:p>
-                      <a:pPr defTabSz="914400">
-                        <a:defRPr sz="700" b="0">
-                          <a:latin typeface="+mj-lt"/>
-                          <a:ea typeface="+mj-ea"/>
-                          <a:cs typeface="+mj-cs"/>
-                          <a:sym typeface="Source Sans Pro Regular"/>
-                        </a:defRPr>
-                      </a:pPr>
-                      <a:endParaRPr/>
-                    </a:p>
-                  </a:txBody>
-                  <a:tcPr marL="0" marR="0" marT="0" marB="0" anchor="ctr" horzOverflow="overflow">
-                    <a:solidFill>
-                      <a:srgbClr val="C1C1C0"/>
-                    </a:solidFill>
-                  </a:tcPr>
-                </a:tc>
-                <a:extLst>
-                  <a:ext uri="{0D108BD9-81ED-4DB2-BD59-A6C34878D82A}">
-                    <a16:rowId xmlns:a16="http://schemas.microsoft.com/office/drawing/2014/main" val="10000"/>
-                  </a:ext>
-                </a:extLst>
-              </a:tr>
-              <a:tr h="114300">
-                <a:tc>
-                  <a:txBody>
-                    <a:bodyPr/>
-                    <a:lstStyle/>
-                    <a:p>
-                      <a:pPr defTabSz="914400">
-                        <a:defRPr sz="700">
-                          <a:sym typeface="Source Sans Pro Regular"/>
-                        </a:defRPr>
-                      </a:pPr>
-                      <a:endParaRPr/>
-                    </a:p>
-                  </a:txBody>
-                  <a:tcPr marL="0" marR="0" marT="0" marB="0" anchor="ctr" horzOverflow="overflow">
-                    <a:solidFill>
-                      <a:srgbClr val="E0E0E1"/>
-                    </a:solidFill>
-                  </a:tcPr>
-                </a:tc>
-                <a:tc>
-                  <a:txBody>
-                    <a:bodyPr/>
-                    <a:lstStyle/>
-                    <a:p>
-                      <a:pPr defTabSz="914400">
-                        <a:defRPr sz="700">
-                          <a:sym typeface="Source Sans Pro Regular"/>
-                        </a:defRPr>
-                      </a:pPr>
-                      <a:endParaRPr/>
-                    </a:p>
-                  </a:txBody>
-                  <a:tcPr marL="0" marR="0" marT="0" marB="0" anchor="ctr" horzOverflow="overflow">
-                    <a:solidFill>
-                      <a:srgbClr val="E0E0E1"/>
-                    </a:solidFill>
-                  </a:tcPr>
-                </a:tc>
-                <a:tc>
-                  <a:txBody>
-                    <a:bodyPr/>
-                    <a:lstStyle/>
-                    <a:p>
-                      <a:pPr defTabSz="914400">
-                        <a:defRPr sz="700">
-                          <a:sym typeface="Source Sans Pro Regular"/>
-                        </a:defRPr>
-                      </a:pPr>
-                      <a:endParaRPr/>
-                    </a:p>
-                  </a:txBody>
-                  <a:tcPr marL="0" marR="0" marT="0" marB="0" anchor="ctr" horzOverflow="overflow">
-                    <a:solidFill>
-                      <a:srgbClr val="E0E0E1"/>
-                    </a:solidFill>
-                  </a:tcPr>
-                </a:tc>
-                <a:extLst>
-                  <a:ext uri="{0D108BD9-81ED-4DB2-BD59-A6C34878D82A}">
-                    <a16:rowId xmlns:a16="http://schemas.microsoft.com/office/drawing/2014/main" val="10001"/>
-                  </a:ext>
-                </a:extLst>
-              </a:tr>
-              <a:tr h="114300">
-                <a:tc>
-                  <a:txBody>
-                    <a:bodyPr/>
-                    <a:lstStyle/>
-                    <a:p>
-                      <a:pPr defTabSz="914400">
-                        <a:defRPr sz="700">
-                          <a:sym typeface="Source Sans Pro Regular"/>
-                        </a:defRPr>
-                      </a:pPr>
-                      <a:endParaRPr/>
-                    </a:p>
-                  </a:txBody>
-                  <a:tcPr marL="0" marR="0" marT="0" marB="0" anchor="ctr" horzOverflow="overflow">
-                    <a:solidFill>
-                      <a:srgbClr val="E0E0E1"/>
-                    </a:solidFill>
-                  </a:tcPr>
-                </a:tc>
-                <a:tc>
-                  <a:txBody>
-                    <a:bodyPr/>
-                    <a:lstStyle/>
-                    <a:p>
-                      <a:pPr defTabSz="914400">
-                        <a:defRPr sz="700">
-                          <a:sym typeface="Source Sans Pro Regular"/>
-                        </a:defRPr>
-                      </a:pPr>
-                      <a:endParaRPr/>
-                    </a:p>
-                  </a:txBody>
-                  <a:tcPr marL="0" marR="0" marT="0" marB="0" anchor="ctr" horzOverflow="overflow">
-                    <a:solidFill>
-                      <a:srgbClr val="E0E0E1"/>
-                    </a:solidFill>
-                  </a:tcPr>
-                </a:tc>
-                <a:tc>
-                  <a:txBody>
-                    <a:bodyPr/>
-                    <a:lstStyle/>
-                    <a:p>
-                      <a:pPr defTabSz="914400">
-                        <a:defRPr sz="700">
-                          <a:sym typeface="Source Sans Pro Regular"/>
-                        </a:defRPr>
-                      </a:pPr>
-                      <a:endParaRPr/>
-                    </a:p>
-                  </a:txBody>
-                  <a:tcPr marL="0" marR="0" marT="0" marB="0" anchor="ctr" horzOverflow="overflow">
-                    <a:solidFill>
-                      <a:srgbClr val="E0E0E1"/>
-                    </a:solidFill>
-                  </a:tcPr>
-                </a:tc>
-                <a:extLst>
-                  <a:ext uri="{0D108BD9-81ED-4DB2-BD59-A6C34878D82A}">
-                    <a16:rowId xmlns:a16="http://schemas.microsoft.com/office/drawing/2014/main" val="10002"/>
-                  </a:ext>
-                </a:extLst>
-              </a:tr>
-              <a:tr h="114300">
-                <a:tc>
-                  <a:txBody>
-                    <a:bodyPr/>
-                    <a:lstStyle/>
-                    <a:p>
-                      <a:pPr defTabSz="914400">
-                        <a:defRPr sz="700">
-                          <a:sym typeface="Source Sans Pro Regular"/>
-                        </a:defRPr>
-                      </a:pPr>
-                      <a:endParaRPr/>
-                    </a:p>
-                  </a:txBody>
-                  <a:tcPr marL="0" marR="0" marT="0" marB="0" anchor="ctr" horzOverflow="overflow">
-                    <a:solidFill>
-                      <a:srgbClr val="E0E0E1"/>
-                    </a:solidFill>
-                  </a:tcPr>
-                </a:tc>
-                <a:tc>
-                  <a:txBody>
-                    <a:bodyPr/>
-                    <a:lstStyle/>
-                    <a:p>
-                      <a:pPr defTabSz="914400">
-                        <a:defRPr sz="700">
-                          <a:sym typeface="Source Sans Pro Regular"/>
-                        </a:defRPr>
-                      </a:pPr>
-                      <a:endParaRPr/>
-                    </a:p>
-                  </a:txBody>
-                  <a:tcPr marL="0" marR="0" marT="0" marB="0" anchor="ctr" horzOverflow="overflow">
-                    <a:solidFill>
-                      <a:srgbClr val="E0E0E1"/>
-                    </a:solidFill>
-                  </a:tcPr>
-                </a:tc>
-                <a:tc>
-                  <a:txBody>
-                    <a:bodyPr/>
-                    <a:lstStyle/>
-                    <a:p>
-                      <a:pPr defTabSz="914400">
-                        <a:defRPr sz="700">
-                          <a:sym typeface="Source Sans Pro Regular"/>
-                        </a:defRPr>
-                      </a:pPr>
-                      <a:endParaRPr/>
-                    </a:p>
-                  </a:txBody>
-                  <a:tcPr marL="0" marR="0" marT="0" marB="0" anchor="ctr" horzOverflow="overflow">
-                    <a:solidFill>
-                      <a:srgbClr val="E0E0E1"/>
-                    </a:solidFill>
-                  </a:tcPr>
-                </a:tc>
-                <a:extLst>
-                  <a:ext uri="{0D108BD9-81ED-4DB2-BD59-A6C34878D82A}">
-                    <a16:rowId xmlns:a16="http://schemas.microsoft.com/office/drawing/2014/main" val="10003"/>
-                  </a:ext>
-                </a:extLst>
-              </a:tr>
-            </a:tbl>
-          </a:graphicData>
-        </a:graphic>
-      </p:graphicFrame>
-      <p:graphicFrame>
-        <p:nvGraphicFramePr>
-          <p:cNvPr id="262" name="Table"/>
-          <p:cNvGraphicFramePr/>
-          <p:nvPr/>
-        </p:nvGraphicFramePr>
-        <p:xfrm>
-          <a:off x="9451820" y="9058640"/>
+          <a:off x="9451820" y="8770491"/>
           <a:ext cx="342900" cy="457200"/>
         </p:xfrm>
         <a:graphic>
@@ -21198,10 +20760,16 @@
         <p:nvGraphicFramePr>
           <p:cNvPr id="264" name="Table"/>
           <p:cNvGraphicFramePr/>
-          <p:nvPr/>
+          <p:nvPr>
+            <p:extLst>
+              <p:ext uri="{D42A27DB-BD31-4B8C-83A1-F6EECF244321}">
+                <p14:modId xmlns:p14="http://schemas.microsoft.com/office/powerpoint/2010/main" val="522068509"/>
+              </p:ext>
+            </p:extLst>
+          </p:nvPr>
         </p:nvGraphicFramePr>
         <p:xfrm>
-          <a:off x="10007904" y="8322816"/>
+          <a:off x="10007904" y="8770491"/>
           <a:ext cx="342900" cy="457200"/>
         </p:xfrm>
         <a:graphic>
@@ -21473,142 +21041,6 @@
                     </a:solidFill>
                   </a:tcPr>
                 </a:tc>
-                <a:tc>
-                  <a:txBody>
-                    <a:bodyPr/>
-                    <a:lstStyle/>
-                    <a:p>
-                      <a:pPr defTabSz="914400">
-                        <a:defRPr sz="700">
-                          <a:sym typeface="Source Sans Pro Regular"/>
-                        </a:defRPr>
-                      </a:pPr>
-                      <a:endParaRPr/>
-                    </a:p>
-                  </a:txBody>
-                  <a:tcPr marL="0" marR="0" marT="0" marB="0" anchor="ctr" horzOverflow="overflow">
-                    <a:solidFill>
-                      <a:srgbClr val="83A8D2"/>
-                    </a:solidFill>
-                  </a:tcPr>
-                </a:tc>
-                <a:extLst>
-                  <a:ext uri="{0D108BD9-81ED-4DB2-BD59-A6C34878D82A}">
-                    <a16:rowId xmlns:a16="http://schemas.microsoft.com/office/drawing/2014/main" val="10003"/>
-                  </a:ext>
-                </a:extLst>
-              </a:tr>
-            </a:tbl>
-          </a:graphicData>
-        </a:graphic>
-      </p:graphicFrame>
-      <p:graphicFrame>
-        <p:nvGraphicFramePr>
-          <p:cNvPr id="265" name="Table"/>
-          <p:cNvGraphicFramePr/>
-          <p:nvPr/>
-        </p:nvGraphicFramePr>
-        <p:xfrm>
-          <a:off x="10007904" y="9058640"/>
-          <a:ext cx="114300" cy="457200"/>
-        </p:xfrm>
-        <a:graphic>
-          <a:graphicData uri="http://schemas.openxmlformats.org/drawingml/2006/table">
-            <a:tbl>
-              <a:tblPr firstRow="1">
-                <a:tableStyleId>{4C3C2611-4C71-4FC5-86AE-919BDF0F9419}</a:tableStyleId>
-              </a:tblPr>
-              <a:tblGrid>
-                <a:gridCol w="114300">
-                  <a:extLst>
-                    <a:ext uri="{9D8B030D-6E8A-4147-A177-3AD203B41FA5}">
-                      <a16:colId xmlns:a16="http://schemas.microsoft.com/office/drawing/2014/main" val="20000"/>
-                    </a:ext>
-                  </a:extLst>
-                </a:gridCol>
-              </a:tblGrid>
-              <a:tr h="114300">
-                <a:tc>
-                  <a:txBody>
-                    <a:bodyPr/>
-                    <a:lstStyle/>
-                    <a:p>
-                      <a:pPr defTabSz="914400">
-                        <a:defRPr sz="700" b="0">
-                          <a:latin typeface="+mj-lt"/>
-                          <a:ea typeface="+mj-ea"/>
-                          <a:cs typeface="+mj-cs"/>
-                          <a:sym typeface="Source Sans Pro Regular"/>
-                        </a:defRPr>
-                      </a:pPr>
-                      <a:endParaRPr/>
-                    </a:p>
-                  </a:txBody>
-                  <a:tcPr marL="0" marR="0" marT="0" marB="0" anchor="ctr" horzOverflow="overflow">
-                    <a:solidFill>
-                      <a:srgbClr val="1A4476"/>
-                    </a:solidFill>
-                  </a:tcPr>
-                </a:tc>
-                <a:extLst>
-                  <a:ext uri="{0D108BD9-81ED-4DB2-BD59-A6C34878D82A}">
-                    <a16:rowId xmlns:a16="http://schemas.microsoft.com/office/drawing/2014/main" val="10000"/>
-                  </a:ext>
-                </a:extLst>
-              </a:tr>
-              <a:tr h="114300">
-                <a:tc>
-                  <a:txBody>
-                    <a:bodyPr/>
-                    <a:lstStyle/>
-                    <a:p>
-                      <a:pPr defTabSz="914400">
-                        <a:defRPr sz="700">
-                          <a:sym typeface="Source Sans Pro Regular"/>
-                        </a:defRPr>
-                      </a:pPr>
-                      <a:endParaRPr/>
-                    </a:p>
-                  </a:txBody>
-                  <a:tcPr marL="0" marR="0" marT="0" marB="0" anchor="ctr" horzOverflow="overflow">
-                    <a:solidFill>
-                      <a:srgbClr val="83A8D2"/>
-                    </a:solidFill>
-                  </a:tcPr>
-                </a:tc>
-                <a:extLst>
-                  <a:ext uri="{0D108BD9-81ED-4DB2-BD59-A6C34878D82A}">
-                    <a16:rowId xmlns:a16="http://schemas.microsoft.com/office/drawing/2014/main" val="10001"/>
-                  </a:ext>
-                </a:extLst>
-              </a:tr>
-              <a:tr h="114300">
-                <a:tc>
-                  <a:txBody>
-                    <a:bodyPr/>
-                    <a:lstStyle/>
-                    <a:p>
-                      <a:pPr defTabSz="914400">
-                        <a:defRPr sz="700">
-                          <a:sym typeface="Source Sans Pro Regular"/>
-                        </a:defRPr>
-                      </a:pPr>
-                      <a:endParaRPr/>
-                    </a:p>
-                  </a:txBody>
-                  <a:tcPr marL="0" marR="0" marT="0" marB="0" anchor="ctr" horzOverflow="overflow">
-                    <a:solidFill>
-                      <a:srgbClr val="83A8D2"/>
-                    </a:solidFill>
-                  </a:tcPr>
-                </a:tc>
-                <a:extLst>
-                  <a:ext uri="{0D108BD9-81ED-4DB2-BD59-A6C34878D82A}">
-                    <a16:rowId xmlns:a16="http://schemas.microsoft.com/office/drawing/2014/main" val="10002"/>
-                  </a:ext>
-                </a:extLst>
-              </a:tr>
-              <a:tr h="114300">
                 <a:tc>
                   <a:txBody>
                     <a:bodyPr/>
@@ -23050,6 +22482,271 @@
           </a:graphicData>
         </a:graphic>
       </p:graphicFrame>
+      <p:sp>
+        <p:nvSpPr>
+          <p:cNvPr id="3" name="TextBox 2">
+            <a:extLst>
+              <a:ext uri="{FF2B5EF4-FFF2-40B4-BE49-F238E27FC236}">
+                <a16:creationId xmlns:a16="http://schemas.microsoft.com/office/drawing/2014/main" id="{E016F1D9-BA68-6C62-A8B2-BF6676FC5E35}"/>
+              </a:ext>
+            </a:extLst>
+          </p:cNvPr>
+          <p:cNvSpPr txBox="1"/>
+          <p:nvPr/>
+        </p:nvSpPr>
+        <p:spPr>
+          <a:xfrm>
+            <a:off x="9446411" y="5661515"/>
+            <a:ext cx="3084080" cy="276999"/>
+          </a:xfrm>
+          <a:prstGeom prst="rect">
+            <a:avLst/>
+          </a:prstGeom>
+          <a:noFill/>
+          <a:ln w="12700" cap="flat">
+            <a:noFill/>
+            <a:miter lim="400000"/>
+          </a:ln>
+          <a:effectLst/>
+          <a:sp3d/>
+        </p:spPr>
+        <p:style>
+          <a:lnRef idx="0">
+            <a:scrgbClr r="0" g="0" b="0"/>
+          </a:lnRef>
+          <a:fillRef idx="0">
+            <a:scrgbClr r="0" g="0" b="0"/>
+          </a:fillRef>
+          <a:effectRef idx="0">
+            <a:scrgbClr r="0" g="0" b="0"/>
+          </a:effectRef>
+          <a:fontRef idx="none"/>
+        </p:style>
+        <p:txBody>
+          <a:bodyPr wrap="square">
+            <a:spAutoFit/>
+          </a:bodyPr>
+          <a:lstStyle/>
+          <a:p>
+            <a:r>
+              <a:rPr lang="es-ES" dirty="0" err="1">
+                <a:latin typeface="Source Sans Pro ExtraLight"/>
+                <a:ea typeface="Source Sans Pro ExtraLight"/>
+                <a:sym typeface="Source Sans Pro ExtraLight"/>
+              </a:rPr>
+              <a:t>df</a:t>
+            </a:r>
+            <a:r>
+              <a:rPr lang="es-ES" dirty="0">
+                <a:latin typeface="Source Sans Pro ExtraLight"/>
+                <a:ea typeface="Source Sans Pro ExtraLight"/>
+                <a:sym typeface="Source Sans Pro ExtraLight"/>
+              </a:rPr>
+              <a:t> &lt;- </a:t>
+            </a:r>
+            <a:r>
+              <a:rPr lang="es-ES" dirty="0" err="1">
+                <a:latin typeface="Source Sans Pro ExtraLight"/>
+                <a:ea typeface="Source Sans Pro ExtraLight"/>
+                <a:sym typeface="Source Sans Pro ExtraLight"/>
+              </a:rPr>
+              <a:t>tibble</a:t>
+            </a:r>
+            <a:r>
+              <a:rPr lang="es-ES" dirty="0">
+                <a:latin typeface="Source Sans Pro ExtraLight"/>
+                <a:ea typeface="Source Sans Pro ExtraLight"/>
+                <a:sym typeface="Source Sans Pro ExtraLight"/>
+              </a:rPr>
+              <a:t>(x_1 = c(1, 2), x_2 = c(3, 4), y = c(4, 5))</a:t>
+            </a:r>
+            <a:endParaRPr lang="es-ES" dirty="0"/>
+          </a:p>
+        </p:txBody>
+      </p:sp>
+      <p:pic>
+        <p:nvPicPr>
+          <p:cNvPr id="4" name="posit-full-color.png" descr="posit-full-color.png">
+            <a:extLst>
+              <a:ext uri="{FF2B5EF4-FFF2-40B4-BE49-F238E27FC236}">
+                <a16:creationId xmlns:a16="http://schemas.microsoft.com/office/drawing/2014/main" id="{AF013E73-98AD-43C7-A32C-5B39A69B68E5}"/>
+              </a:ext>
+            </a:extLst>
+          </p:cNvPr>
+          <p:cNvPicPr>
+            <a:picLocks noChangeAspect="1"/>
+          </p:cNvPicPr>
+          <p:nvPr/>
+        </p:nvPicPr>
+        <p:blipFill>
+          <a:blip r:embed="rId6"/>
+          <a:srcRect/>
+          <a:stretch>
+            <a:fillRect/>
+          </a:stretch>
+        </p:blipFill>
+        <p:spPr>
+          <a:xfrm>
+            <a:off x="217442" y="10050579"/>
+            <a:ext cx="1719068" cy="544372"/>
+          </a:xfrm>
+          <a:prstGeom prst="rect">
+            <a:avLst/>
+          </a:prstGeom>
+          <a:ln w="12700">
+            <a:miter lim="400000"/>
+          </a:ln>
+        </p:spPr>
+      </p:pic>
+      <p:sp>
+        <p:nvSpPr>
+          <p:cNvPr id="2" name="CC BY SA Posit Software, PBC  •   info@posit.co  •   posit.co  •  Learn more at dplyr.tidyverse.org  •  HTML cheatsheets at pos.it/cheatsheets  •  dplyr  1.1.4  •  Updated:  2024-05">
+            <a:extLst>
+              <a:ext uri="{FF2B5EF4-FFF2-40B4-BE49-F238E27FC236}">
+                <a16:creationId xmlns:a16="http://schemas.microsoft.com/office/drawing/2014/main" id="{28A504BF-700D-C9C1-6EFE-E7B2B6719046}"/>
+              </a:ext>
+            </a:extLst>
+          </p:cNvPr>
+          <p:cNvSpPr txBox="1"/>
+          <p:nvPr/>
+        </p:nvSpPr>
+        <p:spPr>
+          <a:xfrm>
+            <a:off x="1845572" y="10347903"/>
+            <a:ext cx="11830666" cy="234855"/>
+          </a:xfrm>
+          <a:prstGeom prst="rect">
+            <a:avLst/>
+          </a:prstGeom>
+          <a:ln w="12700">
+            <a:miter lim="400000"/>
+          </a:ln>
+          <a:extLst>
+            <a:ext uri="{C572A759-6A51-4108-AA02-DFA0A04FC94B}">
+              <ma14:wrappingTextBoxFlag xmlns="" xmlns:m="http://schemas.openxmlformats.org/officeDocument/2006/math" xmlns:a14="http://schemas.microsoft.com/office/drawing/2010/main" xmlns:ma14="http://schemas.microsoft.com/office/mac/drawingml/2011/main" val="1"/>
+            </a:ext>
+          </a:extLst>
+        </p:spPr>
+        <p:txBody>
+          <a:bodyPr lIns="54570" tIns="54570" rIns="54570" bIns="54570" anchor="ctr">
+            <a:spAutoFit/>
+          </a:bodyPr>
+          <a:lstStyle/>
+          <a:p>
+            <a:pPr algn="r">
+              <a:lnSpc>
+                <a:spcPct val="90000"/>
+              </a:lnSpc>
+              <a:spcBef>
+                <a:spcPts val="0"/>
+              </a:spcBef>
+              <a:defRPr sz="900" b="0">
+                <a:solidFill>
+                  <a:srgbClr val="000000"/>
+                </a:solidFill>
+              </a:defRPr>
+            </a:pPr>
+            <a:r>
+              <a:rPr dirty="0"/>
+              <a:t>CC BY SA Posit Software, PBC  •   </a:t>
+            </a:r>
+            <a:r>
+              <a:rPr dirty="0">
+                <a:hlinkClick r:id="rId7"/>
+              </a:rPr>
+              <a:t>info@posit.co</a:t>
+            </a:r>
+            <a:r>
+              <a:rPr dirty="0"/>
+              <a:t>  •   </a:t>
+            </a:r>
+            <a:r>
+              <a:rPr dirty="0">
+                <a:hlinkClick r:id="rId8"/>
+              </a:rPr>
+              <a:t>posit.co</a:t>
+            </a:r>
+            <a:r>
+              <a:rPr dirty="0"/>
+              <a:t>  •  </a:t>
+            </a:r>
+            <a:r>
+              <a:rPr lang="es-ES" dirty="0"/>
+              <a:t>Vea más en</a:t>
+            </a:r>
+            <a:r>
+              <a:rPr dirty="0"/>
+              <a:t> </a:t>
+            </a:r>
+            <a:r>
+              <a:rPr b="1" dirty="0">
+                <a:hlinkClick r:id="rId9"/>
+              </a:rPr>
+              <a:t>dplyr.tidyverse.org</a:t>
+            </a:r>
+            <a:r>
+              <a:rPr dirty="0"/>
+              <a:t>  •  </a:t>
+            </a:r>
+            <a:r>
+              <a:rPr lang="es-ES" dirty="0"/>
+              <a:t>Guía rápida </a:t>
+            </a:r>
+            <a:r>
+              <a:rPr dirty="0"/>
+              <a:t>HTML </a:t>
+            </a:r>
+            <a:r>
+              <a:rPr lang="es-ES" dirty="0"/>
+              <a:t>en</a:t>
+            </a:r>
+            <a:r>
+              <a:rPr dirty="0"/>
+              <a:t> </a:t>
+            </a:r>
+            <a:r>
+              <a:rPr b="1" dirty="0">
+                <a:hlinkClick r:id="rId10"/>
+              </a:rPr>
+              <a:t>pos.it/</a:t>
+            </a:r>
+            <a:r>
+              <a:rPr b="1" dirty="0" err="1">
+                <a:hlinkClick r:id="rId10"/>
+              </a:rPr>
+              <a:t>cheatsheets</a:t>
+            </a:r>
+            <a:r>
+              <a:rPr dirty="0">
+                <a:solidFill>
+                  <a:srgbClr val="D1D2D3"/>
+                </a:solidFill>
+              </a:rPr>
+              <a:t>  </a:t>
+            </a:r>
+            <a:r>
+              <a:rPr dirty="0"/>
+              <a:t>•  </a:t>
+            </a:r>
+            <a:r>
+              <a:rPr dirty="0" err="1"/>
+              <a:t>dplyr</a:t>
+            </a:r>
+            <a:r>
+              <a:rPr dirty="0"/>
+              <a:t>  1.1.4  •  </a:t>
+            </a:r>
+            <a:r>
+              <a:rPr lang="es-ES" dirty="0"/>
+              <a:t>Actualizado</a:t>
+            </a:r>
+            <a:r>
+              <a:rPr dirty="0"/>
+              <a:t>:  2024-05</a:t>
+            </a:r>
+          </a:p>
+        </p:txBody>
+      </p:sp>
     </p:spTree>
   </p:cSld>
   <p:clrMapOvr>
@@ -23896,7 +23593,7 @@
         <p:spPr>
           <a:xfrm>
             <a:off x="323996" y="2715785"/>
-            <a:ext cx="3178077" cy="8037998"/>
+            <a:ext cx="3256155" cy="8037998"/>
           </a:xfrm>
           <a:prstGeom prst="rect">
             <a:avLst/>
@@ -23906,7 +23603,7 @@
           </a:ln>
           <a:extLst>
             <a:ext uri="{C572A759-6A51-4108-AA02-DFA0A04FC94B}">
-              <ma14:wrappingTextBoxFlag xmlns="" xmlns:m="http://schemas.openxmlformats.org/officeDocument/2006/math" xmlns:a14="http://schemas.microsoft.com/office/drawing/2010/main" xmlns:ma14="http://schemas.microsoft.com/office/mac/drawingml/2011/main" val="1"/>
+              <ma14:wrappingTextBoxFlag xmlns:ma14="http://schemas.microsoft.com/office/mac/drawingml/2011/main" xmlns:a14="http://schemas.microsoft.com/office/drawing/2010/main" xmlns:m="http://schemas.openxmlformats.org/officeDocument/2006/math" xmlns="" val="1"/>
             </a:ext>
           </a:extLst>
         </p:spPr>
@@ -23926,7 +23623,7 @@
             </a:pPr>
             <a:r>
               <a:rPr lang="en-US" dirty="0"/>
-              <a:t>DESFASAR</a:t>
+              <a:t>DESPLAZAR</a:t>
             </a:r>
             <a:endParaRPr dirty="0"/>
           </a:p>
@@ -23970,7 +23667,23 @@
                   <a:srgbClr val="000000"/>
                 </a:solidFill>
               </a:rPr>
-              <a:t> - </a:t>
+              <a:t> </a:t>
+            </a:r>
+            <a:r>
+              <a:rPr lang="es-ES" dirty="0">
+                <a:solidFill>
+                  <a:srgbClr val="000000"/>
+                </a:solidFill>
+              </a:rPr>
+              <a:t>–</a:t>
+            </a:r>
+            <a:r>
+              <a:rPr dirty="0">
+                <a:solidFill>
+                  <a:srgbClr val="000000"/>
+                </a:solidFill>
+              </a:rPr>
+              <a:t> </a:t>
             </a:r>
             <a:r>
               <a:rPr lang="en-US" dirty="0" err="1">
@@ -23978,23 +23691,15 @@
                   <a:srgbClr val="000000"/>
                 </a:solidFill>
               </a:rPr>
-              <a:t>desfasar</a:t>
-            </a:r>
-            <a:r>
-              <a:rPr dirty="0">
+              <a:t>desplaza</a:t>
+            </a:r>
+            <a:r>
+              <a:rPr lang="en-US" dirty="0">
                 <a:solidFill>
                   <a:srgbClr val="000000"/>
                 </a:solidFill>
               </a:rPr>
               <a:t> </a:t>
-            </a:r>
-            <a:r>
-              <a:rPr dirty="0" err="1">
-                <a:solidFill>
-                  <a:srgbClr val="000000"/>
-                </a:solidFill>
-              </a:rPr>
-              <a:t>element</a:t>
             </a:r>
             <a:r>
               <a:rPr lang="en-US" dirty="0" err="1">
@@ -24002,18 +23707,10 @@
                   <a:srgbClr val="000000"/>
                 </a:solidFill>
               </a:rPr>
-              <a:t>o</a:t>
-            </a:r>
-            <a:r>
-              <a:rPr dirty="0" err="1">
-                <a:solidFill>
-                  <a:srgbClr val="000000"/>
-                </a:solidFill>
-              </a:rPr>
-              <a:t>s</a:t>
-            </a:r>
-            <a:r>
-              <a:rPr dirty="0">
+              <a:t>elementos</a:t>
+            </a:r>
+            <a:r>
+              <a:rPr lang="en-US" dirty="0">
                 <a:solidFill>
                   <a:srgbClr val="000000"/>
                 </a:solidFill>
@@ -24085,7 +23782,7 @@
                   <a:srgbClr val="000000"/>
                 </a:solidFill>
               </a:rPr>
-              <a:t>desfasar</a:t>
+              <a:t>desplaza</a:t>
             </a:r>
             <a:r>
               <a:rPr lang="en-US" dirty="0">
@@ -24334,6 +24031,10 @@
               </a:defRPr>
             </a:pPr>
             <a:r>
+              <a:rPr lang="en-US" dirty="0"/>
+              <a:t>              </a:t>
+            </a:r>
+            <a:r>
               <a:rPr dirty="0" err="1"/>
               <a:t>cummax</a:t>
             </a:r>
@@ -24470,6 +24171,10 @@
               </a:defRPr>
             </a:pPr>
             <a:r>
+              <a:rPr lang="en-US" dirty="0"/>
+              <a:t>              </a:t>
+            </a:r>
+            <a:r>
               <a:rPr dirty="0"/>
               <a:t>cummin()</a:t>
             </a:r>
@@ -24526,6 +24231,10 @@
               </a:defRPr>
             </a:pPr>
             <a:r>
+              <a:rPr lang="en-US" dirty="0"/>
+              <a:t>              </a:t>
+            </a:r>
+            <a:r>
               <a:rPr dirty="0" err="1"/>
               <a:t>cumprod</a:t>
             </a:r>
@@ -24585,6 +24294,10 @@
                 <a:sym typeface="Source Sans Pro Bold"/>
               </a:defRPr>
             </a:pPr>
+            <a:r>
+              <a:rPr lang="en-US" dirty="0"/>
+              <a:t>              </a:t>
+            </a:r>
             <a:r>
               <a:rPr dirty="0" err="1"/>
               <a:t>cumsum</a:t>
@@ -24658,9 +24371,10 @@
               </a:defRPr>
             </a:pPr>
             <a:r>
-              <a:rPr dirty="0"/>
-              <a:t>RANKING</a:t>
-            </a:r>
+              <a:rPr lang="es-ES" dirty="0"/>
+              <a:t>CLASIFICACIÓN</a:t>
+            </a:r>
+            <a:endParaRPr dirty="0"/>
           </a:p>
           <a:p>
             <a:pPr>
@@ -24722,15 +24436,7 @@
                   <a:srgbClr val="000000"/>
                 </a:solidFill>
               </a:rPr>
-              <a:t>proporción de todos los valores</a:t>
-            </a:r>
-            <a:r>
-              <a:rPr dirty="0">
-                <a:solidFill>
-                  <a:srgbClr val="000000"/>
-                </a:solidFill>
-              </a:rPr>
-              <a:t> &lt;=</a:t>
+              <a:t>proporción de todos los</a:t>
             </a:r>
           </a:p>
           <a:p>
@@ -24748,60 +24454,20 @@
               </a:defRPr>
             </a:pPr>
             <a:r>
-              <a:rPr dirty="0" err="1"/>
-              <a:t>dplyr</a:t>
-            </a:r>
-            <a:r>
-              <a:rPr dirty="0"/>
-              <a:t>::</a:t>
-            </a:r>
-            <a:r>
-              <a:rPr dirty="0" err="1">
+              <a:rPr lang="es-ES" dirty="0">
                 <a:solidFill>
                   <a:srgbClr val="000000"/>
                 </a:solidFill>
-                <a:latin typeface="Source Sans Pro Bold"/>
-                <a:ea typeface="Source Sans Pro Bold"/>
-                <a:cs typeface="Source Sans Pro Bold"/>
-                <a:sym typeface="Source Sans Pro Bold"/>
-              </a:rPr>
-              <a:t>dense_rank</a:t>
+              </a:rPr>
+              <a:t>                                            valores</a:t>
             </a:r>
             <a:r>
               <a:rPr dirty="0">
                 <a:solidFill>
                   <a:srgbClr val="000000"/>
                 </a:solidFill>
-                <a:latin typeface="Source Sans Pro Bold"/>
-                <a:ea typeface="Source Sans Pro Bold"/>
-                <a:cs typeface="Source Sans Pro Bold"/>
-                <a:sym typeface="Source Sans Pro Bold"/>
-              </a:rPr>
-              <a:t>()</a:t>
-            </a:r>
-            <a:r>
-              <a:rPr dirty="0">
-                <a:solidFill>
-                  <a:srgbClr val="000000"/>
-                </a:solidFill>
-              </a:rPr>
-              <a:t> - </a:t>
-            </a:r>
-            <a:r>
-              <a:rPr lang="es-ES" dirty="0">
-                <a:solidFill>
-                  <a:srgbClr val="000000"/>
-                </a:solidFill>
-              </a:rPr>
-              <a:t>rango con empates = mín., sin espacio</a:t>
-            </a:r>
-            <a:r>
-              <a:rPr dirty="0">
-                <a:solidFill>
-                  <a:srgbClr val="000000"/>
-                </a:solidFill>
-              </a:rPr>
-              <a:t>s</a:t>
+              </a:rPr>
+              <a:t> &lt;=</a:t>
             </a:r>
           </a:p>
           <a:p>
@@ -24836,7 +24502,7 @@
                 <a:cs typeface="Source Sans Pro Bold"/>
                 <a:sym typeface="Source Sans Pro Bold"/>
               </a:rPr>
-              <a:t>min_rank</a:t>
+              <a:t>dense_rank</a:t>
             </a:r>
             <a:r>
               <a:rPr dirty="0">
@@ -24848,7 +24514,7 @@
                 <a:cs typeface="Source Sans Pro Bold"/>
                 <a:sym typeface="Source Sans Pro Bold"/>
               </a:rPr>
-              <a:t>() </a:t>
+              <a:t>()</a:t>
             </a:r>
             <a:r>
               <a:rPr dirty="0">
@@ -24856,7 +24522,7 @@
                   <a:srgbClr val="000000"/>
                 </a:solidFill>
               </a:rPr>
-              <a:t>- </a:t>
+              <a:t> - </a:t>
             </a:r>
             <a:r>
               <a:rPr lang="es-ES" dirty="0">
@@ -24864,7 +24530,30 @@
                   <a:srgbClr val="000000"/>
                 </a:solidFill>
               </a:rPr>
-              <a:t>rango con empates = mín.</a:t>
+              <a:t>Rangos w empates = mín.,</a:t>
+            </a:r>
+          </a:p>
+          <a:p>
+            <a:pPr lvl="2">
+              <a:lnSpc>
+                <a:spcPct val="80000"/>
+              </a:lnSpc>
+              <a:spcBef>
+                <a:spcPts val="0"/>
+              </a:spcBef>
+              <a:defRPr>
+                <a:solidFill>
+                  <a:srgbClr val="A6AAA9"/>
+                </a:solidFill>
+              </a:defRPr>
+            </a:pPr>
+            <a:r>
+              <a:rPr lang="es-ES" dirty="0">
+                <a:solidFill>
+                  <a:srgbClr val="000000"/>
+                </a:solidFill>
+              </a:rPr>
+              <a:t>                                               sin huecos</a:t>
             </a:r>
             <a:endParaRPr dirty="0">
               <a:solidFill>
@@ -24904,7 +24593,7 @@
                 <a:cs typeface="Source Sans Pro Bold"/>
                 <a:sym typeface="Source Sans Pro Bold"/>
               </a:rPr>
-              <a:t>ntile</a:t>
+              <a:t>min_rank</a:t>
             </a:r>
             <a:r>
               <a:rPr dirty="0">
@@ -24916,7 +24605,7 @@
                 <a:cs typeface="Source Sans Pro Bold"/>
                 <a:sym typeface="Source Sans Pro Bold"/>
               </a:rPr>
-              <a:t>()</a:t>
+              <a:t>() </a:t>
             </a:r>
             <a:r>
               <a:rPr dirty="0">
@@ -24924,7 +24613,7 @@
                   <a:srgbClr val="000000"/>
                 </a:solidFill>
               </a:rPr>
-              <a:t> - </a:t>
+              <a:t>- </a:t>
             </a:r>
             <a:r>
               <a:rPr lang="es-ES" dirty="0">
@@ -24932,7 +24621,7 @@
                   <a:srgbClr val="000000"/>
                 </a:solidFill>
               </a:rPr>
-              <a:t>contenedores en N contenedores</a:t>
+              <a:t>Rango con empates = Min</a:t>
             </a:r>
             <a:endParaRPr dirty="0">
               <a:solidFill>
@@ -24972,7 +24661,7 @@
                 <a:cs typeface="Source Sans Pro Bold"/>
                 <a:sym typeface="Source Sans Pro Bold"/>
               </a:rPr>
-              <a:t>percent_rank</a:t>
+              <a:t>ntile</a:t>
             </a:r>
             <a:r>
               <a:rPr dirty="0">
@@ -24995,45 +24684,18 @@
               <a:t> - </a:t>
             </a:r>
             <a:r>
-              <a:rPr dirty="0" err="1">
+              <a:rPr lang="es-ES" dirty="0">
                 <a:solidFill>
                   <a:srgbClr val="000000"/>
                 </a:solidFill>
               </a:rPr>
-              <a:t>min_rank</a:t>
-            </a:r>
-            <a:r>
-              <a:rPr dirty="0">
-                <a:solidFill>
-                  <a:srgbClr val="000000"/>
-                </a:solidFill>
-              </a:rPr>
-              <a:t> </a:t>
-            </a:r>
-            <a:r>
-              <a:rPr lang="en-US" dirty="0" err="1">
-                <a:solidFill>
-                  <a:srgbClr val="000000"/>
-                </a:solidFill>
-              </a:rPr>
-              <a:t>escalado</a:t>
-            </a:r>
-            <a:r>
-              <a:rPr lang="en-US" dirty="0">
-                <a:solidFill>
-                  <a:srgbClr val="000000"/>
-                </a:solidFill>
-              </a:rPr>
-              <a:t> a</a:t>
-            </a:r>
-            <a:r>
-              <a:rPr dirty="0">
-                <a:solidFill>
-                  <a:srgbClr val="000000"/>
-                </a:solidFill>
-              </a:rPr>
-              <a:t> [0,1]</a:t>
-            </a:r>
+              <a:t>Contenedores en N contenedores</a:t>
+            </a:r>
+            <a:endParaRPr dirty="0">
+              <a:solidFill>
+                <a:srgbClr val="000000"/>
+              </a:solidFill>
+            </a:endParaRPr>
           </a:p>
           <a:p>
             <a:pPr>
@@ -25067,7 +24729,7 @@
                 <a:cs typeface="Source Sans Pro Bold"/>
                 <a:sym typeface="Source Sans Pro Bold"/>
               </a:rPr>
-              <a:t>row_number</a:t>
+              <a:t>percent_rank</a:t>
             </a:r>
             <a:r>
               <a:rPr dirty="0">
@@ -25090,12 +24752,28 @@
               <a:t> - </a:t>
             </a:r>
             <a:r>
+              <a:rPr dirty="0" err="1">
+                <a:solidFill>
+                  <a:srgbClr val="000000"/>
+                </a:solidFill>
+              </a:rPr>
+              <a:t>min_rank</a:t>
+            </a:r>
+            <a:r>
+              <a:rPr dirty="0">
+                <a:solidFill>
+                  <a:srgbClr val="000000"/>
+                </a:solidFill>
+              </a:rPr>
+              <a:t> </a:t>
+            </a:r>
+            <a:r>
               <a:rPr lang="es-ES" dirty="0">
                 <a:solidFill>
                   <a:srgbClr val="000000"/>
                 </a:solidFill>
               </a:rPr>
-              <a:t>rango con empates</a:t>
+              <a:t>escalado a </a:t>
             </a:r>
             <a:r>
               <a:rPr dirty="0">
@@ -25103,7 +24781,78 @@
                   <a:srgbClr val="000000"/>
                 </a:solidFill>
               </a:rPr>
-              <a:t> = "first"</a:t>
+              <a:t>[0,1]</a:t>
+            </a:r>
+          </a:p>
+          <a:p>
+            <a:pPr>
+              <a:lnSpc>
+                <a:spcPct val="80000"/>
+              </a:lnSpc>
+              <a:spcBef>
+                <a:spcPts val="0"/>
+              </a:spcBef>
+              <a:defRPr>
+                <a:solidFill>
+                  <a:srgbClr val="A6AAA9"/>
+                </a:solidFill>
+              </a:defRPr>
+            </a:pPr>
+            <a:r>
+              <a:rPr dirty="0" err="1"/>
+              <a:t>dplyr</a:t>
+            </a:r>
+            <a:r>
+              <a:rPr dirty="0"/>
+              <a:t>::</a:t>
+            </a:r>
+            <a:r>
+              <a:rPr dirty="0" err="1">
+                <a:solidFill>
+                  <a:srgbClr val="000000"/>
+                </a:solidFill>
+                <a:latin typeface="Source Sans Pro Bold"/>
+                <a:ea typeface="Source Sans Pro Bold"/>
+                <a:cs typeface="Source Sans Pro Bold"/>
+                <a:sym typeface="Source Sans Pro Bold"/>
+              </a:rPr>
+              <a:t>row_number</a:t>
+            </a:r>
+            <a:r>
+              <a:rPr dirty="0">
+                <a:solidFill>
+                  <a:srgbClr val="000000"/>
+                </a:solidFill>
+                <a:latin typeface="Source Sans Pro Bold"/>
+                <a:ea typeface="Source Sans Pro Bold"/>
+                <a:cs typeface="Source Sans Pro Bold"/>
+                <a:sym typeface="Source Sans Pro Bold"/>
+              </a:rPr>
+              <a:t>()</a:t>
+            </a:r>
+            <a:r>
+              <a:rPr dirty="0">
+                <a:solidFill>
+                  <a:srgbClr val="000000"/>
+                </a:solidFill>
+              </a:rPr>
+              <a:t> - </a:t>
+            </a:r>
+            <a:r>
+              <a:rPr lang="es-ES" dirty="0">
+                <a:solidFill>
+                  <a:srgbClr val="000000"/>
+                </a:solidFill>
+              </a:rPr>
+              <a:t>Rango con empates</a:t>
+            </a:r>
+            <a:r>
+              <a:rPr dirty="0">
+                <a:solidFill>
+                  <a:srgbClr val="000000"/>
+                </a:solidFill>
+              </a:rPr>
+              <a:t>= "first"</a:t>
             </a:r>
           </a:p>
           <a:p>
@@ -25160,6 +24909,10 @@
               </a:defRPr>
             </a:pPr>
             <a:r>
+              <a:rPr lang="en-US" dirty="0"/>
+              <a:t>              </a:t>
+            </a:r>
+            <a:r>
               <a:rPr dirty="0"/>
               <a:t>+, - , *, /, ^, %/%, %% </a:t>
             </a:r>
@@ -25177,7 +24930,33 @@
                 <a:latin typeface="Source Sans Pro" panose="020B0503030403020204" pitchFamily="34" charset="0"/>
                 <a:ea typeface="Source Sans Pro" panose="020B0503030403020204" pitchFamily="34" charset="0"/>
               </a:rPr>
-              <a:t>operaciones aritméticas</a:t>
+              <a:t>operaciones</a:t>
+            </a:r>
+          </a:p>
+          <a:p>
+            <a:pPr lvl="3">
+              <a:lnSpc>
+                <a:spcPct val="80000"/>
+              </a:lnSpc>
+              <a:spcBef>
+                <a:spcPts val="0"/>
+              </a:spcBef>
+              <a:defRPr>
+                <a:solidFill>
+                  <a:srgbClr val="000000"/>
+                </a:solidFill>
+                <a:latin typeface="Source Sans Pro Bold"/>
+                <a:ea typeface="Source Sans Pro Bold"/>
+                <a:cs typeface="Source Sans Pro Bold"/>
+                <a:sym typeface="Source Sans Pro Bold"/>
+              </a:defRPr>
+            </a:pPr>
+            <a:r>
+              <a:rPr lang="es-ES" dirty="0">
+                <a:latin typeface="Source Sans Pro" panose="020B0503030403020204" pitchFamily="34" charset="0"/>
+                <a:ea typeface="Source Sans Pro" panose="020B0503030403020204" pitchFamily="34" charset="0"/>
+              </a:rPr>
+              <a:t>                                                                aritméticas</a:t>
             </a:r>
             <a:endParaRPr dirty="0">
               <a:latin typeface="Source Sans Pro" panose="020B0503030403020204" pitchFamily="34" charset="0"/>
@@ -25204,6 +24983,10 @@
               </a:defRPr>
             </a:pPr>
             <a:r>
+              <a:rPr lang="en-US" dirty="0"/>
+              <a:t>              </a:t>
+            </a:r>
+            <a:r>
               <a:rPr dirty="0"/>
               <a:t>log(), log2(), log10() </a:t>
             </a:r>
@@ -25214,16 +24997,7 @@
                 <a:cs typeface="+mj-cs"/>
                 <a:sym typeface="Source Sans Pro Regular"/>
               </a:rPr>
-              <a:t>- </a:t>
-            </a:r>
-            <a:r>
-              <a:rPr lang="es-ES" dirty="0">
-                <a:latin typeface="+mj-lt"/>
-                <a:ea typeface="+mj-ea"/>
-                <a:cs typeface="+mj-cs"/>
-                <a:sym typeface="Source Sans Pro Regular"/>
-              </a:rPr>
-              <a:t>logaritmos</a:t>
+              <a:t>- logs</a:t>
             </a:r>
           </a:p>
           <a:p>
@@ -25245,6 +25019,10 @@
               </a:defRPr>
             </a:pPr>
             <a:r>
+              <a:rPr lang="en-US" dirty="0"/>
+              <a:t>              </a:t>
+            </a:r>
+            <a:r>
               <a:rPr dirty="0"/>
               <a:t>&lt;, &lt;=, &gt;, &gt;=, !=, ==</a:t>
             </a:r>
@@ -25258,27 +25036,11 @@
               <a:t> - </a:t>
             </a:r>
             <a:r>
-              <a:rPr lang="en-US" dirty="0">
-                <a:latin typeface="+mj-lt"/>
-                <a:ea typeface="+mj-ea"/>
-                <a:cs typeface="+mj-cs"/>
-                <a:sym typeface="Source Sans Pro Regular"/>
-              </a:rPr>
-              <a:t>c</a:t>
-            </a:r>
-            <a:r>
-              <a:rPr lang="es-ES" dirty="0" err="1">
-                <a:latin typeface="Source Sans Pro" panose="020B0503030403020204" pitchFamily="34" charset="0"/>
-                <a:ea typeface="Source Sans Pro" panose="020B0503030403020204" pitchFamily="34" charset="0"/>
-              </a:rPr>
-              <a:t>omparaciones</a:t>
-            </a:r>
-            <a:r>
               <a:rPr lang="es-ES" dirty="0">
                 <a:latin typeface="Source Sans Pro" panose="020B0503030403020204" pitchFamily="34" charset="0"/>
                 <a:ea typeface="Source Sans Pro" panose="020B0503030403020204" pitchFamily="34" charset="0"/>
               </a:rPr>
-              <a:t> lógicas</a:t>
+              <a:t>comparaciones lógicas</a:t>
             </a:r>
             <a:endParaRPr dirty="0">
               <a:latin typeface="Source Sans Pro" panose="020B0503030403020204" pitchFamily="34" charset="0"/>
@@ -25326,37 +25088,8 @@
                   <a:srgbClr val="000000"/>
                 </a:solidFill>
               </a:rPr>
-              <a:t> - x &gt;= </a:t>
-            </a:r>
-            <a:r>
-              <a:rPr lang="en-US" dirty="0" err="1">
-                <a:solidFill>
-                  <a:srgbClr val="000000"/>
-                </a:solidFill>
-              </a:rPr>
-              <a:t>izquierda</a:t>
-            </a:r>
-            <a:r>
-              <a:rPr dirty="0">
-                <a:solidFill>
-                  <a:srgbClr val="000000"/>
-                </a:solidFill>
-              </a:rPr>
-              <a:t> &amp; x &lt;= </a:t>
-            </a:r>
-            <a:r>
-              <a:rPr lang="en-US" dirty="0" err="1">
-                <a:solidFill>
-                  <a:srgbClr val="000000"/>
-                </a:solidFill>
-              </a:rPr>
-              <a:t>derecha</a:t>
-            </a:r>
-            <a:endParaRPr dirty="0">
-              <a:solidFill>
-                <a:srgbClr val="000000"/>
-              </a:solidFill>
-            </a:endParaRPr>
+              <a:t> - x &gt;= left &amp; x &lt;= right</a:t>
+            </a:r>
           </a:p>
           <a:p>
             <a:pPr>
@@ -25406,7 +25139,30 @@
                   <a:srgbClr val="000000"/>
                 </a:solidFill>
               </a:rPr>
-              <a:t>== seguro para números de punto flotante</a:t>
+              <a:t>seguro == para números de coma</a:t>
+            </a:r>
+          </a:p>
+          <a:p>
+            <a:pPr>
+              <a:lnSpc>
+                <a:spcPct val="80000"/>
+              </a:lnSpc>
+              <a:spcBef>
+                <a:spcPts val="0"/>
+              </a:spcBef>
+              <a:defRPr>
+                <a:solidFill>
+                  <a:srgbClr val="A6AAA9"/>
+                </a:solidFill>
+              </a:defRPr>
+            </a:pPr>
+            <a:r>
+              <a:rPr lang="es-ES" dirty="0">
+                <a:solidFill>
+                  <a:srgbClr val="000000"/>
+                </a:solidFill>
+              </a:rPr>
+              <a:t>                               flotante</a:t>
             </a:r>
             <a:endParaRPr dirty="0">
               <a:solidFill>
@@ -25445,7 +25201,7 @@
             </a:pPr>
             <a:r>
               <a:rPr lang="es-ES" dirty="0"/>
-              <a:t>MISCELÁNEAS</a:t>
+              <a:t>MISCELÁNEO</a:t>
             </a:r>
             <a:endParaRPr dirty="0"/>
           </a:p>
@@ -25504,6 +25260,22 @@
               <a:t> - </a:t>
             </a:r>
             <a:r>
+              <a:rPr lang="es-ES" dirty="0" err="1">
+                <a:solidFill>
+                  <a:srgbClr val="000000"/>
+                </a:solidFill>
+              </a:rPr>
+              <a:t>multi-caso</a:t>
+            </a:r>
+            <a:r>
+              <a:rPr dirty="0">
+                <a:solidFill>
+                  <a:srgbClr val="000000"/>
+                </a:solidFill>
+              </a:rPr>
+              <a:t> </a:t>
+            </a:r>
+            <a:r>
               <a:rPr dirty="0" err="1">
                 <a:solidFill>
                   <a:srgbClr val="000000"/>
@@ -25519,27 +25291,6 @@
               </a:rPr>
               <a:t>()</a:t>
             </a:r>
-            <a:r>
-              <a:rPr lang="en-US" dirty="0">
-                <a:solidFill>
-                  <a:srgbClr val="000000"/>
-                </a:solidFill>
-              </a:rPr>
-              <a:t> </a:t>
-            </a:r>
-            <a:r>
-              <a:rPr lang="en-US" dirty="0" err="1">
-                <a:solidFill>
-                  <a:srgbClr val="000000"/>
-                </a:solidFill>
-              </a:rPr>
-              <a:t>multicaso</a:t>
-            </a:r>
-            <a:endParaRPr dirty="0">
-              <a:solidFill>
-                <a:srgbClr val="000000"/>
-              </a:solidFill>
-            </a:endParaRPr>
           </a:p>
           <a:p>
             <a:pPr>
@@ -25569,7 +25320,15 @@
             </a:r>
             <a:r>
               <a:rPr dirty="0"/>
-              <a:t> %&gt;% </a:t>
+              <a:t> </a:t>
+            </a:r>
+            <a:r>
+              <a:rPr lang="en-US" dirty="0"/>
+              <a:t>|&gt;</a:t>
+            </a:r>
+            <a:r>
+              <a:rPr dirty="0"/>
+              <a:t> </a:t>
             </a:r>
             <a:br>
               <a:rPr dirty="0"/>
@@ -25686,7 +25445,30 @@
                   <a:srgbClr val="000000"/>
                 </a:solidFill>
               </a:rPr>
-              <a:t>              elemento en un conjunto de vectores</a:t>
+              <a:t>                                        elemento en un conjunto de</a:t>
+            </a:r>
+          </a:p>
+          <a:p>
+            <a:pPr>
+              <a:lnSpc>
+                <a:spcPct val="80000"/>
+              </a:lnSpc>
+              <a:spcBef>
+                <a:spcPts val="0"/>
+              </a:spcBef>
+              <a:defRPr>
+                <a:solidFill>
+                  <a:srgbClr val="A6AAA9"/>
+                </a:solidFill>
+              </a:defRPr>
+            </a:pPr>
+            <a:r>
+              <a:rPr lang="es-ES" dirty="0">
+                <a:solidFill>
+                  <a:srgbClr val="000000"/>
+                </a:solidFill>
+              </a:rPr>
+              <a:t>                                        vectores</a:t>
             </a:r>
             <a:endParaRPr dirty="0">
               <a:solidFill>
@@ -25846,7 +25628,30 @@
                   <a:srgbClr val="000000"/>
                 </a:solidFill>
               </a:rPr>
-              <a:t>reemplace valores específicos con NA</a:t>
+              <a:t>reemplace valores específicos con</a:t>
+            </a:r>
+          </a:p>
+          <a:p>
+            <a:pPr>
+              <a:lnSpc>
+                <a:spcPct val="80000"/>
+              </a:lnSpc>
+              <a:spcBef>
+                <a:spcPts val="0"/>
+              </a:spcBef>
+              <a:defRPr>
+                <a:solidFill>
+                  <a:srgbClr val="A6AAA9"/>
+                </a:solidFill>
+              </a:defRPr>
+            </a:pPr>
+            <a:r>
+              <a:rPr lang="es-ES" dirty="0">
+                <a:solidFill>
+                  <a:srgbClr val="000000"/>
+                </a:solidFill>
+              </a:rPr>
+              <a:t>                                NA</a:t>
             </a:r>
             <a:endParaRPr dirty="0">
               <a:solidFill>
@@ -25873,6 +25678,10 @@
               </a:defRPr>
             </a:pPr>
             <a:r>
+              <a:rPr lang="en-US" dirty="0"/>
+              <a:t>             </a:t>
+            </a:r>
+            <a:r>
               <a:rPr dirty="0" err="1"/>
               <a:t>pmax</a:t>
             </a:r>
@@ -25887,34 +25696,43 @@
                 <a:cs typeface="+mj-cs"/>
                 <a:sym typeface="Source Sans Pro Regular"/>
               </a:rPr>
-              <a:t> - </a:t>
-            </a:r>
-            <a:r>
-              <a:rPr lang="es-ES" dirty="0">
+              <a:t> - max()</a:t>
+            </a:r>
+            <a:r>
+              <a:rPr lang="en-US" dirty="0">
                 <a:latin typeface="+mj-lt"/>
                 <a:ea typeface="+mj-ea"/>
                 <a:cs typeface="+mj-cs"/>
                 <a:sym typeface="Source Sans Pro Regular"/>
               </a:rPr>
-              <a:t>m</a:t>
-            </a:r>
-            <a:r>
-              <a:rPr dirty="0">
+              <a:t> </a:t>
+            </a:r>
+            <a:r>
+              <a:rPr lang="en-US" dirty="0" err="1">
                 <a:latin typeface="+mj-lt"/>
                 <a:ea typeface="+mj-ea"/>
                 <a:cs typeface="+mj-cs"/>
                 <a:sym typeface="Source Sans Pro Regular"/>
               </a:rPr>
-              <a:t>ax()</a:t>
-            </a:r>
-            <a:r>
-              <a:rPr lang="es-ES" dirty="0">
+              <a:t>por</a:t>
+            </a:r>
+            <a:r>
+              <a:rPr lang="en-US" dirty="0">
                 <a:latin typeface="+mj-lt"/>
                 <a:ea typeface="+mj-ea"/>
                 <a:cs typeface="+mj-cs"/>
                 <a:sym typeface="Source Sans Pro Regular"/>
               </a:rPr>
-              <a:t> por elemento</a:t>
+              <a:t> </a:t>
+            </a:r>
+            <a:r>
+              <a:rPr lang="en-US" dirty="0" err="1">
+                <a:latin typeface="+mj-lt"/>
+                <a:ea typeface="+mj-ea"/>
+                <a:cs typeface="+mj-cs"/>
+                <a:sym typeface="Source Sans Pro Regular"/>
+              </a:rPr>
+              <a:t>elemento</a:t>
             </a:r>
             <a:endParaRPr dirty="0">
               <a:latin typeface="+mj-lt"/>
@@ -25942,6 +25760,10 @@
               </a:defRPr>
             </a:pPr>
             <a:r>
+              <a:rPr lang="en-US" dirty="0"/>
+              <a:t>             </a:t>
+            </a:r>
+            <a:r>
               <a:rPr dirty="0" err="1"/>
               <a:t>pmin</a:t>
             </a:r>
@@ -25959,13 +25781,40 @@
               <a:t> - min()</a:t>
             </a:r>
             <a:r>
-              <a:rPr lang="es-ES" dirty="0">
+              <a:rPr lang="en-US" dirty="0">
                 <a:latin typeface="+mj-lt"/>
                 <a:ea typeface="+mj-ea"/>
                 <a:cs typeface="+mj-cs"/>
                 <a:sym typeface="Source Sans Pro Regular"/>
               </a:rPr>
-              <a:t> por elemento</a:t>
+              <a:t> </a:t>
+            </a:r>
+            <a:r>
+              <a:rPr lang="en-US" dirty="0" err="1">
+                <a:latin typeface="+mj-lt"/>
+                <a:ea typeface="+mj-ea"/>
+                <a:cs typeface="+mj-cs"/>
+                <a:sym typeface="Source Sans Pro Regular"/>
+              </a:rPr>
+              <a:t>por</a:t>
+            </a:r>
+            <a:r>
+              <a:rPr lang="en-US" dirty="0">
+                <a:latin typeface="+mj-lt"/>
+                <a:ea typeface="+mj-ea"/>
+                <a:cs typeface="+mj-cs"/>
+                <a:sym typeface="Source Sans Pro Regular"/>
+              </a:rPr>
+              <a:t> </a:t>
+            </a:r>
+            <a:r>
+              <a:rPr lang="en-US" dirty="0" err="1">
+                <a:latin typeface="+mj-lt"/>
+                <a:ea typeface="+mj-ea"/>
+                <a:cs typeface="+mj-cs"/>
+                <a:sym typeface="Source Sans Pro Regular"/>
+              </a:rPr>
+              <a:t>elemento</a:t>
             </a:r>
             <a:endParaRPr dirty="0">
               <a:latin typeface="+mj-lt"/>
@@ -25995,7 +25844,7 @@
           </a:ln>
           <a:extLst>
             <a:ext uri="{C572A759-6A51-4108-AA02-DFA0A04FC94B}">
-              <ma14:wrappingTextBoxFlag xmlns="" xmlns:m="http://schemas.openxmlformats.org/officeDocument/2006/math" xmlns:a14="http://schemas.microsoft.com/office/drawing/2010/main" xmlns:ma14="http://schemas.microsoft.com/office/mac/drawingml/2011/main" val="1"/>
+              <ma14:wrappingTextBoxFlag xmlns:ma14="http://schemas.microsoft.com/office/mac/drawingml/2011/main" xmlns:a14="http://schemas.microsoft.com/office/drawing/2010/main" xmlns:m="http://schemas.openxmlformats.org/officeDocument/2006/math" xmlns="" val="1"/>
             </a:ext>
           </a:extLst>
         </p:spPr>
@@ -26037,65 +25886,16 @@
             </a:r>
             <a:r>
               <a:rPr lang="es-ES" dirty="0">
-                <a:latin typeface="+mj-lt"/>
-                <a:ea typeface="+mj-ea"/>
-                <a:cs typeface="+mj-cs"/>
-                <a:sym typeface="Source Sans Pro Regular"/>
-              </a:rPr>
-              <a:t>y</a:t>
-            </a:r>
-            <a:r>
-              <a:rPr dirty="0">
-                <a:latin typeface="+mj-lt"/>
-                <a:ea typeface="+mj-ea"/>
-                <a:cs typeface="+mj-cs"/>
-                <a:sym typeface="Source Sans Pro Regular"/>
-              </a:rPr>
-              <a:t> </a:t>
-            </a:r>
-            <a:r>
-              <a:rPr dirty="0"/>
-              <a:t>transmute()</a:t>
-            </a:r>
-            <a:r>
-              <a:rPr dirty="0">
-                <a:latin typeface="+mj-lt"/>
-                <a:ea typeface="+mj-ea"/>
-                <a:cs typeface="+mj-cs"/>
-                <a:sym typeface="Source Sans Pro Regular"/>
-              </a:rPr>
-              <a:t> </a:t>
-            </a:r>
-            <a:r>
-              <a:rPr lang="es-ES" dirty="0">
                 <a:latin typeface="Source Sans Pro" panose="020B0503030403020204" pitchFamily="34" charset="0"/>
                 <a:ea typeface="Source Sans Pro" panose="020B0503030403020204" pitchFamily="34" charset="0"/>
               </a:rPr>
-              <a:t>Aplican funciones vectorizadas a columnas para crear nuevas columnas</a:t>
-            </a:r>
-            <a:r>
-              <a:rPr dirty="0">
-                <a:latin typeface="Source Sans Pro" panose="020B0503030403020204" pitchFamily="34" charset="0"/>
-                <a:ea typeface="Source Sans Pro" panose="020B0503030403020204" pitchFamily="34" charset="0"/>
-                <a:sym typeface="Source Sans Pro Regular"/>
-              </a:rPr>
-              <a:t>. </a:t>
-            </a:r>
-            <a:r>
-              <a:rPr lang="es-ES" dirty="0">
-                <a:latin typeface="Source Sans Pro" panose="020B0503030403020204" pitchFamily="34" charset="0"/>
-                <a:ea typeface="Source Sans Pro" panose="020B0503030403020204" pitchFamily="34" charset="0"/>
-              </a:rPr>
-              <a:t>Las funciones vectorizadas toman vectores como entrada y devuelven vectores de la misma longitud como salida</a:t>
-            </a:r>
-            <a:r>
-              <a:rPr dirty="0">
-                <a:latin typeface="Source Sans Pro" panose="020B0503030403020204" pitchFamily="34" charset="0"/>
-                <a:ea typeface="Source Sans Pro" panose="020B0503030403020204" pitchFamily="34" charset="0"/>
-                <a:sym typeface="Source Sans Pro Regular"/>
-              </a:rPr>
-              <a:t>.</a:t>
-            </a:r>
+              <a:t>aplica funciones vectorizadas a las columnas para crear nuevas columnas. Las funciones vectorizadas toman vectores como vectores de entrada y de retorno de la misma longitud que salida.</a:t>
+            </a:r>
+            <a:endParaRPr dirty="0">
+              <a:latin typeface="Source Sans Pro" panose="020B0503030403020204" pitchFamily="34" charset="0"/>
+              <a:ea typeface="Source Sans Pro" panose="020B0503030403020204" pitchFamily="34" charset="0"/>
+              <a:sym typeface="Source Sans Pro Regular"/>
+            </a:endParaRPr>
           </a:p>
         </p:txBody>
       </p:sp>
@@ -26108,7 +25908,7 @@
         <p:spPr>
           <a:xfrm>
             <a:off x="323996" y="775739"/>
-            <a:ext cx="3151504" cy="314381"/>
+            <a:ext cx="3135474" cy="314381"/>
           </a:xfrm>
           <a:prstGeom prst="rect">
             <a:avLst/>
@@ -26118,7 +25918,7 @@
           </a:ln>
           <a:extLst>
             <a:ext uri="{C572A759-6A51-4108-AA02-DFA0A04FC94B}">
-              <ma14:wrappingTextBoxFlag xmlns="" xmlns:m="http://schemas.openxmlformats.org/officeDocument/2006/math" xmlns:a14="http://schemas.microsoft.com/office/drawing/2010/main" xmlns:ma14="http://schemas.microsoft.com/office/mac/drawingml/2011/main" val="1"/>
+              <ma14:wrappingTextBoxFlag xmlns:ma14="http://schemas.microsoft.com/office/mac/drawingml/2011/main" xmlns:a14="http://schemas.microsoft.com/office/drawing/2010/main" xmlns:m="http://schemas.openxmlformats.org/officeDocument/2006/math" xmlns="" val="1"/>
             </a:ext>
           </a:extLst>
         </p:spPr>
@@ -26158,7 +25958,7 @@
         <p:spPr>
           <a:xfrm>
             <a:off x="323996" y="1203306"/>
-            <a:ext cx="1821011" cy="184666"/>
+            <a:ext cx="1428276" cy="184666"/>
           </a:xfrm>
           <a:prstGeom prst="rect">
             <a:avLst/>
@@ -26168,7 +25968,7 @@
           </a:ln>
           <a:extLst>
             <a:ext uri="{C572A759-6A51-4108-AA02-DFA0A04FC94B}">
-              <ma14:wrappingTextBoxFlag xmlns="" xmlns:m="http://schemas.openxmlformats.org/officeDocument/2006/math" xmlns:a14="http://schemas.microsoft.com/office/drawing/2010/main" xmlns:ma14="http://schemas.microsoft.com/office/mac/drawingml/2011/main" val="1"/>
+              <ma14:wrappingTextBoxFlag xmlns:ma14="http://schemas.microsoft.com/office/mac/drawingml/2011/main" xmlns:a14="http://schemas.microsoft.com/office/drawing/2010/main" xmlns:m="http://schemas.openxmlformats.org/officeDocument/2006/math" xmlns="" val="1"/>
             </a:ext>
           </a:extLst>
         </p:spPr>
@@ -26187,8 +25987,8 @@
               </a:defRPr>
             </a:pPr>
             <a:r>
-              <a:rPr lang="es-ES" dirty="0"/>
-              <a:t>PARA USAR CON</a:t>
+              <a:rPr lang="en-US" dirty="0"/>
+              <a:t>USAR CON</a:t>
             </a:r>
             <a:r>
               <a:rPr dirty="0"/>
@@ -26278,7 +26078,7 @@
           <p:spPr>
             <a:xfrm>
               <a:off x="126961" y="42811"/>
-              <a:ext cx="1375376" cy="150874"/>
+              <a:ext cx="1348125" cy="150874"/>
             </a:xfrm>
             <a:prstGeom prst="rect">
               <a:avLst/>
@@ -26291,7 +26091,7 @@
             <a:effectLst/>
             <a:extLst>
               <a:ext uri="{C572A759-6A51-4108-AA02-DFA0A04FC94B}">
-                <ma14:wrappingTextBoxFlag xmlns="" xmlns:m="http://schemas.openxmlformats.org/officeDocument/2006/math" xmlns:a14="http://schemas.microsoft.com/office/drawing/2010/main" xmlns:ma14="http://schemas.microsoft.com/office/mac/drawingml/2011/main" val="1"/>
+                <ma14:wrappingTextBoxFlag xmlns:ma14="http://schemas.microsoft.com/office/mac/drawingml/2011/main" xmlns:a14="http://schemas.microsoft.com/office/drawing/2010/main" xmlns:m="http://schemas.openxmlformats.org/officeDocument/2006/math" xmlns="" val="1"/>
               </a:ext>
             </a:extLst>
           </p:spPr>
@@ -26347,7 +26147,7 @@
           </a:ln>
           <a:extLst>
             <a:ext uri="{C572A759-6A51-4108-AA02-DFA0A04FC94B}">
-              <ma14:wrappingTextBoxFlag xmlns="" xmlns:m="http://schemas.openxmlformats.org/officeDocument/2006/math" xmlns:a14="http://schemas.microsoft.com/office/drawing/2010/main" xmlns:ma14="http://schemas.microsoft.com/office/mac/drawingml/2011/main" val="1"/>
+              <ma14:wrappingTextBoxFlag xmlns:ma14="http://schemas.microsoft.com/office/mac/drawingml/2011/main" xmlns:a14="http://schemas.microsoft.com/office/drawing/2010/main" xmlns:m="http://schemas.openxmlformats.org/officeDocument/2006/math" xmlns="" val="1"/>
             </a:ext>
           </a:extLst>
         </p:spPr>
@@ -26372,7 +26172,7 @@
             </a:pPr>
             <a:r>
               <a:rPr lang="es-ES" dirty="0"/>
-              <a:t>Funciones de Resumen</a:t>
+              <a:t>Funciones De Resumen</a:t>
             </a:r>
             <a:endParaRPr dirty="0"/>
           </a:p>
@@ -26426,7 +26226,7 @@
           </a:ln>
           <a:extLst>
             <a:ext uri="{C572A759-6A51-4108-AA02-DFA0A04FC94B}">
-              <ma14:wrappingTextBoxFlag xmlns="" xmlns:m="http://schemas.openxmlformats.org/officeDocument/2006/math" xmlns:a14="http://schemas.microsoft.com/office/drawing/2010/main" xmlns:ma14="http://schemas.microsoft.com/office/mac/drawingml/2011/main" val="1"/>
+              <ma14:wrappingTextBoxFlag xmlns:ma14="http://schemas.microsoft.com/office/mac/drawingml/2011/main" xmlns:a14="http://schemas.microsoft.com/office/drawing/2010/main" xmlns:m="http://schemas.openxmlformats.org/officeDocument/2006/math" xmlns="" val="1"/>
             </a:ext>
           </a:extLst>
         </p:spPr>
@@ -26446,11 +26246,11 @@
             </a:pPr>
             <a:r>
               <a:rPr lang="es-ES" dirty="0"/>
-              <a:t>PARA USAR CON</a:t>
+              <a:t>PARA USAR CON SUMMARISE</a:t>
             </a:r>
             <a:r>
               <a:rPr dirty="0"/>
-              <a:t> SUMMARISE ()</a:t>
+              <a:t> ()</a:t>
             </a:r>
           </a:p>
         </p:txBody>
@@ -26474,7 +26274,7 @@
           </a:ln>
           <a:extLst>
             <a:ext uri="{C572A759-6A51-4108-AA02-DFA0A04FC94B}">
-              <ma14:wrappingTextBoxFlag xmlns="" xmlns:m="http://schemas.openxmlformats.org/officeDocument/2006/math" xmlns:a14="http://schemas.microsoft.com/office/drawing/2010/main" xmlns:ma14="http://schemas.microsoft.com/office/mac/drawingml/2011/main" val="1"/>
+              <ma14:wrappingTextBoxFlag xmlns:ma14="http://schemas.microsoft.com/office/mac/drawingml/2011/main" xmlns:a14="http://schemas.microsoft.com/office/drawing/2010/main" xmlns:m="http://schemas.openxmlformats.org/officeDocument/2006/math" xmlns="" val="1"/>
             </a:ext>
           </a:extLst>
         </p:spPr>
@@ -26514,13 +26314,17 @@
                 <a:latin typeface="Source Sans Pro" panose="020B0503030403020204" pitchFamily="34" charset="0"/>
                 <a:ea typeface="Source Sans Pro" panose="020B0503030403020204" pitchFamily="34" charset="0"/>
               </a:rPr>
-              <a:t>Aplica funciones de resumen a las columnas para crear una nueva tabla. Las funciones de resumen toman vectores como entrada y devuelven valores individuales como salida.</a:t>
-            </a:r>
-            <a:endParaRPr dirty="0">
-              <a:latin typeface="Source Sans Pro" panose="020B0503030403020204" pitchFamily="34" charset="0"/>
-              <a:ea typeface="Source Sans Pro" panose="020B0503030403020204" pitchFamily="34" charset="0"/>
-              <a:sym typeface="Source Sans Pro Regular"/>
-            </a:endParaRPr>
+              <a:t>aplica funciones de resumen a las columnas para crear una nueva tabla. Las funciones de resumen toman vectores como entrada y devuelven valores individuales como salida</a:t>
+            </a:r>
+            <a:r>
+              <a:rPr dirty="0">
+                <a:latin typeface="+mj-lt"/>
+                <a:ea typeface="+mj-ea"/>
+                <a:cs typeface="+mj-cs"/>
+                <a:sym typeface="Source Sans Pro Regular"/>
+              </a:rPr>
+              <a:t>.</a:t>
+            </a:r>
           </a:p>
         </p:txBody>
       </p:sp>
@@ -26543,7 +26347,7 @@
           </a:ln>
           <a:extLst>
             <a:ext uri="{C572A759-6A51-4108-AA02-DFA0A04FC94B}">
-              <ma14:wrappingTextBoxFlag xmlns="" xmlns:m="http://schemas.openxmlformats.org/officeDocument/2006/math" xmlns:a14="http://schemas.microsoft.com/office/drawing/2010/main" xmlns:ma14="http://schemas.microsoft.com/office/mac/drawingml/2011/main" val="1"/>
+              <ma14:wrappingTextBoxFlag xmlns:ma14="http://schemas.microsoft.com/office/mac/drawingml/2011/main" xmlns:a14="http://schemas.microsoft.com/office/drawing/2010/main" xmlns:m="http://schemas.openxmlformats.org/officeDocument/2006/math" xmlns="" val="1"/>
             </a:ext>
           </a:extLst>
         </p:spPr>
@@ -26568,8 +26372,12 @@
               </a:defRPr>
             </a:pPr>
             <a:r>
+              <a:rPr dirty="0"/>
+              <a:t>CONT</a:t>
+            </a:r>
+            <a:r>
               <a:rPr lang="es-ES" dirty="0"/>
-              <a:t>CONTAR</a:t>
+              <a:t>AR</a:t>
             </a:r>
             <a:endParaRPr dirty="0"/>
           </a:p>
@@ -26681,7 +26489,7 @@
                   <a:srgbClr val="000000"/>
                 </a:solidFill>
               </a:rPr>
-              <a:t> - </a:t>
+              <a:t> - # </a:t>
             </a:r>
             <a:r>
               <a:rPr lang="es-ES" dirty="0">
@@ -26689,9 +26497,9 @@
                   <a:srgbClr val="000000"/>
                 </a:solidFill>
               </a:rPr>
-              <a:t># de único</a:t>
-            </a:r>
-            <a:endParaRPr dirty="0">
+              <a:t>de carácter único</a:t>
+            </a:r>
+            <a:endParaRPr lang="en-US" dirty="0">
               <a:solidFill>
                 <a:srgbClr val="000000"/>
               </a:solidFill>
@@ -26715,6 +26523,14 @@
                 <a:sym typeface="Source Sans Pro Bold"/>
               </a:defRPr>
             </a:pPr>
+            <a:r>
+              <a:rPr lang="es-ES" dirty="0">
+                <a:solidFill>
+                  <a:srgbClr val="000000"/>
+                </a:solidFill>
+              </a:rPr>
+              <a:t>             </a:t>
+            </a:r>
             <a:r>
               <a:rPr dirty="0"/>
               <a:t>sum(!is.na())</a:t>
@@ -26775,10 +26591,25 @@
               </a:defRPr>
             </a:pPr>
             <a:r>
+              <a:rPr dirty="0"/>
+              <a:t>POSI</a:t>
+            </a:r>
+            <a:r>
               <a:rPr lang="es-ES" dirty="0"/>
-              <a:t>POSICIÓN</a:t>
-            </a:r>
-            <a:endParaRPr dirty="0"/>
+              <a:t>C</a:t>
+            </a:r>
+            <a:r>
+              <a:rPr dirty="0"/>
+              <a:t>I</a:t>
+            </a:r>
+            <a:r>
+              <a:rPr lang="es-ES" dirty="0" err="1"/>
+              <a:t>Ó</a:t>
+            </a:r>
+            <a:r>
+              <a:rPr dirty="0"/>
+              <a:t>N</a:t>
+            </a:r>
           </a:p>
           <a:p>
             <a:pPr defTabSz="578358">
@@ -26799,6 +26630,10 @@
               </a:defRPr>
             </a:pPr>
             <a:r>
+              <a:rPr lang="en-US" dirty="0"/>
+              <a:t>             </a:t>
+            </a:r>
+            <a:r>
               <a:rPr dirty="0"/>
               <a:t>mean()</a:t>
             </a:r>
@@ -26809,16 +26644,16 @@
                 <a:cs typeface="+mj-cs"/>
                 <a:sym typeface="Source Sans Pro Regular"/>
               </a:rPr>
-              <a:t> - </a:t>
-            </a:r>
-            <a:r>
-              <a:rPr lang="es-ES" dirty="0">
+              <a:t> - me</a:t>
+            </a:r>
+            <a:r>
+              <a:rPr lang="en-US" dirty="0">
                 <a:latin typeface="+mj-lt"/>
                 <a:ea typeface="+mj-ea"/>
                 <a:cs typeface="+mj-cs"/>
                 <a:sym typeface="Source Sans Pro Regular"/>
               </a:rPr>
-              <a:t>promedio</a:t>
+              <a:t>dia</a:t>
             </a:r>
             <a:r>
               <a:rPr dirty="0">
@@ -26830,13 +26665,20 @@
               <a:t>, </a:t>
             </a:r>
             <a:r>
-              <a:rPr lang="es-ES" dirty="0">
+              <a:rPr lang="en-US" dirty="0" err="1">
                 <a:latin typeface="+mj-lt"/>
                 <a:ea typeface="+mj-ea"/>
                 <a:cs typeface="+mj-cs"/>
                 <a:sym typeface="Source Sans Pro Regular"/>
               </a:rPr>
-              <a:t>también</a:t>
+              <a:t>adem</a:t>
+            </a:r>
+            <a:r>
+              <a:rPr lang="es-ES" dirty="0" err="1">
+                <a:latin typeface="Source Sans Pro" panose="020B0503030403020204" pitchFamily="34" charset="0"/>
+                <a:ea typeface="Source Sans Pro" panose="020B0503030403020204" pitchFamily="34" charset="0"/>
+              </a:rPr>
+              <a:t>ás</a:t>
             </a:r>
             <a:r>
               <a:rPr dirty="0">
@@ -26871,6 +26713,10 @@
               </a:defRPr>
             </a:pPr>
             <a:r>
+              <a:rPr lang="en-US" dirty="0"/>
+              <a:t>             </a:t>
+            </a:r>
+            <a:r>
               <a:rPr dirty="0"/>
               <a:t>median()</a:t>
             </a:r>
@@ -26881,8 +26727,23 @@
                 <a:cs typeface="+mj-cs"/>
                 <a:sym typeface="Source Sans Pro Regular"/>
               </a:rPr>
-              <a:t> - media</a:t>
-            </a:r>
+              <a:t> - median</a:t>
+            </a:r>
+            <a:r>
+              <a:rPr lang="es-ES" dirty="0">
+                <a:latin typeface="+mj-lt"/>
+                <a:ea typeface="+mj-ea"/>
+                <a:cs typeface="+mj-cs"/>
+                <a:sym typeface="Source Sans Pro Regular"/>
+              </a:rPr>
+              <a:t>a</a:t>
+            </a:r>
+            <a:endParaRPr dirty="0">
+              <a:latin typeface="+mj-lt"/>
+              <a:ea typeface="+mj-ea"/>
+              <a:cs typeface="+mj-cs"/>
+              <a:sym typeface="Source Sans Pro Regular"/>
+            </a:endParaRPr>
           </a:p>
           <a:p>
             <a:pPr defTabSz="578358">
@@ -26942,6 +26803,10 @@
               </a:defRPr>
             </a:pPr>
             <a:r>
+              <a:rPr lang="en-US" dirty="0"/>
+              <a:t>            </a:t>
+            </a:r>
+            <a:r>
               <a:rPr dirty="0"/>
               <a:t>mean()</a:t>
             </a:r>
@@ -26955,11 +26820,58 @@
               <a:t> - </a:t>
             </a:r>
             <a:r>
+              <a:rPr dirty="0" err="1">
+                <a:latin typeface="+mj-lt"/>
+                <a:ea typeface="+mj-ea"/>
+                <a:cs typeface="+mj-cs"/>
+                <a:sym typeface="Source Sans Pro Regular"/>
+              </a:rPr>
+              <a:t>propor</a:t>
+            </a:r>
+            <a:r>
               <a:rPr lang="es-ES" dirty="0">
-                <a:latin typeface="Source Sans Pro" panose="020B0503030403020204" pitchFamily="34" charset="0"/>
-                <a:ea typeface="Source Sans Pro" panose="020B0503030403020204" pitchFamily="34" charset="0"/>
-              </a:rPr>
-              <a:t>proporción de</a:t>
+                <a:latin typeface="+mj-lt"/>
+                <a:ea typeface="+mj-ea"/>
+                <a:cs typeface="+mj-cs"/>
+                <a:sym typeface="Source Sans Pro Regular"/>
+              </a:rPr>
+              <a:t>c</a:t>
+            </a:r>
+            <a:r>
+              <a:rPr dirty="0" err="1">
+                <a:latin typeface="+mj-lt"/>
+                <a:ea typeface="+mj-ea"/>
+                <a:cs typeface="+mj-cs"/>
+                <a:sym typeface="Source Sans Pro Regular"/>
+              </a:rPr>
+              <a:t>i</a:t>
+            </a:r>
+            <a:r>
+              <a:rPr lang="es-ES" dirty="0" err="1">
+                <a:latin typeface="+mj-lt"/>
+                <a:ea typeface="+mj-ea"/>
+                <a:cs typeface="+mj-cs"/>
+                <a:sym typeface="Source Sans Pro Regular"/>
+              </a:rPr>
+              <a:t>ó</a:t>
+            </a:r>
+            <a:r>
+              <a:rPr dirty="0">
+                <a:latin typeface="+mj-lt"/>
+                <a:ea typeface="+mj-ea"/>
+                <a:cs typeface="+mj-cs"/>
+                <a:sym typeface="Source Sans Pro Regular"/>
+              </a:rPr>
+              <a:t>n </a:t>
+            </a:r>
+            <a:r>
+              <a:rPr lang="es-ES" dirty="0">
+                <a:latin typeface="+mj-lt"/>
+                <a:ea typeface="+mj-ea"/>
+                <a:cs typeface="+mj-cs"/>
+                <a:sym typeface="Source Sans Pro Regular"/>
+              </a:rPr>
+              <a:t>de</a:t>
             </a:r>
             <a:r>
               <a:rPr dirty="0">
@@ -26990,6 +26902,10 @@
               </a:defRPr>
             </a:pPr>
             <a:r>
+              <a:rPr lang="en-US" dirty="0"/>
+              <a:t>            </a:t>
+            </a:r>
+            <a:r>
               <a:rPr dirty="0"/>
               <a:t>sum()</a:t>
             </a:r>
@@ -27000,25 +26916,7 @@
                 <a:cs typeface="+mj-cs"/>
                 <a:sym typeface="Source Sans Pro Regular"/>
               </a:rPr>
-              <a:t> - # </a:t>
-            </a:r>
-            <a:r>
-              <a:rPr lang="es-ES" dirty="0">
-                <a:latin typeface="+mj-lt"/>
-                <a:ea typeface="+mj-ea"/>
-                <a:cs typeface="+mj-cs"/>
-                <a:sym typeface="Source Sans Pro Regular"/>
-              </a:rPr>
-              <a:t>de</a:t>
-            </a:r>
-            <a:r>
-              <a:rPr dirty="0">
-                <a:latin typeface="+mj-lt"/>
-                <a:ea typeface="+mj-ea"/>
-                <a:cs typeface="+mj-cs"/>
-                <a:sym typeface="Source Sans Pro Regular"/>
-              </a:rPr>
-              <a:t> TRUE’s</a:t>
+              <a:t> - # of TRUE’s</a:t>
             </a:r>
           </a:p>
           <a:p>
@@ -27108,7 +27006,31 @@
                   <a:srgbClr val="000000"/>
                 </a:solidFill>
               </a:rPr>
-              <a:t>primer valor</a:t>
+              <a:t>primer</a:t>
+            </a:r>
+            <a:r>
+              <a:rPr dirty="0">
+                <a:solidFill>
+                  <a:srgbClr val="000000"/>
+                </a:solidFill>
+              </a:rPr>
+              <a:t> </a:t>
+            </a:r>
+            <a:r>
+              <a:rPr dirty="0" err="1">
+                <a:solidFill>
+                  <a:srgbClr val="000000"/>
+                </a:solidFill>
+              </a:rPr>
+              <a:t>val</a:t>
+            </a:r>
+            <a:r>
+              <a:rPr lang="es-ES" dirty="0" err="1">
+                <a:solidFill>
+                  <a:srgbClr val="000000"/>
+                </a:solidFill>
+              </a:rPr>
+              <a:t>or</a:t>
             </a:r>
             <a:endParaRPr dirty="0">
               <a:solidFill>
@@ -27151,12 +27073,52 @@
               <a:t>last()</a:t>
             </a:r>
             <a:r>
+              <a:rPr dirty="0">
+                <a:solidFill>
+                  <a:srgbClr val="000000"/>
+                </a:solidFill>
+              </a:rPr>
+              <a:t> </a:t>
+            </a:r>
+            <a:r>
               <a:rPr lang="es-ES" dirty="0">
                 <a:solidFill>
                   <a:srgbClr val="000000"/>
                 </a:solidFill>
               </a:rPr>
-              <a:t> - último valor</a:t>
+              <a:t>-</a:t>
+            </a:r>
+            <a:r>
+              <a:rPr dirty="0">
+                <a:solidFill>
+                  <a:srgbClr val="000000"/>
+                </a:solidFill>
+              </a:rPr>
+              <a:t> </a:t>
+            </a:r>
+            <a:r>
+              <a:rPr lang="es-ES" dirty="0">
+                <a:solidFill>
+                  <a:srgbClr val="000000"/>
+                </a:solidFill>
+              </a:rPr>
+              <a:t>último </a:t>
+            </a:r>
+            <a:r>
+              <a:rPr dirty="0" err="1">
+                <a:solidFill>
+                  <a:srgbClr val="000000"/>
+                </a:solidFill>
+              </a:rPr>
+              <a:t>val</a:t>
+            </a:r>
+            <a:r>
+              <a:rPr lang="es-ES" dirty="0" err="1">
+                <a:solidFill>
+                  <a:srgbClr val="000000"/>
+                </a:solidFill>
+              </a:rPr>
+              <a:t>or</a:t>
             </a:r>
             <a:endParaRPr dirty="0">
               <a:solidFill>
@@ -27212,7 +27174,30 @@
                   <a:srgbClr val="000000"/>
                 </a:solidFill>
               </a:rPr>
-              <a:t>valor en la enésima ubicación del vector</a:t>
+              <a:t>valor en la enésima ubicación del</a:t>
+            </a:r>
+          </a:p>
+          <a:p>
+            <a:pPr defTabSz="578358">
+              <a:lnSpc>
+                <a:spcPct val="80000"/>
+              </a:lnSpc>
+              <a:spcBef>
+                <a:spcPts val="0"/>
+              </a:spcBef>
+              <a:defRPr sz="1100">
+                <a:solidFill>
+                  <a:srgbClr val="A6AAA9"/>
+                </a:solidFill>
+              </a:defRPr>
+            </a:pPr>
+            <a:r>
+              <a:rPr lang="es-ES" dirty="0">
+                <a:solidFill>
+                  <a:srgbClr val="000000"/>
+                </a:solidFill>
+              </a:rPr>
+              <a:t>                           vector</a:t>
             </a:r>
             <a:endParaRPr dirty="0">
               <a:solidFill>
@@ -27253,8 +27238,12 @@
               </a:defRPr>
             </a:pPr>
             <a:r>
+              <a:rPr dirty="0"/>
+              <a:t>RAN</a:t>
+            </a:r>
+            <a:r>
               <a:rPr lang="es-ES" dirty="0"/>
-              <a:t>RANGO</a:t>
+              <a:t>GO</a:t>
             </a:r>
             <a:endParaRPr dirty="0"/>
           </a:p>
@@ -27277,6 +27266,10 @@
               </a:defRPr>
             </a:pPr>
             <a:r>
+              <a:rPr lang="en-US" dirty="0"/>
+              <a:t>              </a:t>
+            </a:r>
+            <a:r>
               <a:rPr dirty="0"/>
               <a:t>quantile()</a:t>
             </a:r>
@@ -27295,6 +27288,58 @@
                 <a:ea typeface="Source Sans Pro" panose="020B0503030403020204" pitchFamily="34" charset="0"/>
               </a:rPr>
               <a:t>enésimo cuantil</a:t>
+            </a:r>
+            <a:r>
+              <a:rPr dirty="0">
+                <a:latin typeface="+mj-lt"/>
+                <a:ea typeface="+mj-ea"/>
+                <a:cs typeface="+mj-cs"/>
+                <a:sym typeface="Source Sans Pro Regular"/>
+              </a:rPr>
+              <a:t> </a:t>
+            </a:r>
+          </a:p>
+          <a:p>
+            <a:pPr defTabSz="578358">
+              <a:lnSpc>
+                <a:spcPct val="80000"/>
+              </a:lnSpc>
+              <a:spcBef>
+                <a:spcPts val="0"/>
+              </a:spcBef>
+              <a:defRPr sz="1100">
+                <a:solidFill>
+                  <a:srgbClr val="000000"/>
+                </a:solidFill>
+                <a:latin typeface="Source Sans Pro Bold"/>
+                <a:ea typeface="Source Sans Pro Bold"/>
+                <a:cs typeface="Source Sans Pro Bold"/>
+                <a:sym typeface="Source Sans Pro Bold"/>
+              </a:defRPr>
+            </a:pPr>
+            <a:r>
+              <a:rPr lang="en-US" dirty="0"/>
+              <a:t>              </a:t>
+            </a:r>
+            <a:r>
+              <a:rPr dirty="0"/>
+              <a:t>min() </a:t>
+            </a:r>
+            <a:r>
+              <a:rPr dirty="0">
+                <a:latin typeface="+mj-lt"/>
+                <a:ea typeface="+mj-ea"/>
+                <a:cs typeface="+mj-cs"/>
+                <a:sym typeface="Source Sans Pro Regular"/>
+              </a:rPr>
+              <a:t>- </a:t>
+            </a:r>
+            <a:r>
+              <a:rPr lang="es-ES" dirty="0">
+                <a:latin typeface="Source Sans Pro" panose="020B0503030403020204" pitchFamily="34" charset="0"/>
+                <a:ea typeface="Source Sans Pro" panose="020B0503030403020204" pitchFamily="34" charset="0"/>
+              </a:rPr>
+              <a:t>valor mínimo</a:t>
             </a:r>
             <a:endParaRPr dirty="0">
               <a:latin typeface="Source Sans Pro" panose="020B0503030403020204" pitchFamily="34" charset="0"/>
@@ -27321,17 +27366,12 @@
               </a:defRPr>
             </a:pPr>
             <a:r>
+              <a:rPr lang="en-US" dirty="0"/>
+              <a:t>              </a:t>
+            </a:r>
+            <a:r>
               <a:rPr dirty="0"/>
-              <a:t>min() </a:t>
-            </a:r>
-            <a:r>
-              <a:rPr lang="es-ES" dirty="0">
-                <a:latin typeface="+mj-lt"/>
-                <a:ea typeface="+mj-ea"/>
-                <a:cs typeface="+mj-cs"/>
-                <a:sym typeface="Source Sans Pro Regular"/>
-              </a:rPr>
-              <a:t>-</a:t>
+              <a:t>max()</a:t>
             </a:r>
             <a:r>
               <a:rPr dirty="0">
@@ -27340,72 +27380,7 @@
                 <a:cs typeface="+mj-cs"/>
                 <a:sym typeface="Source Sans Pro Regular"/>
               </a:rPr>
-              <a:t> </a:t>
-            </a:r>
-            <a:r>
-              <a:rPr lang="es-ES" dirty="0">
-                <a:latin typeface="+mj-lt"/>
-                <a:ea typeface="+mj-ea"/>
-                <a:cs typeface="+mj-cs"/>
-                <a:sym typeface="Source Sans Pro Regular"/>
-              </a:rPr>
-              <a:t>valor mínimo</a:t>
-            </a:r>
-            <a:endParaRPr dirty="0">
-              <a:latin typeface="+mj-lt"/>
-              <a:ea typeface="+mj-ea"/>
-              <a:cs typeface="+mj-cs"/>
-              <a:sym typeface="Source Sans Pro Regular"/>
-            </a:endParaRPr>
-          </a:p>
-          <a:p>
-            <a:pPr defTabSz="578358">
-              <a:lnSpc>
-                <a:spcPct val="80000"/>
-              </a:lnSpc>
-              <a:spcBef>
-                <a:spcPts val="0"/>
-              </a:spcBef>
-              <a:defRPr sz="1100">
-                <a:solidFill>
-                  <a:srgbClr val="000000"/>
-                </a:solidFill>
-                <a:latin typeface="Source Sans Pro Bold"/>
-                <a:ea typeface="Source Sans Pro Bold"/>
-                <a:cs typeface="Source Sans Pro Bold"/>
-                <a:sym typeface="Source Sans Pro Bold"/>
-              </a:defRPr>
-            </a:pPr>
-            <a:r>
-              <a:rPr dirty="0"/>
-              <a:t>max()</a:t>
-            </a:r>
-            <a:r>
-              <a:rPr dirty="0">
-                <a:latin typeface="+mj-lt"/>
-                <a:ea typeface="+mj-ea"/>
-                <a:cs typeface="+mj-cs"/>
-                <a:sym typeface="Source Sans Pro Regular"/>
-              </a:rPr>
-              <a:t> </a:t>
-            </a:r>
-            <a:r>
-              <a:rPr lang="es-ES" dirty="0">
-                <a:latin typeface="+mj-lt"/>
-                <a:ea typeface="+mj-ea"/>
-                <a:cs typeface="+mj-cs"/>
-                <a:sym typeface="Source Sans Pro Regular"/>
-              </a:rPr>
-              <a:t>-</a:t>
-            </a:r>
-            <a:r>
-              <a:rPr dirty="0">
-                <a:latin typeface="+mj-lt"/>
-                <a:ea typeface="+mj-ea"/>
-                <a:cs typeface="+mj-cs"/>
-                <a:sym typeface="Source Sans Pro Regular"/>
-              </a:rPr>
-              <a:t> </a:t>
+              <a:t> - </a:t>
             </a:r>
             <a:r>
               <a:rPr lang="es-ES" dirty="0">
@@ -27478,6 +27453,10 @@
               </a:defRPr>
             </a:pPr>
             <a:r>
+              <a:rPr lang="en-US" dirty="0"/>
+              <a:t>              </a:t>
+            </a:r>
+            <a:r>
               <a:rPr dirty="0"/>
               <a:t>IQR()</a:t>
             </a:r>
@@ -27495,7 +27474,7 @@
                 <a:latin typeface="Source Sans Pro" panose="020B0503030403020204" pitchFamily="34" charset="0"/>
                 <a:ea typeface="Source Sans Pro" panose="020B0503030403020204" pitchFamily="34" charset="0"/>
               </a:rPr>
-              <a:t>rango intercuartílico</a:t>
+              <a:t>Rango intercuartílico</a:t>
             </a:r>
             <a:endParaRPr dirty="0">
               <a:latin typeface="Source Sans Pro" panose="020B0503030403020204" pitchFamily="34" charset="0"/>
@@ -27522,6 +27501,10 @@
               </a:defRPr>
             </a:pPr>
             <a:r>
+              <a:rPr lang="en-US" dirty="0"/>
+              <a:t>              </a:t>
+            </a:r>
+            <a:r>
               <a:rPr dirty="0"/>
               <a:t>mad()</a:t>
             </a:r>
@@ -27566,6 +27549,10 @@
               </a:defRPr>
             </a:pPr>
             <a:r>
+              <a:rPr lang="en-US" dirty="0"/>
+              <a:t>              </a:t>
+            </a:r>
+            <a:r>
               <a:rPr dirty="0" err="1"/>
               <a:t>sd</a:t>
             </a:r>
@@ -27614,6 +27601,10 @@
               </a:defRPr>
             </a:pPr>
             <a:r>
+              <a:rPr lang="en-US" dirty="0"/>
+              <a:t>              </a:t>
+            </a:r>
+            <a:r>
               <a:rPr dirty="0"/>
               <a:t>var()</a:t>
             </a:r>
@@ -27627,15 +27618,27 @@
               <a:t> - </a:t>
             </a:r>
             <a:r>
-              <a:rPr lang="es-ES" dirty="0">
-                <a:latin typeface="Source Sans Pro" panose="020B0503030403020204" pitchFamily="34" charset="0"/>
-                <a:ea typeface="Source Sans Pro" panose="020B0503030403020204" pitchFamily="34" charset="0"/>
-              </a:rPr>
-              <a:t>varianza</a:t>
+              <a:rPr dirty="0" err="1">
+                <a:latin typeface="+mj-lt"/>
+                <a:ea typeface="+mj-ea"/>
+                <a:cs typeface="+mj-cs"/>
+                <a:sym typeface="Source Sans Pro Regular"/>
+              </a:rPr>
+              <a:t>varian</a:t>
+            </a:r>
+            <a:r>
+              <a:rPr lang="es-ES" dirty="0" err="1">
+                <a:latin typeface="+mj-lt"/>
+                <a:ea typeface="+mj-ea"/>
+                <a:cs typeface="+mj-cs"/>
+                <a:sym typeface="Source Sans Pro Regular"/>
+              </a:rPr>
+              <a:t>za</a:t>
             </a:r>
             <a:endParaRPr dirty="0">
-              <a:latin typeface="Source Sans Pro" panose="020B0503030403020204" pitchFamily="34" charset="0"/>
-              <a:ea typeface="Source Sans Pro" panose="020B0503030403020204" pitchFamily="34" charset="0"/>
+              <a:latin typeface="+mj-lt"/>
+              <a:ea typeface="+mj-ea"/>
+              <a:cs typeface="+mj-cs"/>
               <a:sym typeface="Source Sans Pro Regular"/>
             </a:endParaRPr>
           </a:p>
@@ -27649,8 +27652,8 @@
         </p:nvSpPr>
         <p:spPr>
           <a:xfrm>
-            <a:off x="3714820" y="7412813"/>
-            <a:ext cx="2308324" cy="314381"/>
+            <a:off x="3714820" y="7532828"/>
+            <a:ext cx="2173672" cy="314381"/>
           </a:xfrm>
           <a:prstGeom prst="rect">
             <a:avLst/>
@@ -27660,7 +27663,7 @@
           </a:ln>
           <a:extLst>
             <a:ext uri="{C572A759-6A51-4108-AA02-DFA0A04FC94B}">
-              <ma14:wrappingTextBoxFlag xmlns="" xmlns:m="http://schemas.openxmlformats.org/officeDocument/2006/math" xmlns:a14="http://schemas.microsoft.com/office/drawing/2010/main" xmlns:ma14="http://schemas.microsoft.com/office/mac/drawingml/2011/main" val="1"/>
+              <ma14:wrappingTextBoxFlag xmlns:ma14="http://schemas.microsoft.com/office/mac/drawingml/2011/main" xmlns:a14="http://schemas.microsoft.com/office/drawing/2010/main" xmlns:m="http://schemas.openxmlformats.org/officeDocument/2006/math" xmlns="" val="1"/>
             </a:ext>
           </a:extLst>
         </p:spPr>
@@ -27685,7 +27688,7 @@
             </a:pPr>
             <a:r>
               <a:rPr lang="es-ES" dirty="0"/>
-              <a:t>Nombres de Filas</a:t>
+              <a:t>Nombres De Fila</a:t>
             </a:r>
             <a:endParaRPr dirty="0"/>
           </a:p>
@@ -27728,7 +27731,7 @@
         </p:nvSpPr>
         <p:spPr>
           <a:xfrm>
-            <a:off x="3714820" y="7767235"/>
+            <a:off x="3714820" y="7811050"/>
             <a:ext cx="3054157" cy="803348"/>
           </a:xfrm>
           <a:prstGeom prst="rect">
@@ -27739,7 +27742,7 @@
           </a:ln>
           <a:extLst>
             <a:ext uri="{C572A759-6A51-4108-AA02-DFA0A04FC94B}">
-              <ma14:wrappingTextBoxFlag xmlns="" xmlns:m="http://schemas.openxmlformats.org/officeDocument/2006/math" xmlns:a14="http://schemas.microsoft.com/office/drawing/2010/main" xmlns:ma14="http://schemas.microsoft.com/office/mac/drawingml/2011/main" val="1"/>
+              <ma14:wrappingTextBoxFlag xmlns:ma14="http://schemas.microsoft.com/office/mac/drawingml/2011/main" xmlns:a14="http://schemas.microsoft.com/office/drawing/2010/main" xmlns:m="http://schemas.openxmlformats.org/officeDocument/2006/math" xmlns="" val="1"/>
             </a:ext>
           </a:extLst>
         </p:spPr>
@@ -27768,163 +27771,6 @@
               <a:t>Los datos ordenados no utilizan nombres de fila, que almacenan una variable fuera de las columnas. Para trabajar con los nombres de fila, primero muévalos a una columna.</a:t>
             </a:r>
             <a:endParaRPr dirty="0"/>
-          </a:p>
-        </p:txBody>
-      </p:sp>
-      <p:sp>
-        <p:nvSpPr>
-          <p:cNvPr id="306" name="RStudio® is a trademark of RStudio, PBC  •  CC BY SA  RStudio  •  info@rstudio.com  •  844-448-1212  •  rstudio.com  •  Learn more at dplyr.tidyverse.org  •  dplyr  1.0.7  •  Updated:  2021-07"/>
-          <p:cNvSpPr txBox="1"/>
-          <p:nvPr/>
-        </p:nvSpPr>
-        <p:spPr>
-          <a:xfrm>
-            <a:off x="1845571" y="10347903"/>
-            <a:ext cx="11830668" cy="234851"/>
-          </a:xfrm>
-          <a:prstGeom prst="rect">
-            <a:avLst/>
-          </a:prstGeom>
-          <a:ln w="12700">
-            <a:miter lim="400000"/>
-          </a:ln>
-          <a:extLst>
-            <a:ext uri="{C572A759-6A51-4108-AA02-DFA0A04FC94B}">
-              <ma14:wrappingTextBoxFlag xmlns="" xmlns:m="http://schemas.openxmlformats.org/officeDocument/2006/math" xmlns:a14="http://schemas.microsoft.com/office/drawing/2010/main" xmlns:ma14="http://schemas.microsoft.com/office/mac/drawingml/2011/main" val="1"/>
-            </a:ext>
-          </a:extLst>
-        </p:spPr>
-        <p:txBody>
-          <a:bodyPr lIns="54568" tIns="54568" rIns="54568" bIns="54568" anchor="ctr">
-            <a:spAutoFit/>
-          </a:bodyPr>
-          <a:lstStyle/>
-          <a:p>
-            <a:pPr algn="r">
-              <a:lnSpc>
-                <a:spcPct val="90000"/>
-              </a:lnSpc>
-              <a:spcBef>
-                <a:spcPts val="0"/>
-              </a:spcBef>
-              <a:defRPr sz="900">
-                <a:solidFill>
-                  <a:srgbClr val="000000"/>
-                </a:solidFill>
-              </a:defRPr>
-            </a:pPr>
-            <a:r>
-              <a:rPr dirty="0"/>
-              <a:t>RStudio® </a:t>
-            </a:r>
-            <a:r>
-              <a:rPr lang="es-ES" dirty="0"/>
-              <a:t>es una marca comercial de</a:t>
-            </a:r>
-            <a:r>
-              <a:rPr dirty="0"/>
-              <a:t> RStudio, PBC  •  </a:t>
-            </a:r>
-            <a:r>
-              <a:rPr u="sng" dirty="0">
-                <a:solidFill>
-                  <a:srgbClr val="0000FF"/>
-                </a:solidFill>
-                <a:uFill>
-                  <a:solidFill>
-                    <a:srgbClr val="0000FF"/>
-                  </a:solidFill>
-                </a:uFill>
-                <a:hlinkClick r:id="rId3"/>
-              </a:rPr>
-              <a:t>CC BY SA</a:t>
-            </a:r>
-            <a:r>
-              <a:rPr dirty="0"/>
-              <a:t>  RStudio  •  </a:t>
-            </a:r>
-            <a:r>
-              <a:rPr u="sng" dirty="0">
-                <a:solidFill>
-                  <a:srgbClr val="0000FF"/>
-                </a:solidFill>
-                <a:uFill>
-                  <a:solidFill>
-                    <a:srgbClr val="0000FF"/>
-                  </a:solidFill>
-                </a:uFill>
-                <a:hlinkClick r:id="rId4"/>
-              </a:rPr>
-              <a:t>info@rstudio.com</a:t>
-            </a:r>
-            <a:r>
-              <a:rPr dirty="0"/>
-              <a:t>  •  844-448-1212  •  </a:t>
-            </a:r>
-            <a:r>
-              <a:rPr u="sng" dirty="0">
-                <a:solidFill>
-                  <a:srgbClr val="0000FF"/>
-                </a:solidFill>
-                <a:uFill>
-                  <a:solidFill>
-                    <a:srgbClr val="0000FF"/>
-                  </a:solidFill>
-                </a:uFill>
-                <a:hlinkClick r:id="rId5"/>
-              </a:rPr>
-              <a:t>rstudio.com</a:t>
-            </a:r>
-            <a:r>
-              <a:rPr dirty="0"/>
-              <a:t>  •  </a:t>
-            </a:r>
-            <a:r>
-              <a:rPr lang="es-ES" dirty="0"/>
-              <a:t>Más información en</a:t>
-            </a:r>
-            <a:r>
-              <a:rPr dirty="0"/>
-              <a:t> </a:t>
-            </a:r>
-            <a:r>
-              <a:rPr u="sng" dirty="0">
-                <a:solidFill>
-                  <a:srgbClr val="0000FF"/>
-                </a:solidFill>
-                <a:uFill>
-                  <a:solidFill>
-                    <a:srgbClr val="0000FF"/>
-                  </a:solidFill>
-                </a:uFill>
-                <a:latin typeface="Source Sans Pro Bold"/>
-                <a:ea typeface="Source Sans Pro Bold"/>
-                <a:cs typeface="Source Sans Pro Bold"/>
-                <a:sym typeface="Source Sans Pro Bold"/>
-                <a:hlinkClick r:id="rId6"/>
-              </a:rPr>
-              <a:t>dplyr.tidyverse.org</a:t>
-            </a:r>
-            <a:r>
-              <a:rPr dirty="0"/>
-              <a:t>  •  </a:t>
-            </a:r>
-            <a:r>
-              <a:rPr dirty="0" err="1"/>
-              <a:t>dplyr</a:t>
-            </a:r>
-            <a:r>
-              <a:rPr dirty="0"/>
-              <a:t>  1.0.7  •  </a:t>
-            </a:r>
-            <a:r>
-              <a:rPr lang="es-ES" dirty="0"/>
-              <a:t>Actualizado</a:t>
-            </a:r>
-            <a:r>
-              <a:rPr dirty="0"/>
-              <a:t>:  2021-07</a:t>
-            </a:r>
           </a:p>
         </p:txBody>
       </p:sp>
@@ -27976,7 +27822,7 @@
           </a:ln>
           <a:extLst>
             <a:ext uri="{C572A759-6A51-4108-AA02-DFA0A04FC94B}">
-              <ma14:wrappingTextBoxFlag xmlns="" xmlns:m="http://schemas.openxmlformats.org/officeDocument/2006/math" xmlns:a14="http://schemas.microsoft.com/office/drawing/2010/main" xmlns:ma14="http://schemas.microsoft.com/office/mac/drawingml/2011/main" val="1"/>
+              <ma14:wrappingTextBoxFlag xmlns:ma14="http://schemas.microsoft.com/office/mac/drawingml/2011/main" xmlns:a14="http://schemas.microsoft.com/office/drawing/2010/main" xmlns:m="http://schemas.openxmlformats.org/officeDocument/2006/math" xmlns="" val="1"/>
             </a:ext>
           </a:extLst>
         </p:spPr>
@@ -28048,7 +27894,11 @@
             </a:pPr>
             <a:r>
               <a:rPr lang="es-ES" dirty="0"/>
-              <a:t>Mueve los nombres de fila a col.</a:t>
+              <a:t>Mover nombres de fila a col</a:t>
+            </a:r>
+            <a:r>
+              <a:rPr dirty="0"/>
+              <a:t>.</a:t>
             </a:r>
           </a:p>
           <a:p>
@@ -28063,6 +27913,10 @@
                 <a:solidFill>
                   <a:srgbClr val="000000"/>
                 </a:solidFill>
+                <a:latin typeface="Source Sans Pro ExtraLight"/>
+                <a:ea typeface="Source Sans Pro ExtraLight"/>
+                <a:cs typeface="Source Sans Pro ExtraLight"/>
+                <a:sym typeface="Source Sans Pro ExtraLight"/>
               </a:defRPr>
             </a:pPr>
             <a:r>
@@ -28210,9 +28064,12 @@
             </a:pPr>
             <a:r>
               <a:rPr lang="es-ES" dirty="0"/>
-              <a:t>Mueva col a los nombres de filas.</a:t>
-            </a:r>
-            <a:endParaRPr dirty="0"/>
+              <a:t>Mover col a los nombres de fila</a:t>
+            </a:r>
+            <a:r>
+              <a:rPr dirty="0"/>
+              <a:t>. </a:t>
+            </a:r>
           </a:p>
           <a:p>
             <a:pPr>
@@ -28266,7 +28123,7 @@
             <p:nvPr/>
           </p:nvPicPr>
           <p:blipFill>
-            <a:blip r:embed="rId7"/>
+            <a:blip r:embed="rId3"/>
             <a:stretch>
               <a:fillRect/>
             </a:stretch>
@@ -28295,7 +28152,7 @@
           <p:spPr>
             <a:xfrm>
               <a:off x="144679" y="36983"/>
-              <a:ext cx="1343315" cy="150874"/>
+              <a:ext cx="1370567" cy="150874"/>
             </a:xfrm>
             <a:prstGeom prst="rect">
               <a:avLst/>
@@ -28308,7 +28165,7 @@
             <a:effectLst/>
             <a:extLst>
               <a:ext uri="{C572A759-6A51-4108-AA02-DFA0A04FC94B}">
-                <ma14:wrappingTextBoxFlag xmlns="" xmlns:m="http://schemas.openxmlformats.org/officeDocument/2006/math" xmlns:a14="http://schemas.microsoft.com/office/drawing/2010/main" xmlns:ma14="http://schemas.microsoft.com/office/mac/drawingml/2011/main" val="1"/>
+                <ma14:wrappingTextBoxFlag xmlns:ma14="http://schemas.microsoft.com/office/mac/drawingml/2011/main" xmlns:a14="http://schemas.microsoft.com/office/drawing/2010/main" xmlns:m="http://schemas.openxmlformats.org/officeDocument/2006/math" xmlns="" val="1"/>
               </a:ext>
             </a:extLst>
           </p:spPr>
@@ -28364,7 +28221,7 @@
           </a:ln>
           <a:extLst>
             <a:ext uri="{C572A759-6A51-4108-AA02-DFA0A04FC94B}">
-              <ma14:wrappingTextBoxFlag xmlns="" xmlns:m="http://schemas.openxmlformats.org/officeDocument/2006/math" xmlns:a14="http://schemas.microsoft.com/office/drawing/2010/main" xmlns:ma14="http://schemas.microsoft.com/office/mac/drawingml/2011/main" val="1"/>
+              <ma14:wrappingTextBoxFlag xmlns:ma14="http://schemas.microsoft.com/office/mac/drawingml/2011/main" xmlns:a14="http://schemas.microsoft.com/office/drawing/2010/main" xmlns:m="http://schemas.openxmlformats.org/officeDocument/2006/math" xmlns="" val="1"/>
             </a:ext>
           </a:extLst>
         </p:spPr>
@@ -28496,7 +28353,7 @@
           </a:ln>
           <a:extLst>
             <a:ext uri="{C572A759-6A51-4108-AA02-DFA0A04FC94B}">
-              <ma14:wrappingTextBoxFlag xmlns="" xmlns:m="http://schemas.openxmlformats.org/officeDocument/2006/math" xmlns:a14="http://schemas.microsoft.com/office/drawing/2010/main" xmlns:ma14="http://schemas.microsoft.com/office/mac/drawingml/2011/main" val="1"/>
+              <ma14:wrappingTextBoxFlag xmlns:ma14="http://schemas.microsoft.com/office/mac/drawingml/2011/main" xmlns:a14="http://schemas.microsoft.com/office/drawing/2010/main" xmlns:m="http://schemas.openxmlformats.org/officeDocument/2006/math" xmlns="" val="1"/>
             </a:ext>
           </a:extLst>
         </p:spPr>
@@ -28575,7 +28432,7 @@
           </a:ln>
           <a:extLst>
             <a:ext uri="{C572A759-6A51-4108-AA02-DFA0A04FC94B}">
-              <ma14:wrappingTextBoxFlag xmlns="" xmlns:m="http://schemas.openxmlformats.org/officeDocument/2006/math" xmlns:a14="http://schemas.microsoft.com/office/drawing/2010/main" xmlns:ma14="http://schemas.microsoft.com/office/mac/drawingml/2011/main" val="1"/>
+              <ma14:wrappingTextBoxFlag xmlns:ma14="http://schemas.microsoft.com/office/mac/drawingml/2011/main" xmlns:a14="http://schemas.microsoft.com/office/drawing/2010/main" xmlns:m="http://schemas.openxmlformats.org/officeDocument/2006/math" xmlns="" val="1"/>
             </a:ext>
           </a:extLst>
         </p:spPr>
@@ -28594,12 +28451,8 @@
               </a:defRPr>
             </a:pPr>
             <a:r>
-              <a:rPr dirty="0"/>
-              <a:t>COMBIN</a:t>
-            </a:r>
-            <a:r>
               <a:rPr lang="es-ES" dirty="0"/>
-              <a:t>AR VARIABLES</a:t>
+              <a:t>COMBINAR VARIABLES</a:t>
             </a:r>
             <a:endParaRPr dirty="0"/>
           </a:p>
@@ -28624,7 +28477,7 @@
           </a:ln>
           <a:extLst>
             <a:ext uri="{C572A759-6A51-4108-AA02-DFA0A04FC94B}">
-              <ma14:wrappingTextBoxFlag xmlns="" xmlns:m="http://schemas.openxmlformats.org/officeDocument/2006/math" xmlns:a14="http://schemas.microsoft.com/office/drawing/2010/main" xmlns:ma14="http://schemas.microsoft.com/office/mac/drawingml/2011/main" val="1"/>
+              <ma14:wrappingTextBoxFlag xmlns:ma14="http://schemas.microsoft.com/office/mac/drawingml/2011/main" xmlns:a14="http://schemas.microsoft.com/office/drawing/2010/main" xmlns:m="http://schemas.openxmlformats.org/officeDocument/2006/math" xmlns="" val="1"/>
             </a:ext>
           </a:extLst>
         </p:spPr>
@@ -28673,7 +28526,7 @@
         </p:nvSpPr>
         <p:spPr>
           <a:xfrm>
-            <a:off x="7111868" y="2087938"/>
+            <a:off x="7111868" y="2061268"/>
             <a:ext cx="3118756" cy="1185004"/>
           </a:xfrm>
           <a:prstGeom prst="rect">
@@ -28684,7 +28537,7 @@
           </a:ln>
           <a:extLst>
             <a:ext uri="{C572A759-6A51-4108-AA02-DFA0A04FC94B}">
-              <ma14:wrappingTextBoxFlag xmlns="" xmlns:m="http://schemas.openxmlformats.org/officeDocument/2006/math" xmlns:a14="http://schemas.microsoft.com/office/drawing/2010/main" xmlns:ma14="http://schemas.microsoft.com/office/mac/drawingml/2011/main" val="1"/>
+              <ma14:wrappingTextBoxFlag xmlns:ma14="http://schemas.microsoft.com/office/mac/drawingml/2011/main" xmlns:a14="http://schemas.microsoft.com/office/drawing/2010/main" xmlns:m="http://schemas.openxmlformats.org/officeDocument/2006/math" xmlns="" val="1"/>
             </a:ext>
           </a:extLst>
         </p:spPr>
@@ -28743,46 +28596,10 @@
             </a:r>
             <a:r>
               <a:rPr lang="es-ES" dirty="0">
-                <a:solidFill>
-                  <a:srgbClr val="000000"/>
-                </a:solidFill>
                 <a:latin typeface="Source Sans Pro" panose="020B0503030403020204" pitchFamily="34" charset="0"/>
                 <a:ea typeface="Source Sans Pro" panose="020B0503030403020204" pitchFamily="34" charset="0"/>
               </a:rPr>
-              <a:t>Devuelve tablas colocadas una al lado de la otra como una sola tabla</a:t>
-            </a:r>
-            <a:r>
-              <a:rPr dirty="0">
-                <a:solidFill>
-                  <a:srgbClr val="000000"/>
-                </a:solidFill>
-                <a:latin typeface="Source Sans Pro" panose="020B0503030403020204" pitchFamily="34" charset="0"/>
-                <a:ea typeface="Source Sans Pro" panose="020B0503030403020204" pitchFamily="34" charset="0"/>
-              </a:rPr>
-              <a:t>. </a:t>
-            </a:r>
-            <a:r>
-              <a:rPr lang="es-ES" dirty="0">
-                <a:latin typeface="Source Sans Pro" panose="020B0503030403020204" pitchFamily="34" charset="0"/>
-                <a:ea typeface="Source Sans Pro" panose="020B0503030403020204" pitchFamily="34" charset="0"/>
-              </a:rPr>
-              <a:t>Las longitudes de las columnas deben ser iguales</a:t>
-            </a:r>
-            <a:r>
-              <a:rPr dirty="0">
-                <a:latin typeface="+mj-lt"/>
-                <a:ea typeface="+mj-ea"/>
-                <a:cs typeface="+mj-cs"/>
-                <a:sym typeface="Source Sans Pro Regular"/>
-              </a:rPr>
-              <a:t>. </a:t>
-            </a:r>
-            <a:r>
-              <a:rPr lang="es-ES" dirty="0">
-                <a:latin typeface="Source Sans Pro" panose="020B0503030403020204" pitchFamily="34" charset="0"/>
-                <a:ea typeface="Source Sans Pro" panose="020B0503030403020204" pitchFamily="34" charset="0"/>
-              </a:rPr>
-              <a:t>Las columnas NO serán combinadas por id (para ello, consulte Datos Relacionales a continuación), así que asegúrese de comprobar que ambas tablas están ordenadas de la forma que desee antes de combinarlas.</a:t>
+              <a:t>Devuelve tablas colocadas una al lado de la otra como una sola tabla. Las longitudes de las columnas deben ser iguales. Las columnas NO coincidirán con id (para ello, consulte Datos relacionales a continuación), así que asegúrese de comprobar que ambas tablas están ordenadas de la forma que desee antes de enlazar.</a:t>
             </a:r>
             <a:endParaRPr dirty="0">
               <a:latin typeface="Source Sans Pro" panose="020B0503030403020204" pitchFamily="34" charset="0"/>
@@ -28800,7 +28617,7 @@
         </p:nvSpPr>
         <p:spPr>
           <a:xfrm>
-            <a:off x="7696406" y="4434428"/>
+            <a:off x="7696406" y="4377278"/>
             <a:ext cx="2586111" cy="3105530"/>
           </a:xfrm>
           <a:prstGeom prst="rect">
@@ -28811,7 +28628,7 @@
           </a:ln>
           <a:extLst>
             <a:ext uri="{C572A759-6A51-4108-AA02-DFA0A04FC94B}">
-              <ma14:wrappingTextBoxFlag xmlns="" xmlns:m="http://schemas.openxmlformats.org/officeDocument/2006/math" xmlns:a14="http://schemas.microsoft.com/office/drawing/2010/main" xmlns:ma14="http://schemas.microsoft.com/office/mac/drawingml/2011/main" val="1"/>
+              <ma14:wrappingTextBoxFlag xmlns:ma14="http://schemas.microsoft.com/office/mac/drawingml/2011/main" xmlns:a14="http://schemas.microsoft.com/office/drawing/2010/main" xmlns:m="http://schemas.openxmlformats.org/officeDocument/2006/math" xmlns="" val="1"/>
             </a:ext>
           </a:extLst>
         </p:spPr>
@@ -28900,13 +28717,17 @@
                 <a:latin typeface="Source Sans Pro" panose="020B0503030403020204" pitchFamily="34" charset="0"/>
                 <a:ea typeface="Source Sans Pro" panose="020B0503030403020204" pitchFamily="34" charset="0"/>
               </a:rPr>
-              <a:t>Combina los valores coincidentes de y a x.</a:t>
-            </a:r>
-            <a:endParaRPr dirty="0">
-              <a:latin typeface="Source Sans Pro" panose="020B0503030403020204" pitchFamily="34" charset="0"/>
-              <a:ea typeface="Source Sans Pro" panose="020B0503030403020204" pitchFamily="34" charset="0"/>
-              <a:sym typeface="Source Sans Pro Regular"/>
-            </a:endParaRPr>
+              <a:t>Unir valores coincidentes de y a x</a:t>
+            </a:r>
+            <a:r>
+              <a:rPr dirty="0">
+                <a:latin typeface="+mj-lt"/>
+                <a:ea typeface="+mj-ea"/>
+                <a:cs typeface="+mj-cs"/>
+                <a:sym typeface="Source Sans Pro Regular"/>
+              </a:rPr>
+              <a:t>.</a:t>
+            </a:r>
           </a:p>
           <a:p>
             <a:pPr>
@@ -29009,13 +28830,17 @@
                 <a:latin typeface="Source Sans Pro" panose="020B0503030403020204" pitchFamily="34" charset="0"/>
                 <a:ea typeface="Source Sans Pro" panose="020B0503030403020204" pitchFamily="34" charset="0"/>
               </a:rPr>
-              <a:t>Combina los valores coincidentes de x a y.</a:t>
-            </a:r>
-            <a:endParaRPr dirty="0">
-              <a:latin typeface="Source Sans Pro" panose="020B0503030403020204" pitchFamily="34" charset="0"/>
-              <a:ea typeface="Source Sans Pro" panose="020B0503030403020204" pitchFamily="34" charset="0"/>
-              <a:sym typeface="Source Sans Pro Regular"/>
-            </a:endParaRPr>
+              <a:t>Unir valores coincidentes de x a y</a:t>
+            </a:r>
+            <a:r>
+              <a:rPr dirty="0">
+                <a:latin typeface="+mj-lt"/>
+                <a:ea typeface="+mj-ea"/>
+                <a:cs typeface="+mj-cs"/>
+                <a:sym typeface="Source Sans Pro Regular"/>
+              </a:rPr>
+              <a:t>.</a:t>
+            </a:r>
           </a:p>
           <a:p>
             <a:pPr>
@@ -29118,13 +28943,17 @@
                 <a:latin typeface="Source Sans Pro" panose="020B0503030403020204" pitchFamily="34" charset="0"/>
                 <a:ea typeface="Source Sans Pro" panose="020B0503030403020204" pitchFamily="34" charset="0"/>
               </a:rPr>
-              <a:t>Une datos. Conserva solo las filas con coincidencias.</a:t>
-            </a:r>
-            <a:endParaRPr dirty="0">
-              <a:latin typeface="Source Sans Pro" panose="020B0503030403020204" pitchFamily="34" charset="0"/>
-              <a:ea typeface="Source Sans Pro" panose="020B0503030403020204" pitchFamily="34" charset="0"/>
-              <a:sym typeface="Source Sans Pro Regular"/>
-            </a:endParaRPr>
+              <a:t>Unir datos. Conservar solo las filas con coincidencias</a:t>
+            </a:r>
+            <a:r>
+              <a:rPr dirty="0">
+                <a:latin typeface="+mj-lt"/>
+                <a:ea typeface="+mj-ea"/>
+                <a:cs typeface="+mj-cs"/>
+                <a:sym typeface="Source Sans Pro Regular"/>
+              </a:rPr>
+              <a:t>.</a:t>
+            </a:r>
           </a:p>
           <a:p>
             <a:pPr>
@@ -29227,13 +29056,17 @@
                 <a:latin typeface="Source Sans Pro" panose="020B0503030403020204" pitchFamily="34" charset="0"/>
                 <a:ea typeface="Source Sans Pro" panose="020B0503030403020204" pitchFamily="34" charset="0"/>
               </a:rPr>
-              <a:t>Une datos. Conserva todos los valores, todas las filas.</a:t>
-            </a:r>
-            <a:endParaRPr dirty="0">
-              <a:latin typeface="Source Sans Pro" panose="020B0503030403020204" pitchFamily="34" charset="0"/>
-              <a:ea typeface="Source Sans Pro" panose="020B0503030403020204" pitchFamily="34" charset="0"/>
-              <a:sym typeface="Source Sans Pro Regular"/>
-            </a:endParaRPr>
+              <a:t>Unir datos. Conservar todos los valores, todas las filas</a:t>
+            </a:r>
+            <a:r>
+              <a:rPr dirty="0">
+                <a:latin typeface="+mj-lt"/>
+                <a:ea typeface="+mj-ea"/>
+                <a:cs typeface="+mj-cs"/>
+                <a:sym typeface="Source Sans Pro Regular"/>
+              </a:rPr>
+              <a:t>.</a:t>
+            </a:r>
           </a:p>
         </p:txBody>
       </p:sp>
@@ -29246,7 +29079,7 @@
         <p:spPr>
           <a:xfrm>
             <a:off x="7937706" y="7878905"/>
-            <a:ext cx="2321244" cy="2429175"/>
+            <a:ext cx="2391808" cy="2429175"/>
           </a:xfrm>
           <a:prstGeom prst="rect">
             <a:avLst/>
@@ -29256,7 +29089,7 @@
           </a:ln>
           <a:extLst>
             <a:ext uri="{C572A759-6A51-4108-AA02-DFA0A04FC94B}">
-              <ma14:wrappingTextBoxFlag xmlns="" xmlns:m="http://schemas.openxmlformats.org/officeDocument/2006/math" xmlns:a14="http://schemas.microsoft.com/office/drawing/2010/main" xmlns:ma14="http://schemas.microsoft.com/office/mac/drawingml/2011/main" val="1"/>
+              <ma14:wrappingTextBoxFlag xmlns:ma14="http://schemas.microsoft.com/office/mac/drawingml/2011/main" xmlns:a14="http://schemas.microsoft.com/office/drawing/2010/main" xmlns:m="http://schemas.openxmlformats.org/officeDocument/2006/math" xmlns="" val="1"/>
             </a:ext>
           </a:extLst>
         </p:spPr>
@@ -29281,7 +29114,15 @@
             </a:pPr>
             <a:r>
               <a:rPr dirty="0"/>
-              <a:t>Use </a:t>
+              <a:t>U</a:t>
+            </a:r>
+            <a:r>
+              <a:rPr lang="es-ES" dirty="0" err="1"/>
+              <a:t>tilice</a:t>
+            </a:r>
+            <a:r>
+              <a:rPr dirty="0"/>
+              <a:t> </a:t>
             </a:r>
             <a:r>
               <a:rPr dirty="0">
@@ -29298,9 +29139,12 @@
             </a:r>
             <a:r>
               <a:rPr lang="es-ES" dirty="0"/>
-              <a:t>para especificar una o varias columnas comunes con las que emparejar.</a:t>
-            </a:r>
-            <a:endParaRPr dirty="0"/>
+              <a:t>para especificar una o varias columnas comunes para que coincidan en</a:t>
+            </a:r>
+            <a:r>
+              <a:rPr dirty="0"/>
+              <a:t>.</a:t>
+            </a:r>
           </a:p>
           <a:p>
             <a:pPr>
@@ -29360,24 +29204,8 @@
               </a:defRPr>
             </a:pPr>
             <a:r>
-              <a:rPr dirty="0"/>
-              <a:t>Use </a:t>
-            </a:r>
-            <a:r>
               <a:rPr lang="es-ES" dirty="0"/>
-              <a:t>un </a:t>
-            </a:r>
-            <a:r>
-              <a:rPr lang="es-ES" dirty="0" err="1"/>
-              <a:t>vecto</a:t>
-            </a:r>
-            <a:r>
-              <a:rPr dirty="0"/>
-              <a:t>r</a:t>
-            </a:r>
-            <a:r>
-              <a:rPr lang="es-ES" dirty="0"/>
-              <a:t> con nombre</a:t>
+              <a:t>Usar un vector con nombre</a:t>
             </a:r>
             <a:r>
               <a:rPr dirty="0"/>
@@ -29398,9 +29226,12 @@
             </a:r>
             <a:r>
               <a:rPr lang="es-ES" dirty="0"/>
-              <a:t>para emparejar columnas con nombres diferentes en cada tabla.</a:t>
-            </a:r>
-            <a:endParaRPr dirty="0"/>
+              <a:t>para que coincida en columnas que tienen nombres diferentes en cada tabla</a:t>
+            </a:r>
+            <a:r>
+              <a:rPr dirty="0"/>
+              <a:t>.</a:t>
+            </a:r>
           </a:p>
           <a:p>
             <a:pPr>
@@ -29461,7 +29292,15 @@
             </a:pPr>
             <a:r>
               <a:rPr dirty="0"/>
-              <a:t>Use </a:t>
+              <a:t>Us</a:t>
+            </a:r>
+            <a:r>
+              <a:rPr lang="es-ES" dirty="0"/>
+              <a:t>ar</a:t>
+            </a:r>
+            <a:r>
+              <a:rPr dirty="0"/>
+              <a:t> </a:t>
             </a:r>
             <a:r>
               <a:rPr dirty="0">
@@ -29478,9 +29317,12 @@
             </a:r>
             <a:r>
               <a:rPr lang="es-ES" dirty="0"/>
-              <a:t>para especificar el sufijo que se va a dar a las columnas no coincidentes que tienen el mismo nombre en ambas tablas.</a:t>
-            </a:r>
-            <a:endParaRPr dirty="0"/>
+              <a:t>para especificar el sufijo que se va a dar a las columnas no coincidentes que tienen el mismo nombre en ambas tablas</a:t>
+            </a:r>
+            <a:r>
+              <a:rPr dirty="0"/>
+              <a:t>.</a:t>
+            </a:r>
           </a:p>
           <a:p>
             <a:pPr>
@@ -29526,7 +29368,7 @@
         </p:nvSpPr>
         <p:spPr>
           <a:xfrm>
-            <a:off x="7120848" y="3260988"/>
+            <a:off x="7120848" y="3268608"/>
             <a:ext cx="6531438" cy="2"/>
           </a:xfrm>
           <a:prstGeom prst="line">
@@ -29588,7 +29430,7 @@
         </p:nvSpPr>
         <p:spPr>
           <a:xfrm>
-            <a:off x="10520143" y="3432438"/>
+            <a:off x="10520143" y="3527688"/>
             <a:ext cx="3119353" cy="364714"/>
           </a:xfrm>
           <a:prstGeom prst="rect">
@@ -29599,7 +29441,7 @@
           </a:ln>
           <a:extLst>
             <a:ext uri="{C572A759-6A51-4108-AA02-DFA0A04FC94B}">
-              <ma14:wrappingTextBoxFlag xmlns="" xmlns:m="http://schemas.openxmlformats.org/officeDocument/2006/math" xmlns:a14="http://schemas.microsoft.com/office/drawing/2010/main" xmlns:ma14="http://schemas.microsoft.com/office/mac/drawingml/2011/main" val="1"/>
+              <ma14:wrappingTextBoxFlag xmlns:ma14="http://schemas.microsoft.com/office/mac/drawingml/2011/main" xmlns:a14="http://schemas.microsoft.com/office/drawing/2010/main" xmlns:m="http://schemas.openxmlformats.org/officeDocument/2006/math" xmlns="" val="1"/>
             </a:ext>
           </a:extLst>
         </p:spPr>
@@ -29632,9 +29474,12 @@
             </a:r>
             <a:r>
               <a:rPr lang="es-ES" dirty="0"/>
-              <a:t> para filtrar una tabla con respecto a las filas de otra.</a:t>
-            </a:r>
-            <a:endParaRPr dirty="0"/>
+              <a:t> para filtrar una tabla con respecto a las filas de otra</a:t>
+            </a:r>
+            <a:r>
+              <a:rPr dirty="0"/>
+              <a:t>. </a:t>
+            </a:r>
           </a:p>
         </p:txBody>
       </p:sp>
@@ -29646,7 +29491,7 @@
         </p:nvSpPr>
         <p:spPr>
           <a:xfrm>
-            <a:off x="11000926" y="4520608"/>
+            <a:off x="11000926" y="4493938"/>
             <a:ext cx="2596900" cy="1628203"/>
           </a:xfrm>
           <a:prstGeom prst="rect">
@@ -29657,7 +29502,7 @@
           </a:ln>
           <a:extLst>
             <a:ext uri="{C572A759-6A51-4108-AA02-DFA0A04FC94B}">
-              <ma14:wrappingTextBoxFlag xmlns="" xmlns:m="http://schemas.openxmlformats.org/officeDocument/2006/math" xmlns:a14="http://schemas.microsoft.com/office/drawing/2010/main" xmlns:ma14="http://schemas.microsoft.com/office/mac/drawingml/2011/main" val="1"/>
+              <ma14:wrappingTextBoxFlag xmlns:ma14="http://schemas.microsoft.com/office/mac/drawingml/2011/main" xmlns:a14="http://schemas.microsoft.com/office/drawing/2010/main" xmlns:m="http://schemas.openxmlformats.org/officeDocument/2006/math" xmlns="" val="1"/>
             </a:ext>
           </a:extLst>
         </p:spPr>
@@ -29746,13 +29591,17 @@
                 <a:latin typeface="Source Sans Pro" panose="020B0503030403020204" pitchFamily="34" charset="0"/>
                 <a:ea typeface="Source Sans Pro" panose="020B0503030403020204" pitchFamily="34" charset="0"/>
               </a:rPr>
-              <a:t>Devuelve filas de x que tienen una coincidencia en y.  Utilícelo para ver lo que se incluirá en una combinación.</a:t>
-            </a:r>
-            <a:endParaRPr dirty="0">
-              <a:latin typeface="Source Sans Pro" panose="020B0503030403020204" pitchFamily="34" charset="0"/>
-              <a:ea typeface="Source Sans Pro" panose="020B0503030403020204" pitchFamily="34" charset="0"/>
-              <a:sym typeface="Source Sans Pro Regular"/>
-            </a:endParaRPr>
+              <a:t>Devuelve filas de x que tienen una coincidencia en y.  Utilícelo para ver lo que se incluirá en una unión</a:t>
+            </a:r>
+            <a:r>
+              <a:rPr dirty="0">
+                <a:latin typeface="+mj-lt"/>
+                <a:ea typeface="+mj-ea"/>
+                <a:cs typeface="+mj-cs"/>
+                <a:sym typeface="Source Sans Pro Regular"/>
+              </a:rPr>
+              <a:t>.</a:t>
+            </a:r>
           </a:p>
           <a:p>
             <a:pPr>
@@ -29855,13 +29704,17 @@
                 <a:latin typeface="Source Sans Pro" panose="020B0503030403020204" pitchFamily="34" charset="0"/>
                 <a:ea typeface="Source Sans Pro" panose="020B0503030403020204" pitchFamily="34" charset="0"/>
               </a:rPr>
-              <a:t>Devuelve filas de x que no tienen una coincidencia en y. Utilícelo para ver lo que no se incluirá en una combinación.</a:t>
-            </a:r>
-            <a:endParaRPr dirty="0">
-              <a:latin typeface="Source Sans Pro" panose="020B0503030403020204" pitchFamily="34" charset="0"/>
-              <a:ea typeface="Source Sans Pro" panose="020B0503030403020204" pitchFamily="34" charset="0"/>
-              <a:sym typeface="Source Sans Pro Regular"/>
-            </a:endParaRPr>
+              <a:t>Devuelve filas de x que no tienen una coincidencia en y. Utilícelo para ver lo que no se incluirá en una unión</a:t>
+            </a:r>
+            <a:r>
+              <a:rPr dirty="0">
+                <a:latin typeface="+mj-lt"/>
+                <a:ea typeface="+mj-ea"/>
+                <a:cs typeface="+mj-cs"/>
+                <a:sym typeface="Source Sans Pro Regular"/>
+              </a:rPr>
+              <a:t>.</a:t>
+            </a:r>
           </a:p>
         </p:txBody>
       </p:sp>
@@ -31475,7 +31328,7 @@
             <a:effectLst/>
             <a:extLst>
               <a:ext uri="{C572A759-6A51-4108-AA02-DFA0A04FC94B}">
-                <ma14:wrappingTextBoxFlag xmlns="" xmlns:m="http://schemas.openxmlformats.org/officeDocument/2006/math" xmlns:a14="http://schemas.microsoft.com/office/drawing/2010/main" xmlns:ma14="http://schemas.microsoft.com/office/mac/drawingml/2011/main" val="1"/>
+                <ma14:wrappingTextBoxFlag xmlns:ma14="http://schemas.microsoft.com/office/mac/drawingml/2011/main" xmlns:a14="http://schemas.microsoft.com/office/drawing/2010/main" xmlns:m="http://schemas.openxmlformats.org/officeDocument/2006/math" xmlns="" val="1"/>
               </a:ext>
             </a:extLst>
           </p:spPr>
@@ -31527,7 +31380,7 @@
             <a:effectLst/>
             <a:extLst>
               <a:ext uri="{C572A759-6A51-4108-AA02-DFA0A04FC94B}">
-                <ma14:wrappingTextBoxFlag xmlns="" xmlns:m="http://schemas.openxmlformats.org/officeDocument/2006/math" xmlns:a14="http://schemas.microsoft.com/office/drawing/2010/main" xmlns:ma14="http://schemas.microsoft.com/office/mac/drawingml/2011/main" val="1"/>
+                <ma14:wrappingTextBoxFlag xmlns:ma14="http://schemas.microsoft.com/office/mac/drawingml/2011/main" xmlns:a14="http://schemas.microsoft.com/office/drawing/2010/main" xmlns:m="http://schemas.openxmlformats.org/officeDocument/2006/math" xmlns="" val="1"/>
               </a:ext>
             </a:extLst>
           </p:spPr>
@@ -32291,7 +32144,7 @@
             <a:effectLst/>
             <a:extLst>
               <a:ext uri="{C572A759-6A51-4108-AA02-DFA0A04FC94B}">
-                <ma14:wrappingTextBoxFlag xmlns="" xmlns:m="http://schemas.openxmlformats.org/officeDocument/2006/math" xmlns:a14="http://schemas.microsoft.com/office/drawing/2010/main" xmlns:ma14="http://schemas.microsoft.com/office/mac/drawingml/2011/main" val="1"/>
+                <ma14:wrappingTextBoxFlag xmlns:ma14="http://schemas.microsoft.com/office/mac/drawingml/2011/main" xmlns:a14="http://schemas.microsoft.com/office/drawing/2010/main" xmlns:m="http://schemas.openxmlformats.org/officeDocument/2006/math" xmlns="" val="1"/>
               </a:ext>
             </a:extLst>
           </p:spPr>
@@ -32347,7 +32200,7 @@
             <a:effectLst/>
             <a:extLst>
               <a:ext uri="{C572A759-6A51-4108-AA02-DFA0A04FC94B}">
-                <ma14:wrappingTextBoxFlag xmlns="" xmlns:m="http://schemas.openxmlformats.org/officeDocument/2006/math" xmlns:a14="http://schemas.microsoft.com/office/drawing/2010/main" xmlns:ma14="http://schemas.microsoft.com/office/mac/drawingml/2011/main" val="1"/>
+                <ma14:wrappingTextBoxFlag xmlns:ma14="http://schemas.microsoft.com/office/mac/drawingml/2011/main" xmlns:a14="http://schemas.microsoft.com/office/drawing/2010/main" xmlns:m="http://schemas.openxmlformats.org/officeDocument/2006/math" xmlns="" val="1"/>
               </a:ext>
             </a:extLst>
           </p:spPr>
@@ -33101,13 +32954,13 @@
           <p:nvPr>
             <p:extLst>
               <p:ext uri="{D42A27DB-BD31-4B8C-83A1-F6EECF244321}">
-                <p14:modId xmlns:p14="http://schemas.microsoft.com/office/powerpoint/2010/main" val="3749713933"/>
+                <p14:modId xmlns:p14="http://schemas.microsoft.com/office/powerpoint/2010/main" val="279637327"/>
               </p:ext>
             </p:extLst>
           </p:nvPr>
         </p:nvGraphicFramePr>
         <p:xfrm>
-          <a:off x="7140688" y="4417509"/>
+          <a:off x="7140688" y="4360359"/>
           <a:ext cx="457200" cy="457200"/>
         </p:xfrm>
         <a:graphic>
@@ -33505,13 +33358,13 @@
           <p:nvPr>
             <p:extLst>
               <p:ext uri="{D42A27DB-BD31-4B8C-83A1-F6EECF244321}">
-                <p14:modId xmlns:p14="http://schemas.microsoft.com/office/powerpoint/2010/main" val="631631776"/>
+                <p14:modId xmlns:p14="http://schemas.microsoft.com/office/powerpoint/2010/main" val="3230413355"/>
               </p:ext>
             </p:extLst>
           </p:nvPr>
         </p:nvGraphicFramePr>
         <p:xfrm>
-          <a:off x="7140688" y="5170786"/>
+          <a:off x="7140688" y="5113636"/>
           <a:ext cx="457200" cy="457200"/>
         </p:xfrm>
         <a:graphic>
@@ -33948,13 +33801,13 @@
           <p:nvPr>
             <p:extLst>
               <p:ext uri="{D42A27DB-BD31-4B8C-83A1-F6EECF244321}">
-                <p14:modId xmlns:p14="http://schemas.microsoft.com/office/powerpoint/2010/main" val="2932957652"/>
+                <p14:modId xmlns:p14="http://schemas.microsoft.com/office/powerpoint/2010/main" val="1837776737"/>
               </p:ext>
             </p:extLst>
           </p:nvPr>
         </p:nvGraphicFramePr>
         <p:xfrm>
-          <a:off x="7140688" y="5905567"/>
+          <a:off x="7140688" y="5848417"/>
           <a:ext cx="457200" cy="342900"/>
         </p:xfrm>
         <a:graphic>
@@ -34277,13 +34130,13 @@
           <p:nvPr>
             <p:extLst>
               <p:ext uri="{D42A27DB-BD31-4B8C-83A1-F6EECF244321}">
-                <p14:modId xmlns:p14="http://schemas.microsoft.com/office/powerpoint/2010/main" val="1774894743"/>
+                <p14:modId xmlns:p14="http://schemas.microsoft.com/office/powerpoint/2010/main" val="2946784774"/>
               </p:ext>
             </p:extLst>
           </p:nvPr>
         </p:nvGraphicFramePr>
         <p:xfrm>
-          <a:off x="7140688" y="6754342"/>
+          <a:off x="7140688" y="6735292"/>
           <a:ext cx="457200" cy="571500"/>
         </p:xfrm>
         <a:graphic>
@@ -35271,13 +35124,13 @@
           <p:nvPr>
             <p:extLst>
               <p:ext uri="{D42A27DB-BD31-4B8C-83A1-F6EECF244321}">
-                <p14:modId xmlns:p14="http://schemas.microsoft.com/office/powerpoint/2010/main" val="1964223335"/>
+                <p14:modId xmlns:p14="http://schemas.microsoft.com/office/powerpoint/2010/main" val="1589035576"/>
               </p:ext>
             </p:extLst>
           </p:nvPr>
         </p:nvGraphicFramePr>
         <p:xfrm>
-          <a:off x="7140688" y="8635957"/>
+          <a:off x="7140688" y="8757877"/>
           <a:ext cx="673100" cy="457200"/>
         </p:xfrm>
         <a:graphic>
@@ -35774,13 +35627,13 @@
           <p:nvPr>
             <p:extLst>
               <p:ext uri="{D42A27DB-BD31-4B8C-83A1-F6EECF244321}">
-                <p14:modId xmlns:p14="http://schemas.microsoft.com/office/powerpoint/2010/main" val="3592845424"/>
+                <p14:modId xmlns:p14="http://schemas.microsoft.com/office/powerpoint/2010/main" val="2461329131"/>
               </p:ext>
             </p:extLst>
           </p:nvPr>
         </p:nvGraphicFramePr>
         <p:xfrm>
-          <a:off x="7140688" y="9370946"/>
+          <a:off x="7140688" y="9508106"/>
           <a:ext cx="673100" cy="457200"/>
         </p:xfrm>
         <a:graphic>
@@ -36306,7 +36159,7 @@
             <a:effectLst/>
             <a:extLst>
               <a:ext uri="{C572A759-6A51-4108-AA02-DFA0A04FC94B}">
-                <ma14:wrappingTextBoxFlag xmlns="" xmlns:m="http://schemas.openxmlformats.org/officeDocument/2006/math" xmlns:a14="http://schemas.microsoft.com/office/drawing/2010/main" xmlns:ma14="http://schemas.microsoft.com/office/mac/drawingml/2011/main" val="1"/>
+                <ma14:wrappingTextBoxFlag xmlns:ma14="http://schemas.microsoft.com/office/mac/drawingml/2011/main" xmlns:a14="http://schemas.microsoft.com/office/drawing/2010/main" xmlns:m="http://schemas.openxmlformats.org/officeDocument/2006/math" xmlns="" val="1"/>
               </a:ext>
             </a:extLst>
           </p:spPr>
@@ -36358,7 +36211,7 @@
             <a:effectLst/>
             <a:extLst>
               <a:ext uri="{C572A759-6A51-4108-AA02-DFA0A04FC94B}">
-                <ma14:wrappingTextBoxFlag xmlns="" xmlns:m="http://schemas.openxmlformats.org/officeDocument/2006/math" xmlns:a14="http://schemas.microsoft.com/office/drawing/2010/main" xmlns:ma14="http://schemas.microsoft.com/office/mac/drawingml/2011/main" val="1"/>
+                <ma14:wrappingTextBoxFlag xmlns:ma14="http://schemas.microsoft.com/office/mac/drawingml/2011/main" xmlns:a14="http://schemas.microsoft.com/office/drawing/2010/main" xmlns:m="http://schemas.openxmlformats.org/officeDocument/2006/math" xmlns="" val="1"/>
               </a:ext>
             </a:extLst>
           </p:spPr>
@@ -36982,7 +36835,7 @@
             <a:effectLst/>
             <a:extLst>
               <a:ext uri="{C572A759-6A51-4108-AA02-DFA0A04FC94B}">
-                <ma14:wrappingTextBoxFlag xmlns="" xmlns:m="http://schemas.openxmlformats.org/officeDocument/2006/math" xmlns:a14="http://schemas.microsoft.com/office/drawing/2010/main" xmlns:ma14="http://schemas.microsoft.com/office/mac/drawingml/2011/main" val="1"/>
+                <ma14:wrappingTextBoxFlag xmlns:ma14="http://schemas.microsoft.com/office/mac/drawingml/2011/main" xmlns:a14="http://schemas.microsoft.com/office/drawing/2010/main" xmlns:m="http://schemas.openxmlformats.org/officeDocument/2006/math" xmlns="" val="1"/>
               </a:ext>
             </a:extLst>
           </p:spPr>
@@ -37057,7 +36910,7 @@
             <p:nvPr>
               <p:extLst>
                 <p:ext uri="{D42A27DB-BD31-4B8C-83A1-F6EECF244321}">
-                  <p14:modId xmlns:p14="http://schemas.microsoft.com/office/powerpoint/2010/main" val="1068110362"/>
+                  <p14:modId xmlns:p14="http://schemas.microsoft.com/office/powerpoint/2010/main" val="2189886304"/>
                 </p:ext>
               </p:extLst>
             </p:nvPr>
@@ -37606,8 +37459,8 @@
         </p:nvSpPr>
         <p:spPr>
           <a:xfrm>
-            <a:off x="10520143" y="9816641"/>
-            <a:ext cx="3073861" cy="445097"/>
+            <a:off x="10520143" y="9679502"/>
+            <a:ext cx="3073861" cy="476152"/>
           </a:xfrm>
           <a:prstGeom prst="rect">
             <a:avLst/>
@@ -37617,7 +37470,7 @@
           </a:ln>
           <a:extLst>
             <a:ext uri="{C572A759-6A51-4108-AA02-DFA0A04FC94B}">
-              <ma14:wrappingTextBoxFlag xmlns="" xmlns:m="http://schemas.openxmlformats.org/officeDocument/2006/math" xmlns:a14="http://schemas.microsoft.com/office/drawing/2010/main" xmlns:ma14="http://schemas.microsoft.com/office/mac/drawingml/2011/main" val="1"/>
+              <ma14:wrappingTextBoxFlag xmlns:ma14="http://schemas.microsoft.com/office/mac/drawingml/2011/main" xmlns:a14="http://schemas.microsoft.com/office/drawing/2010/main" xmlns:m="http://schemas.openxmlformats.org/officeDocument/2006/math" xmlns="" val="1"/>
             </a:ext>
           </a:extLst>
         </p:spPr>
@@ -37641,39 +37494,22 @@
               </a:defRPr>
             </a:pPr>
             <a:r>
-              <a:rPr dirty="0"/>
-              <a:t>Use </a:t>
-            </a:r>
-            <a:r>
-              <a:rPr dirty="0" err="1">
-                <a:latin typeface="Source Sans Pro Bold"/>
-                <a:ea typeface="Source Sans Pro Bold"/>
-                <a:cs typeface="Source Sans Pro Bold"/>
-                <a:sym typeface="Source Sans Pro Bold"/>
-              </a:rPr>
+              <a:rPr lang="es-ES" dirty="0"/>
+              <a:t>Utilice </a:t>
+            </a:r>
+            <a:r>
+              <a:rPr lang="es-ES" b="1" dirty="0" err="1"/>
               <a:t>setequal</a:t>
             </a:r>
             <a:r>
-              <a:rPr dirty="0">
-                <a:latin typeface="Source Sans Pro Bold"/>
-                <a:ea typeface="Source Sans Pro Bold"/>
-                <a:cs typeface="Source Sans Pro Bold"/>
-                <a:sym typeface="Source Sans Pro Bold"/>
-              </a:rPr>
+              <a:rPr lang="es-ES" b="1" dirty="0"/>
               <a:t>()</a:t>
             </a:r>
             <a:r>
-              <a:rPr dirty="0"/>
-              <a:t> </a:t>
-            </a:r>
-            <a:r>
               <a:rPr lang="es-ES" dirty="0"/>
-              <a:t>para comprobar si dos conjuntos de datos contienen exactamente las mismas filas (en cualquier orden)</a:t>
-            </a:r>
-            <a:r>
-              <a:rPr dirty="0"/>
-              <a:t>. </a:t>
-            </a:r>
+              <a:t> para comprobar si dos conjuntos de datos contienen exactamente las mismas filas (en cualquier orden).</a:t>
+            </a:r>
+            <a:endParaRPr dirty="0"/>
           </a:p>
         </p:txBody>
       </p:sp>
@@ -37685,8 +37521,8 @@
         </p:nvSpPr>
         <p:spPr>
           <a:xfrm>
-            <a:off x="11033359" y="7888430"/>
-            <a:ext cx="2090923" cy="1923668"/>
+            <a:off x="11033359" y="7749365"/>
+            <a:ext cx="2529338" cy="1775935"/>
           </a:xfrm>
           <a:prstGeom prst="rect">
             <a:avLst/>
@@ -37696,12 +37532,12 @@
           </a:ln>
           <a:extLst>
             <a:ext uri="{C572A759-6A51-4108-AA02-DFA0A04FC94B}">
-              <ma14:wrappingTextBoxFlag xmlns="" xmlns:m="http://schemas.openxmlformats.org/officeDocument/2006/math" xmlns:a14="http://schemas.microsoft.com/office/drawing/2010/main" xmlns:ma14="http://schemas.microsoft.com/office/mac/drawingml/2011/main" val="1"/>
+              <ma14:wrappingTextBoxFlag xmlns:ma14="http://schemas.microsoft.com/office/mac/drawingml/2011/main" xmlns:a14="http://schemas.microsoft.com/office/drawing/2010/main" xmlns:m="http://schemas.openxmlformats.org/officeDocument/2006/math" xmlns="" val="1"/>
             </a:ext>
           </a:extLst>
         </p:spPr>
         <p:txBody>
-          <a:bodyPr wrap="square" lIns="0" tIns="0" rIns="0" bIns="0">
+          <a:bodyPr lIns="0" tIns="0" rIns="0" bIns="0">
             <a:spAutoFit/>
           </a:bodyPr>
           <a:lstStyle/>
@@ -37744,9 +37580,31 @@
             </a:pPr>
             <a:r>
               <a:rPr lang="es-ES" dirty="0"/>
-              <a:t>Filas que aparecen tanto en x como en y.</a:t>
-            </a:r>
-            <a:endParaRPr dirty="0"/>
+              <a:t>Filas que aparecen tanto en x </a:t>
+            </a:r>
+          </a:p>
+          <a:p>
+            <a:pPr>
+              <a:lnSpc>
+                <a:spcPct val="80000"/>
+              </a:lnSpc>
+              <a:spcBef>
+                <a:spcPts val="0"/>
+              </a:spcBef>
+              <a:defRPr>
+                <a:solidFill>
+                  <a:srgbClr val="000000"/>
+                </a:solidFill>
+              </a:defRPr>
+            </a:pPr>
+            <a:r>
+              <a:rPr lang="es-ES" dirty="0"/>
+              <a:t>como en</a:t>
+            </a:r>
+            <a:r>
+              <a:rPr dirty="0"/>
+              <a:t> y.</a:t>
+            </a:r>
           </a:p>
           <a:p>
             <a:pPr>
@@ -37807,7 +37665,30 @@
             </a:pPr>
             <a:r>
               <a:rPr lang="es-ES" dirty="0"/>
-              <a:t>Filas que aparecen en x pero no en y.</a:t>
+              <a:t>Filas que aparecen en x pero no</a:t>
+            </a:r>
+          </a:p>
+          <a:p>
+            <a:pPr>
+              <a:lnSpc>
+                <a:spcPct val="80000"/>
+              </a:lnSpc>
+              <a:spcBef>
+                <a:spcPts val="0"/>
+              </a:spcBef>
+              <a:defRPr>
+                <a:solidFill>
+                  <a:srgbClr val="000000"/>
+                </a:solidFill>
+              </a:defRPr>
+            </a:pPr>
+            <a:r>
+              <a:rPr lang="es-ES" dirty="0"/>
+              <a:t>en</a:t>
+            </a:r>
+            <a:r>
+              <a:rPr dirty="0"/>
+              <a:t> y.</a:t>
             </a:r>
           </a:p>
           <a:p>
@@ -37872,11 +37753,11 @@
             </a:br>
             <a:r>
               <a:rPr lang="es-ES" dirty="0"/>
-              <a:t>(Duplicados eliminados).</a:t>
+              <a:t>(Duplicados eliminados)</a:t>
             </a:r>
             <a:r>
               <a:rPr dirty="0"/>
-              <a:t> </a:t>
+              <a:t>. </a:t>
             </a:r>
             <a:r>
               <a:rPr dirty="0" err="1">
@@ -37902,9 +37783,12 @@
             </a:r>
             <a:r>
               <a:rPr lang="es-ES" dirty="0"/>
-              <a:t>conserva los duplicados.</a:t>
-            </a:r>
-            <a:endParaRPr dirty="0"/>
+              <a:t>conserva los duplicados</a:t>
+            </a:r>
+            <a:r>
+              <a:rPr dirty="0"/>
+              <a:t>.</a:t>
+            </a:r>
           </a:p>
         </p:txBody>
       </p:sp>
@@ -37915,13 +37799,13 @@
           <p:nvPr>
             <p:extLst>
               <p:ext uri="{D42A27DB-BD31-4B8C-83A1-F6EECF244321}">
-                <p14:modId xmlns:p14="http://schemas.microsoft.com/office/powerpoint/2010/main" val="858389276"/>
+                <p14:modId xmlns:p14="http://schemas.microsoft.com/office/powerpoint/2010/main" val="1083275329"/>
               </p:ext>
             </p:extLst>
           </p:nvPr>
         </p:nvGraphicFramePr>
         <p:xfrm>
-          <a:off x="10541920" y="7888277"/>
+          <a:off x="10541920" y="7817792"/>
           <a:ext cx="342900" cy="228600"/>
         </p:xfrm>
         <a:graphic>
@@ -38110,14 +37994,14 @@
           <p:nvPr>
             <p:extLst>
               <p:ext uri="{D42A27DB-BD31-4B8C-83A1-F6EECF244321}">
-                <p14:modId xmlns:p14="http://schemas.microsoft.com/office/powerpoint/2010/main" val="2844565838"/>
+                <p14:modId xmlns:p14="http://schemas.microsoft.com/office/powerpoint/2010/main" val="1896723183"/>
               </p:ext>
             </p:extLst>
           </p:nvPr>
         </p:nvGraphicFramePr>
         <p:xfrm>
-          <a:off x="10541920" y="9020230"/>
-          <a:ext cx="342900" cy="590495"/>
+          <a:off x="10541920" y="8944030"/>
+          <a:ext cx="342900" cy="571500"/>
         </p:xfrm>
         <a:graphic>
           <a:graphicData uri="http://schemas.openxmlformats.org/drawingml/2006/table">
@@ -38148,7 +38032,7 @@
                   </a:extLst>
                 </a:gridCol>
               </a:tblGrid>
-              <a:tr h="133295">
+              <a:tr h="114300">
                 <a:tc>
                   <a:txBody>
                     <a:bodyPr/>
@@ -38482,13 +38366,13 @@
           <p:nvPr>
             <p:extLst>
               <p:ext uri="{D42A27DB-BD31-4B8C-83A1-F6EECF244321}">
-                <p14:modId xmlns:p14="http://schemas.microsoft.com/office/powerpoint/2010/main" val="2814299969"/>
+                <p14:modId xmlns:p14="http://schemas.microsoft.com/office/powerpoint/2010/main" val="4261288394"/>
               </p:ext>
             </p:extLst>
           </p:nvPr>
         </p:nvGraphicFramePr>
         <p:xfrm>
-          <a:off x="10541920" y="8349266"/>
+          <a:off x="10541920" y="8347361"/>
           <a:ext cx="342900" cy="342900"/>
         </p:xfrm>
         <a:graphic>
@@ -38734,14 +38618,14 @@
           <p:nvPr/>
         </p:nvPicPr>
         <p:blipFill>
-          <a:blip r:embed="rId8"/>
+          <a:blip r:embed="rId4"/>
           <a:stretch>
             <a:fillRect/>
           </a:stretch>
         </p:blipFill>
         <p:spPr>
           <a:xfrm>
-            <a:off x="13220194" y="7924227"/>
+            <a:off x="13220194" y="7819452"/>
             <a:ext cx="374548" cy="239295"/>
           </a:xfrm>
           <a:prstGeom prst="rect">
@@ -38761,14 +38645,14 @@
           <p:nvPr/>
         </p:nvPicPr>
         <p:blipFill>
-          <a:blip r:embed="rId9"/>
+          <a:blip r:embed="rId5"/>
           <a:stretch>
             <a:fillRect/>
           </a:stretch>
         </p:blipFill>
         <p:spPr>
           <a:xfrm>
-            <a:off x="13220194" y="8585737"/>
+            <a:off x="13220194" y="8368567"/>
             <a:ext cx="374548" cy="239295"/>
           </a:xfrm>
           <a:prstGeom prst="rect">
@@ -38788,14 +38672,14 @@
           <p:nvPr/>
         </p:nvPicPr>
         <p:blipFill>
-          <a:blip r:embed="rId10"/>
+          <a:blip r:embed="rId6"/>
           <a:stretch>
             <a:fillRect/>
           </a:stretch>
         </p:blipFill>
         <p:spPr>
           <a:xfrm>
-            <a:off x="13229719" y="9302091"/>
+            <a:off x="13220194" y="8921091"/>
             <a:ext cx="374548" cy="239295"/>
           </a:xfrm>
           <a:prstGeom prst="rect">
@@ -38814,7 +38698,7 @@
         </p:nvGrpSpPr>
         <p:grpSpPr>
           <a:xfrm>
-            <a:off x="10835078" y="3940924"/>
+            <a:off x="10835078" y="3876154"/>
             <a:ext cx="1317702" cy="636765"/>
             <a:chOff x="25400" y="25400"/>
             <a:chExt cx="1317700" cy="636763"/>
@@ -38842,7 +38726,7 @@
             <a:effectLst/>
             <a:extLst>
               <a:ext uri="{C572A759-6A51-4108-AA02-DFA0A04FC94B}">
-                <ma14:wrappingTextBoxFlag xmlns="" xmlns:m="http://schemas.openxmlformats.org/officeDocument/2006/math" xmlns:a14="http://schemas.microsoft.com/office/drawing/2010/main" xmlns:ma14="http://schemas.microsoft.com/office/mac/drawingml/2011/main" val="1"/>
+                <ma14:wrappingTextBoxFlag xmlns:ma14="http://schemas.microsoft.com/office/mac/drawingml/2011/main" xmlns:a14="http://schemas.microsoft.com/office/drawing/2010/main" xmlns:m="http://schemas.openxmlformats.org/officeDocument/2006/math" xmlns="" val="1"/>
               </a:ext>
             </a:extLst>
           </p:spPr>
@@ -38894,7 +38778,7 @@
             <a:effectLst/>
             <a:extLst>
               <a:ext uri="{C572A759-6A51-4108-AA02-DFA0A04FC94B}">
-                <ma14:wrappingTextBoxFlag xmlns="" xmlns:m="http://schemas.openxmlformats.org/officeDocument/2006/math" xmlns:a14="http://schemas.microsoft.com/office/drawing/2010/main" xmlns:ma14="http://schemas.microsoft.com/office/mac/drawingml/2011/main" val="1"/>
+                <ma14:wrappingTextBoxFlag xmlns:ma14="http://schemas.microsoft.com/office/mac/drawingml/2011/main" xmlns:a14="http://schemas.microsoft.com/office/drawing/2010/main" xmlns:m="http://schemas.openxmlformats.org/officeDocument/2006/math" xmlns="" val="1"/>
               </a:ext>
             </a:extLst>
           </p:spPr>
@@ -39658,7 +39542,7 @@
             <a:effectLst/>
             <a:extLst>
               <a:ext uri="{C572A759-6A51-4108-AA02-DFA0A04FC94B}">
-                <ma14:wrappingTextBoxFlag xmlns="" xmlns:m="http://schemas.openxmlformats.org/officeDocument/2006/math" xmlns:a14="http://schemas.microsoft.com/office/drawing/2010/main" xmlns:ma14="http://schemas.microsoft.com/office/mac/drawingml/2011/main" val="1"/>
+                <ma14:wrappingTextBoxFlag xmlns:ma14="http://schemas.microsoft.com/office/mac/drawingml/2011/main" xmlns:a14="http://schemas.microsoft.com/office/drawing/2010/main" xmlns:m="http://schemas.openxmlformats.org/officeDocument/2006/math" xmlns="" val="1"/>
               </a:ext>
             </a:extLst>
           </p:spPr>
@@ -39715,7 +39599,7 @@
             <a:effectLst/>
             <a:extLst>
               <a:ext uri="{C572A759-6A51-4108-AA02-DFA0A04FC94B}">
-                <ma14:wrappingTextBoxFlag xmlns="" xmlns:m="http://schemas.openxmlformats.org/officeDocument/2006/math" xmlns:a14="http://schemas.microsoft.com/office/drawing/2010/main" xmlns:ma14="http://schemas.microsoft.com/office/mac/drawingml/2011/main" val="1"/>
+                <ma14:wrappingTextBoxFlag xmlns:ma14="http://schemas.microsoft.com/office/mac/drawingml/2011/main" xmlns:a14="http://schemas.microsoft.com/office/drawing/2010/main" xmlns:m="http://schemas.openxmlformats.org/officeDocument/2006/math" xmlns="" val="1"/>
               </a:ext>
             </a:extLst>
           </p:spPr>
@@ -39758,13 +39642,13 @@
           <p:nvPr>
             <p:extLst>
               <p:ext uri="{D42A27DB-BD31-4B8C-83A1-F6EECF244321}">
-                <p14:modId xmlns:p14="http://schemas.microsoft.com/office/powerpoint/2010/main" val="1165876084"/>
+                <p14:modId xmlns:p14="http://schemas.microsoft.com/office/powerpoint/2010/main" val="2770792216"/>
               </p:ext>
             </p:extLst>
           </p:nvPr>
         </p:nvGraphicFramePr>
         <p:xfrm>
-          <a:off x="10541920" y="5322292"/>
+          <a:off x="10541920" y="5592802"/>
           <a:ext cx="342900" cy="228600"/>
         </p:xfrm>
         <a:graphic>
@@ -39927,7 +39811,7 @@
                     <a:p>
                       <a:pPr defTabSz="914400"/>
                       <a:r>
-                        <a:rPr sz="700">
+                        <a:rPr sz="700" dirty="0">
                           <a:sym typeface="Source Sans Pro Regular"/>
                         </a:rPr>
                         <a:t>3</a:t>
@@ -39953,13 +39837,13 @@
           <p:nvPr>
             <p:extLst>
               <p:ext uri="{D42A27DB-BD31-4B8C-83A1-F6EECF244321}">
-                <p14:modId xmlns:p14="http://schemas.microsoft.com/office/powerpoint/2010/main" val="3601478345"/>
+                <p14:modId xmlns:p14="http://schemas.microsoft.com/office/powerpoint/2010/main" val="3836134738"/>
               </p:ext>
             </p:extLst>
           </p:nvPr>
         </p:nvGraphicFramePr>
         <p:xfrm>
-          <a:off x="10541920" y="4555616"/>
+          <a:off x="10541920" y="4696586"/>
           <a:ext cx="342900" cy="342900"/>
         </p:xfrm>
         <a:graphic>
@@ -40177,7 +40061,7 @@
                     <a:p>
                       <a:pPr defTabSz="914400"/>
                       <a:r>
-                        <a:rPr sz="700">
+                        <a:rPr sz="700" dirty="0">
                           <a:sym typeface="Source Sans Pro Regular"/>
                         </a:rPr>
                         <a:t>2</a:t>
@@ -40227,33 +40111,6 @@
           </a:p>
         </p:txBody>
       </p:sp>
-      <p:pic>
-        <p:nvPicPr>
-          <p:cNvPr id="378" name="Image" descr="Image"/>
-          <p:cNvPicPr>
-            <a:picLocks noChangeAspect="1"/>
-          </p:cNvPicPr>
-          <p:nvPr/>
-        </p:nvPicPr>
-        <p:blipFill>
-          <a:blip r:embed="rId11"/>
-          <a:stretch>
-            <a:fillRect/>
-          </a:stretch>
-        </p:blipFill>
-        <p:spPr>
-          <a:xfrm>
-            <a:off x="302322" y="10117480"/>
-            <a:ext cx="1358903" cy="477473"/>
-          </a:xfrm>
-          <a:prstGeom prst="rect">
-            <a:avLst/>
-          </a:prstGeom>
-          <a:ln w="12700">
-            <a:miter lim="400000"/>
-          </a:ln>
-        </p:spPr>
-      </p:pic>
       <p:sp>
         <p:nvSpPr>
           <p:cNvPr id="379" name="Use a &quot;Mutating Join&quot; to join one table to columns from another, matching values with the rows that they correspond to. Each join retains a different combination of values from the tables."/>
@@ -40262,7 +40119,7 @@
         </p:nvSpPr>
         <p:spPr>
           <a:xfrm>
-            <a:off x="7111868" y="3584838"/>
+            <a:off x="7111868" y="3527688"/>
             <a:ext cx="3118746" cy="741806"/>
           </a:xfrm>
           <a:prstGeom prst="rect">
@@ -40273,7 +40130,7 @@
           </a:ln>
           <a:extLst>
             <a:ext uri="{C572A759-6A51-4108-AA02-DFA0A04FC94B}">
-              <ma14:wrappingTextBoxFlag xmlns="" xmlns:m="http://schemas.openxmlformats.org/officeDocument/2006/math" xmlns:a14="http://schemas.microsoft.com/office/drawing/2010/main" xmlns:ma14="http://schemas.microsoft.com/office/mac/drawingml/2011/main" val="1"/>
+              <ma14:wrappingTextBoxFlag xmlns:ma14="http://schemas.microsoft.com/office/mac/drawingml/2011/main" xmlns:a14="http://schemas.microsoft.com/office/drawing/2010/main" xmlns:m="http://schemas.openxmlformats.org/officeDocument/2006/math" xmlns="" val="1"/>
             </a:ext>
           </a:extLst>
         </p:spPr>
@@ -40320,7 +40177,7 @@
         </p:nvSpPr>
         <p:spPr>
           <a:xfrm>
-            <a:off x="7111868" y="3343044"/>
+            <a:off x="7111868" y="3293514"/>
             <a:ext cx="1522853" cy="184666"/>
           </a:xfrm>
           <a:prstGeom prst="rect">
@@ -40331,7 +40188,7 @@
           </a:ln>
           <a:extLst>
             <a:ext uri="{C572A759-6A51-4108-AA02-DFA0A04FC94B}">
-              <ma14:wrappingTextBoxFlag xmlns="" xmlns:m="http://schemas.openxmlformats.org/officeDocument/2006/math" xmlns:a14="http://schemas.microsoft.com/office/drawing/2010/main" xmlns:ma14="http://schemas.microsoft.com/office/mac/drawingml/2011/main" val="1"/>
+              <ma14:wrappingTextBoxFlag xmlns:ma14="http://schemas.microsoft.com/office/mac/drawingml/2011/main" xmlns:a14="http://schemas.microsoft.com/office/drawing/2010/main" xmlns:m="http://schemas.openxmlformats.org/officeDocument/2006/math" xmlns="" val="1"/>
             </a:ext>
           </a:extLst>
         </p:spPr>
@@ -40365,7 +40222,7 @@
         </p:nvSpPr>
         <p:spPr>
           <a:xfrm>
-            <a:off x="11599895" y="2145088"/>
+            <a:off x="11599895" y="2068888"/>
             <a:ext cx="2090924" cy="1185004"/>
           </a:xfrm>
           <a:prstGeom prst="rect">
@@ -40376,7 +40233,7 @@
           </a:ln>
           <a:extLst>
             <a:ext uri="{C572A759-6A51-4108-AA02-DFA0A04FC94B}">
-              <ma14:wrappingTextBoxFlag xmlns="" xmlns:m="http://schemas.openxmlformats.org/officeDocument/2006/math" xmlns:a14="http://schemas.microsoft.com/office/drawing/2010/main" xmlns:ma14="http://schemas.microsoft.com/office/mac/drawingml/2011/main" val="1"/>
+              <ma14:wrappingTextBoxFlag xmlns:ma14="http://schemas.microsoft.com/office/mac/drawingml/2011/main" xmlns:a14="http://schemas.microsoft.com/office/drawing/2010/main" xmlns:m="http://schemas.openxmlformats.org/officeDocument/2006/math" xmlns="" val="1"/>
             </a:ext>
           </a:extLst>
         </p:spPr>
@@ -40441,9 +40298,12 @@
             </a:pPr>
             <a:r>
               <a:rPr lang="es-ES" dirty="0"/>
-              <a:t>Devuelve tablas una encima de la otra como una sola tabla. Establezca .id en un nombre de columna para agregar una columna de los nombres de tabla originales (como se muestra en la imagen).</a:t>
-            </a:r>
-            <a:endParaRPr dirty="0"/>
+              <a:t>Devuelve tablas una encima de la otra como una sola tabla. Establezca .id en un nombre de columna para agregar una columna de los nombres de tabla originales (como se muestra en la imagen)</a:t>
+            </a:r>
+            <a:r>
+              <a:rPr dirty="0"/>
+              <a:t>.</a:t>
+            </a:r>
           </a:p>
         </p:txBody>
       </p:sp>
@@ -40455,7 +40315,7 @@
         </p:nvSpPr>
         <p:spPr>
           <a:xfrm>
-            <a:off x="10520143" y="7607528"/>
+            <a:off x="10520143" y="7521803"/>
             <a:ext cx="1995739" cy="184666"/>
           </a:xfrm>
           <a:prstGeom prst="rect">
@@ -40466,7 +40326,7 @@
           </a:ln>
           <a:extLst>
             <a:ext uri="{C572A759-6A51-4108-AA02-DFA0A04FC94B}">
-              <ma14:wrappingTextBoxFlag xmlns="" xmlns:m="http://schemas.openxmlformats.org/officeDocument/2006/math" xmlns:a14="http://schemas.microsoft.com/office/drawing/2010/main" xmlns:ma14="http://schemas.microsoft.com/office/mac/drawingml/2011/main" val="1"/>
+              <ma14:wrappingTextBoxFlag xmlns:ma14="http://schemas.microsoft.com/office/mac/drawingml/2011/main" xmlns:a14="http://schemas.microsoft.com/office/drawing/2010/main" xmlns:m="http://schemas.openxmlformats.org/officeDocument/2006/math" xmlns="" val="1"/>
             </a:ext>
           </a:extLst>
         </p:spPr>
@@ -40532,7 +40392,7 @@
         <p:spPr>
           <a:xfrm>
             <a:off x="7111868" y="7598003"/>
-            <a:ext cx="3215624" cy="184666"/>
+            <a:ext cx="3058530" cy="184666"/>
           </a:xfrm>
           <a:prstGeom prst="rect">
             <a:avLst/>
@@ -40542,7 +40402,7 @@
           </a:ln>
           <a:extLst>
             <a:ext uri="{C572A759-6A51-4108-AA02-DFA0A04FC94B}">
-              <ma14:wrappingTextBoxFlag xmlns="" xmlns:m="http://schemas.openxmlformats.org/officeDocument/2006/math" xmlns:a14="http://schemas.microsoft.com/office/drawing/2010/main" xmlns:ma14="http://schemas.microsoft.com/office/mac/drawingml/2011/main" val="1"/>
+              <ma14:wrappingTextBoxFlag xmlns:ma14="http://schemas.microsoft.com/office/mac/drawingml/2011/main" xmlns:a14="http://schemas.microsoft.com/office/drawing/2010/main" xmlns:m="http://schemas.openxmlformats.org/officeDocument/2006/math" xmlns="" val="1"/>
             </a:ext>
           </a:extLst>
         </p:spPr>
@@ -40562,12 +40422,9 @@
             </a:pPr>
             <a:r>
               <a:rPr lang="es-ES" dirty="0"/>
-              <a:t>EMPAREJAMIENTO DE COLUMNAS PARA</a:t>
-            </a:r>
-            <a:r>
-              <a:rPr dirty="0"/>
-              <a:t> JOINS</a:t>
-            </a:r>
+              <a:t>COINCIDENCIA DE COLUMNAS PARA UNIONES</a:t>
+            </a:r>
+            <a:endParaRPr dirty="0"/>
           </a:p>
         </p:txBody>
       </p:sp>
@@ -40579,8 +40436,8 @@
         </p:nvSpPr>
         <p:spPr>
           <a:xfrm>
-            <a:off x="10520143" y="6182297"/>
-            <a:ext cx="3119353" cy="409190"/>
+            <a:off x="10520143" y="6128957"/>
+            <a:ext cx="3119353" cy="457200"/>
           </a:xfrm>
           <a:prstGeom prst="rect">
             <a:avLst/>
@@ -40590,13 +40447,13 @@
           </a:ln>
           <a:extLst>
             <a:ext uri="{C572A759-6A51-4108-AA02-DFA0A04FC94B}">
-              <ma14:wrappingTextBoxFlag xmlns="" xmlns:m="http://schemas.openxmlformats.org/officeDocument/2006/math" xmlns:a14="http://schemas.microsoft.com/office/drawing/2010/main" xmlns:ma14="http://schemas.microsoft.com/office/mac/drawingml/2011/main" val="1"/>
+              <ma14:wrappingTextBoxFlag xmlns:ma14="http://schemas.microsoft.com/office/mac/drawingml/2011/main" xmlns:a14="http://schemas.microsoft.com/office/drawing/2010/main" xmlns:m="http://schemas.openxmlformats.org/officeDocument/2006/math" xmlns="" val="1"/>
             </a:ext>
           </a:extLst>
         </p:spPr>
         <p:txBody>
           <a:bodyPr lIns="0" tIns="0" rIns="0" bIns="0">
-            <a:normAutofit lnSpcReduction="10000"/>
+            <a:normAutofit/>
           </a:bodyPr>
           <a:lstStyle/>
           <a:p>
@@ -40615,7 +40472,7 @@
             </a:pPr>
             <a:r>
               <a:rPr lang="es-ES" dirty="0"/>
-              <a:t>Utilice una </a:t>
+              <a:t>Usar una </a:t>
             </a:r>
             <a:r>
               <a:rPr lang="es-ES" b="1" dirty="0"/>
@@ -40623,9 +40480,12 @@
             </a:r>
             <a:r>
               <a:rPr lang="es-ES" dirty="0"/>
-              <a:t> para unir internamente una tabla con otra en un marco de datos anidado.</a:t>
-            </a:r>
-            <a:endParaRPr dirty="0"/>
+              <a:t> para unir internamente una tabla con otra en un marco de datos anidado</a:t>
+            </a:r>
+            <a:r>
+              <a:rPr dirty="0"/>
+              <a:t>.</a:t>
+            </a:r>
           </a:p>
         </p:txBody>
       </p:sp>
@@ -40636,13 +40496,13 @@
           <p:nvPr>
             <p:extLst>
               <p:ext uri="{D42A27DB-BD31-4B8C-83A1-F6EECF244321}">
-                <p14:modId xmlns:p14="http://schemas.microsoft.com/office/powerpoint/2010/main" val="3145699874"/>
+                <p14:modId xmlns:p14="http://schemas.microsoft.com/office/powerpoint/2010/main" val="1886646702"/>
               </p:ext>
             </p:extLst>
           </p:nvPr>
         </p:nvGraphicFramePr>
         <p:xfrm>
-          <a:off x="10541920" y="6648856"/>
+          <a:off x="10541920" y="6635521"/>
           <a:ext cx="924775" cy="457200"/>
         </p:xfrm>
         <a:graphic>
@@ -41010,10 +40870,22 @@
                     <a:p>
                       <a:pPr defTabSz="914400"/>
                       <a:r>
-                        <a:rPr sz="700">
+                        <a:rPr sz="700" dirty="0">
                           <a:sym typeface="Source Sans Pro Regular"/>
                         </a:rPr>
-                        <a:t>&lt;tibble [1x2]&gt;</a:t>
+                        <a:t>&lt;</a:t>
+                      </a:r>
+                      <a:r>
+                        <a:rPr sz="700" dirty="0" err="1">
+                          <a:sym typeface="Source Sans Pro Regular"/>
+                        </a:rPr>
+                        <a:t>tibble</a:t>
+                      </a:r>
+                      <a:r>
+                        <a:rPr sz="700" dirty="0">
+                          <a:sym typeface="Source Sans Pro Regular"/>
+                        </a:rPr>
+                        <a:t> [1x2]&gt;</a:t>
                       </a:r>
                     </a:p>
                   </a:txBody>
@@ -41041,7 +40913,7 @@
         </p:nvSpPr>
         <p:spPr>
           <a:xfrm>
-            <a:off x="11584374" y="6623456"/>
+            <a:off x="11584374" y="6602501"/>
             <a:ext cx="2090923" cy="889539"/>
           </a:xfrm>
           <a:prstGeom prst="rect">
@@ -41052,7 +40924,7 @@
           </a:ln>
           <a:extLst>
             <a:ext uri="{C572A759-6A51-4108-AA02-DFA0A04FC94B}">
-              <ma14:wrappingTextBoxFlag xmlns="" xmlns:m="http://schemas.openxmlformats.org/officeDocument/2006/math" xmlns:a14="http://schemas.microsoft.com/office/drawing/2010/main" xmlns:ma14="http://schemas.microsoft.com/office/mac/drawingml/2011/main" val="1"/>
+              <ma14:wrappingTextBoxFlag xmlns:ma14="http://schemas.microsoft.com/office/mac/drawingml/2011/main" xmlns:a14="http://schemas.microsoft.com/office/drawing/2010/main" xmlns:m="http://schemas.openxmlformats.org/officeDocument/2006/math" xmlns="" val="1"/>
             </a:ext>
           </a:extLst>
         </p:spPr>
@@ -41114,13 +40986,17 @@
                 <a:latin typeface="Source Sans Pro" panose="020B0503030403020204" pitchFamily="34" charset="0"/>
                 <a:ea typeface="Source Sans Pro" panose="020B0503030403020204" pitchFamily="34" charset="0"/>
               </a:rPr>
-              <a:t>Unir datos, anidando coincidencias de y en una sola columna de marco de datos nueva.</a:t>
-            </a:r>
-            <a:endParaRPr dirty="0">
-              <a:latin typeface="Source Sans Pro" panose="020B0503030403020204" pitchFamily="34" charset="0"/>
-              <a:ea typeface="Source Sans Pro" panose="020B0503030403020204" pitchFamily="34" charset="0"/>
-              <a:sym typeface="Source Sans Pro Regular"/>
-            </a:endParaRPr>
+              <a:t>Unir datos, anidar coincidencias de y en una sola columna de trama de datos nueva</a:t>
+            </a:r>
+            <a:r>
+              <a:rPr dirty="0">
+                <a:latin typeface="+mj-lt"/>
+                <a:ea typeface="+mj-ea"/>
+                <a:cs typeface="+mj-cs"/>
+                <a:sym typeface="Source Sans Pro Regular"/>
+              </a:rPr>
+              <a:t>.</a:t>
+            </a:r>
           </a:p>
         </p:txBody>
       </p:sp>
@@ -41133,7 +41009,7 @@
           <p:nvPr/>
         </p:nvPicPr>
         <p:blipFill>
-          <a:blip r:embed="rId12"/>
+          <a:blip r:embed="rId7"/>
           <a:stretch>
             <a:fillRect/>
           </a:stretch>
@@ -41151,6 +41027,189 @@
           </a:ln>
         </p:spPr>
       </p:pic>
+      <p:pic>
+        <p:nvPicPr>
+          <p:cNvPr id="2" name="posit-full-color.png" descr="posit-full-color.png">
+            <a:extLst>
+              <a:ext uri="{FF2B5EF4-FFF2-40B4-BE49-F238E27FC236}">
+                <a16:creationId xmlns:a16="http://schemas.microsoft.com/office/drawing/2014/main" id="{145FDFED-4450-5089-5705-BF7A3FEC9046}"/>
+              </a:ext>
+            </a:extLst>
+          </p:cNvPr>
+          <p:cNvPicPr>
+            <a:picLocks noChangeAspect="1"/>
+          </p:cNvPicPr>
+          <p:nvPr/>
+        </p:nvPicPr>
+        <p:blipFill>
+          <a:blip r:embed="rId8"/>
+          <a:srcRect/>
+          <a:stretch>
+            <a:fillRect/>
+          </a:stretch>
+        </p:blipFill>
+        <p:spPr>
+          <a:xfrm>
+            <a:off x="217442" y="10050579"/>
+            <a:ext cx="1719068" cy="544372"/>
+          </a:xfrm>
+          <a:prstGeom prst="rect">
+            <a:avLst/>
+          </a:prstGeom>
+          <a:ln w="12700">
+            <a:miter lim="400000"/>
+          </a:ln>
+        </p:spPr>
+      </p:pic>
+      <p:sp>
+        <p:nvSpPr>
+          <p:cNvPr id="3" name="CC BY SA Posit Software, PBC  •   info@posit.co  •   posit.co  •  Learn more at dplyr.tidyverse.org  •  HTML cheatsheets at pos.it/cheatsheets  •  dplyr  1.1.4  •  Updated:  2024-05">
+            <a:extLst>
+              <a:ext uri="{FF2B5EF4-FFF2-40B4-BE49-F238E27FC236}">
+                <a16:creationId xmlns:a16="http://schemas.microsoft.com/office/drawing/2014/main" id="{AF3F6581-CE21-F3AB-DC60-C793A6070FA4}"/>
+              </a:ext>
+            </a:extLst>
+          </p:cNvPr>
+          <p:cNvSpPr txBox="1"/>
+          <p:nvPr/>
+        </p:nvSpPr>
+        <p:spPr>
+          <a:xfrm>
+            <a:off x="1845572" y="10347903"/>
+            <a:ext cx="11830666" cy="234855"/>
+          </a:xfrm>
+          <a:prstGeom prst="rect">
+            <a:avLst/>
+          </a:prstGeom>
+          <a:ln w="12700">
+            <a:miter lim="400000"/>
+          </a:ln>
+          <a:extLst>
+            <a:ext uri="{C572A759-6A51-4108-AA02-DFA0A04FC94B}">
+              <ma14:wrappingTextBoxFlag xmlns="" xmlns:m="http://schemas.openxmlformats.org/officeDocument/2006/math" xmlns:a14="http://schemas.microsoft.com/office/drawing/2010/main" xmlns:ma14="http://schemas.microsoft.com/office/mac/drawingml/2011/main" val="1"/>
+            </a:ext>
+          </a:extLst>
+        </p:spPr>
+        <p:txBody>
+          <a:bodyPr lIns="54570" tIns="54570" rIns="54570" bIns="54570" anchor="ctr">
+            <a:spAutoFit/>
+          </a:bodyPr>
+          <a:lstStyle/>
+          <a:p>
+            <a:pPr algn="r">
+              <a:lnSpc>
+                <a:spcPct val="90000"/>
+              </a:lnSpc>
+              <a:spcBef>
+                <a:spcPts val="0"/>
+              </a:spcBef>
+              <a:defRPr sz="900" b="0">
+                <a:solidFill>
+                  <a:srgbClr val="000000"/>
+                </a:solidFill>
+              </a:defRPr>
+            </a:pPr>
+            <a:r>
+              <a:rPr dirty="0"/>
+              <a:t>CC BY SA Posit Software, PBC  •   </a:t>
+            </a:r>
+            <a:r>
+              <a:rPr dirty="0">
+                <a:hlinkClick r:id="rId9"/>
+              </a:rPr>
+              <a:t>info@posit.co</a:t>
+            </a:r>
+            <a:r>
+              <a:rPr dirty="0"/>
+              <a:t>  •   </a:t>
+            </a:r>
+            <a:r>
+              <a:rPr dirty="0">
+                <a:hlinkClick r:id="rId10"/>
+              </a:rPr>
+              <a:t>posit.co</a:t>
+            </a:r>
+            <a:r>
+              <a:rPr dirty="0"/>
+              <a:t>  •  </a:t>
+            </a:r>
+            <a:r>
+              <a:rPr lang="es-ES" dirty="0"/>
+              <a:t>Vea más en</a:t>
+            </a:r>
+            <a:r>
+              <a:rPr dirty="0"/>
+              <a:t> </a:t>
+            </a:r>
+            <a:r>
+              <a:rPr b="1" dirty="0">
+                <a:hlinkClick r:id="rId11"/>
+              </a:rPr>
+              <a:t>dplyr.tidyverse.org</a:t>
+            </a:r>
+            <a:r>
+              <a:rPr dirty="0"/>
+              <a:t>  •  </a:t>
+            </a:r>
+            <a:r>
+              <a:rPr lang="es-ES" dirty="0"/>
+              <a:t>Guía rápida </a:t>
+            </a:r>
+            <a:r>
+              <a:rPr dirty="0"/>
+              <a:t>HTML </a:t>
+            </a:r>
+            <a:r>
+              <a:rPr lang="es-ES" dirty="0"/>
+              <a:t>en</a:t>
+            </a:r>
+            <a:r>
+              <a:rPr dirty="0"/>
+              <a:t> </a:t>
+            </a:r>
+            <a:r>
+              <a:rPr b="1" dirty="0">
+                <a:hlinkClick r:id="rId12"/>
+              </a:rPr>
+              <a:t>pos.it/</a:t>
+            </a:r>
+            <a:r>
+              <a:rPr b="1" dirty="0" err="1">
+                <a:hlinkClick r:id="rId12"/>
+              </a:rPr>
+              <a:t>cheatsheets</a:t>
+            </a:r>
+            <a:r>
+              <a:rPr dirty="0">
+                <a:solidFill>
+                  <a:srgbClr val="D1D2D3"/>
+                </a:solidFill>
+              </a:rPr>
+              <a:t>  </a:t>
+            </a:r>
+            <a:r>
+              <a:rPr dirty="0"/>
+              <a:t>•  </a:t>
+            </a:r>
+            <a:r>
+              <a:rPr dirty="0" err="1"/>
+              <a:t>dplyr</a:t>
+            </a:r>
+            <a:r>
+              <a:rPr dirty="0"/>
+              <a:t>  1.1.4  •  </a:t>
+            </a:r>
+            <a:r>
+              <a:rPr lang="es-ES" dirty="0"/>
+              <a:t>Actualizado</a:t>
+            </a:r>
+            <a:r>
+              <a:rPr dirty="0"/>
+              <a:t>:  2024-05</a:t>
+            </a:r>
+          </a:p>
+        </p:txBody>
+      </p:sp>
     </p:spTree>
   </p:cSld>
   <p:clrMapOvr>
